--- a/IAEA_poster.pptx
+++ b/IAEA_poster.pptx
@@ -243,7 +243,7 @@
           <a:p>
             <a:fld id="{D6CCE9EA-F87E-449B-A760-0CFB0069B4F4}" type="datetimeFigureOut">
               <a:rPr lang="en-US" smtClean="0"/>
-              <a:t>8/2/2023</a:t>
+              <a:t>8/21/2023</a:t>
             </a:fld>
             <a:endParaRPr lang="en-US"/>
           </a:p>
@@ -413,7 +413,7 @@
           <a:p>
             <a:fld id="{D6CCE9EA-F87E-449B-A760-0CFB0069B4F4}" type="datetimeFigureOut">
               <a:rPr lang="en-US" smtClean="0"/>
-              <a:t>8/2/2023</a:t>
+              <a:t>8/21/2023</a:t>
             </a:fld>
             <a:endParaRPr lang="en-US"/>
           </a:p>
@@ -593,7 +593,7 @@
           <a:p>
             <a:fld id="{D6CCE9EA-F87E-449B-A760-0CFB0069B4F4}" type="datetimeFigureOut">
               <a:rPr lang="en-US" smtClean="0"/>
-              <a:t>8/2/2023</a:t>
+              <a:t>8/21/2023</a:t>
             </a:fld>
             <a:endParaRPr lang="en-US"/>
           </a:p>
@@ -763,7 +763,7 @@
           <a:p>
             <a:fld id="{D6CCE9EA-F87E-449B-A760-0CFB0069B4F4}" type="datetimeFigureOut">
               <a:rPr lang="en-US" smtClean="0"/>
-              <a:t>8/2/2023</a:t>
+              <a:t>8/21/2023</a:t>
             </a:fld>
             <a:endParaRPr lang="en-US"/>
           </a:p>
@@ -1007,7 +1007,7 @@
           <a:p>
             <a:fld id="{D6CCE9EA-F87E-449B-A760-0CFB0069B4F4}" type="datetimeFigureOut">
               <a:rPr lang="en-US" smtClean="0"/>
-              <a:t>8/2/2023</a:t>
+              <a:t>8/21/2023</a:t>
             </a:fld>
             <a:endParaRPr lang="en-US"/>
           </a:p>
@@ -1239,7 +1239,7 @@
           <a:p>
             <a:fld id="{D6CCE9EA-F87E-449B-A760-0CFB0069B4F4}" type="datetimeFigureOut">
               <a:rPr lang="en-US" smtClean="0"/>
-              <a:t>8/2/2023</a:t>
+              <a:t>8/21/2023</a:t>
             </a:fld>
             <a:endParaRPr lang="en-US"/>
           </a:p>
@@ -1606,7 +1606,7 @@
           <a:p>
             <a:fld id="{D6CCE9EA-F87E-449B-A760-0CFB0069B4F4}" type="datetimeFigureOut">
               <a:rPr lang="en-US" smtClean="0"/>
-              <a:t>8/2/2023</a:t>
+              <a:t>8/21/2023</a:t>
             </a:fld>
             <a:endParaRPr lang="en-US"/>
           </a:p>
@@ -1724,7 +1724,7 @@
           <a:p>
             <a:fld id="{D6CCE9EA-F87E-449B-A760-0CFB0069B4F4}" type="datetimeFigureOut">
               <a:rPr lang="en-US" smtClean="0"/>
-              <a:t>8/2/2023</a:t>
+              <a:t>8/21/2023</a:t>
             </a:fld>
             <a:endParaRPr lang="en-US"/>
           </a:p>
@@ -1819,7 +1819,7 @@
           <a:p>
             <a:fld id="{D6CCE9EA-F87E-449B-A760-0CFB0069B4F4}" type="datetimeFigureOut">
               <a:rPr lang="en-US" smtClean="0"/>
-              <a:t>8/2/2023</a:t>
+              <a:t>8/21/2023</a:t>
             </a:fld>
             <a:endParaRPr lang="en-US"/>
           </a:p>
@@ -2096,7 +2096,7 @@
           <a:p>
             <a:fld id="{D6CCE9EA-F87E-449B-A760-0CFB0069B4F4}" type="datetimeFigureOut">
               <a:rPr lang="en-US" smtClean="0"/>
-              <a:t>8/2/2023</a:t>
+              <a:t>8/21/2023</a:t>
             </a:fld>
             <a:endParaRPr lang="en-US"/>
           </a:p>
@@ -2353,7 +2353,7 @@
           <a:p>
             <a:fld id="{D6CCE9EA-F87E-449B-A760-0CFB0069B4F4}" type="datetimeFigureOut">
               <a:rPr lang="en-US" smtClean="0"/>
-              <a:t>8/2/2023</a:t>
+              <a:t>8/21/2023</a:t>
             </a:fld>
             <a:endParaRPr lang="en-US"/>
           </a:p>
@@ -2566,7 +2566,7 @@
           <a:p>
             <a:fld id="{D6CCE9EA-F87E-449B-A760-0CFB0069B4F4}" type="datetimeFigureOut">
               <a:rPr lang="en-US" smtClean="0"/>
-              <a:t>8/2/2023</a:t>
+              <a:t>8/21/2023</a:t>
             </a:fld>
             <a:endParaRPr lang="en-US"/>
           </a:p>
@@ -7337,20 +7337,20 @@
 </file>
 
 <file path=customXml/item2.xml><?xml version="1.0" encoding="utf-8"?>
+<p:properties xmlns:p="http://schemas.microsoft.com/office/2006/metadata/properties" xmlns:xsi="http://www.w3.org/2001/XMLSchema-instance" xmlns:pc="http://schemas.microsoft.com/office/infopath/2007/PartnerControls">
+  <documentManagement>
+    <_activity xmlns="841e8680-4293-4076-bfcf-f9a2b2231bdd" xsi:nil="true"/>
+  </documentManagement>
+</p:properties>
+</file>
+
+<file path=customXml/item3.xml><?xml version="1.0" encoding="utf-8"?>
 <?mso-contentType ?>
 <FormTemplates xmlns="http://schemas.microsoft.com/sharepoint/v3/contenttype/forms">
   <Display>DocumentLibraryForm</Display>
   <Edit>DocumentLibraryForm</Edit>
   <New>DocumentLibraryForm</New>
 </FormTemplates>
-</file>
-
-<file path=customXml/item3.xml><?xml version="1.0" encoding="utf-8"?>
-<p:properties xmlns:p="http://schemas.microsoft.com/office/2006/metadata/properties" xmlns:xsi="http://www.w3.org/2001/XMLSchema-instance" xmlns:pc="http://schemas.microsoft.com/office/infopath/2007/PartnerControls">
-  <documentManagement>
-    <_activity xmlns="841e8680-4293-4076-bfcf-f9a2b2231bdd" xsi:nil="true"/>
-  </documentManagement>
-</p:properties>
 </file>
 
 <file path=customXml/itemProps1.xml><?xml version="1.0" encoding="utf-8"?>
@@ -7373,14 +7373,6 @@
 </file>
 
 <file path=customXml/itemProps2.xml><?xml version="1.0" encoding="utf-8"?>
-<ds:datastoreItem xmlns:ds="http://schemas.openxmlformats.org/officeDocument/2006/customXml" ds:itemID="{76DA871C-37EA-4583-ADDD-341591657930}">
-  <ds:schemaRefs>
-    <ds:schemaRef ds:uri="http://schemas.microsoft.com/sharepoint/v3/contenttype/forms"/>
-  </ds:schemaRefs>
-</ds:datastoreItem>
-</file>
-
-<file path=customXml/itemProps3.xml><?xml version="1.0" encoding="utf-8"?>
 <ds:datastoreItem xmlns:ds="http://schemas.openxmlformats.org/officeDocument/2006/customXml" ds:itemID="{C3FEF923-5265-4CF9-82A3-3E5F50E7A64D}">
   <ds:schemaRefs>
     <ds:schemaRef ds:uri="e1e2823e-0627-4f7b-8512-977cf2b75da5"/>
@@ -7395,4 +7387,12 @@
     <ds:schemaRef ds:uri="http://purl.org/dc/elements/1.1/"/>
   </ds:schemaRefs>
 </ds:datastoreItem>
+</file>
+
+<file path=customXml/itemProps3.xml><?xml version="1.0" encoding="utf-8"?>
+<ds:datastoreItem xmlns:ds="http://schemas.openxmlformats.org/officeDocument/2006/customXml" ds:itemID="{76DA871C-37EA-4583-ADDD-341591657930}">
+  <ds:schemaRefs>
+    <ds:schemaRef ds:uri="http://schemas.microsoft.com/sharepoint/v3/contenttype/forms"/>
+  </ds:schemaRefs>
+</ds:datastoreItem>
 </file>
--- a/IAEA_poster.pptx
+++ b/IAEA_poster.pptx
@@ -6,6 +6,8 @@
   </p:sldMasterIdLst>
   <p:sldIdLst>
     <p:sldId id="256" r:id="rId5"/>
+    <p:sldId id="257" r:id="rId6"/>
+    <p:sldId id="258" r:id="rId7"/>
   </p:sldIdLst>
   <p:sldSz cx="30275213" cy="42803763"/>
   <p:notesSz cx="6858000" cy="9144000"/>
@@ -243,7 +245,7 @@
           <a:p>
             <a:fld id="{D6CCE9EA-F87E-449B-A760-0CFB0069B4F4}" type="datetimeFigureOut">
               <a:rPr lang="en-US" smtClean="0"/>
-              <a:t>8/21/2023</a:t>
+              <a:t>8/22/2023</a:t>
             </a:fld>
             <a:endParaRPr lang="en-US"/>
           </a:p>
@@ -413,7 +415,7 @@
           <a:p>
             <a:fld id="{D6CCE9EA-F87E-449B-A760-0CFB0069B4F4}" type="datetimeFigureOut">
               <a:rPr lang="en-US" smtClean="0"/>
-              <a:t>8/21/2023</a:t>
+              <a:t>8/22/2023</a:t>
             </a:fld>
             <a:endParaRPr lang="en-US"/>
           </a:p>
@@ -593,7 +595,7 @@
           <a:p>
             <a:fld id="{D6CCE9EA-F87E-449B-A760-0CFB0069B4F4}" type="datetimeFigureOut">
               <a:rPr lang="en-US" smtClean="0"/>
-              <a:t>8/21/2023</a:t>
+              <a:t>8/22/2023</a:t>
             </a:fld>
             <a:endParaRPr lang="en-US"/>
           </a:p>
@@ -763,7 +765,7 @@
           <a:p>
             <a:fld id="{D6CCE9EA-F87E-449B-A760-0CFB0069B4F4}" type="datetimeFigureOut">
               <a:rPr lang="en-US" smtClean="0"/>
-              <a:t>8/21/2023</a:t>
+              <a:t>8/22/2023</a:t>
             </a:fld>
             <a:endParaRPr lang="en-US"/>
           </a:p>
@@ -1007,7 +1009,7 @@
           <a:p>
             <a:fld id="{D6CCE9EA-F87E-449B-A760-0CFB0069B4F4}" type="datetimeFigureOut">
               <a:rPr lang="en-US" smtClean="0"/>
-              <a:t>8/21/2023</a:t>
+              <a:t>8/22/2023</a:t>
             </a:fld>
             <a:endParaRPr lang="en-US"/>
           </a:p>
@@ -1239,7 +1241,7 @@
           <a:p>
             <a:fld id="{D6CCE9EA-F87E-449B-A760-0CFB0069B4F4}" type="datetimeFigureOut">
               <a:rPr lang="en-US" smtClean="0"/>
-              <a:t>8/21/2023</a:t>
+              <a:t>8/22/2023</a:t>
             </a:fld>
             <a:endParaRPr lang="en-US"/>
           </a:p>
@@ -1606,7 +1608,7 @@
           <a:p>
             <a:fld id="{D6CCE9EA-F87E-449B-A760-0CFB0069B4F4}" type="datetimeFigureOut">
               <a:rPr lang="en-US" smtClean="0"/>
-              <a:t>8/21/2023</a:t>
+              <a:t>8/22/2023</a:t>
             </a:fld>
             <a:endParaRPr lang="en-US"/>
           </a:p>
@@ -1724,7 +1726,7 @@
           <a:p>
             <a:fld id="{D6CCE9EA-F87E-449B-A760-0CFB0069B4F4}" type="datetimeFigureOut">
               <a:rPr lang="en-US" smtClean="0"/>
-              <a:t>8/21/2023</a:t>
+              <a:t>8/22/2023</a:t>
             </a:fld>
             <a:endParaRPr lang="en-US"/>
           </a:p>
@@ -1819,7 +1821,7 @@
           <a:p>
             <a:fld id="{D6CCE9EA-F87E-449B-A760-0CFB0069B4F4}" type="datetimeFigureOut">
               <a:rPr lang="en-US" smtClean="0"/>
-              <a:t>8/21/2023</a:t>
+              <a:t>8/22/2023</a:t>
             </a:fld>
             <a:endParaRPr lang="en-US"/>
           </a:p>
@@ -2096,7 +2098,7 @@
           <a:p>
             <a:fld id="{D6CCE9EA-F87E-449B-A760-0CFB0069B4F4}" type="datetimeFigureOut">
               <a:rPr lang="en-US" smtClean="0"/>
-              <a:t>8/21/2023</a:t>
+              <a:t>8/22/2023</a:t>
             </a:fld>
             <a:endParaRPr lang="en-US"/>
           </a:p>
@@ -2353,7 +2355,7 @@
           <a:p>
             <a:fld id="{D6CCE9EA-F87E-449B-A760-0CFB0069B4F4}" type="datetimeFigureOut">
               <a:rPr lang="en-US" smtClean="0"/>
-              <a:t>8/21/2023</a:t>
+              <a:t>8/22/2023</a:t>
             </a:fld>
             <a:endParaRPr lang="en-US"/>
           </a:p>
@@ -2566,7 +2568,7 @@
           <a:p>
             <a:fld id="{D6CCE9EA-F87E-449B-A760-0CFB0069B4F4}" type="datetimeFigureOut">
               <a:rPr lang="en-US" smtClean="0"/>
-              <a:t>8/21/2023</a:t>
+              <a:t>8/22/2023</a:t>
             </a:fld>
             <a:endParaRPr lang="en-US"/>
           </a:p>
@@ -2960,10 +2962,7 @@
     <p:bg>
       <p:bgPr>
         <a:solidFill>
-          <a:schemeClr val="accent5">
-            <a:lumMod val="20000"/>
-            <a:lumOff val="80000"/>
-          </a:schemeClr>
+          <a:srgbClr val="DAE3F3"/>
         </a:solidFill>
         <a:effectLst/>
       </p:bgPr>
@@ -2991,7 +2990,7 @@
         <p:spPr>
           <a:xfrm>
             <a:off x="-1" y="-68002"/>
-            <a:ext cx="30275213" cy="6663427"/>
+            <a:ext cx="30275213" cy="5740098"/>
           </a:xfrm>
           <a:prstGeom prst="rect">
             <a:avLst/>
@@ -3055,6 +3054,9 @@
               </a:rPr>
               <a:t>n </a:t>
             </a:r>
+          </a:p>
+          <a:p>
+            <a:pPr algn="ctr"/>
             <a:r>
               <a:rPr lang="en-US" sz="9600" b="1" kern="0" spc="-100" dirty="0">
                 <a:solidFill>
@@ -3072,7 +3074,7 @@
                   <a:schemeClr val="bg1"/>
                 </a:solidFill>
               </a:rPr>
-              <a:t>Name of Author(s)</a:t>
+              <a:t>A. P. K. Prokopyszyn, K. G. McClements, H. J. C. Oliver, M. Fitzgerald, D. A. Ryan, G. Xia</a:t>
             </a:r>
           </a:p>
           <a:p>
@@ -3083,26 +3085,7495 @@
                   <a:schemeClr val="bg1"/>
                 </a:solidFill>
               </a:rPr>
+              <a:t>United Kingdom Atomic Energy Authority (UKAEA)</a:t>
+            </a:r>
+            <a:endParaRPr lang="en-US" sz="6000" dirty="0">
+              <a:solidFill>
+                <a:schemeClr val="bg1"/>
+              </a:solidFill>
+            </a:endParaRPr>
+          </a:p>
+          <a:p>
+            <a:pPr algn="ctr">
+              <a:lnSpc>
+                <a:spcPts val="6914"/>
+              </a:lnSpc>
+            </a:pPr>
+            <a:r>
+              <a:rPr lang="en-US" sz="5400" dirty="0">
+                <a:solidFill>
+                  <a:schemeClr val="bg1"/>
+                </a:solidFill>
+              </a:rPr>
+              <a:t>alex.Prokopyszyn@ukaea.uk</a:t>
+            </a:r>
+            <a:endParaRPr lang="en-US" sz="6600" b="1" dirty="0">
+              <a:solidFill>
+                <a:schemeClr val="bg1"/>
+              </a:solidFill>
+            </a:endParaRPr>
+          </a:p>
+        </p:txBody>
+      </p:sp>
+      <mc:AlternateContent xmlns:mc="http://schemas.openxmlformats.org/markup-compatibility/2006">
+        <mc:Choice xmlns:a14="http://schemas.microsoft.com/office/drawing/2010/main" Requires="a14">
+          <p:sp>
+            <p:nvSpPr>
+              <p:cNvPr id="14" name="Text Box 242"/>
+              <p:cNvSpPr txBox="1">
+                <a:spLocks noChangeArrowheads="1"/>
+              </p:cNvSpPr>
+              <p:nvPr/>
+            </p:nvSpPr>
+            <p:spPr bwMode="auto">
+              <a:xfrm>
+                <a:off x="642256" y="6549563"/>
+                <a:ext cx="14400000" cy="8515536"/>
+              </a:xfrm>
+              <a:prstGeom prst="rect">
+                <a:avLst/>
+              </a:prstGeom>
+              <a:solidFill>
+                <a:schemeClr val="bg1"/>
+              </a:solidFill>
+              <a:ln w="57150" cmpd="thinThick">
+                <a:noFill/>
+                <a:miter lim="800000"/>
+              </a:ln>
+            </p:spPr>
+            <p:txBody>
+              <a:bodyPr wrap="square" lIns="182880" tIns="91440" rIns="182880" bIns="182880">
+                <a:spAutoFit/>
+              </a:bodyPr>
+              <a:lstStyle>
+                <a:defPPr>
+                  <a:defRPr kern="1200" smtId="4294967295"/>
+                </a:defPPr>
+                <a:lvl1pPr marL="228600" indent="-228600" defTabSz="612775">
+                  <a:defRPr sz="2400">
+                    <a:solidFill>
+                      <a:schemeClr val="tx1"/>
+                    </a:solidFill>
+                    <a:latin typeface="Times New Roman" pitchFamily="18" charset="0"/>
+                  </a:defRPr>
+                </a:lvl1pPr>
+                <a:lvl2pPr marL="742950" indent="-285750" defTabSz="612775">
+                  <a:defRPr sz="2400">
+                    <a:solidFill>
+                      <a:schemeClr val="tx1"/>
+                    </a:solidFill>
+                    <a:latin typeface="Times New Roman" pitchFamily="18" charset="0"/>
+                  </a:defRPr>
+                </a:lvl2pPr>
+                <a:lvl3pPr marL="1143000" indent="-228600" defTabSz="612775">
+                  <a:defRPr sz="2400">
+                    <a:solidFill>
+                      <a:schemeClr val="tx1"/>
+                    </a:solidFill>
+                    <a:latin typeface="Times New Roman" pitchFamily="18" charset="0"/>
+                  </a:defRPr>
+                </a:lvl3pPr>
+                <a:lvl4pPr marL="1600200" indent="-228600" defTabSz="612775">
+                  <a:defRPr sz="2400">
+                    <a:solidFill>
+                      <a:schemeClr val="tx1"/>
+                    </a:solidFill>
+                    <a:latin typeface="Times New Roman" pitchFamily="18" charset="0"/>
+                  </a:defRPr>
+                </a:lvl4pPr>
+                <a:lvl5pPr marL="2057400" indent="-228600" defTabSz="612775">
+                  <a:defRPr sz="2400">
+                    <a:solidFill>
+                      <a:schemeClr val="tx1"/>
+                    </a:solidFill>
+                    <a:latin typeface="Times New Roman" pitchFamily="18" charset="0"/>
+                  </a:defRPr>
+                </a:lvl5pPr>
+                <a:lvl6pPr marL="2514600" indent="-228600" defTabSz="612775" eaLnBrk="0" fontAlgn="base" hangingPunct="0">
+                  <a:spcBef>
+                    <a:spcPct val="0"/>
+                  </a:spcBef>
+                  <a:spcAft>
+                    <a:spcPct val="0"/>
+                  </a:spcAft>
+                  <a:defRPr sz="2400">
+                    <a:solidFill>
+                      <a:schemeClr val="tx1"/>
+                    </a:solidFill>
+                    <a:latin typeface="Times New Roman" pitchFamily="18" charset="0"/>
+                  </a:defRPr>
+                </a:lvl6pPr>
+                <a:lvl7pPr marL="2971800" indent="-228600" defTabSz="612775" eaLnBrk="0" fontAlgn="base" hangingPunct="0">
+                  <a:spcBef>
+                    <a:spcPct val="0"/>
+                  </a:spcBef>
+                  <a:spcAft>
+                    <a:spcPct val="0"/>
+                  </a:spcAft>
+                  <a:defRPr sz="2400">
+                    <a:solidFill>
+                      <a:schemeClr val="tx1"/>
+                    </a:solidFill>
+                    <a:latin typeface="Times New Roman" pitchFamily="18" charset="0"/>
+                  </a:defRPr>
+                </a:lvl7pPr>
+                <a:lvl8pPr marL="3429000" indent="-228600" defTabSz="612775" eaLnBrk="0" fontAlgn="base" hangingPunct="0">
+                  <a:spcBef>
+                    <a:spcPct val="0"/>
+                  </a:spcBef>
+                  <a:spcAft>
+                    <a:spcPct val="0"/>
+                  </a:spcAft>
+                  <a:defRPr sz="2400">
+                    <a:solidFill>
+                      <a:schemeClr val="tx1"/>
+                    </a:solidFill>
+                    <a:latin typeface="Times New Roman" pitchFamily="18" charset="0"/>
+                  </a:defRPr>
+                </a:lvl8pPr>
+                <a:lvl9pPr marL="3886200" indent="-228600" defTabSz="612775" eaLnBrk="0" fontAlgn="base" hangingPunct="0">
+                  <a:spcBef>
+                    <a:spcPct val="0"/>
+                  </a:spcBef>
+                  <a:spcAft>
+                    <a:spcPct val="0"/>
+                  </a:spcAft>
+                  <a:defRPr sz="2400">
+                    <a:solidFill>
+                      <a:schemeClr val="tx1"/>
+                    </a:solidFill>
+                    <a:latin typeface="Times New Roman" pitchFamily="18" charset="0"/>
+                  </a:defRPr>
+                </a:lvl9pPr>
+              </a:lstStyle>
+              <a:p>
+                <a:pPr marL="0" indent="0" algn="just">
+                  <a:lnSpc>
+                    <a:spcPct val="120000"/>
+                  </a:lnSpc>
+                </a:pPr>
+                <a:r>
+                  <a:rPr lang="en-GB" altLang="ja-JP" sz="2800" b="1" dirty="0">
+                    <a:solidFill>
+                      <a:schemeClr val="tx1">
+                        <a:lumMod val="75000"/>
+                        <a:lumOff val="25000"/>
+                      </a:schemeClr>
+                    </a:solidFill>
+                    <a:latin typeface="+mn-lt"/>
+                    <a:ea typeface="ＭＳ Ｐゴシック" charset="-128"/>
+                  </a:rPr>
+                  <a:t>Context</a:t>
+                </a:r>
+                <a:r>
+                  <a:rPr lang="en-GB" altLang="ja-JP" sz="2800" dirty="0">
+                    <a:solidFill>
+                      <a:schemeClr val="tx1">
+                        <a:lumMod val="75000"/>
+                        <a:lumOff val="25000"/>
+                      </a:schemeClr>
+                    </a:solidFill>
+                    <a:latin typeface="+mn-lt"/>
+                    <a:ea typeface="ＭＳ Ｐゴシック" charset="-128"/>
+                  </a:rPr>
+                  <a:t>:</a:t>
+                </a:r>
+              </a:p>
+              <a:p>
+                <a:pPr marL="571500" indent="-571500" algn="just">
+                  <a:lnSpc>
+                    <a:spcPct val="120000"/>
+                  </a:lnSpc>
+                  <a:buFont typeface="Arial" panose="020B0604020202020204" pitchFamily="34" charset="0"/>
+                  <a:buChar char="•"/>
+                </a:pPr>
+                <a:r>
+                  <a:rPr lang="en-GB" altLang="ja-JP" sz="2800" dirty="0">
+                    <a:solidFill>
+                      <a:schemeClr val="tx1">
+                        <a:lumMod val="75000"/>
+                        <a:lumOff val="25000"/>
+                      </a:schemeClr>
+                    </a:solidFill>
+                    <a:latin typeface="+mn-lt"/>
+                    <a:ea typeface="ＭＳ Ｐゴシック" charset="-128"/>
+                  </a:rPr>
+                  <a:t>Fusion-born </a:t>
+                </a:r>
+                <a14:m>
+                  <m:oMath xmlns:m="http://schemas.openxmlformats.org/officeDocument/2006/math">
+                    <m:r>
+                      <a:rPr lang="en-GB" altLang="ja-JP" sz="2800" b="0" i="1" dirty="0" smtClean="0">
+                        <a:solidFill>
+                          <a:schemeClr val="tx1">
+                            <a:lumMod val="75000"/>
+                            <a:lumOff val="25000"/>
+                          </a:schemeClr>
+                        </a:solidFill>
+                        <a:latin typeface="+mn-lt"/>
+                        <a:ea typeface="ＭＳ Ｐゴシック" charset="-128"/>
+                      </a:rPr>
+                      <m:t>𝛼</m:t>
+                    </m:r>
+                  </m:oMath>
+                </a14:m>
+                <a:r>
+                  <a:rPr lang="en-GB" altLang="ja-JP" sz="2800" dirty="0">
+                    <a:solidFill>
+                      <a:schemeClr val="tx1">
+                        <a:lumMod val="75000"/>
+                        <a:lumOff val="25000"/>
+                      </a:schemeClr>
+                    </a:solidFill>
+                    <a:latin typeface="+mn-lt"/>
+                    <a:ea typeface="ＭＳ Ｐゴシック" charset="-128"/>
+                  </a:rPr>
+                  <a:t>-particles are STEP's primary fast ion species.</a:t>
+                </a:r>
+              </a:p>
+              <a:p>
+                <a:pPr marL="571500" indent="-571500" algn="just">
+                  <a:lnSpc>
+                    <a:spcPct val="120000"/>
+                  </a:lnSpc>
+                  <a:buFont typeface="Arial" panose="020B0604020202020204" pitchFamily="34" charset="0"/>
+                  <a:buChar char="•"/>
+                </a:pPr>
+                <a:r>
+                  <a:rPr lang="en-GB" altLang="ja-JP" sz="2800" dirty="0">
+                    <a:solidFill>
+                      <a:schemeClr val="tx1">
+                        <a:lumMod val="75000"/>
+                        <a:lumOff val="25000"/>
+                      </a:schemeClr>
+                    </a:solidFill>
+                    <a:latin typeface="+mn-lt"/>
+                    <a:ea typeface="ＭＳ Ｐゴシック" charset="-128"/>
+                  </a:rPr>
+                  <a:t>They have an Initial energy of 3.5 MeV.</a:t>
+                </a:r>
+              </a:p>
+              <a:p>
+                <a:pPr marL="1085850" lvl="1" indent="-571500" algn="just">
+                  <a:lnSpc>
+                    <a:spcPct val="120000"/>
+                  </a:lnSpc>
+                  <a:buFont typeface="Arial" panose="020B0604020202020204" pitchFamily="34" charset="0"/>
+                  <a:buChar char="•"/>
+                </a:pPr>
+                <a14:m>
+                  <m:oMath xmlns:m="http://schemas.openxmlformats.org/officeDocument/2006/math">
+                    <m:r>
+                      <a:rPr lang="en-GB" altLang="ja-JP" sz="2800" i="1" smtClean="0">
+                        <a:solidFill>
+                          <a:schemeClr val="tx1">
+                            <a:lumMod val="75000"/>
+                            <a:lumOff val="25000"/>
+                          </a:schemeClr>
+                        </a:solidFill>
+                        <a:latin typeface="Cambria Math" panose="02040503050406030204" pitchFamily="18" charset="0"/>
+                        <a:ea typeface="Cambria Math" panose="02040503050406030204" pitchFamily="18" charset="0"/>
+                      </a:rPr>
+                      <m:t>⟹</m:t>
+                    </m:r>
+                  </m:oMath>
+                </a14:m>
+                <a:r>
+                  <a:rPr lang="en-GB" altLang="ja-JP" sz="2800" dirty="0">
+                    <a:solidFill>
+                      <a:schemeClr val="tx1">
+                        <a:lumMod val="75000"/>
+                        <a:lumOff val="25000"/>
+                      </a:schemeClr>
+                    </a:solidFill>
+                    <a:latin typeface="+mn-lt"/>
+                    <a:ea typeface="ＭＳ Ｐゴシック" charset="-128"/>
+                  </a:rPr>
+                  <a:t> Significantly higher energy than the background plasma (approx. 10 keV).</a:t>
+                </a:r>
+              </a:p>
+              <a:p>
+                <a:pPr marL="1085850" lvl="1" indent="-571500" algn="just">
+                  <a:lnSpc>
+                    <a:spcPct val="120000"/>
+                  </a:lnSpc>
+                  <a:buFont typeface="Arial" panose="020B0604020202020204" pitchFamily="34" charset="0"/>
+                  <a:buChar char="•"/>
+                </a:pPr>
+                <a14:m>
+                  <m:oMath xmlns:m="http://schemas.openxmlformats.org/officeDocument/2006/math">
+                    <m:r>
+                      <a:rPr lang="en-GB" altLang="ja-JP" sz="2800" i="1" smtClean="0">
+                        <a:solidFill>
+                          <a:schemeClr val="tx1">
+                            <a:lumMod val="75000"/>
+                            <a:lumOff val="25000"/>
+                          </a:schemeClr>
+                        </a:solidFill>
+                        <a:latin typeface="+mn-lt"/>
+                        <a:ea typeface="Cambria Math" panose="02040503050406030204" pitchFamily="18" charset="0"/>
+                      </a:rPr>
+                      <m:t>⟹</m:t>
+                    </m:r>
+                  </m:oMath>
+                </a14:m>
+                <a:r>
+                  <a:rPr lang="en-GB" altLang="ja-JP" sz="2800" dirty="0">
+                    <a:solidFill>
+                      <a:schemeClr val="tx1">
+                        <a:lumMod val="75000"/>
+                        <a:lumOff val="25000"/>
+                      </a:schemeClr>
+                    </a:solidFill>
+                    <a:latin typeface="+mn-lt"/>
+                    <a:ea typeface="ＭＳ Ｐゴシック" charset="-128"/>
+                  </a:rPr>
+                  <a:t> Possess a large Larmor radius.</a:t>
+                </a:r>
+                <a:endParaRPr lang="en-GB" altLang="ja-JP" sz="2800" b="0" i="1" dirty="0">
+                  <a:solidFill>
+                    <a:schemeClr val="tx1">
+                      <a:lumMod val="75000"/>
+                      <a:lumOff val="25000"/>
+                    </a:schemeClr>
+                  </a:solidFill>
+                  <a:latin typeface="+mn-lt"/>
+                  <a:ea typeface="Cambria Math" panose="02040503050406030204" pitchFamily="18" charset="0"/>
+                </a:endParaRPr>
+              </a:p>
+              <a:p>
+                <a:pPr marL="1085850" lvl="1" indent="-571500" algn="just">
+                  <a:lnSpc>
+                    <a:spcPct val="120000"/>
+                  </a:lnSpc>
+                  <a:buFont typeface="Arial" panose="020B0604020202020204" pitchFamily="34" charset="0"/>
+                  <a:buChar char="•"/>
+                </a:pPr>
+                <a14:m>
+                  <m:oMath xmlns:m="http://schemas.openxmlformats.org/officeDocument/2006/math">
+                    <m:r>
+                      <a:rPr lang="en-GB" altLang="ja-JP" sz="2800" i="1">
+                        <a:solidFill>
+                          <a:schemeClr val="tx1">
+                            <a:lumMod val="75000"/>
+                            <a:lumOff val="25000"/>
+                          </a:schemeClr>
+                        </a:solidFill>
+                        <a:latin typeface="+mn-lt"/>
+                        <a:ea typeface="Cambria Math" panose="02040503050406030204" pitchFamily="18" charset="0"/>
+                      </a:rPr>
+                      <m:t>⟹</m:t>
+                    </m:r>
+                  </m:oMath>
+                </a14:m>
+                <a:r>
+                  <a:rPr lang="en-GB" altLang="ja-JP" sz="2800" dirty="0">
+                    <a:solidFill>
+                      <a:schemeClr val="tx1">
+                        <a:lumMod val="75000"/>
+                        <a:lumOff val="25000"/>
+                      </a:schemeClr>
+                    </a:solidFill>
+                    <a:latin typeface="+mn-lt"/>
+                    <a:ea typeface="ＭＳ Ｐゴシック" charset="-128"/>
+                  </a:rPr>
+                  <a:t> Confinement particularly susceptible to 3D perturbations in </a:t>
+                </a:r>
+                <a14:m>
+                  <m:oMath xmlns:m="http://schemas.openxmlformats.org/officeDocument/2006/math">
+                    <m:r>
+                      <a:rPr lang="en-GB" altLang="ja-JP" sz="2800" b="1" i="1" smtClean="0">
+                        <a:solidFill>
+                          <a:schemeClr val="tx1">
+                            <a:lumMod val="75000"/>
+                            <a:lumOff val="25000"/>
+                          </a:schemeClr>
+                        </a:solidFill>
+                        <a:latin typeface="Cambria Math" panose="02040503050406030204" pitchFamily="18" charset="0"/>
+                        <a:ea typeface="ＭＳ Ｐゴシック" charset="-128"/>
+                      </a:rPr>
+                      <m:t>𝑩</m:t>
+                    </m:r>
+                  </m:oMath>
+                </a14:m>
+                <a:r>
+                  <a:rPr lang="en-GB" altLang="ja-JP" sz="2800" dirty="0">
+                    <a:solidFill>
+                      <a:schemeClr val="tx1">
+                        <a:lumMod val="75000"/>
+                        <a:lumOff val="25000"/>
+                      </a:schemeClr>
+                    </a:solidFill>
+                    <a:latin typeface="+mn-lt"/>
+                    <a:ea typeface="ＭＳ Ｐゴシック" charset="-128"/>
+                  </a:rPr>
+                  <a:t>.</a:t>
+                </a:r>
+              </a:p>
+              <a:p>
+                <a:pPr marL="571500" indent="-571500" algn="just">
+                  <a:lnSpc>
+                    <a:spcPct val="120000"/>
+                  </a:lnSpc>
+                  <a:buFont typeface="Arial" panose="020B0604020202020204" pitchFamily="34" charset="0"/>
+                  <a:buChar char="•"/>
+                </a:pPr>
+                <a:r>
+                  <a:rPr lang="en-GB" sz="2800" dirty="0">
+                    <a:solidFill>
+                      <a:srgbClr val="374151"/>
+                    </a:solidFill>
+                    <a:latin typeface="+mn-lt"/>
+                  </a:rPr>
+                  <a:t>For optimal operation, it's crucial to keep the 𝛼-particle energy flux below approximately 1 MW/m</a:t>
+                </a:r>
+                <a:r>
+                  <a:rPr lang="en-GB" sz="2800" baseline="30000" dirty="0">
+                    <a:solidFill>
+                      <a:srgbClr val="374151"/>
+                    </a:solidFill>
+                    <a:latin typeface="+mn-lt"/>
+                  </a:rPr>
+                  <a:t>2</a:t>
+                </a:r>
+                <a:r>
+                  <a:rPr lang="en-GB" sz="2800" dirty="0">
+                    <a:solidFill>
+                      <a:srgbClr val="374151"/>
+                    </a:solidFill>
+                    <a:latin typeface="+mn-lt"/>
+                  </a:rPr>
+                  <a:t>.</a:t>
+                </a:r>
+              </a:p>
+              <a:p>
+                <a:pPr marL="0" indent="0" algn="just">
+                  <a:lnSpc>
+                    <a:spcPct val="120000"/>
+                  </a:lnSpc>
+                </a:pPr>
+                <a:r>
+                  <a:rPr lang="en-GB" altLang="ja-JP" sz="2800" b="1" dirty="0">
+                    <a:solidFill>
+                      <a:schemeClr val="tx1">
+                        <a:lumMod val="75000"/>
+                        <a:lumOff val="25000"/>
+                      </a:schemeClr>
+                    </a:solidFill>
+                    <a:latin typeface="+mn-lt"/>
+                    <a:ea typeface="ＭＳ Ｐゴシック" charset="-128"/>
+                  </a:rPr>
+                  <a:t>Aims</a:t>
+                </a:r>
+              </a:p>
+              <a:p>
+                <a:pPr marL="571500" indent="-571500" algn="just">
+                  <a:lnSpc>
+                    <a:spcPct val="120000"/>
+                  </a:lnSpc>
+                  <a:buFont typeface="Arial" panose="020B0604020202020204" pitchFamily="34" charset="0"/>
+                  <a:buChar char="•"/>
+                </a:pPr>
+                <a:r>
+                  <a:rPr lang="en-GB" altLang="ja-JP" sz="2800" dirty="0">
+                    <a:solidFill>
+                      <a:schemeClr val="tx1">
+                        <a:lumMod val="75000"/>
+                        <a:lumOff val="25000"/>
+                      </a:schemeClr>
+                    </a:solidFill>
+                    <a:latin typeface="+mn-lt"/>
+                    <a:ea typeface="ＭＳ Ｐゴシック" charset="-128"/>
+                  </a:rPr>
+                  <a:t>Estimate the steady-state </a:t>
+                </a:r>
+                <a14:m>
+                  <m:oMath xmlns:m="http://schemas.openxmlformats.org/officeDocument/2006/math">
+                    <m:r>
+                      <a:rPr lang="en-GB" altLang="ja-JP" sz="2800" b="0" i="1" dirty="0" smtClean="0">
+                        <a:solidFill>
+                          <a:schemeClr val="tx1">
+                            <a:lumMod val="75000"/>
+                            <a:lumOff val="25000"/>
+                          </a:schemeClr>
+                        </a:solidFill>
+                        <a:latin typeface="Cambria Math" panose="02040503050406030204" pitchFamily="18" charset="0"/>
+                        <a:ea typeface="ＭＳ Ｐゴシック" charset="-128"/>
+                      </a:rPr>
+                      <m:t>𝛼</m:t>
+                    </m:r>
+                  </m:oMath>
+                </a14:m>
+                <a:r>
+                  <a:rPr lang="en-GB" altLang="ja-JP" sz="2800" dirty="0">
+                    <a:solidFill>
+                      <a:schemeClr val="tx1">
+                        <a:lumMod val="75000"/>
+                        <a:lumOff val="25000"/>
+                      </a:schemeClr>
+                    </a:solidFill>
+                    <a:latin typeface="+mn-lt"/>
+                    <a:ea typeface="ＭＳ Ｐゴシック" charset="-128"/>
+                  </a:rPr>
+                  <a:t>-particle energy flux on STEP’s inner wall in the presence of 3D fields, specifically from the ripple field generated by the TF coils and the field created by the ELM mitigation coils.</a:t>
+                </a:r>
+              </a:p>
+              <a:p>
+                <a:pPr marL="0" indent="0" algn="just">
+                  <a:lnSpc>
+                    <a:spcPct val="120000"/>
+                  </a:lnSpc>
+                </a:pPr>
+                <a:r>
+                  <a:rPr lang="en-GB" altLang="ja-JP" sz="2800" b="1" dirty="0">
+                    <a:solidFill>
+                      <a:schemeClr val="tx1">
+                        <a:lumMod val="75000"/>
+                        <a:lumOff val="25000"/>
+                      </a:schemeClr>
+                    </a:solidFill>
+                    <a:latin typeface="+mn-lt"/>
+                    <a:ea typeface="ＭＳ Ｐゴシック" charset="-128"/>
+                  </a:rPr>
+                  <a:t>Results:</a:t>
+                </a:r>
+              </a:p>
+              <a:p>
+                <a:pPr marL="571500" indent="-571500" algn="just">
+                  <a:lnSpc>
+                    <a:spcPct val="120000"/>
+                  </a:lnSpc>
+                  <a:buFont typeface="Arial" panose="020B0604020202020204" pitchFamily="34" charset="0"/>
+                  <a:buChar char="•"/>
+                </a:pPr>
+                <a:r>
+                  <a:rPr lang="en-GB" altLang="ja-JP" sz="2800" dirty="0">
+                    <a:solidFill>
+                      <a:schemeClr val="tx1">
+                        <a:lumMod val="75000"/>
+                        <a:lumOff val="25000"/>
+                      </a:schemeClr>
+                    </a:solidFill>
+                    <a:latin typeface="+mn-lt"/>
+                    <a:ea typeface="ＭＳ Ｐゴシック" charset="-128"/>
+                  </a:rPr>
+                  <a:t>TF Ripple field's confinement impact is minimal, unless coil position changes.</a:t>
+                </a:r>
+              </a:p>
+              <a:p>
+                <a:pPr marL="571500" indent="-571500" algn="just">
+                  <a:lnSpc>
+                    <a:spcPct val="120000"/>
+                  </a:lnSpc>
+                  <a:buFont typeface="Arial" panose="020B0604020202020204" pitchFamily="34" charset="0"/>
+                  <a:buChar char="•"/>
+                </a:pPr>
+                <a:r>
+                  <a:rPr lang="en-GB" altLang="ja-JP" sz="2800" dirty="0">
+                    <a:solidFill>
+                      <a:schemeClr val="tx1">
+                        <a:lumMod val="75000"/>
+                        <a:lumOff val="25000"/>
+                      </a:schemeClr>
+                    </a:solidFill>
+                    <a:latin typeface="+mn-lt"/>
+                    <a:ea typeface="ＭＳ Ｐゴシック" charset="-128"/>
+                  </a:rPr>
+                  <a:t>The ELM mitigation field significantly impacts confinement.</a:t>
+                </a:r>
+              </a:p>
+              <a:p>
+                <a:pPr marL="571500" indent="-571500" algn="just">
+                  <a:lnSpc>
+                    <a:spcPct val="120000"/>
+                  </a:lnSpc>
+                  <a:buFont typeface="Arial" panose="020B0604020202020204" pitchFamily="34" charset="0"/>
+                  <a:buChar char="•"/>
+                </a:pPr>
+                <a:r>
+                  <a:rPr lang="en-GB" sz="2800" b="0" i="0" dirty="0">
+                    <a:solidFill>
+                      <a:srgbClr val="374151"/>
+                    </a:solidFill>
+                    <a:effectLst/>
+                    <a:latin typeface="+mn-lt"/>
+                  </a:rPr>
+                  <a:t>An acceptable energy flux can be achieved with the optimum coil rotation.</a:t>
+                </a:r>
+                <a:endParaRPr lang="en-GB" altLang="ja-JP" sz="2800" dirty="0">
+                  <a:solidFill>
+                    <a:schemeClr val="tx1">
+                      <a:lumMod val="75000"/>
+                      <a:lumOff val="25000"/>
+                    </a:schemeClr>
+                  </a:solidFill>
+                  <a:latin typeface="+mn-lt"/>
+                  <a:ea typeface="ＭＳ Ｐゴシック" charset="-128"/>
+                </a:endParaRPr>
+              </a:p>
+            </p:txBody>
+          </p:sp>
+        </mc:Choice>
+        <mc:Fallback>
+          <p:sp>
+            <p:nvSpPr>
+              <p:cNvPr id="14" name="Text Box 242"/>
+              <p:cNvSpPr txBox="1">
+                <a:spLocks noRot="1" noChangeAspect="1" noMove="1" noResize="1" noEditPoints="1" noAdjustHandles="1" noChangeArrowheads="1" noChangeShapeType="1" noTextEdit="1"/>
+              </p:cNvSpPr>
+              <p:nvPr/>
+            </p:nvSpPr>
+            <p:spPr bwMode="auto">
+              <a:xfrm>
+                <a:off x="642256" y="6549563"/>
+                <a:ext cx="14400000" cy="8515536"/>
+              </a:xfrm>
+              <a:prstGeom prst="rect">
+                <a:avLst/>
+              </a:prstGeom>
+              <a:blipFill>
+                <a:blip r:embed="rId2"/>
+                <a:stretch>
+                  <a:fillRect l="-212" r="-212"/>
+                </a:stretch>
+              </a:blipFill>
+              <a:ln w="57150" cmpd="thinThick">
+                <a:noFill/>
+                <a:miter lim="800000"/>
+              </a:ln>
+            </p:spPr>
+            <p:txBody>
+              <a:bodyPr/>
+              <a:lstStyle/>
+              <a:p>
+                <a:r>
+                  <a:rPr lang="en-GB">
+                    <a:noFill/>
+                  </a:rPr>
+                  <a:t> </a:t>
+                </a:r>
+              </a:p>
+            </p:txBody>
+          </p:sp>
+        </mc:Fallback>
+      </mc:AlternateContent>
+      <p:sp>
+        <p:nvSpPr>
+          <p:cNvPr id="17" name="Text Box 248"/>
+          <p:cNvSpPr txBox="1">
+            <a:spLocks noChangeArrowheads="1"/>
+          </p:cNvSpPr>
+          <p:nvPr/>
+        </p:nvSpPr>
+        <p:spPr bwMode="auto">
+          <a:xfrm>
+            <a:off x="642256" y="5787664"/>
+            <a:ext cx="14400000" cy="646331"/>
+          </a:xfrm>
+          <a:prstGeom prst="rect">
+            <a:avLst/>
+          </a:prstGeom>
+          <a:solidFill>
+            <a:schemeClr val="tx2"/>
+          </a:solidFill>
+          <a:ln w="19050">
+            <a:noFill/>
+            <a:miter lim="800000"/>
+          </a:ln>
+        </p:spPr>
+        <p:txBody>
+          <a:bodyPr wrap="square">
+            <a:spAutoFit/>
+          </a:bodyPr>
+          <a:lstStyle>
+            <a:defPPr>
+              <a:defRPr kern="1200" smtId="4294967295"/>
+            </a:defPPr>
+            <a:lvl1pPr>
+              <a:defRPr sz="2400">
+                <a:solidFill>
+                  <a:schemeClr val="tx1"/>
+                </a:solidFill>
+                <a:latin typeface="Times New Roman" pitchFamily="18" charset="0"/>
+              </a:defRPr>
+            </a:lvl1pPr>
+            <a:lvl2pPr marL="742950" indent="-285750">
+              <a:defRPr sz="2400">
+                <a:solidFill>
+                  <a:schemeClr val="tx1"/>
+                </a:solidFill>
+                <a:latin typeface="Times New Roman" pitchFamily="18" charset="0"/>
+              </a:defRPr>
+            </a:lvl2pPr>
+            <a:lvl3pPr marL="1143000" indent="-228600">
+              <a:defRPr sz="2400">
+                <a:solidFill>
+                  <a:schemeClr val="tx1"/>
+                </a:solidFill>
+                <a:latin typeface="Times New Roman" pitchFamily="18" charset="0"/>
+              </a:defRPr>
+            </a:lvl3pPr>
+            <a:lvl4pPr marL="1600200" indent="-228600">
+              <a:defRPr sz="2400">
+                <a:solidFill>
+                  <a:schemeClr val="tx1"/>
+                </a:solidFill>
+                <a:latin typeface="Times New Roman" pitchFamily="18" charset="0"/>
+              </a:defRPr>
+            </a:lvl4pPr>
+            <a:lvl5pPr marL="2057400" indent="-228600">
+              <a:defRPr sz="2400">
+                <a:solidFill>
+                  <a:schemeClr val="tx1"/>
+                </a:solidFill>
+                <a:latin typeface="Times New Roman" pitchFamily="18" charset="0"/>
+              </a:defRPr>
+            </a:lvl5pPr>
+            <a:lvl6pPr marL="2514600" indent="-228600" eaLnBrk="0" fontAlgn="base" hangingPunct="0">
+              <a:spcBef>
+                <a:spcPct val="0"/>
+              </a:spcBef>
+              <a:spcAft>
+                <a:spcPct val="0"/>
+              </a:spcAft>
+              <a:defRPr sz="2400">
+                <a:solidFill>
+                  <a:schemeClr val="tx1"/>
+                </a:solidFill>
+                <a:latin typeface="Times New Roman" pitchFamily="18" charset="0"/>
+              </a:defRPr>
+            </a:lvl6pPr>
+            <a:lvl7pPr marL="2971800" indent="-228600" eaLnBrk="0" fontAlgn="base" hangingPunct="0">
+              <a:spcBef>
+                <a:spcPct val="0"/>
+              </a:spcBef>
+              <a:spcAft>
+                <a:spcPct val="0"/>
+              </a:spcAft>
+              <a:defRPr sz="2400">
+                <a:solidFill>
+                  <a:schemeClr val="tx1"/>
+                </a:solidFill>
+                <a:latin typeface="Times New Roman" pitchFamily="18" charset="0"/>
+              </a:defRPr>
+            </a:lvl7pPr>
+            <a:lvl8pPr marL="3429000" indent="-228600" eaLnBrk="0" fontAlgn="base" hangingPunct="0">
+              <a:spcBef>
+                <a:spcPct val="0"/>
+              </a:spcBef>
+              <a:spcAft>
+                <a:spcPct val="0"/>
+              </a:spcAft>
+              <a:defRPr sz="2400">
+                <a:solidFill>
+                  <a:schemeClr val="tx1"/>
+                </a:solidFill>
+                <a:latin typeface="Times New Roman" pitchFamily="18" charset="0"/>
+              </a:defRPr>
+            </a:lvl8pPr>
+            <a:lvl9pPr marL="3886200" indent="-228600" eaLnBrk="0" fontAlgn="base" hangingPunct="0">
+              <a:spcBef>
+                <a:spcPct val="0"/>
+              </a:spcBef>
+              <a:spcAft>
+                <a:spcPct val="0"/>
+              </a:spcAft>
+              <a:defRPr sz="2400">
+                <a:solidFill>
+                  <a:schemeClr val="tx1"/>
+                </a:solidFill>
+                <a:latin typeface="Times New Roman" pitchFamily="18" charset="0"/>
+              </a:defRPr>
+            </a:lvl9pPr>
+          </a:lstStyle>
+          <a:p>
+            <a:r>
+              <a:rPr lang="en-US" altLang="zh-CN" sz="3600" b="1" dirty="0">
+                <a:solidFill>
+                  <a:schemeClr val="bg1"/>
+                </a:solidFill>
+                <a:latin typeface="+mn-lt"/>
+                <a:ea typeface="SimSun" pitchFamily="2" charset="-122"/>
+                <a:cs typeface="Lucida Sans" pitchFamily="34" charset="0"/>
+              </a:rPr>
+              <a:t>ABSTRACT</a:t>
+            </a:r>
+            <a:endParaRPr lang="en-US" altLang="zh-CN" b="1" dirty="0">
+              <a:solidFill>
+                <a:schemeClr val="bg1"/>
+              </a:solidFill>
+              <a:latin typeface="+mn-lt"/>
+              <a:ea typeface="SimSun" pitchFamily="2" charset="-122"/>
+              <a:cs typeface="Lucida Sans" pitchFamily="34" charset="0"/>
+            </a:endParaRPr>
+          </a:p>
+        </p:txBody>
+      </p:sp>
+      <p:sp>
+        <p:nvSpPr>
+          <p:cNvPr id="25" name="Text Box 248"/>
+          <p:cNvSpPr txBox="1">
+            <a:spLocks noChangeArrowheads="1"/>
+          </p:cNvSpPr>
+          <p:nvPr/>
+        </p:nvSpPr>
+        <p:spPr bwMode="auto">
+          <a:xfrm>
+            <a:off x="642256" y="38132540"/>
+            <a:ext cx="14400000" cy="646331"/>
+          </a:xfrm>
+          <a:prstGeom prst="rect">
+            <a:avLst/>
+          </a:prstGeom>
+          <a:solidFill>
+            <a:schemeClr val="tx2"/>
+          </a:solidFill>
+          <a:ln w="19050">
+            <a:noFill/>
+            <a:miter lim="800000"/>
+          </a:ln>
+        </p:spPr>
+        <p:txBody>
+          <a:bodyPr wrap="square">
+            <a:spAutoFit/>
+          </a:bodyPr>
+          <a:lstStyle>
+            <a:defPPr>
+              <a:defRPr kern="1200" smtId="4294967295"/>
+            </a:defPPr>
+            <a:lvl1pPr>
+              <a:defRPr sz="2400">
+                <a:solidFill>
+                  <a:schemeClr val="tx1"/>
+                </a:solidFill>
+                <a:latin typeface="Times New Roman" pitchFamily="18" charset="0"/>
+              </a:defRPr>
+            </a:lvl1pPr>
+            <a:lvl2pPr marL="742950" indent="-285750">
+              <a:defRPr sz="2400">
+                <a:solidFill>
+                  <a:schemeClr val="tx1"/>
+                </a:solidFill>
+                <a:latin typeface="Times New Roman" pitchFamily="18" charset="0"/>
+              </a:defRPr>
+            </a:lvl2pPr>
+            <a:lvl3pPr marL="1143000" indent="-228600">
+              <a:defRPr sz="2400">
+                <a:solidFill>
+                  <a:schemeClr val="tx1"/>
+                </a:solidFill>
+                <a:latin typeface="Times New Roman" pitchFamily="18" charset="0"/>
+              </a:defRPr>
+            </a:lvl3pPr>
+            <a:lvl4pPr marL="1600200" indent="-228600">
+              <a:defRPr sz="2400">
+                <a:solidFill>
+                  <a:schemeClr val="tx1"/>
+                </a:solidFill>
+                <a:latin typeface="Times New Roman" pitchFamily="18" charset="0"/>
+              </a:defRPr>
+            </a:lvl4pPr>
+            <a:lvl5pPr marL="2057400" indent="-228600">
+              <a:defRPr sz="2400">
+                <a:solidFill>
+                  <a:schemeClr val="tx1"/>
+                </a:solidFill>
+                <a:latin typeface="Times New Roman" pitchFamily="18" charset="0"/>
+              </a:defRPr>
+            </a:lvl5pPr>
+            <a:lvl6pPr marL="2514600" indent="-228600" eaLnBrk="0" fontAlgn="base" hangingPunct="0">
+              <a:spcBef>
+                <a:spcPct val="0"/>
+              </a:spcBef>
+              <a:spcAft>
+                <a:spcPct val="0"/>
+              </a:spcAft>
+              <a:defRPr sz="2400">
+                <a:solidFill>
+                  <a:schemeClr val="tx1"/>
+                </a:solidFill>
+                <a:latin typeface="Times New Roman" pitchFamily="18" charset="0"/>
+              </a:defRPr>
+            </a:lvl6pPr>
+            <a:lvl7pPr marL="2971800" indent="-228600" eaLnBrk="0" fontAlgn="base" hangingPunct="0">
+              <a:spcBef>
+                <a:spcPct val="0"/>
+              </a:spcBef>
+              <a:spcAft>
+                <a:spcPct val="0"/>
+              </a:spcAft>
+              <a:defRPr sz="2400">
+                <a:solidFill>
+                  <a:schemeClr val="tx1"/>
+                </a:solidFill>
+                <a:latin typeface="Times New Roman" pitchFamily="18" charset="0"/>
+              </a:defRPr>
+            </a:lvl7pPr>
+            <a:lvl8pPr marL="3429000" indent="-228600" eaLnBrk="0" fontAlgn="base" hangingPunct="0">
+              <a:spcBef>
+                <a:spcPct val="0"/>
+              </a:spcBef>
+              <a:spcAft>
+                <a:spcPct val="0"/>
+              </a:spcAft>
+              <a:defRPr sz="2400">
+                <a:solidFill>
+                  <a:schemeClr val="tx1"/>
+                </a:solidFill>
+                <a:latin typeface="Times New Roman" pitchFamily="18" charset="0"/>
+              </a:defRPr>
+            </a:lvl8pPr>
+            <a:lvl9pPr marL="3886200" indent="-228600" eaLnBrk="0" fontAlgn="base" hangingPunct="0">
+              <a:spcBef>
+                <a:spcPct val="0"/>
+              </a:spcBef>
+              <a:spcAft>
+                <a:spcPct val="0"/>
+              </a:spcAft>
+              <a:defRPr sz="2400">
+                <a:solidFill>
+                  <a:schemeClr val="tx1"/>
+                </a:solidFill>
+                <a:latin typeface="Times New Roman" pitchFamily="18" charset="0"/>
+              </a:defRPr>
+            </a:lvl9pPr>
+          </a:lstStyle>
+          <a:p>
+            <a:r>
+              <a:rPr lang="en-US" altLang="zh-CN" sz="3600" b="1" dirty="0">
+                <a:solidFill>
+                  <a:schemeClr val="bg1"/>
+                </a:solidFill>
+                <a:latin typeface="+mn-lt"/>
+                <a:ea typeface="SimSun" pitchFamily="2" charset="-122"/>
+                <a:cs typeface="Lucida Sans" pitchFamily="34" charset="0"/>
+              </a:rPr>
+              <a:t>RESULTS</a:t>
+            </a:r>
+          </a:p>
+        </p:txBody>
+      </p:sp>
+      <mc:AlternateContent xmlns:mc="http://schemas.openxmlformats.org/markup-compatibility/2006">
+        <mc:Choice xmlns:a14="http://schemas.microsoft.com/office/drawing/2010/main" Requires="a14">
+          <p:sp>
+            <p:nvSpPr>
+              <p:cNvPr id="28" name="Text Box 242"/>
+              <p:cNvSpPr txBox="1">
+                <a:spLocks noChangeArrowheads="1"/>
+              </p:cNvSpPr>
+              <p:nvPr/>
+            </p:nvSpPr>
+            <p:spPr bwMode="auto">
+              <a:xfrm>
+                <a:off x="642256" y="15820973"/>
+                <a:ext cx="14400000" cy="12129346"/>
+              </a:xfrm>
+              <a:prstGeom prst="rect">
+                <a:avLst/>
+              </a:prstGeom>
+              <a:solidFill>
+                <a:schemeClr val="bg1"/>
+              </a:solidFill>
+              <a:ln w="57150" cmpd="thinThick">
+                <a:noFill/>
+                <a:miter lim="800000"/>
+              </a:ln>
+            </p:spPr>
+            <p:txBody>
+              <a:bodyPr wrap="square" lIns="182880" tIns="91440" rIns="182880" bIns="182880">
+                <a:spAutoFit/>
+              </a:bodyPr>
+              <a:lstStyle>
+                <a:defPPr>
+                  <a:defRPr kern="1200" smtId="4294967295"/>
+                </a:defPPr>
+                <a:lvl1pPr marL="228600" indent="-228600" defTabSz="612775">
+                  <a:defRPr sz="2400">
+                    <a:solidFill>
+                      <a:schemeClr val="tx1"/>
+                    </a:solidFill>
+                    <a:latin typeface="Times New Roman" pitchFamily="18" charset="0"/>
+                  </a:defRPr>
+                </a:lvl1pPr>
+                <a:lvl2pPr marL="742950" indent="-285750" defTabSz="612775">
+                  <a:defRPr sz="2400">
+                    <a:solidFill>
+                      <a:schemeClr val="tx1"/>
+                    </a:solidFill>
+                    <a:latin typeface="Times New Roman" pitchFamily="18" charset="0"/>
+                  </a:defRPr>
+                </a:lvl2pPr>
+                <a:lvl3pPr marL="1143000" indent="-228600" defTabSz="612775">
+                  <a:defRPr sz="2400">
+                    <a:solidFill>
+                      <a:schemeClr val="tx1"/>
+                    </a:solidFill>
+                    <a:latin typeface="Times New Roman" pitchFamily="18" charset="0"/>
+                  </a:defRPr>
+                </a:lvl3pPr>
+                <a:lvl4pPr marL="1600200" indent="-228600" defTabSz="612775">
+                  <a:defRPr sz="2400">
+                    <a:solidFill>
+                      <a:schemeClr val="tx1"/>
+                    </a:solidFill>
+                    <a:latin typeface="Times New Roman" pitchFamily="18" charset="0"/>
+                  </a:defRPr>
+                </a:lvl4pPr>
+                <a:lvl5pPr marL="2057400" indent="-228600" defTabSz="612775">
+                  <a:defRPr sz="2400">
+                    <a:solidFill>
+                      <a:schemeClr val="tx1"/>
+                    </a:solidFill>
+                    <a:latin typeface="Times New Roman" pitchFamily="18" charset="0"/>
+                  </a:defRPr>
+                </a:lvl5pPr>
+                <a:lvl6pPr marL="2514600" indent="-228600" defTabSz="612775" eaLnBrk="0" fontAlgn="base" hangingPunct="0">
+                  <a:spcBef>
+                    <a:spcPct val="0"/>
+                  </a:spcBef>
+                  <a:spcAft>
+                    <a:spcPct val="0"/>
+                  </a:spcAft>
+                  <a:defRPr sz="2400">
+                    <a:solidFill>
+                      <a:schemeClr val="tx1"/>
+                    </a:solidFill>
+                    <a:latin typeface="Times New Roman" pitchFamily="18" charset="0"/>
+                  </a:defRPr>
+                </a:lvl6pPr>
+                <a:lvl7pPr marL="2971800" indent="-228600" defTabSz="612775" eaLnBrk="0" fontAlgn="base" hangingPunct="0">
+                  <a:spcBef>
+                    <a:spcPct val="0"/>
+                  </a:spcBef>
+                  <a:spcAft>
+                    <a:spcPct val="0"/>
+                  </a:spcAft>
+                  <a:defRPr sz="2400">
+                    <a:solidFill>
+                      <a:schemeClr val="tx1"/>
+                    </a:solidFill>
+                    <a:latin typeface="Times New Roman" pitchFamily="18" charset="0"/>
+                  </a:defRPr>
+                </a:lvl7pPr>
+                <a:lvl8pPr marL="3429000" indent="-228600" defTabSz="612775" eaLnBrk="0" fontAlgn="base" hangingPunct="0">
+                  <a:spcBef>
+                    <a:spcPct val="0"/>
+                  </a:spcBef>
+                  <a:spcAft>
+                    <a:spcPct val="0"/>
+                  </a:spcAft>
+                  <a:defRPr sz="2400">
+                    <a:solidFill>
+                      <a:schemeClr val="tx1"/>
+                    </a:solidFill>
+                    <a:latin typeface="Times New Roman" pitchFamily="18" charset="0"/>
+                  </a:defRPr>
+                </a:lvl8pPr>
+                <a:lvl9pPr marL="3886200" indent="-228600" defTabSz="612775" eaLnBrk="0" fontAlgn="base" hangingPunct="0">
+                  <a:spcBef>
+                    <a:spcPct val="0"/>
+                  </a:spcBef>
+                  <a:spcAft>
+                    <a:spcPct val="0"/>
+                  </a:spcAft>
+                  <a:defRPr sz="2400">
+                    <a:solidFill>
+                      <a:schemeClr val="tx1"/>
+                    </a:solidFill>
+                    <a:latin typeface="Times New Roman" pitchFamily="18" charset="0"/>
+                  </a:defRPr>
+                </a:lvl9pPr>
+              </a:lstStyle>
+              <a:p>
+                <a:pPr marL="571500" indent="-571500" algn="just">
+                  <a:lnSpc>
+                    <a:spcPct val="120000"/>
+                  </a:lnSpc>
+                  <a:buFont typeface="Arial" panose="020B0604020202020204" pitchFamily="34" charset="0"/>
+                  <a:buChar char="•"/>
+                </a:pPr>
+                <a:r>
+                  <a:rPr lang="en-US" altLang="ja-JP" sz="2800" dirty="0">
+                    <a:solidFill>
+                      <a:schemeClr val="tx1">
+                        <a:lumMod val="75000"/>
+                        <a:lumOff val="25000"/>
+                      </a:schemeClr>
+                    </a:solidFill>
+                    <a:latin typeface="+mn-lt"/>
+                    <a:ea typeface="ＭＳ Ｐゴシック" charset="-128"/>
+                  </a:rPr>
+                  <a:t>We used LOCUST (Lorentz Orbit Code for Use in Stellarators and Tokamaks) [1] to simulate the </a:t>
+                </a:r>
+                <a14:m>
+                  <m:oMath xmlns:m="http://schemas.openxmlformats.org/officeDocument/2006/math">
+                    <m:r>
+                      <a:rPr lang="en-GB" altLang="ja-JP" sz="2800" b="0" i="1" smtClean="0">
+                        <a:solidFill>
+                          <a:schemeClr val="tx1">
+                            <a:lumMod val="75000"/>
+                            <a:lumOff val="25000"/>
+                          </a:schemeClr>
+                        </a:solidFill>
+                        <a:latin typeface="+mn-lt"/>
+                        <a:ea typeface="ＭＳ Ｐゴシック" charset="-128"/>
+                      </a:rPr>
+                      <m:t>𝛼</m:t>
+                    </m:r>
+                  </m:oMath>
+                </a14:m>
+                <a:r>
+                  <a:rPr lang="en-US" altLang="ja-JP" sz="2800" dirty="0">
+                    <a:solidFill>
+                      <a:schemeClr val="tx1">
+                        <a:lumMod val="75000"/>
+                        <a:lumOff val="25000"/>
+                      </a:schemeClr>
+                    </a:solidFill>
+                    <a:latin typeface="+mn-lt"/>
+                    <a:ea typeface="ＭＳ Ｐゴシック" charset="-128"/>
+                  </a:rPr>
+                  <a:t>-particles.</a:t>
+                </a:r>
+              </a:p>
+              <a:p>
+                <a:pPr marL="571500" indent="-571500" algn="just">
+                  <a:lnSpc>
+                    <a:spcPct val="120000"/>
+                  </a:lnSpc>
+                  <a:buFont typeface="Arial" panose="020B0604020202020204" pitchFamily="34" charset="0"/>
+                  <a:buChar char="•"/>
+                </a:pPr>
+                <a:r>
+                  <a:rPr lang="en-GB" altLang="ja-JP" sz="2800" dirty="0">
+                    <a:solidFill>
+                      <a:schemeClr val="tx1">
+                        <a:lumMod val="75000"/>
+                        <a:lumOff val="25000"/>
+                      </a:schemeClr>
+                    </a:solidFill>
+                    <a:latin typeface="+mn-lt"/>
+                    <a:ea typeface="ＭＳ Ｐゴシック" charset="-128"/>
+                  </a:rPr>
+                  <a:t>The TF ripple field was represented using the following equations:</a:t>
+                </a:r>
+                <a:endParaRPr lang="en-US" altLang="ja-JP" sz="2800" dirty="0">
+                  <a:solidFill>
+                    <a:schemeClr val="tx1">
+                      <a:lumMod val="75000"/>
+                      <a:lumOff val="25000"/>
+                    </a:schemeClr>
+                  </a:solidFill>
+                  <a:latin typeface="+mn-lt"/>
+                  <a:ea typeface="ＭＳ Ｐゴシック" charset="-128"/>
+                </a:endParaRPr>
+              </a:p>
+              <a:p>
+                <a:pPr marL="971550" lvl="1" indent="-457200" algn="just">
+                  <a:lnSpc>
+                    <a:spcPct val="120000"/>
+                  </a:lnSpc>
+                  <a:buFont typeface="Arial" panose="020B0604020202020204" pitchFamily="34" charset="0"/>
+                  <a:buChar char="•"/>
+                </a:pPr>
+                <a14:m>
+                  <m:oMath xmlns:m="http://schemas.openxmlformats.org/officeDocument/2006/math">
+                    <m:sSubSup>
+                      <m:sSubSupPr>
+                        <m:ctrlPr>
+                          <a:rPr lang="en-GB" altLang="ja-JP" sz="2800" b="0" i="1" smtClean="0">
+                            <a:solidFill>
+                              <a:schemeClr val="tx1">
+                                <a:lumMod val="75000"/>
+                                <a:lumOff val="25000"/>
+                              </a:schemeClr>
+                            </a:solidFill>
+                            <a:latin typeface="Cambria Math" panose="02040503050406030204" pitchFamily="18" charset="0"/>
+                            <a:ea typeface="ＭＳ Ｐゴシック" charset="-128"/>
+                          </a:rPr>
+                        </m:ctrlPr>
+                      </m:sSubSupPr>
+                      <m:e>
+                        <m:r>
+                          <a:rPr lang="en-GB" altLang="ja-JP" sz="2800" b="0" i="1" smtClean="0">
+                            <a:solidFill>
+                              <a:schemeClr val="tx1">
+                                <a:lumMod val="75000"/>
+                                <a:lumOff val="25000"/>
+                              </a:schemeClr>
+                            </a:solidFill>
+                            <a:latin typeface="Cambria Math" panose="02040503050406030204" pitchFamily="18" charset="0"/>
+                            <a:ea typeface="ＭＳ Ｐゴシック" charset="-128"/>
+                          </a:rPr>
+                          <m:t>𝛿</m:t>
+                        </m:r>
+                        <m:r>
+                          <a:rPr lang="en-GB" altLang="ja-JP" sz="2800" b="0" i="1" smtClean="0">
+                            <a:solidFill>
+                              <a:schemeClr val="tx1">
+                                <a:lumMod val="75000"/>
+                                <a:lumOff val="25000"/>
+                              </a:schemeClr>
+                            </a:solidFill>
+                            <a:latin typeface="Cambria Math" panose="02040503050406030204" pitchFamily="18" charset="0"/>
+                            <a:ea typeface="ＭＳ Ｐゴシック" charset="-128"/>
+                          </a:rPr>
+                          <m:t>𝐵</m:t>
+                        </m:r>
+                      </m:e>
+                      <m:sub>
+                        <m:r>
+                          <a:rPr lang="en-GB" altLang="ja-JP" sz="2800" b="0" i="1" smtClean="0">
+                            <a:solidFill>
+                              <a:schemeClr val="tx1">
+                                <a:lumMod val="75000"/>
+                                <a:lumOff val="25000"/>
+                              </a:schemeClr>
+                            </a:solidFill>
+                            <a:latin typeface="Cambria Math" panose="02040503050406030204" pitchFamily="18" charset="0"/>
+                            <a:ea typeface="ＭＳ Ｐゴシック" charset="-128"/>
+                          </a:rPr>
+                          <m:t>𝑅</m:t>
+                        </m:r>
+                      </m:sub>
+                      <m:sup>
+                        <m:r>
+                          <a:rPr lang="en-GB" altLang="ja-JP" sz="2800" b="0" i="1" smtClean="0">
+                            <a:solidFill>
+                              <a:schemeClr val="tx1">
+                                <a:lumMod val="75000"/>
+                                <a:lumOff val="25000"/>
+                              </a:schemeClr>
+                            </a:solidFill>
+                            <a:latin typeface="Cambria Math" panose="02040503050406030204" pitchFamily="18" charset="0"/>
+                            <a:ea typeface="ＭＳ Ｐゴシック" charset="-128"/>
+                          </a:rPr>
+                          <m:t>𝑟𝑖𝑝𝑝𝑙𝑒</m:t>
+                        </m:r>
+                      </m:sup>
+                    </m:sSubSup>
+                    <m:r>
+                      <a:rPr lang="en-GB" altLang="ja-JP" sz="2800" b="0" i="1" smtClean="0">
+                        <a:solidFill>
+                          <a:schemeClr val="tx1">
+                            <a:lumMod val="75000"/>
+                            <a:lumOff val="25000"/>
+                          </a:schemeClr>
+                        </a:solidFill>
+                        <a:latin typeface="Cambria Math" panose="02040503050406030204" pitchFamily="18" charset="0"/>
+                        <a:ea typeface="ＭＳ Ｐゴシック" charset="-128"/>
+                      </a:rPr>
+                      <m:t>=</m:t>
+                    </m:r>
+                    <m:f>
+                      <m:fPr>
+                        <m:ctrlPr>
+                          <a:rPr lang="en-GB" altLang="ja-JP" sz="2800" b="0" i="1" smtClean="0">
+                            <a:solidFill>
+                              <a:schemeClr val="tx1">
+                                <a:lumMod val="75000"/>
+                                <a:lumOff val="25000"/>
+                              </a:schemeClr>
+                            </a:solidFill>
+                            <a:latin typeface="Cambria Math" panose="02040503050406030204" pitchFamily="18" charset="0"/>
+                            <a:ea typeface="ＭＳ Ｐゴシック" charset="-128"/>
+                          </a:rPr>
+                        </m:ctrlPr>
+                      </m:fPr>
+                      <m:num>
+                        <m:sSub>
+                          <m:sSubPr>
+                            <m:ctrlPr>
+                              <a:rPr lang="en-GB" altLang="ja-JP" sz="2800" b="0" i="1" smtClean="0">
+                                <a:solidFill>
+                                  <a:schemeClr val="tx1">
+                                    <a:lumMod val="75000"/>
+                                    <a:lumOff val="25000"/>
+                                  </a:schemeClr>
+                                </a:solidFill>
+                                <a:latin typeface="Cambria Math" panose="02040503050406030204" pitchFamily="18" charset="0"/>
+                                <a:ea typeface="ＭＳ Ｐゴシック" charset="-128"/>
+                              </a:rPr>
+                            </m:ctrlPr>
+                          </m:sSubPr>
+                          <m:e>
+                            <m:r>
+                              <a:rPr lang="en-GB" altLang="ja-JP" sz="2800" b="0" i="1" smtClean="0">
+                                <a:solidFill>
+                                  <a:schemeClr val="tx1">
+                                    <a:lumMod val="75000"/>
+                                    <a:lumOff val="25000"/>
+                                  </a:schemeClr>
+                                </a:solidFill>
+                                <a:latin typeface="Cambria Math" panose="02040503050406030204" pitchFamily="18" charset="0"/>
+                                <a:ea typeface="ＭＳ Ｐゴシック" charset="-128"/>
+                              </a:rPr>
+                              <m:t>𝐵</m:t>
+                            </m:r>
+                          </m:e>
+                          <m:sub>
+                            <m:r>
+                              <a:rPr lang="en-GB" altLang="ja-JP" sz="2800" b="0" i="1" smtClean="0">
+                                <a:solidFill>
+                                  <a:schemeClr val="tx1">
+                                    <a:lumMod val="75000"/>
+                                    <a:lumOff val="25000"/>
+                                  </a:schemeClr>
+                                </a:solidFill>
+                                <a:latin typeface="Cambria Math" panose="02040503050406030204" pitchFamily="18" charset="0"/>
+                                <a:ea typeface="ＭＳ Ｐゴシック" charset="-128"/>
+                              </a:rPr>
+                              <m:t>0</m:t>
+                            </m:r>
+                          </m:sub>
+                        </m:sSub>
+                        <m:sSub>
+                          <m:sSubPr>
+                            <m:ctrlPr>
+                              <a:rPr lang="en-GB" altLang="ja-JP" sz="2800" b="0" i="1" smtClean="0">
+                                <a:solidFill>
+                                  <a:schemeClr val="tx1">
+                                    <a:lumMod val="75000"/>
+                                    <a:lumOff val="25000"/>
+                                  </a:schemeClr>
+                                </a:solidFill>
+                                <a:latin typeface="Cambria Math" panose="02040503050406030204" pitchFamily="18" charset="0"/>
+                                <a:ea typeface="ＭＳ Ｐゴシック" charset="-128"/>
+                              </a:rPr>
+                            </m:ctrlPr>
+                          </m:sSubPr>
+                          <m:e>
+                            <m:r>
+                              <a:rPr lang="en-GB" altLang="ja-JP" sz="2800" b="0" i="1" smtClean="0">
+                                <a:solidFill>
+                                  <a:schemeClr val="tx1">
+                                    <a:lumMod val="75000"/>
+                                    <a:lumOff val="25000"/>
+                                  </a:schemeClr>
+                                </a:solidFill>
+                                <a:latin typeface="Cambria Math" panose="02040503050406030204" pitchFamily="18" charset="0"/>
+                                <a:ea typeface="ＭＳ Ｐゴシック" charset="-128"/>
+                              </a:rPr>
+                              <m:t>𝑅</m:t>
+                            </m:r>
+                          </m:e>
+                          <m:sub>
+                            <m:r>
+                              <a:rPr lang="en-GB" altLang="ja-JP" sz="2800" b="0" i="1" smtClean="0">
+                                <a:solidFill>
+                                  <a:schemeClr val="tx1">
+                                    <a:lumMod val="75000"/>
+                                    <a:lumOff val="25000"/>
+                                  </a:schemeClr>
+                                </a:solidFill>
+                                <a:latin typeface="Cambria Math" panose="02040503050406030204" pitchFamily="18" charset="0"/>
+                                <a:ea typeface="ＭＳ Ｐゴシック" charset="-128"/>
+                              </a:rPr>
+                              <m:t>0</m:t>
+                            </m:r>
+                          </m:sub>
+                        </m:sSub>
+                      </m:num>
+                      <m:den>
+                        <m:r>
+                          <a:rPr lang="en-GB" altLang="ja-JP" sz="2800" b="0" i="1" smtClean="0">
+                            <a:solidFill>
+                              <a:schemeClr val="tx1">
+                                <a:lumMod val="75000"/>
+                                <a:lumOff val="25000"/>
+                              </a:schemeClr>
+                            </a:solidFill>
+                            <a:latin typeface="Cambria Math" panose="02040503050406030204" pitchFamily="18" charset="0"/>
+                            <a:ea typeface="ＭＳ Ｐゴシック" charset="-128"/>
+                          </a:rPr>
+                          <m:t>𝑅</m:t>
+                        </m:r>
+                      </m:den>
+                    </m:f>
+                    <m:sSup>
+                      <m:sSupPr>
+                        <m:ctrlPr>
+                          <a:rPr lang="en-GB" altLang="ja-JP" sz="2800" b="0" i="1" smtClean="0">
+                            <a:solidFill>
+                              <a:schemeClr val="tx1">
+                                <a:lumMod val="75000"/>
+                                <a:lumOff val="25000"/>
+                              </a:schemeClr>
+                            </a:solidFill>
+                            <a:latin typeface="Cambria Math" panose="02040503050406030204" pitchFamily="18" charset="0"/>
+                            <a:ea typeface="ＭＳ Ｐゴシック" charset="-128"/>
+                          </a:rPr>
+                        </m:ctrlPr>
+                      </m:sSupPr>
+                      <m:e>
+                        <m:d>
+                          <m:dPr>
+                            <m:ctrlPr>
+                              <a:rPr lang="en-GB" altLang="ja-JP" sz="2800" b="0" i="1" smtClean="0">
+                                <a:solidFill>
+                                  <a:schemeClr val="tx1">
+                                    <a:lumMod val="75000"/>
+                                    <a:lumOff val="25000"/>
+                                  </a:schemeClr>
+                                </a:solidFill>
+                                <a:latin typeface="Cambria Math" panose="02040503050406030204" pitchFamily="18" charset="0"/>
+                                <a:ea typeface="ＭＳ Ｐゴシック" charset="-128"/>
+                              </a:rPr>
+                            </m:ctrlPr>
+                          </m:dPr>
+                          <m:e>
+                            <m:f>
+                              <m:fPr>
+                                <m:ctrlPr>
+                                  <a:rPr lang="en-GB" altLang="ja-JP" sz="2800" b="0" i="1" smtClean="0">
+                                    <a:solidFill>
+                                      <a:schemeClr val="tx1">
+                                        <a:lumMod val="75000"/>
+                                        <a:lumOff val="25000"/>
+                                      </a:schemeClr>
+                                    </a:solidFill>
+                                    <a:latin typeface="Cambria Math" panose="02040503050406030204" pitchFamily="18" charset="0"/>
+                                    <a:ea typeface="ＭＳ Ｐゴシック" charset="-128"/>
+                                  </a:rPr>
+                                </m:ctrlPr>
+                              </m:fPr>
+                              <m:num>
+                                <m:r>
+                                  <a:rPr lang="en-GB" altLang="ja-JP" sz="2800" b="0" i="1" smtClean="0">
+                                    <a:solidFill>
+                                      <a:schemeClr val="tx1">
+                                        <a:lumMod val="75000"/>
+                                        <a:lumOff val="25000"/>
+                                      </a:schemeClr>
+                                    </a:solidFill>
+                                    <a:latin typeface="Cambria Math" panose="02040503050406030204" pitchFamily="18" charset="0"/>
+                                    <a:ea typeface="ＭＳ Ｐゴシック" charset="-128"/>
+                                  </a:rPr>
+                                  <m:t>𝑅</m:t>
+                                </m:r>
+                              </m:num>
+                              <m:den>
+                                <m:sSub>
+                                  <m:sSubPr>
+                                    <m:ctrlPr>
+                                      <a:rPr lang="en-GB" altLang="ja-JP" sz="2800" b="0" i="1" smtClean="0">
+                                        <a:solidFill>
+                                          <a:schemeClr val="tx1">
+                                            <a:lumMod val="75000"/>
+                                            <a:lumOff val="25000"/>
+                                          </a:schemeClr>
+                                        </a:solidFill>
+                                        <a:latin typeface="Cambria Math" panose="02040503050406030204" pitchFamily="18" charset="0"/>
+                                        <a:ea typeface="ＭＳ Ｐゴシック" charset="-128"/>
+                                      </a:rPr>
+                                    </m:ctrlPr>
+                                  </m:sSubPr>
+                                  <m:e>
+                                    <m:r>
+                                      <a:rPr lang="en-GB" altLang="ja-JP" sz="2800" b="0" i="1" smtClean="0">
+                                        <a:solidFill>
+                                          <a:schemeClr val="tx1">
+                                            <a:lumMod val="75000"/>
+                                            <a:lumOff val="25000"/>
+                                          </a:schemeClr>
+                                        </a:solidFill>
+                                        <a:latin typeface="Cambria Math" panose="02040503050406030204" pitchFamily="18" charset="0"/>
+                                        <a:ea typeface="ＭＳ Ｐゴシック" charset="-128"/>
+                                      </a:rPr>
+                                      <m:t>𝑅</m:t>
+                                    </m:r>
+                                  </m:e>
+                                  <m:sub>
+                                    <m:r>
+                                      <a:rPr lang="en-GB" altLang="ja-JP" sz="2800" b="0" i="1" smtClean="0">
+                                        <a:solidFill>
+                                          <a:schemeClr val="tx1">
+                                            <a:lumMod val="75000"/>
+                                            <a:lumOff val="25000"/>
+                                          </a:schemeClr>
+                                        </a:solidFill>
+                                        <a:latin typeface="Cambria Math" panose="02040503050406030204" pitchFamily="18" charset="0"/>
+                                        <a:ea typeface="ＭＳ Ｐゴシック" charset="-128"/>
+                                      </a:rPr>
+                                      <m:t>𝑐𝑜𝑖𝑙</m:t>
+                                    </m:r>
+                                  </m:sub>
+                                </m:sSub>
+                              </m:den>
+                            </m:f>
+                          </m:e>
+                        </m:d>
+                      </m:e>
+                      <m:sup>
+                        <m:sSub>
+                          <m:sSubPr>
+                            <m:ctrlPr>
+                              <a:rPr lang="en-GB" altLang="ja-JP" sz="2800" b="0" i="1" smtClean="0">
+                                <a:solidFill>
+                                  <a:schemeClr val="tx1">
+                                    <a:lumMod val="75000"/>
+                                    <a:lumOff val="25000"/>
+                                  </a:schemeClr>
+                                </a:solidFill>
+                                <a:latin typeface="Cambria Math" panose="02040503050406030204" pitchFamily="18" charset="0"/>
+                                <a:ea typeface="ＭＳ Ｐゴシック" charset="-128"/>
+                              </a:rPr>
+                            </m:ctrlPr>
+                          </m:sSubPr>
+                          <m:e>
+                            <m:r>
+                              <a:rPr lang="en-GB" altLang="ja-JP" sz="2800" b="0" i="1" smtClean="0">
+                                <a:solidFill>
+                                  <a:schemeClr val="tx1">
+                                    <a:lumMod val="75000"/>
+                                    <a:lumOff val="25000"/>
+                                  </a:schemeClr>
+                                </a:solidFill>
+                                <a:latin typeface="Cambria Math" panose="02040503050406030204" pitchFamily="18" charset="0"/>
+                                <a:ea typeface="ＭＳ Ｐゴシック" charset="-128"/>
+                              </a:rPr>
+                              <m:t>𝑁</m:t>
+                            </m:r>
+                          </m:e>
+                          <m:sub>
+                            <m:r>
+                              <a:rPr lang="en-GB" altLang="ja-JP" sz="2800" b="0" i="1" smtClean="0">
+                                <a:solidFill>
+                                  <a:schemeClr val="tx1">
+                                    <a:lumMod val="75000"/>
+                                    <a:lumOff val="25000"/>
+                                  </a:schemeClr>
+                                </a:solidFill>
+                                <a:latin typeface="Cambria Math" panose="02040503050406030204" pitchFamily="18" charset="0"/>
+                                <a:ea typeface="ＭＳ Ｐゴシック" charset="-128"/>
+                              </a:rPr>
+                              <m:t>𝑐𝑜𝑖𝑙</m:t>
+                            </m:r>
+                          </m:sub>
+                        </m:sSub>
+                      </m:sup>
+                    </m:sSup>
+                    <m:func>
+                      <m:funcPr>
+                        <m:ctrlPr>
+                          <a:rPr lang="en-GB" altLang="ja-JP" sz="2800" b="0" i="1" smtClean="0">
+                            <a:solidFill>
+                              <a:schemeClr val="tx1">
+                                <a:lumMod val="75000"/>
+                                <a:lumOff val="25000"/>
+                              </a:schemeClr>
+                            </a:solidFill>
+                            <a:latin typeface="Cambria Math" panose="02040503050406030204" pitchFamily="18" charset="0"/>
+                            <a:ea typeface="ＭＳ Ｐゴシック" charset="-128"/>
+                          </a:rPr>
+                        </m:ctrlPr>
+                      </m:funcPr>
+                      <m:fName>
+                        <m:r>
+                          <m:rPr>
+                            <m:sty m:val="p"/>
+                          </m:rPr>
+                          <a:rPr lang="en-GB" altLang="ja-JP" sz="2800" b="0" i="0" smtClean="0">
+                            <a:solidFill>
+                              <a:schemeClr val="tx1">
+                                <a:lumMod val="75000"/>
+                                <a:lumOff val="25000"/>
+                              </a:schemeClr>
+                            </a:solidFill>
+                            <a:latin typeface="Cambria Math" panose="02040503050406030204" pitchFamily="18" charset="0"/>
+                            <a:ea typeface="ＭＳ Ｐゴシック" charset="-128"/>
+                          </a:rPr>
+                          <m:t>sin</m:t>
+                        </m:r>
+                      </m:fName>
+                      <m:e>
+                        <m:d>
+                          <m:dPr>
+                            <m:ctrlPr>
+                              <a:rPr lang="en-GB" altLang="ja-JP" sz="2800" b="0" i="1" smtClean="0">
+                                <a:solidFill>
+                                  <a:schemeClr val="tx1">
+                                    <a:lumMod val="75000"/>
+                                    <a:lumOff val="25000"/>
+                                  </a:schemeClr>
+                                </a:solidFill>
+                                <a:latin typeface="Cambria Math" panose="02040503050406030204" pitchFamily="18" charset="0"/>
+                                <a:ea typeface="ＭＳ Ｐゴシック" charset="-128"/>
+                              </a:rPr>
+                            </m:ctrlPr>
+                          </m:dPr>
+                          <m:e>
+                            <m:sSub>
+                              <m:sSubPr>
+                                <m:ctrlPr>
+                                  <a:rPr lang="en-GB" altLang="ja-JP" sz="2800" b="0" i="1" smtClean="0">
+                                    <a:solidFill>
+                                      <a:schemeClr val="tx1">
+                                        <a:lumMod val="75000"/>
+                                        <a:lumOff val="25000"/>
+                                      </a:schemeClr>
+                                    </a:solidFill>
+                                    <a:latin typeface="Cambria Math" panose="02040503050406030204" pitchFamily="18" charset="0"/>
+                                    <a:ea typeface="ＭＳ Ｐゴシック" charset="-128"/>
+                                  </a:rPr>
+                                </m:ctrlPr>
+                              </m:sSubPr>
+                              <m:e>
+                                <m:r>
+                                  <a:rPr lang="en-GB" altLang="ja-JP" sz="2800" b="0" i="1" smtClean="0">
+                                    <a:solidFill>
+                                      <a:schemeClr val="tx1">
+                                        <a:lumMod val="75000"/>
+                                        <a:lumOff val="25000"/>
+                                      </a:schemeClr>
+                                    </a:solidFill>
+                                    <a:latin typeface="Cambria Math" panose="02040503050406030204" pitchFamily="18" charset="0"/>
+                                    <a:ea typeface="ＭＳ Ｐゴシック" charset="-128"/>
+                                  </a:rPr>
+                                  <m:t>𝑁</m:t>
+                                </m:r>
+                              </m:e>
+                              <m:sub>
+                                <m:r>
+                                  <a:rPr lang="en-GB" altLang="ja-JP" sz="2800" b="0" i="1" smtClean="0">
+                                    <a:solidFill>
+                                      <a:schemeClr val="tx1">
+                                        <a:lumMod val="75000"/>
+                                        <a:lumOff val="25000"/>
+                                      </a:schemeClr>
+                                    </a:solidFill>
+                                    <a:latin typeface="Cambria Math" panose="02040503050406030204" pitchFamily="18" charset="0"/>
+                                    <a:ea typeface="ＭＳ Ｐゴシック" charset="-128"/>
+                                  </a:rPr>
+                                  <m:t>𝑐𝑜𝑖𝑙</m:t>
+                                </m:r>
+                              </m:sub>
+                            </m:sSub>
+                            <m:r>
+                              <a:rPr lang="en-GB" altLang="ja-JP" sz="2800" b="0" i="1" smtClean="0">
+                                <a:solidFill>
+                                  <a:schemeClr val="tx1">
+                                    <a:lumMod val="75000"/>
+                                    <a:lumOff val="25000"/>
+                                  </a:schemeClr>
+                                </a:solidFill>
+                                <a:latin typeface="Cambria Math" panose="02040503050406030204" pitchFamily="18" charset="0"/>
+                                <a:ea typeface="ＭＳ Ｐゴシック" charset="-128"/>
+                              </a:rPr>
+                              <m:t>𝜙</m:t>
+                            </m:r>
+                          </m:e>
+                        </m:d>
+                      </m:e>
+                    </m:func>
+                    <m:r>
+                      <a:rPr lang="en-GB" altLang="ja-JP" sz="2800" b="0" i="1" smtClean="0">
+                        <a:solidFill>
+                          <a:schemeClr val="tx1">
+                            <a:lumMod val="75000"/>
+                            <a:lumOff val="25000"/>
+                          </a:schemeClr>
+                        </a:solidFill>
+                        <a:latin typeface="Cambria Math" panose="02040503050406030204" pitchFamily="18" charset="0"/>
+                        <a:ea typeface="ＭＳ Ｐゴシック" charset="-128"/>
+                      </a:rPr>
+                      <m:t>,</m:t>
+                    </m:r>
+                    <m:r>
+                      <a:rPr lang="en-GB" altLang="ja-JP" sz="2800" b="0" i="0" smtClean="0">
+                        <a:solidFill>
+                          <a:schemeClr val="tx1">
+                            <a:lumMod val="75000"/>
+                            <a:lumOff val="25000"/>
+                          </a:schemeClr>
+                        </a:solidFill>
+                        <a:latin typeface="Cambria Math" panose="02040503050406030204" pitchFamily="18" charset="0"/>
+                        <a:ea typeface="ＭＳ Ｐゴシック" charset="-128"/>
+                      </a:rPr>
+                      <m:t> </m:t>
+                    </m:r>
+                  </m:oMath>
+                </a14:m>
+                <a:endParaRPr lang="en-GB" altLang="ja-JP" sz="2800" b="0" i="0" dirty="0">
+                  <a:solidFill>
+                    <a:schemeClr val="tx1">
+                      <a:lumMod val="75000"/>
+                      <a:lumOff val="25000"/>
+                    </a:schemeClr>
+                  </a:solidFill>
+                  <a:latin typeface="Cambria Math" panose="02040503050406030204" pitchFamily="18" charset="0"/>
+                  <a:ea typeface="ＭＳ Ｐゴシック" charset="-128"/>
+                </a:endParaRPr>
+              </a:p>
+              <a:p>
+                <a:pPr marL="971550" lvl="1" indent="-457200" algn="just">
+                  <a:lnSpc>
+                    <a:spcPct val="120000"/>
+                  </a:lnSpc>
+                  <a:buFont typeface="Arial" panose="020B0604020202020204" pitchFamily="34" charset="0"/>
+                  <a:buChar char="•"/>
+                </a:pPr>
+                <a14:m>
+                  <m:oMath xmlns:m="http://schemas.openxmlformats.org/officeDocument/2006/math">
+                    <m:sSubSup>
+                      <m:sSubSupPr>
+                        <m:ctrlPr>
+                          <a:rPr lang="en-GB" altLang="ja-JP" sz="2800" i="1">
+                            <a:solidFill>
+                              <a:schemeClr val="tx1">
+                                <a:lumMod val="75000"/>
+                                <a:lumOff val="25000"/>
+                              </a:schemeClr>
+                            </a:solidFill>
+                            <a:latin typeface="Cambria Math" panose="02040503050406030204" pitchFamily="18" charset="0"/>
+                            <a:ea typeface="ＭＳ Ｐゴシック" charset="-128"/>
+                          </a:rPr>
+                        </m:ctrlPr>
+                      </m:sSubSupPr>
+                      <m:e>
+                        <m:r>
+                          <a:rPr lang="en-GB" altLang="ja-JP" sz="2800" b="0" i="1" smtClean="0">
+                            <a:solidFill>
+                              <a:schemeClr val="tx1">
+                                <a:lumMod val="75000"/>
+                                <a:lumOff val="25000"/>
+                              </a:schemeClr>
+                            </a:solidFill>
+                            <a:latin typeface="Cambria Math" panose="02040503050406030204" pitchFamily="18" charset="0"/>
+                            <a:ea typeface="ＭＳ Ｐゴシック" charset="-128"/>
+                          </a:rPr>
+                          <m:t> </m:t>
+                        </m:r>
+                        <m:r>
+                          <a:rPr lang="en-GB" altLang="ja-JP" sz="2800" i="1">
+                            <a:solidFill>
+                              <a:schemeClr val="tx1">
+                                <a:lumMod val="75000"/>
+                                <a:lumOff val="25000"/>
+                              </a:schemeClr>
+                            </a:solidFill>
+                            <a:latin typeface="Cambria Math" panose="02040503050406030204" pitchFamily="18" charset="0"/>
+                            <a:ea typeface="ＭＳ Ｐゴシック" charset="-128"/>
+                          </a:rPr>
+                          <m:t>𝛿</m:t>
+                        </m:r>
+                        <m:r>
+                          <a:rPr lang="en-GB" altLang="ja-JP" sz="2800" i="1">
+                            <a:solidFill>
+                              <a:schemeClr val="tx1">
+                                <a:lumMod val="75000"/>
+                                <a:lumOff val="25000"/>
+                              </a:schemeClr>
+                            </a:solidFill>
+                            <a:latin typeface="Cambria Math" panose="02040503050406030204" pitchFamily="18" charset="0"/>
+                            <a:ea typeface="ＭＳ Ｐゴシック" charset="-128"/>
+                          </a:rPr>
+                          <m:t>𝐵</m:t>
+                        </m:r>
+                      </m:e>
+                      <m:sub>
+                        <m:r>
+                          <a:rPr lang="en-GB" altLang="ja-JP" sz="2800" b="0" i="1" smtClean="0">
+                            <a:solidFill>
+                              <a:schemeClr val="tx1">
+                                <a:lumMod val="75000"/>
+                                <a:lumOff val="25000"/>
+                              </a:schemeClr>
+                            </a:solidFill>
+                            <a:latin typeface="Cambria Math" panose="02040503050406030204" pitchFamily="18" charset="0"/>
+                            <a:ea typeface="ＭＳ Ｐゴシック" charset="-128"/>
+                          </a:rPr>
+                          <m:t>𝜙</m:t>
+                        </m:r>
+                      </m:sub>
+                      <m:sup>
+                        <m:r>
+                          <a:rPr lang="en-GB" altLang="ja-JP" sz="2800" i="1">
+                            <a:solidFill>
+                              <a:schemeClr val="tx1">
+                                <a:lumMod val="75000"/>
+                                <a:lumOff val="25000"/>
+                              </a:schemeClr>
+                            </a:solidFill>
+                            <a:latin typeface="Cambria Math" panose="02040503050406030204" pitchFamily="18" charset="0"/>
+                            <a:ea typeface="ＭＳ Ｐゴシック" charset="-128"/>
+                          </a:rPr>
+                          <m:t>𝑟𝑖𝑝𝑝𝑙𝑒</m:t>
+                        </m:r>
+                      </m:sup>
+                    </m:sSubSup>
+                    <m:r>
+                      <a:rPr lang="en-GB" altLang="ja-JP" sz="2800" i="1">
+                        <a:solidFill>
+                          <a:schemeClr val="tx1">
+                            <a:lumMod val="75000"/>
+                            <a:lumOff val="25000"/>
+                          </a:schemeClr>
+                        </a:solidFill>
+                        <a:latin typeface="Cambria Math" panose="02040503050406030204" pitchFamily="18" charset="0"/>
+                        <a:ea typeface="ＭＳ Ｐゴシック" charset="-128"/>
+                      </a:rPr>
+                      <m:t>=</m:t>
+                    </m:r>
+                    <m:f>
+                      <m:fPr>
+                        <m:ctrlPr>
+                          <a:rPr lang="en-GB" altLang="ja-JP" sz="2800" i="1">
+                            <a:solidFill>
+                              <a:schemeClr val="tx1">
+                                <a:lumMod val="75000"/>
+                                <a:lumOff val="25000"/>
+                              </a:schemeClr>
+                            </a:solidFill>
+                            <a:latin typeface="Cambria Math" panose="02040503050406030204" pitchFamily="18" charset="0"/>
+                            <a:ea typeface="ＭＳ Ｐゴシック" charset="-128"/>
+                          </a:rPr>
+                        </m:ctrlPr>
+                      </m:fPr>
+                      <m:num>
+                        <m:sSub>
+                          <m:sSubPr>
+                            <m:ctrlPr>
+                              <a:rPr lang="en-GB" altLang="ja-JP" sz="2800" i="1">
+                                <a:solidFill>
+                                  <a:schemeClr val="tx1">
+                                    <a:lumMod val="75000"/>
+                                    <a:lumOff val="25000"/>
+                                  </a:schemeClr>
+                                </a:solidFill>
+                                <a:latin typeface="Cambria Math" panose="02040503050406030204" pitchFamily="18" charset="0"/>
+                                <a:ea typeface="ＭＳ Ｐゴシック" charset="-128"/>
+                              </a:rPr>
+                            </m:ctrlPr>
+                          </m:sSubPr>
+                          <m:e>
+                            <m:r>
+                              <a:rPr lang="en-GB" altLang="ja-JP" sz="2800" i="1">
+                                <a:solidFill>
+                                  <a:schemeClr val="tx1">
+                                    <a:lumMod val="75000"/>
+                                    <a:lumOff val="25000"/>
+                                  </a:schemeClr>
+                                </a:solidFill>
+                                <a:latin typeface="Cambria Math" panose="02040503050406030204" pitchFamily="18" charset="0"/>
+                                <a:ea typeface="ＭＳ Ｐゴシック" charset="-128"/>
+                              </a:rPr>
+                              <m:t>𝐵</m:t>
+                            </m:r>
+                          </m:e>
+                          <m:sub>
+                            <m:r>
+                              <a:rPr lang="en-GB" altLang="ja-JP" sz="2800" i="1">
+                                <a:solidFill>
+                                  <a:schemeClr val="tx1">
+                                    <a:lumMod val="75000"/>
+                                    <a:lumOff val="25000"/>
+                                  </a:schemeClr>
+                                </a:solidFill>
+                                <a:latin typeface="Cambria Math" panose="02040503050406030204" pitchFamily="18" charset="0"/>
+                                <a:ea typeface="ＭＳ Ｐゴシック" charset="-128"/>
+                              </a:rPr>
+                              <m:t>0</m:t>
+                            </m:r>
+                          </m:sub>
+                        </m:sSub>
+                        <m:sSub>
+                          <m:sSubPr>
+                            <m:ctrlPr>
+                              <a:rPr lang="en-GB" altLang="ja-JP" sz="2800" i="1">
+                                <a:solidFill>
+                                  <a:schemeClr val="tx1">
+                                    <a:lumMod val="75000"/>
+                                    <a:lumOff val="25000"/>
+                                  </a:schemeClr>
+                                </a:solidFill>
+                                <a:latin typeface="Cambria Math" panose="02040503050406030204" pitchFamily="18" charset="0"/>
+                                <a:ea typeface="ＭＳ Ｐゴシック" charset="-128"/>
+                              </a:rPr>
+                            </m:ctrlPr>
+                          </m:sSubPr>
+                          <m:e>
+                            <m:r>
+                              <a:rPr lang="en-GB" altLang="ja-JP" sz="2800" i="1">
+                                <a:solidFill>
+                                  <a:schemeClr val="tx1">
+                                    <a:lumMod val="75000"/>
+                                    <a:lumOff val="25000"/>
+                                  </a:schemeClr>
+                                </a:solidFill>
+                                <a:latin typeface="Cambria Math" panose="02040503050406030204" pitchFamily="18" charset="0"/>
+                                <a:ea typeface="ＭＳ Ｐゴシック" charset="-128"/>
+                              </a:rPr>
+                              <m:t>𝑅</m:t>
+                            </m:r>
+                          </m:e>
+                          <m:sub>
+                            <m:r>
+                              <a:rPr lang="en-GB" altLang="ja-JP" sz="2800" i="1">
+                                <a:solidFill>
+                                  <a:schemeClr val="tx1">
+                                    <a:lumMod val="75000"/>
+                                    <a:lumOff val="25000"/>
+                                  </a:schemeClr>
+                                </a:solidFill>
+                                <a:latin typeface="Cambria Math" panose="02040503050406030204" pitchFamily="18" charset="0"/>
+                                <a:ea typeface="ＭＳ Ｐゴシック" charset="-128"/>
+                              </a:rPr>
+                              <m:t>0</m:t>
+                            </m:r>
+                          </m:sub>
+                        </m:sSub>
+                      </m:num>
+                      <m:den>
+                        <m:r>
+                          <a:rPr lang="en-GB" altLang="ja-JP" sz="2800" i="1">
+                            <a:solidFill>
+                              <a:schemeClr val="tx1">
+                                <a:lumMod val="75000"/>
+                                <a:lumOff val="25000"/>
+                              </a:schemeClr>
+                            </a:solidFill>
+                            <a:latin typeface="Cambria Math" panose="02040503050406030204" pitchFamily="18" charset="0"/>
+                            <a:ea typeface="ＭＳ Ｐゴシック" charset="-128"/>
+                          </a:rPr>
+                          <m:t>𝑅</m:t>
+                        </m:r>
+                      </m:den>
+                    </m:f>
+                    <m:sSup>
+                      <m:sSupPr>
+                        <m:ctrlPr>
+                          <a:rPr lang="en-GB" altLang="ja-JP" sz="2800" i="1">
+                            <a:solidFill>
+                              <a:schemeClr val="tx1">
+                                <a:lumMod val="75000"/>
+                                <a:lumOff val="25000"/>
+                              </a:schemeClr>
+                            </a:solidFill>
+                            <a:latin typeface="Cambria Math" panose="02040503050406030204" pitchFamily="18" charset="0"/>
+                            <a:ea typeface="ＭＳ Ｐゴシック" charset="-128"/>
+                          </a:rPr>
+                        </m:ctrlPr>
+                      </m:sSupPr>
+                      <m:e>
+                        <m:d>
+                          <m:dPr>
+                            <m:ctrlPr>
+                              <a:rPr lang="en-GB" altLang="ja-JP" sz="2800" i="1">
+                                <a:solidFill>
+                                  <a:schemeClr val="tx1">
+                                    <a:lumMod val="75000"/>
+                                    <a:lumOff val="25000"/>
+                                  </a:schemeClr>
+                                </a:solidFill>
+                                <a:latin typeface="Cambria Math" panose="02040503050406030204" pitchFamily="18" charset="0"/>
+                                <a:ea typeface="ＭＳ Ｐゴシック" charset="-128"/>
+                              </a:rPr>
+                            </m:ctrlPr>
+                          </m:dPr>
+                          <m:e>
+                            <m:f>
+                              <m:fPr>
+                                <m:ctrlPr>
+                                  <a:rPr lang="en-GB" altLang="ja-JP" sz="2800" i="1">
+                                    <a:solidFill>
+                                      <a:schemeClr val="tx1">
+                                        <a:lumMod val="75000"/>
+                                        <a:lumOff val="25000"/>
+                                      </a:schemeClr>
+                                    </a:solidFill>
+                                    <a:latin typeface="Cambria Math" panose="02040503050406030204" pitchFamily="18" charset="0"/>
+                                    <a:ea typeface="ＭＳ Ｐゴシック" charset="-128"/>
+                                  </a:rPr>
+                                </m:ctrlPr>
+                              </m:fPr>
+                              <m:num>
+                                <m:r>
+                                  <a:rPr lang="en-GB" altLang="ja-JP" sz="2800" i="1">
+                                    <a:solidFill>
+                                      <a:schemeClr val="tx1">
+                                        <a:lumMod val="75000"/>
+                                        <a:lumOff val="25000"/>
+                                      </a:schemeClr>
+                                    </a:solidFill>
+                                    <a:latin typeface="Cambria Math" panose="02040503050406030204" pitchFamily="18" charset="0"/>
+                                    <a:ea typeface="ＭＳ Ｐゴシック" charset="-128"/>
+                                  </a:rPr>
+                                  <m:t>𝑅</m:t>
+                                </m:r>
+                              </m:num>
+                              <m:den>
+                                <m:sSub>
+                                  <m:sSubPr>
+                                    <m:ctrlPr>
+                                      <a:rPr lang="en-GB" altLang="ja-JP" sz="2800" i="1">
+                                        <a:solidFill>
+                                          <a:schemeClr val="tx1">
+                                            <a:lumMod val="75000"/>
+                                            <a:lumOff val="25000"/>
+                                          </a:schemeClr>
+                                        </a:solidFill>
+                                        <a:latin typeface="Cambria Math" panose="02040503050406030204" pitchFamily="18" charset="0"/>
+                                        <a:ea typeface="ＭＳ Ｐゴシック" charset="-128"/>
+                                      </a:rPr>
+                                    </m:ctrlPr>
+                                  </m:sSubPr>
+                                  <m:e>
+                                    <m:r>
+                                      <a:rPr lang="en-GB" altLang="ja-JP" sz="2800" i="1">
+                                        <a:solidFill>
+                                          <a:schemeClr val="tx1">
+                                            <a:lumMod val="75000"/>
+                                            <a:lumOff val="25000"/>
+                                          </a:schemeClr>
+                                        </a:solidFill>
+                                        <a:latin typeface="Cambria Math" panose="02040503050406030204" pitchFamily="18" charset="0"/>
+                                        <a:ea typeface="ＭＳ Ｐゴシック" charset="-128"/>
+                                      </a:rPr>
+                                      <m:t>𝑅</m:t>
+                                    </m:r>
+                                  </m:e>
+                                  <m:sub>
+                                    <m:r>
+                                      <a:rPr lang="en-GB" altLang="ja-JP" sz="2800" i="1">
+                                        <a:solidFill>
+                                          <a:schemeClr val="tx1">
+                                            <a:lumMod val="75000"/>
+                                            <a:lumOff val="25000"/>
+                                          </a:schemeClr>
+                                        </a:solidFill>
+                                        <a:latin typeface="Cambria Math" panose="02040503050406030204" pitchFamily="18" charset="0"/>
+                                        <a:ea typeface="ＭＳ Ｐゴシック" charset="-128"/>
+                                      </a:rPr>
+                                      <m:t>𝑐𝑜𝑖𝑙</m:t>
+                                    </m:r>
+                                  </m:sub>
+                                </m:sSub>
+                              </m:den>
+                            </m:f>
+                          </m:e>
+                        </m:d>
+                      </m:e>
+                      <m:sup>
+                        <m:sSub>
+                          <m:sSubPr>
+                            <m:ctrlPr>
+                              <a:rPr lang="en-GB" altLang="ja-JP" sz="2800" i="1">
+                                <a:solidFill>
+                                  <a:schemeClr val="tx1">
+                                    <a:lumMod val="75000"/>
+                                    <a:lumOff val="25000"/>
+                                  </a:schemeClr>
+                                </a:solidFill>
+                                <a:latin typeface="Cambria Math" panose="02040503050406030204" pitchFamily="18" charset="0"/>
+                                <a:ea typeface="ＭＳ Ｐゴシック" charset="-128"/>
+                              </a:rPr>
+                            </m:ctrlPr>
+                          </m:sSubPr>
+                          <m:e>
+                            <m:r>
+                              <a:rPr lang="en-GB" altLang="ja-JP" sz="2800" i="1">
+                                <a:solidFill>
+                                  <a:schemeClr val="tx1">
+                                    <a:lumMod val="75000"/>
+                                    <a:lumOff val="25000"/>
+                                  </a:schemeClr>
+                                </a:solidFill>
+                                <a:latin typeface="Cambria Math" panose="02040503050406030204" pitchFamily="18" charset="0"/>
+                                <a:ea typeface="ＭＳ Ｐゴシック" charset="-128"/>
+                              </a:rPr>
+                              <m:t>𝑁</m:t>
+                            </m:r>
+                          </m:e>
+                          <m:sub>
+                            <m:r>
+                              <a:rPr lang="en-GB" altLang="ja-JP" sz="2800" i="1">
+                                <a:solidFill>
+                                  <a:schemeClr val="tx1">
+                                    <a:lumMod val="75000"/>
+                                    <a:lumOff val="25000"/>
+                                  </a:schemeClr>
+                                </a:solidFill>
+                                <a:latin typeface="Cambria Math" panose="02040503050406030204" pitchFamily="18" charset="0"/>
+                                <a:ea typeface="ＭＳ Ｐゴシック" charset="-128"/>
+                              </a:rPr>
+                              <m:t>𝑐𝑜𝑖𝑙</m:t>
+                            </m:r>
+                          </m:sub>
+                        </m:sSub>
+                      </m:sup>
+                    </m:sSup>
+                    <m:func>
+                      <m:funcPr>
+                        <m:ctrlPr>
+                          <a:rPr lang="en-GB" altLang="ja-JP" sz="2800" i="1">
+                            <a:solidFill>
+                              <a:schemeClr val="tx1">
+                                <a:lumMod val="75000"/>
+                                <a:lumOff val="25000"/>
+                              </a:schemeClr>
+                            </a:solidFill>
+                            <a:latin typeface="Cambria Math" panose="02040503050406030204" pitchFamily="18" charset="0"/>
+                            <a:ea typeface="ＭＳ Ｐゴシック" charset="-128"/>
+                          </a:rPr>
+                        </m:ctrlPr>
+                      </m:funcPr>
+                      <m:fName>
+                        <m:r>
+                          <m:rPr>
+                            <m:sty m:val="p"/>
+                          </m:rPr>
+                          <a:rPr lang="en-GB" altLang="ja-JP" sz="2800" b="0" i="0" smtClean="0">
+                            <a:solidFill>
+                              <a:schemeClr val="tx1">
+                                <a:lumMod val="75000"/>
+                                <a:lumOff val="25000"/>
+                              </a:schemeClr>
+                            </a:solidFill>
+                            <a:latin typeface="Cambria Math" panose="02040503050406030204" pitchFamily="18" charset="0"/>
+                            <a:ea typeface="ＭＳ Ｐゴシック" charset="-128"/>
+                          </a:rPr>
+                          <m:t>cos</m:t>
+                        </m:r>
+                      </m:fName>
+                      <m:e>
+                        <m:d>
+                          <m:dPr>
+                            <m:ctrlPr>
+                              <a:rPr lang="en-GB" altLang="ja-JP" sz="2800" i="1">
+                                <a:solidFill>
+                                  <a:schemeClr val="tx1">
+                                    <a:lumMod val="75000"/>
+                                    <a:lumOff val="25000"/>
+                                  </a:schemeClr>
+                                </a:solidFill>
+                                <a:latin typeface="Cambria Math" panose="02040503050406030204" pitchFamily="18" charset="0"/>
+                                <a:ea typeface="ＭＳ Ｐゴシック" charset="-128"/>
+                              </a:rPr>
+                            </m:ctrlPr>
+                          </m:dPr>
+                          <m:e>
+                            <m:sSub>
+                              <m:sSubPr>
+                                <m:ctrlPr>
+                                  <a:rPr lang="en-GB" altLang="ja-JP" sz="2800" i="1">
+                                    <a:solidFill>
+                                      <a:schemeClr val="tx1">
+                                        <a:lumMod val="75000"/>
+                                        <a:lumOff val="25000"/>
+                                      </a:schemeClr>
+                                    </a:solidFill>
+                                    <a:latin typeface="Cambria Math" panose="02040503050406030204" pitchFamily="18" charset="0"/>
+                                    <a:ea typeface="ＭＳ Ｐゴシック" charset="-128"/>
+                                  </a:rPr>
+                                </m:ctrlPr>
+                              </m:sSubPr>
+                              <m:e>
+                                <m:r>
+                                  <a:rPr lang="en-GB" altLang="ja-JP" sz="2800" i="1">
+                                    <a:solidFill>
+                                      <a:schemeClr val="tx1">
+                                        <a:lumMod val="75000"/>
+                                        <a:lumOff val="25000"/>
+                                      </a:schemeClr>
+                                    </a:solidFill>
+                                    <a:latin typeface="Cambria Math" panose="02040503050406030204" pitchFamily="18" charset="0"/>
+                                    <a:ea typeface="ＭＳ Ｐゴシック" charset="-128"/>
+                                  </a:rPr>
+                                  <m:t>𝑁</m:t>
+                                </m:r>
+                              </m:e>
+                              <m:sub>
+                                <m:r>
+                                  <a:rPr lang="en-GB" altLang="ja-JP" sz="2800" i="1">
+                                    <a:solidFill>
+                                      <a:schemeClr val="tx1">
+                                        <a:lumMod val="75000"/>
+                                        <a:lumOff val="25000"/>
+                                      </a:schemeClr>
+                                    </a:solidFill>
+                                    <a:latin typeface="Cambria Math" panose="02040503050406030204" pitchFamily="18" charset="0"/>
+                                    <a:ea typeface="ＭＳ Ｐゴシック" charset="-128"/>
+                                  </a:rPr>
+                                  <m:t>𝑐𝑜𝑖𝑙</m:t>
+                                </m:r>
+                              </m:sub>
+                            </m:sSub>
+                            <m:r>
+                              <a:rPr lang="en-GB" altLang="ja-JP" sz="2800" i="1">
+                                <a:solidFill>
+                                  <a:schemeClr val="tx1">
+                                    <a:lumMod val="75000"/>
+                                    <a:lumOff val="25000"/>
+                                  </a:schemeClr>
+                                </a:solidFill>
+                                <a:latin typeface="Cambria Math" panose="02040503050406030204" pitchFamily="18" charset="0"/>
+                                <a:ea typeface="ＭＳ Ｐゴシック" charset="-128"/>
+                              </a:rPr>
+                              <m:t>𝜙</m:t>
+                            </m:r>
+                          </m:e>
+                        </m:d>
+                      </m:e>
+                    </m:func>
+                    <m:r>
+                      <a:rPr lang="en-GB" altLang="ja-JP" sz="2800" b="0" i="1" smtClean="0">
+                        <a:solidFill>
+                          <a:schemeClr val="tx1">
+                            <a:lumMod val="75000"/>
+                            <a:lumOff val="25000"/>
+                          </a:schemeClr>
+                        </a:solidFill>
+                        <a:latin typeface="Cambria Math" panose="02040503050406030204" pitchFamily="18" charset="0"/>
+                        <a:ea typeface="ＭＳ Ｐゴシック" charset="-128"/>
+                      </a:rPr>
+                      <m:t>,</m:t>
+                    </m:r>
+                    <m:r>
+                      <a:rPr lang="en-GB" altLang="ja-JP" sz="2800" b="0" i="0" smtClean="0">
+                        <a:solidFill>
+                          <a:schemeClr val="tx1">
+                            <a:lumMod val="75000"/>
+                            <a:lumOff val="25000"/>
+                          </a:schemeClr>
+                        </a:solidFill>
+                        <a:latin typeface="Cambria Math" panose="02040503050406030204" pitchFamily="18" charset="0"/>
+                        <a:ea typeface="ＭＳ Ｐゴシック" charset="-128"/>
+                      </a:rPr>
+                      <m:t> </m:t>
+                    </m:r>
+                  </m:oMath>
+                </a14:m>
+                <a:endParaRPr lang="en-GB" altLang="ja-JP" sz="2800" b="0" i="0" dirty="0">
+                  <a:solidFill>
+                    <a:schemeClr val="tx1">
+                      <a:lumMod val="75000"/>
+                      <a:lumOff val="25000"/>
+                    </a:schemeClr>
+                  </a:solidFill>
+                  <a:latin typeface="Cambria Math" panose="02040503050406030204" pitchFamily="18" charset="0"/>
+                  <a:ea typeface="ＭＳ Ｐゴシック" charset="-128"/>
+                </a:endParaRPr>
+              </a:p>
+              <a:p>
+                <a:pPr marL="971550" lvl="1" indent="-457200" algn="just">
+                  <a:lnSpc>
+                    <a:spcPct val="120000"/>
+                  </a:lnSpc>
+                  <a:buFont typeface="Arial" panose="020B0604020202020204" pitchFamily="34" charset="0"/>
+                  <a:buChar char="•"/>
+                </a:pPr>
+                <a14:m>
+                  <m:oMath xmlns:m="http://schemas.openxmlformats.org/officeDocument/2006/math">
+                    <m:r>
+                      <a:rPr lang="en-GB" altLang="ja-JP" sz="2800" b="0" i="1" smtClean="0">
+                        <a:solidFill>
+                          <a:schemeClr val="tx1">
+                            <a:lumMod val="75000"/>
+                            <a:lumOff val="25000"/>
+                          </a:schemeClr>
+                        </a:solidFill>
+                        <a:latin typeface="Cambria Math" panose="02040503050406030204" pitchFamily="18" charset="0"/>
+                        <a:ea typeface="ＭＳ Ｐゴシック" charset="-128"/>
+                      </a:rPr>
+                      <m:t>𝛿</m:t>
+                    </m:r>
+                    <m:sSubSup>
+                      <m:sSubSupPr>
+                        <m:ctrlPr>
+                          <a:rPr lang="en-GB" altLang="ja-JP" sz="2800" b="0" i="1" smtClean="0">
+                            <a:solidFill>
+                              <a:schemeClr val="tx1">
+                                <a:lumMod val="75000"/>
+                                <a:lumOff val="25000"/>
+                              </a:schemeClr>
+                            </a:solidFill>
+                            <a:latin typeface="Cambria Math" panose="02040503050406030204" pitchFamily="18" charset="0"/>
+                            <a:ea typeface="ＭＳ Ｐゴシック" charset="-128"/>
+                          </a:rPr>
+                        </m:ctrlPr>
+                      </m:sSubSupPr>
+                      <m:e>
+                        <m:r>
+                          <a:rPr lang="en-GB" altLang="ja-JP" sz="2800" b="0" i="1" smtClean="0">
+                            <a:solidFill>
+                              <a:schemeClr val="tx1">
+                                <a:lumMod val="75000"/>
+                                <a:lumOff val="25000"/>
+                              </a:schemeClr>
+                            </a:solidFill>
+                            <a:latin typeface="Cambria Math" panose="02040503050406030204" pitchFamily="18" charset="0"/>
+                            <a:ea typeface="ＭＳ Ｐゴシック" charset="-128"/>
+                          </a:rPr>
+                          <m:t>𝐵</m:t>
+                        </m:r>
+                      </m:e>
+                      <m:sub>
+                        <m:r>
+                          <a:rPr lang="en-GB" altLang="ja-JP" sz="2800" b="0" i="1" smtClean="0">
+                            <a:solidFill>
+                              <a:schemeClr val="tx1">
+                                <a:lumMod val="75000"/>
+                                <a:lumOff val="25000"/>
+                              </a:schemeClr>
+                            </a:solidFill>
+                            <a:latin typeface="Cambria Math" panose="02040503050406030204" pitchFamily="18" charset="0"/>
+                            <a:ea typeface="ＭＳ Ｐゴシック" charset="-128"/>
+                          </a:rPr>
+                          <m:t>𝑍</m:t>
+                        </m:r>
+                      </m:sub>
+                      <m:sup>
+                        <m:r>
+                          <a:rPr lang="en-GB" altLang="ja-JP" sz="2800" b="0" i="1" smtClean="0">
+                            <a:solidFill>
+                              <a:schemeClr val="tx1">
+                                <a:lumMod val="75000"/>
+                                <a:lumOff val="25000"/>
+                              </a:schemeClr>
+                            </a:solidFill>
+                            <a:latin typeface="Cambria Math" panose="02040503050406030204" pitchFamily="18" charset="0"/>
+                            <a:ea typeface="ＭＳ Ｐゴシック" charset="-128"/>
+                          </a:rPr>
+                          <m:t>𝑟𝑖𝑝𝑝𝑙𝑒</m:t>
+                        </m:r>
+                      </m:sup>
+                    </m:sSubSup>
+                    <m:r>
+                      <a:rPr lang="en-GB" altLang="ja-JP" sz="2800" b="0" i="1" smtClean="0">
+                        <a:solidFill>
+                          <a:schemeClr val="tx1">
+                            <a:lumMod val="75000"/>
+                            <a:lumOff val="25000"/>
+                          </a:schemeClr>
+                        </a:solidFill>
+                        <a:latin typeface="Cambria Math" panose="02040503050406030204" pitchFamily="18" charset="0"/>
+                        <a:ea typeface="ＭＳ Ｐゴシック" charset="-128"/>
+                      </a:rPr>
+                      <m:t>=</m:t>
+                    </m:r>
+                    <m:r>
+                      <a:rPr lang="en-GB" altLang="ja-JP" sz="2800" b="0" i="1" smtClean="0">
+                        <a:solidFill>
+                          <a:schemeClr val="tx1">
+                            <a:lumMod val="75000"/>
+                            <a:lumOff val="25000"/>
+                          </a:schemeClr>
+                        </a:solidFill>
+                        <a:latin typeface="Cambria Math" panose="02040503050406030204" pitchFamily="18" charset="0"/>
+                        <a:ea typeface="ＭＳ Ｐゴシック" charset="-128"/>
+                      </a:rPr>
+                      <m:t>0, </m:t>
+                    </m:r>
+                  </m:oMath>
+                </a14:m>
+                <a:endParaRPr lang="en-GB" altLang="ja-JP" sz="2800" b="0" i="1" dirty="0">
+                  <a:solidFill>
+                    <a:schemeClr val="tx1">
+                      <a:lumMod val="75000"/>
+                      <a:lumOff val="25000"/>
+                    </a:schemeClr>
+                  </a:solidFill>
+                  <a:latin typeface="Cambria Math" panose="02040503050406030204" pitchFamily="18" charset="0"/>
+                  <a:ea typeface="ＭＳ Ｐゴシック" charset="-128"/>
+                </a:endParaRPr>
+              </a:p>
+              <a:p>
+                <a:pPr marL="971550" lvl="1" indent="-457200" algn="just">
+                  <a:lnSpc>
+                    <a:spcPct val="120000"/>
+                  </a:lnSpc>
+                  <a:buFont typeface="Arial" panose="020B0604020202020204" pitchFamily="34" charset="0"/>
+                  <a:buChar char="•"/>
+                </a:pPr>
+                <a:r>
+                  <a:rPr lang="en-GB" altLang="ja-JP" sz="2800" dirty="0">
+                    <a:solidFill>
+                      <a:schemeClr val="tx1">
+                        <a:lumMod val="75000"/>
+                        <a:lumOff val="25000"/>
+                      </a:schemeClr>
+                    </a:solidFill>
+                    <a:ea typeface="ＭＳ Ｐゴシック" charset="-128"/>
+                  </a:rPr>
+                  <a:t>w</a:t>
+                </a:r>
+                <a:r>
+                  <a:rPr lang="en-GB" altLang="ja-JP" sz="2800" b="0" dirty="0">
+                    <a:solidFill>
+                      <a:schemeClr val="tx1">
+                        <a:lumMod val="75000"/>
+                        <a:lumOff val="25000"/>
+                      </a:schemeClr>
+                    </a:solidFill>
+                    <a:ea typeface="ＭＳ Ｐゴシック" charset="-128"/>
+                  </a:rPr>
+                  <a:t>here:</a:t>
+                </a:r>
+              </a:p>
+              <a:p>
+                <a:pPr marL="1371600" lvl="2" indent="-457200" algn="just">
+                  <a:lnSpc>
+                    <a:spcPct val="120000"/>
+                  </a:lnSpc>
+                  <a:buFont typeface="Arial" panose="020B0604020202020204" pitchFamily="34" charset="0"/>
+                  <a:buChar char="•"/>
+                </a:pPr>
+                <a14:m>
+                  <m:oMath xmlns:m="http://schemas.openxmlformats.org/officeDocument/2006/math">
+                    <m:sSub>
+                      <m:sSubPr>
+                        <m:ctrlPr>
+                          <a:rPr lang="en-GB" altLang="ja-JP" sz="2800" b="0" i="1" smtClean="0">
+                            <a:solidFill>
+                              <a:schemeClr val="tx1">
+                                <a:lumMod val="75000"/>
+                                <a:lumOff val="25000"/>
+                              </a:schemeClr>
+                            </a:solidFill>
+                            <a:latin typeface="Cambria Math" panose="02040503050406030204" pitchFamily="18" charset="0"/>
+                            <a:ea typeface="ＭＳ Ｐゴシック" charset="-128"/>
+                          </a:rPr>
+                        </m:ctrlPr>
+                      </m:sSubPr>
+                      <m:e>
+                        <m:r>
+                          <a:rPr lang="en-GB" altLang="ja-JP" sz="2800" b="0" i="1" smtClean="0">
+                            <a:solidFill>
+                              <a:schemeClr val="tx1">
+                                <a:lumMod val="75000"/>
+                                <a:lumOff val="25000"/>
+                              </a:schemeClr>
+                            </a:solidFill>
+                            <a:latin typeface="Cambria Math" panose="02040503050406030204" pitchFamily="18" charset="0"/>
+                            <a:ea typeface="ＭＳ Ｐゴシック" charset="-128"/>
+                          </a:rPr>
+                          <m:t>𝑁</m:t>
+                        </m:r>
+                      </m:e>
+                      <m:sub>
+                        <m:r>
+                          <a:rPr lang="en-GB" altLang="ja-JP" sz="2800" b="0" i="1" smtClean="0">
+                            <a:solidFill>
+                              <a:schemeClr val="tx1">
+                                <a:lumMod val="75000"/>
+                                <a:lumOff val="25000"/>
+                              </a:schemeClr>
+                            </a:solidFill>
+                            <a:latin typeface="Cambria Math" panose="02040503050406030204" pitchFamily="18" charset="0"/>
+                            <a:ea typeface="ＭＳ Ｐゴシック" charset="-128"/>
+                          </a:rPr>
+                          <m:t>𝑐𝑜𝑖𝑙</m:t>
+                        </m:r>
+                      </m:sub>
+                    </m:sSub>
+                    <m:r>
+                      <a:rPr lang="en-GB" altLang="ja-JP" sz="2800" b="0" i="1" smtClean="0">
+                        <a:solidFill>
+                          <a:schemeClr val="tx1">
+                            <a:lumMod val="75000"/>
+                            <a:lumOff val="25000"/>
+                          </a:schemeClr>
+                        </a:solidFill>
+                        <a:latin typeface="Cambria Math" panose="02040503050406030204" pitchFamily="18" charset="0"/>
+                        <a:ea typeface="ＭＳ Ｐゴシック" charset="-128"/>
+                      </a:rPr>
+                      <m:t>= </m:t>
+                    </m:r>
+                    <m:r>
+                      <m:rPr>
+                        <m:nor/>
+                      </m:rPr>
+                      <a:rPr lang="en-GB" altLang="ja-JP" sz="2800" b="0" i="0" smtClean="0">
+                        <a:solidFill>
+                          <a:schemeClr val="tx1">
+                            <a:lumMod val="75000"/>
+                            <a:lumOff val="25000"/>
+                          </a:schemeClr>
+                        </a:solidFill>
+                        <a:latin typeface="Cambria Math" panose="02040503050406030204" pitchFamily="18" charset="0"/>
+                        <a:ea typeface="ＭＳ Ｐゴシック" charset="-128"/>
+                      </a:rPr>
+                      <m:t>Total</m:t>
+                    </m:r>
+                    <m:r>
+                      <m:rPr>
+                        <m:nor/>
+                      </m:rPr>
+                      <a:rPr lang="en-GB" altLang="ja-JP" sz="2800" b="0" i="0" smtClean="0">
+                        <a:solidFill>
+                          <a:schemeClr val="tx1">
+                            <a:lumMod val="75000"/>
+                            <a:lumOff val="25000"/>
+                          </a:schemeClr>
+                        </a:solidFill>
+                        <a:latin typeface="Cambria Math" panose="02040503050406030204" pitchFamily="18" charset="0"/>
+                        <a:ea typeface="ＭＳ Ｐゴシック" charset="-128"/>
+                      </a:rPr>
+                      <m:t> </m:t>
+                    </m:r>
+                    <m:r>
+                      <m:rPr>
+                        <m:nor/>
+                      </m:rPr>
+                      <a:rPr lang="en-GB" altLang="ja-JP" sz="2800" b="0" i="0" smtClean="0">
+                        <a:solidFill>
+                          <a:schemeClr val="tx1">
+                            <a:lumMod val="75000"/>
+                            <a:lumOff val="25000"/>
+                          </a:schemeClr>
+                        </a:solidFill>
+                        <a:latin typeface="Cambria Math" panose="02040503050406030204" pitchFamily="18" charset="0"/>
+                        <a:ea typeface="ＭＳ Ｐゴシック" charset="-128"/>
+                      </a:rPr>
+                      <m:t>number</m:t>
+                    </m:r>
+                    <m:r>
+                      <m:rPr>
+                        <m:nor/>
+                      </m:rPr>
+                      <a:rPr lang="en-GB" altLang="ja-JP" sz="2800" b="0" i="0" smtClean="0">
+                        <a:solidFill>
+                          <a:schemeClr val="tx1">
+                            <a:lumMod val="75000"/>
+                            <a:lumOff val="25000"/>
+                          </a:schemeClr>
+                        </a:solidFill>
+                        <a:latin typeface="Cambria Math" panose="02040503050406030204" pitchFamily="18" charset="0"/>
+                        <a:ea typeface="ＭＳ Ｐゴシック" charset="-128"/>
+                      </a:rPr>
+                      <m:t> </m:t>
+                    </m:r>
+                    <m:r>
+                      <m:rPr>
+                        <m:nor/>
+                      </m:rPr>
+                      <a:rPr lang="en-GB" altLang="ja-JP" sz="2800" b="0" i="0" smtClean="0">
+                        <a:solidFill>
+                          <a:schemeClr val="tx1">
+                            <a:lumMod val="75000"/>
+                            <a:lumOff val="25000"/>
+                          </a:schemeClr>
+                        </a:solidFill>
+                        <a:latin typeface="Cambria Math" panose="02040503050406030204" pitchFamily="18" charset="0"/>
+                        <a:ea typeface="ＭＳ Ｐゴシック" charset="-128"/>
+                      </a:rPr>
+                      <m:t>of</m:t>
+                    </m:r>
+                    <m:r>
+                      <m:rPr>
+                        <m:nor/>
+                      </m:rPr>
+                      <a:rPr lang="en-GB" altLang="ja-JP" sz="2800" b="0" i="0" smtClean="0">
+                        <a:solidFill>
+                          <a:schemeClr val="tx1">
+                            <a:lumMod val="75000"/>
+                            <a:lumOff val="25000"/>
+                          </a:schemeClr>
+                        </a:solidFill>
+                        <a:latin typeface="Cambria Math" panose="02040503050406030204" pitchFamily="18" charset="0"/>
+                        <a:ea typeface="ＭＳ Ｐゴシック" charset="-128"/>
+                      </a:rPr>
+                      <m:t> </m:t>
+                    </m:r>
+                    <m:r>
+                      <m:rPr>
+                        <m:nor/>
+                      </m:rPr>
+                      <a:rPr lang="en-GB" altLang="ja-JP" sz="2800" b="0" i="0" smtClean="0">
+                        <a:solidFill>
+                          <a:schemeClr val="tx1">
+                            <a:lumMod val="75000"/>
+                            <a:lumOff val="25000"/>
+                          </a:schemeClr>
+                        </a:solidFill>
+                        <a:latin typeface="Cambria Math" panose="02040503050406030204" pitchFamily="18" charset="0"/>
+                        <a:ea typeface="ＭＳ Ｐゴシック" charset="-128"/>
+                      </a:rPr>
+                      <m:t>TF</m:t>
+                    </m:r>
+                    <m:r>
+                      <m:rPr>
+                        <m:nor/>
+                      </m:rPr>
+                      <a:rPr lang="en-GB" altLang="ja-JP" sz="2800" b="0" i="0" smtClean="0">
+                        <a:solidFill>
+                          <a:schemeClr val="tx1">
+                            <a:lumMod val="75000"/>
+                            <a:lumOff val="25000"/>
+                          </a:schemeClr>
+                        </a:solidFill>
+                        <a:latin typeface="Cambria Math" panose="02040503050406030204" pitchFamily="18" charset="0"/>
+                        <a:ea typeface="ＭＳ Ｐゴシック" charset="-128"/>
+                      </a:rPr>
+                      <m:t> </m:t>
+                    </m:r>
+                    <m:r>
+                      <m:rPr>
+                        <m:nor/>
+                      </m:rPr>
+                      <a:rPr lang="en-GB" altLang="ja-JP" sz="2800" b="0" i="0" smtClean="0">
+                        <a:solidFill>
+                          <a:schemeClr val="tx1">
+                            <a:lumMod val="75000"/>
+                            <a:lumOff val="25000"/>
+                          </a:schemeClr>
+                        </a:solidFill>
+                        <a:latin typeface="Cambria Math" panose="02040503050406030204" pitchFamily="18" charset="0"/>
+                        <a:ea typeface="ＭＳ Ｐゴシック" charset="-128"/>
+                      </a:rPr>
+                      <m:t>coils</m:t>
+                    </m:r>
+                    <m:r>
+                      <m:rPr>
+                        <m:nor/>
+                      </m:rPr>
+                      <a:rPr lang="en-GB" altLang="ja-JP" sz="2800" b="0" i="0" smtClean="0">
+                        <a:solidFill>
+                          <a:schemeClr val="tx1">
+                            <a:lumMod val="75000"/>
+                            <a:lumOff val="25000"/>
+                          </a:schemeClr>
+                        </a:solidFill>
+                        <a:latin typeface="Cambria Math" panose="02040503050406030204" pitchFamily="18" charset="0"/>
+                        <a:ea typeface="ＭＳ Ｐゴシック" charset="-128"/>
+                      </a:rPr>
+                      <m:t>,</m:t>
+                    </m:r>
+                  </m:oMath>
+                </a14:m>
+                <a:endParaRPr lang="en-GB" altLang="ja-JP" sz="2800" b="0" i="1" dirty="0">
+                  <a:solidFill>
+                    <a:schemeClr val="tx1">
+                      <a:lumMod val="75000"/>
+                      <a:lumOff val="25000"/>
+                    </a:schemeClr>
+                  </a:solidFill>
+                  <a:latin typeface="Cambria Math" panose="02040503050406030204" pitchFamily="18" charset="0"/>
+                  <a:ea typeface="ＭＳ Ｐゴシック" charset="-128"/>
+                </a:endParaRPr>
+              </a:p>
+              <a:p>
+                <a:pPr marL="1371600" lvl="2" indent="-457200" algn="just">
+                  <a:lnSpc>
+                    <a:spcPct val="120000"/>
+                  </a:lnSpc>
+                  <a:buFont typeface="Arial" panose="020B0604020202020204" pitchFamily="34" charset="0"/>
+                  <a:buChar char="•"/>
+                </a:pPr>
+                <a14:m>
+                  <m:oMath xmlns:m="http://schemas.openxmlformats.org/officeDocument/2006/math">
+                    <m:sSub>
+                      <m:sSubPr>
+                        <m:ctrlPr>
+                          <a:rPr lang="en-GB" altLang="ja-JP" sz="2800" b="0" i="1" smtClean="0">
+                            <a:solidFill>
+                              <a:schemeClr val="tx1">
+                                <a:lumMod val="75000"/>
+                                <a:lumOff val="25000"/>
+                              </a:schemeClr>
+                            </a:solidFill>
+                            <a:latin typeface="Cambria Math" panose="02040503050406030204" pitchFamily="18" charset="0"/>
+                            <a:ea typeface="ＭＳ Ｐゴシック" charset="-128"/>
+                          </a:rPr>
+                        </m:ctrlPr>
+                      </m:sSubPr>
+                      <m:e>
+                        <m:r>
+                          <a:rPr lang="en-GB" altLang="ja-JP" sz="2800" b="0" i="1" smtClean="0">
+                            <a:solidFill>
+                              <a:schemeClr val="tx1">
+                                <a:lumMod val="75000"/>
+                                <a:lumOff val="25000"/>
+                              </a:schemeClr>
+                            </a:solidFill>
+                            <a:latin typeface="Cambria Math" panose="02040503050406030204" pitchFamily="18" charset="0"/>
+                            <a:ea typeface="ＭＳ Ｐゴシック" charset="-128"/>
+                          </a:rPr>
+                          <m:t>𝑅</m:t>
+                        </m:r>
+                      </m:e>
+                      <m:sub>
+                        <m:r>
+                          <a:rPr lang="en-GB" altLang="ja-JP" sz="2800" b="0" i="1" smtClean="0">
+                            <a:solidFill>
+                              <a:schemeClr val="tx1">
+                                <a:lumMod val="75000"/>
+                                <a:lumOff val="25000"/>
+                              </a:schemeClr>
+                            </a:solidFill>
+                            <a:latin typeface="Cambria Math" panose="02040503050406030204" pitchFamily="18" charset="0"/>
+                            <a:ea typeface="ＭＳ Ｐゴシック" charset="-128"/>
+                          </a:rPr>
+                          <m:t>𝑐𝑜𝑖𝑙</m:t>
+                        </m:r>
+                      </m:sub>
+                    </m:sSub>
+                    <m:r>
+                      <a:rPr lang="en-GB" altLang="ja-JP" sz="2800" b="0" i="1" smtClean="0">
+                        <a:solidFill>
+                          <a:schemeClr val="tx1">
+                            <a:lumMod val="75000"/>
+                            <a:lumOff val="25000"/>
+                          </a:schemeClr>
+                        </a:solidFill>
+                        <a:latin typeface="Cambria Math" panose="02040503050406030204" pitchFamily="18" charset="0"/>
+                        <a:ea typeface="ＭＳ Ｐゴシック" charset="-128"/>
+                      </a:rPr>
+                      <m:t>=</m:t>
+                    </m:r>
+                    <m:r>
+                      <m:rPr>
+                        <m:nor/>
+                      </m:rPr>
+                      <a:rPr lang="en-GB" altLang="ja-JP" sz="2800" b="0" i="0" smtClean="0">
+                        <a:solidFill>
+                          <a:schemeClr val="tx1">
+                            <a:lumMod val="75000"/>
+                            <a:lumOff val="25000"/>
+                          </a:schemeClr>
+                        </a:solidFill>
+                        <a:latin typeface="Cambria Math" panose="02040503050406030204" pitchFamily="18" charset="0"/>
+                        <a:ea typeface="ＭＳ Ｐゴシック" charset="-128"/>
+                      </a:rPr>
+                      <m:t>Major</m:t>
+                    </m:r>
+                    <m:r>
+                      <m:rPr>
+                        <m:nor/>
+                      </m:rPr>
+                      <a:rPr lang="en-GB" altLang="ja-JP" sz="2800" b="0" i="0" smtClean="0">
+                        <a:solidFill>
+                          <a:schemeClr val="tx1">
+                            <a:lumMod val="75000"/>
+                            <a:lumOff val="25000"/>
+                          </a:schemeClr>
+                        </a:solidFill>
+                        <a:latin typeface="Cambria Math" panose="02040503050406030204" pitchFamily="18" charset="0"/>
+                        <a:ea typeface="ＭＳ Ｐゴシック" charset="-128"/>
+                      </a:rPr>
+                      <m:t> </m:t>
+                    </m:r>
+                    <m:r>
+                      <m:rPr>
+                        <m:nor/>
+                      </m:rPr>
+                      <a:rPr lang="en-GB" altLang="ja-JP" sz="2800" b="0" i="0" smtClean="0">
+                        <a:solidFill>
+                          <a:schemeClr val="tx1">
+                            <a:lumMod val="75000"/>
+                            <a:lumOff val="25000"/>
+                          </a:schemeClr>
+                        </a:solidFill>
+                        <a:latin typeface="Cambria Math" panose="02040503050406030204" pitchFamily="18" charset="0"/>
+                        <a:ea typeface="ＭＳ Ｐゴシック" charset="-128"/>
+                      </a:rPr>
+                      <m:t>radius</m:t>
+                    </m:r>
+                    <m:r>
+                      <m:rPr>
+                        <m:nor/>
+                      </m:rPr>
+                      <a:rPr lang="en-GB" altLang="ja-JP" sz="2800" b="0" i="0" smtClean="0">
+                        <a:solidFill>
+                          <a:schemeClr val="tx1">
+                            <a:lumMod val="75000"/>
+                            <a:lumOff val="25000"/>
+                          </a:schemeClr>
+                        </a:solidFill>
+                        <a:latin typeface="Cambria Math" panose="02040503050406030204" pitchFamily="18" charset="0"/>
+                        <a:ea typeface="ＭＳ Ｐゴシック" charset="-128"/>
+                      </a:rPr>
+                      <m:t> </m:t>
+                    </m:r>
+                    <m:r>
+                      <m:rPr>
+                        <m:nor/>
+                      </m:rPr>
+                      <a:rPr lang="en-GB" altLang="ja-JP" sz="2800" b="0" i="0" smtClean="0">
+                        <a:solidFill>
+                          <a:schemeClr val="tx1">
+                            <a:lumMod val="75000"/>
+                            <a:lumOff val="25000"/>
+                          </a:schemeClr>
+                        </a:solidFill>
+                        <a:latin typeface="Cambria Math" panose="02040503050406030204" pitchFamily="18" charset="0"/>
+                        <a:ea typeface="ＭＳ Ｐゴシック" charset="-128"/>
+                      </a:rPr>
+                      <m:t>of</m:t>
+                    </m:r>
+                    <m:r>
+                      <m:rPr>
+                        <m:nor/>
+                      </m:rPr>
+                      <a:rPr lang="en-GB" altLang="ja-JP" sz="2800" b="0" i="0" smtClean="0">
+                        <a:solidFill>
+                          <a:schemeClr val="tx1">
+                            <a:lumMod val="75000"/>
+                            <a:lumOff val="25000"/>
+                          </a:schemeClr>
+                        </a:solidFill>
+                        <a:latin typeface="Cambria Math" panose="02040503050406030204" pitchFamily="18" charset="0"/>
+                        <a:ea typeface="ＭＳ Ｐゴシック" charset="-128"/>
+                      </a:rPr>
+                      <m:t> </m:t>
+                    </m:r>
+                    <m:r>
+                      <m:rPr>
+                        <m:nor/>
+                      </m:rPr>
+                      <a:rPr lang="en-GB" altLang="ja-JP" sz="2800" b="0" i="0" smtClean="0">
+                        <a:solidFill>
+                          <a:schemeClr val="tx1">
+                            <a:lumMod val="75000"/>
+                            <a:lumOff val="25000"/>
+                          </a:schemeClr>
+                        </a:solidFill>
+                        <a:latin typeface="Cambria Math" panose="02040503050406030204" pitchFamily="18" charset="0"/>
+                        <a:ea typeface="ＭＳ Ｐゴシック" charset="-128"/>
+                      </a:rPr>
+                      <m:t>the</m:t>
+                    </m:r>
+                    <m:r>
+                      <m:rPr>
+                        <m:nor/>
+                      </m:rPr>
+                      <a:rPr lang="en-GB" altLang="ja-JP" sz="2800" b="0" i="0" smtClean="0">
+                        <a:solidFill>
+                          <a:schemeClr val="tx1">
+                            <a:lumMod val="75000"/>
+                            <a:lumOff val="25000"/>
+                          </a:schemeClr>
+                        </a:solidFill>
+                        <a:latin typeface="Cambria Math" panose="02040503050406030204" pitchFamily="18" charset="0"/>
+                        <a:ea typeface="ＭＳ Ｐゴシック" charset="-128"/>
+                      </a:rPr>
+                      <m:t> </m:t>
+                    </m:r>
+                    <m:r>
+                      <m:rPr>
+                        <m:nor/>
+                      </m:rPr>
+                      <a:rPr lang="en-GB" altLang="ja-JP" sz="2800" b="0" i="0" smtClean="0">
+                        <a:solidFill>
+                          <a:schemeClr val="tx1">
+                            <a:lumMod val="75000"/>
+                            <a:lumOff val="25000"/>
+                          </a:schemeClr>
+                        </a:solidFill>
+                        <a:latin typeface="Cambria Math" panose="02040503050406030204" pitchFamily="18" charset="0"/>
+                        <a:ea typeface="ＭＳ Ｐゴシック" charset="-128"/>
+                      </a:rPr>
+                      <m:t>outer</m:t>
+                    </m:r>
+                    <m:r>
+                      <m:rPr>
+                        <m:nor/>
+                      </m:rPr>
+                      <a:rPr lang="en-GB" altLang="ja-JP" sz="2800" b="0" i="0" smtClean="0">
+                        <a:solidFill>
+                          <a:schemeClr val="tx1">
+                            <a:lumMod val="75000"/>
+                            <a:lumOff val="25000"/>
+                          </a:schemeClr>
+                        </a:solidFill>
+                        <a:latin typeface="Cambria Math" panose="02040503050406030204" pitchFamily="18" charset="0"/>
+                        <a:ea typeface="ＭＳ Ｐゴシック" charset="-128"/>
+                      </a:rPr>
+                      <m:t> </m:t>
+                    </m:r>
+                    <m:r>
+                      <m:rPr>
+                        <m:nor/>
+                      </m:rPr>
+                      <a:rPr lang="en-GB" altLang="ja-JP" sz="2800" b="0" i="0" smtClean="0">
+                        <a:solidFill>
+                          <a:schemeClr val="tx1">
+                            <a:lumMod val="75000"/>
+                            <a:lumOff val="25000"/>
+                          </a:schemeClr>
+                        </a:solidFill>
+                        <a:latin typeface="Cambria Math" panose="02040503050406030204" pitchFamily="18" charset="0"/>
+                        <a:ea typeface="ＭＳ Ｐゴシック" charset="-128"/>
+                      </a:rPr>
+                      <m:t>limb</m:t>
+                    </m:r>
+                    <m:r>
+                      <m:rPr>
+                        <m:nor/>
+                      </m:rPr>
+                      <a:rPr lang="en-GB" altLang="ja-JP" sz="2800" b="0" i="0" smtClean="0">
+                        <a:solidFill>
+                          <a:schemeClr val="tx1">
+                            <a:lumMod val="75000"/>
+                            <a:lumOff val="25000"/>
+                          </a:schemeClr>
+                        </a:solidFill>
+                        <a:latin typeface="Cambria Math" panose="02040503050406030204" pitchFamily="18" charset="0"/>
+                        <a:ea typeface="ＭＳ Ｐゴシック" charset="-128"/>
+                      </a:rPr>
+                      <m:t> </m:t>
+                    </m:r>
+                    <m:r>
+                      <m:rPr>
+                        <m:nor/>
+                      </m:rPr>
+                      <a:rPr lang="en-GB" altLang="ja-JP" sz="2800" b="0" i="0" smtClean="0">
+                        <a:solidFill>
+                          <a:schemeClr val="tx1">
+                            <a:lumMod val="75000"/>
+                            <a:lumOff val="25000"/>
+                          </a:schemeClr>
+                        </a:solidFill>
+                        <a:latin typeface="Cambria Math" panose="02040503050406030204" pitchFamily="18" charset="0"/>
+                        <a:ea typeface="ＭＳ Ｐゴシック" charset="-128"/>
+                      </a:rPr>
+                      <m:t>of</m:t>
+                    </m:r>
+                    <m:r>
+                      <m:rPr>
+                        <m:nor/>
+                      </m:rPr>
+                      <a:rPr lang="en-GB" altLang="ja-JP" sz="2800" b="0" i="0" smtClean="0">
+                        <a:solidFill>
+                          <a:schemeClr val="tx1">
+                            <a:lumMod val="75000"/>
+                            <a:lumOff val="25000"/>
+                          </a:schemeClr>
+                        </a:solidFill>
+                        <a:latin typeface="Cambria Math" panose="02040503050406030204" pitchFamily="18" charset="0"/>
+                        <a:ea typeface="ＭＳ Ｐゴシック" charset="-128"/>
+                      </a:rPr>
+                      <m:t> </m:t>
+                    </m:r>
+                    <m:r>
+                      <m:rPr>
+                        <m:nor/>
+                      </m:rPr>
+                      <a:rPr lang="en-GB" altLang="ja-JP" sz="2800" b="0" i="0" smtClean="0">
+                        <a:solidFill>
+                          <a:schemeClr val="tx1">
+                            <a:lumMod val="75000"/>
+                            <a:lumOff val="25000"/>
+                          </a:schemeClr>
+                        </a:solidFill>
+                        <a:latin typeface="Cambria Math" panose="02040503050406030204" pitchFamily="18" charset="0"/>
+                        <a:ea typeface="ＭＳ Ｐゴシック" charset="-128"/>
+                      </a:rPr>
+                      <m:t>the</m:t>
+                    </m:r>
+                    <m:r>
+                      <m:rPr>
+                        <m:nor/>
+                      </m:rPr>
+                      <a:rPr lang="en-GB" altLang="ja-JP" sz="2800" b="0" i="0" smtClean="0">
+                        <a:solidFill>
+                          <a:schemeClr val="tx1">
+                            <a:lumMod val="75000"/>
+                            <a:lumOff val="25000"/>
+                          </a:schemeClr>
+                        </a:solidFill>
+                        <a:latin typeface="Cambria Math" panose="02040503050406030204" pitchFamily="18" charset="0"/>
+                        <a:ea typeface="ＭＳ Ｐゴシック" charset="-128"/>
+                      </a:rPr>
+                      <m:t> </m:t>
+                    </m:r>
+                    <m:r>
+                      <m:rPr>
+                        <m:nor/>
+                      </m:rPr>
+                      <a:rPr lang="en-GB" altLang="ja-JP" sz="2800" b="0" i="0" smtClean="0">
+                        <a:solidFill>
+                          <a:schemeClr val="tx1">
+                            <a:lumMod val="75000"/>
+                            <a:lumOff val="25000"/>
+                          </a:schemeClr>
+                        </a:solidFill>
+                        <a:latin typeface="Cambria Math" panose="02040503050406030204" pitchFamily="18" charset="0"/>
+                        <a:ea typeface="ＭＳ Ｐゴシック" charset="-128"/>
+                      </a:rPr>
+                      <m:t>TF</m:t>
+                    </m:r>
+                    <m:r>
+                      <m:rPr>
+                        <m:nor/>
+                      </m:rPr>
+                      <a:rPr lang="en-GB" altLang="ja-JP" sz="2800" b="0" i="0" smtClean="0">
+                        <a:solidFill>
+                          <a:schemeClr val="tx1">
+                            <a:lumMod val="75000"/>
+                            <a:lumOff val="25000"/>
+                          </a:schemeClr>
+                        </a:solidFill>
+                        <a:latin typeface="Cambria Math" panose="02040503050406030204" pitchFamily="18" charset="0"/>
+                        <a:ea typeface="ＭＳ Ｐゴシック" charset="-128"/>
+                      </a:rPr>
+                      <m:t> </m:t>
+                    </m:r>
+                    <m:r>
+                      <m:rPr>
+                        <m:nor/>
+                      </m:rPr>
+                      <a:rPr lang="en-GB" altLang="ja-JP" sz="2800" b="0" i="0" smtClean="0">
+                        <a:solidFill>
+                          <a:schemeClr val="tx1">
+                            <a:lumMod val="75000"/>
+                            <a:lumOff val="25000"/>
+                          </a:schemeClr>
+                        </a:solidFill>
+                        <a:latin typeface="Cambria Math" panose="02040503050406030204" pitchFamily="18" charset="0"/>
+                        <a:ea typeface="ＭＳ Ｐゴシック" charset="-128"/>
+                      </a:rPr>
+                      <m:t>coils</m:t>
+                    </m:r>
+                  </m:oMath>
+                </a14:m>
+                <a:r>
+                  <a:rPr lang="en-GB" altLang="ja-JP" sz="2800" b="0" dirty="0">
+                    <a:solidFill>
+                      <a:schemeClr val="tx1">
+                        <a:lumMod val="75000"/>
+                        <a:lumOff val="25000"/>
+                      </a:schemeClr>
+                    </a:solidFill>
+                    <a:latin typeface="+mn-lt"/>
+                    <a:ea typeface="ＭＳ Ｐゴシック" charset="-128"/>
+                  </a:rPr>
+                  <a:t>.</a:t>
+                </a:r>
+              </a:p>
+              <a:p>
+                <a:pPr marL="457200" indent="-457200" algn="just">
+                  <a:lnSpc>
+                    <a:spcPct val="120000"/>
+                  </a:lnSpc>
+                  <a:buFont typeface="Arial" panose="020B0604020202020204" pitchFamily="34" charset="0"/>
+                  <a:buChar char="•"/>
+                </a:pPr>
+                <a:r>
+                  <a:rPr lang="en-GB" altLang="ja-JP" sz="2800" b="0" dirty="0">
+                    <a:solidFill>
+                      <a:schemeClr val="tx1">
+                        <a:lumMod val="75000"/>
+                        <a:lumOff val="25000"/>
+                      </a:schemeClr>
+                    </a:solidFill>
+                    <a:latin typeface="+mn-lt"/>
+                    <a:ea typeface="ＭＳ Ｐゴシック" charset="-128"/>
+                  </a:rPr>
+                  <a:t>We </a:t>
+                </a:r>
+                <a:r>
+                  <a:rPr lang="en-GB" altLang="ja-JP" sz="2800" dirty="0">
+                    <a:solidFill>
+                      <a:schemeClr val="tx1">
+                        <a:lumMod val="75000"/>
+                        <a:lumOff val="25000"/>
+                      </a:schemeClr>
+                    </a:solidFill>
+                    <a:latin typeface="+mn-lt"/>
+                    <a:ea typeface="ＭＳ Ｐゴシック" charset="-128"/>
+                  </a:rPr>
+                  <a:t>numerically verified the above model's accuracy.</a:t>
+                </a:r>
+              </a:p>
+              <a:p>
+                <a:pPr marL="457200" indent="-457200" algn="just">
+                  <a:lnSpc>
+                    <a:spcPct val="120000"/>
+                  </a:lnSpc>
+                  <a:buFont typeface="Arial" panose="020B0604020202020204" pitchFamily="34" charset="0"/>
+                  <a:buChar char="•"/>
+                </a:pPr>
+                <a:r>
+                  <a:rPr lang="en-GB" altLang="ja-JP" sz="2800" b="0" dirty="0">
+                    <a:solidFill>
+                      <a:schemeClr val="tx1">
+                        <a:lumMod val="75000"/>
+                        <a:lumOff val="25000"/>
+                      </a:schemeClr>
+                    </a:solidFill>
+                    <a:latin typeface="+mn-lt"/>
+                    <a:ea typeface="ＭＳ Ｐゴシック" charset="-128"/>
+                  </a:rPr>
+                  <a:t>We vary </a:t>
+                </a:r>
+                <a14:m>
+                  <m:oMath xmlns:m="http://schemas.openxmlformats.org/officeDocument/2006/math">
+                    <m:sSub>
+                      <m:sSubPr>
+                        <m:ctrlPr>
+                          <a:rPr lang="en-GB" altLang="ja-JP" sz="2800" b="0" i="1" smtClean="0">
+                            <a:solidFill>
+                              <a:schemeClr val="tx1">
+                                <a:lumMod val="75000"/>
+                                <a:lumOff val="25000"/>
+                              </a:schemeClr>
+                            </a:solidFill>
+                            <a:latin typeface="Cambria Math" panose="02040503050406030204" pitchFamily="18" charset="0"/>
+                            <a:ea typeface="ＭＳ Ｐゴシック" charset="-128"/>
+                          </a:rPr>
+                        </m:ctrlPr>
+                      </m:sSubPr>
+                      <m:e>
+                        <m:r>
+                          <a:rPr lang="en-GB" altLang="ja-JP" sz="2800" b="0" i="1" smtClean="0">
+                            <a:solidFill>
+                              <a:schemeClr val="tx1">
+                                <a:lumMod val="75000"/>
+                                <a:lumOff val="25000"/>
+                              </a:schemeClr>
+                            </a:solidFill>
+                            <a:latin typeface="Cambria Math" panose="02040503050406030204" pitchFamily="18" charset="0"/>
+                            <a:ea typeface="ＭＳ Ｐゴシック" charset="-128"/>
+                          </a:rPr>
+                          <m:t>𝑁</m:t>
+                        </m:r>
+                      </m:e>
+                      <m:sub>
+                        <m:r>
+                          <a:rPr lang="en-GB" altLang="ja-JP" sz="2800" b="0" i="1" smtClean="0">
+                            <a:solidFill>
+                              <a:schemeClr val="tx1">
+                                <a:lumMod val="75000"/>
+                                <a:lumOff val="25000"/>
+                              </a:schemeClr>
+                            </a:solidFill>
+                            <a:latin typeface="Cambria Math" panose="02040503050406030204" pitchFamily="18" charset="0"/>
+                            <a:ea typeface="ＭＳ Ｐゴシック" charset="-128"/>
+                          </a:rPr>
+                          <m:t>𝑐𝑜𝑖𝑙</m:t>
+                        </m:r>
+                      </m:sub>
+                    </m:sSub>
+                  </m:oMath>
+                </a14:m>
+                <a:r>
+                  <a:rPr lang="en-GB" altLang="ja-JP" sz="2800" b="0" dirty="0">
+                    <a:solidFill>
+                      <a:schemeClr val="tx1">
+                        <a:lumMod val="75000"/>
+                        <a:lumOff val="25000"/>
+                      </a:schemeClr>
+                    </a:solidFill>
+                    <a:latin typeface="+mn-lt"/>
+                    <a:ea typeface="ＭＳ Ｐゴシック" charset="-128"/>
+                  </a:rPr>
+                  <a:t> and </a:t>
+                </a:r>
+                <a14:m>
+                  <m:oMath xmlns:m="http://schemas.openxmlformats.org/officeDocument/2006/math">
+                    <m:sSub>
+                      <m:sSubPr>
+                        <m:ctrlPr>
+                          <a:rPr lang="en-GB" altLang="ja-JP" sz="2800" b="0" i="1" smtClean="0">
+                            <a:solidFill>
+                              <a:schemeClr val="tx1">
+                                <a:lumMod val="75000"/>
+                                <a:lumOff val="25000"/>
+                              </a:schemeClr>
+                            </a:solidFill>
+                            <a:latin typeface="Cambria Math" panose="02040503050406030204" pitchFamily="18" charset="0"/>
+                            <a:ea typeface="ＭＳ Ｐゴシック" charset="-128"/>
+                          </a:rPr>
+                        </m:ctrlPr>
+                      </m:sSubPr>
+                      <m:e>
+                        <m:r>
+                          <a:rPr lang="en-GB" altLang="ja-JP" sz="2800" b="0" i="1" smtClean="0">
+                            <a:solidFill>
+                              <a:schemeClr val="tx1">
+                                <a:lumMod val="75000"/>
+                                <a:lumOff val="25000"/>
+                              </a:schemeClr>
+                            </a:solidFill>
+                            <a:latin typeface="Cambria Math" panose="02040503050406030204" pitchFamily="18" charset="0"/>
+                            <a:ea typeface="ＭＳ Ｐゴシック" charset="-128"/>
+                          </a:rPr>
+                          <m:t>𝑅</m:t>
+                        </m:r>
+                      </m:e>
+                      <m:sub>
+                        <m:r>
+                          <a:rPr lang="en-GB" altLang="ja-JP" sz="2800" b="0" i="1" smtClean="0">
+                            <a:solidFill>
+                              <a:schemeClr val="tx1">
+                                <a:lumMod val="75000"/>
+                                <a:lumOff val="25000"/>
+                              </a:schemeClr>
+                            </a:solidFill>
+                            <a:latin typeface="Cambria Math" panose="02040503050406030204" pitchFamily="18" charset="0"/>
+                            <a:ea typeface="ＭＳ Ｐゴシック" charset="-128"/>
+                          </a:rPr>
+                          <m:t>𝑐𝑜𝑖𝑙</m:t>
+                        </m:r>
+                      </m:sub>
+                    </m:sSub>
+                  </m:oMath>
+                </a14:m>
+                <a:r>
+                  <a:rPr lang="en-GB" altLang="ja-JP" sz="2800" b="0" dirty="0">
+                    <a:solidFill>
+                      <a:schemeClr val="tx1">
+                        <a:lumMod val="75000"/>
+                        <a:lumOff val="25000"/>
+                      </a:schemeClr>
+                    </a:solidFill>
+                    <a:latin typeface="+mn-lt"/>
+                    <a:ea typeface="ＭＳ Ｐゴシック" charset="-128"/>
+                  </a:rPr>
+                  <a:t> in Fig. 2.</a:t>
+                </a:r>
+              </a:p>
+              <a:p>
+                <a:pPr marL="457200" indent="-457200">
+                  <a:lnSpc>
+                    <a:spcPct val="120000"/>
+                  </a:lnSpc>
+                  <a:buFont typeface="Arial" panose="020B0604020202020204" pitchFamily="34" charset="0"/>
+                  <a:buChar char="•"/>
+                </a:pPr>
+                <a:r>
+                  <a:rPr lang="en-GB" altLang="ja-JP" sz="2800" dirty="0">
+                    <a:solidFill>
+                      <a:schemeClr val="tx1">
+                        <a:lumMod val="75000"/>
+                        <a:lumOff val="25000"/>
+                      </a:schemeClr>
+                    </a:solidFill>
+                    <a:latin typeface="+mn-lt"/>
+                    <a:ea typeface="ＭＳ Ｐゴシック" charset="-128"/>
+                  </a:rPr>
+                  <a:t>The latest design for STEP has 16 TF coils and 32 ELM mitigation coils, with 16 in each row (see Fig. 1).</a:t>
+                </a:r>
+              </a:p>
+              <a:p>
+                <a:pPr marL="457200" indent="-457200">
+                  <a:lnSpc>
+                    <a:spcPct val="120000"/>
+                  </a:lnSpc>
+                  <a:buFont typeface="Arial" panose="020B0604020202020204" pitchFamily="34" charset="0"/>
+                  <a:buChar char="•"/>
+                </a:pPr>
+                <a:r>
+                  <a:rPr lang="en-GB" altLang="ja-JP" sz="2800" dirty="0">
+                    <a:solidFill>
+                      <a:schemeClr val="tx1">
+                        <a:lumMod val="75000"/>
+                        <a:lumOff val="25000"/>
+                      </a:schemeClr>
+                    </a:solidFill>
+                    <a:latin typeface="+mn-lt"/>
+                    <a:ea typeface="ＭＳ Ｐゴシック" charset="-128"/>
+                  </a:rPr>
+                  <a:t>The current in the k</a:t>
+                </a:r>
+                <a:r>
+                  <a:rPr lang="en-GB" altLang="ja-JP" sz="2800" baseline="30000" dirty="0">
+                    <a:solidFill>
+                      <a:schemeClr val="tx1">
+                        <a:lumMod val="75000"/>
+                        <a:lumOff val="25000"/>
+                      </a:schemeClr>
+                    </a:solidFill>
+                    <a:latin typeface="+mn-lt"/>
+                    <a:ea typeface="ＭＳ Ｐゴシック" charset="-128"/>
+                  </a:rPr>
+                  <a:t>th</a:t>
+                </a:r>
+                <a:r>
+                  <a:rPr lang="en-GB" altLang="ja-JP" sz="2800" dirty="0">
+                    <a:solidFill>
+                      <a:schemeClr val="tx1">
+                        <a:lumMod val="75000"/>
+                        <a:lumOff val="25000"/>
+                      </a:schemeClr>
+                    </a:solidFill>
+                    <a:latin typeface="+mn-lt"/>
+                    <a:ea typeface="ＭＳ Ｐゴシック" charset="-128"/>
+                  </a:rPr>
+                  <a:t> in the upper and lower ELM mitigation coils is expressed as:</a:t>
+                </a:r>
+              </a:p>
+              <a:p>
+                <a:pPr marL="971550" lvl="1" indent="-457200">
+                  <a:lnSpc>
+                    <a:spcPct val="120000"/>
+                  </a:lnSpc>
+                  <a:buFont typeface="Arial" panose="020B0604020202020204" pitchFamily="34" charset="0"/>
+                  <a:buChar char="•"/>
+                </a:pPr>
+                <a14:m>
+                  <m:oMath xmlns:m="http://schemas.openxmlformats.org/officeDocument/2006/math">
+                    <m:sSubSup>
+                      <m:sSubSupPr>
+                        <m:ctrlPr>
+                          <a:rPr lang="en-GB" altLang="ja-JP" sz="2800" b="0" i="1" smtClean="0">
+                            <a:solidFill>
+                              <a:schemeClr val="tx1">
+                                <a:lumMod val="75000"/>
+                                <a:lumOff val="25000"/>
+                              </a:schemeClr>
+                            </a:solidFill>
+                            <a:latin typeface="Cambria Math" panose="02040503050406030204" pitchFamily="18" charset="0"/>
+                            <a:ea typeface="ＭＳ Ｐゴシック" charset="-128"/>
+                          </a:rPr>
+                        </m:ctrlPr>
+                      </m:sSubSupPr>
+                      <m:e>
+                        <m:r>
+                          <a:rPr lang="en-GB" altLang="ja-JP" sz="2800" b="0" i="1" smtClean="0">
+                            <a:solidFill>
+                              <a:schemeClr val="tx1">
+                                <a:lumMod val="75000"/>
+                                <a:lumOff val="25000"/>
+                              </a:schemeClr>
+                            </a:solidFill>
+                            <a:latin typeface="Cambria Math" panose="02040503050406030204" pitchFamily="18" charset="0"/>
+                            <a:ea typeface="ＭＳ Ｐゴシック" charset="-128"/>
+                          </a:rPr>
+                          <m:t>𝐼</m:t>
+                        </m:r>
+                      </m:e>
+                      <m:sub>
+                        <m:r>
+                          <a:rPr lang="en-GB" altLang="ja-JP" sz="2800" b="0" i="1" smtClean="0">
+                            <a:solidFill>
+                              <a:schemeClr val="tx1">
+                                <a:lumMod val="75000"/>
+                                <a:lumOff val="25000"/>
+                              </a:schemeClr>
+                            </a:solidFill>
+                            <a:latin typeface="Cambria Math" panose="02040503050406030204" pitchFamily="18" charset="0"/>
+                            <a:ea typeface="ＭＳ Ｐゴシック" charset="-128"/>
+                          </a:rPr>
+                          <m:t>𝑘</m:t>
+                        </m:r>
+                      </m:sub>
+                      <m:sup>
+                        <m:r>
+                          <a:rPr lang="en-GB" altLang="ja-JP" sz="2800" b="0" i="1" smtClean="0">
+                            <a:solidFill>
+                              <a:schemeClr val="tx1">
+                                <a:lumMod val="75000"/>
+                                <a:lumOff val="25000"/>
+                              </a:schemeClr>
+                            </a:solidFill>
+                            <a:latin typeface="Cambria Math" panose="02040503050406030204" pitchFamily="18" charset="0"/>
+                            <a:ea typeface="ＭＳ Ｐゴシック" charset="-128"/>
+                          </a:rPr>
+                          <m:t>𝑢𝑝𝑝𝑒𝑟</m:t>
+                        </m:r>
+                      </m:sup>
+                    </m:sSubSup>
+                    <m:r>
+                      <a:rPr lang="en-GB" altLang="ja-JP" sz="2800" b="0" i="1" smtClean="0">
+                        <a:solidFill>
+                          <a:schemeClr val="tx1">
+                            <a:lumMod val="75000"/>
+                            <a:lumOff val="25000"/>
+                          </a:schemeClr>
+                        </a:solidFill>
+                        <a:latin typeface="Cambria Math" panose="02040503050406030204" pitchFamily="18" charset="0"/>
+                        <a:ea typeface="ＭＳ Ｐゴシック" charset="-128"/>
+                      </a:rPr>
+                      <m:t>=</m:t>
+                    </m:r>
+                    <m:sSub>
+                      <m:sSubPr>
+                        <m:ctrlPr>
+                          <a:rPr lang="en-GB" altLang="ja-JP" sz="2800" b="0" i="1" smtClean="0">
+                            <a:solidFill>
+                              <a:schemeClr val="tx1">
+                                <a:lumMod val="75000"/>
+                                <a:lumOff val="25000"/>
+                              </a:schemeClr>
+                            </a:solidFill>
+                            <a:latin typeface="Cambria Math" panose="02040503050406030204" pitchFamily="18" charset="0"/>
+                            <a:ea typeface="ＭＳ Ｐゴシック" charset="-128"/>
+                          </a:rPr>
+                        </m:ctrlPr>
+                      </m:sSubPr>
+                      <m:e>
+                        <m:r>
+                          <a:rPr lang="en-GB" altLang="ja-JP" sz="2800" b="0" i="1" smtClean="0">
+                            <a:solidFill>
+                              <a:schemeClr val="tx1">
+                                <a:lumMod val="75000"/>
+                                <a:lumOff val="25000"/>
+                              </a:schemeClr>
+                            </a:solidFill>
+                            <a:latin typeface="Cambria Math" panose="02040503050406030204" pitchFamily="18" charset="0"/>
+                            <a:ea typeface="ＭＳ Ｐゴシック" charset="-128"/>
+                          </a:rPr>
+                          <m:t>𝐼</m:t>
+                        </m:r>
+                      </m:e>
+                      <m:sub>
+                        <m:r>
+                          <a:rPr lang="en-GB" altLang="ja-JP" sz="2800" b="0" i="1" smtClean="0">
+                            <a:solidFill>
+                              <a:schemeClr val="tx1">
+                                <a:lumMod val="75000"/>
+                                <a:lumOff val="25000"/>
+                              </a:schemeClr>
+                            </a:solidFill>
+                            <a:latin typeface="Cambria Math" panose="02040503050406030204" pitchFamily="18" charset="0"/>
+                            <a:ea typeface="ＭＳ Ｐゴシック" charset="-128"/>
+                          </a:rPr>
+                          <m:t>0</m:t>
+                        </m:r>
+                      </m:sub>
+                    </m:sSub>
+                    <m:func>
+                      <m:funcPr>
+                        <m:ctrlPr>
+                          <a:rPr lang="en-GB" altLang="ja-JP" sz="2800" b="0" i="1" smtClean="0">
+                            <a:solidFill>
+                              <a:schemeClr val="tx1">
+                                <a:lumMod val="75000"/>
+                                <a:lumOff val="25000"/>
+                              </a:schemeClr>
+                            </a:solidFill>
+                            <a:latin typeface="Cambria Math" panose="02040503050406030204" pitchFamily="18" charset="0"/>
+                            <a:ea typeface="ＭＳ Ｐゴシック" charset="-128"/>
+                          </a:rPr>
+                        </m:ctrlPr>
+                      </m:funcPr>
+                      <m:fName>
+                        <m:r>
+                          <m:rPr>
+                            <m:sty m:val="p"/>
+                          </m:rPr>
+                          <a:rPr lang="en-GB" altLang="ja-JP" sz="2800" b="0" i="0" smtClean="0">
+                            <a:solidFill>
+                              <a:schemeClr val="tx1">
+                                <a:lumMod val="75000"/>
+                                <a:lumOff val="25000"/>
+                              </a:schemeClr>
+                            </a:solidFill>
+                            <a:latin typeface="Cambria Math" panose="02040503050406030204" pitchFamily="18" charset="0"/>
+                            <a:ea typeface="ＭＳ Ｐゴシック" charset="-128"/>
+                          </a:rPr>
+                          <m:t>cos</m:t>
+                        </m:r>
+                      </m:fName>
+                      <m:e>
+                        <m:r>
+                          <a:rPr lang="en-GB" altLang="ja-JP" sz="2800" b="0" i="1" smtClean="0">
+                            <a:solidFill>
+                              <a:schemeClr val="tx1">
+                                <a:lumMod val="75000"/>
+                                <a:lumOff val="25000"/>
+                              </a:schemeClr>
+                            </a:solidFill>
+                            <a:latin typeface="Cambria Math" panose="02040503050406030204" pitchFamily="18" charset="0"/>
+                            <a:ea typeface="ＭＳ Ｐゴシック" charset="-128"/>
+                          </a:rPr>
+                          <m:t>(</m:t>
+                        </m:r>
+                        <m:r>
+                          <a:rPr lang="en-GB" altLang="ja-JP" sz="2800" b="0" i="1" smtClean="0">
+                            <a:solidFill>
+                              <a:schemeClr val="tx1">
+                                <a:lumMod val="75000"/>
+                                <a:lumOff val="25000"/>
+                              </a:schemeClr>
+                            </a:solidFill>
+                            <a:latin typeface="Cambria Math" panose="02040503050406030204" pitchFamily="18" charset="0"/>
+                            <a:ea typeface="ＭＳ Ｐゴシック" charset="-128"/>
+                          </a:rPr>
+                          <m:t>𝑛</m:t>
+                        </m:r>
+                        <m:sSub>
+                          <m:sSubPr>
+                            <m:ctrlPr>
+                              <a:rPr lang="en-GB" altLang="ja-JP" sz="2800" b="0" i="1" smtClean="0">
+                                <a:solidFill>
+                                  <a:schemeClr val="tx1">
+                                    <a:lumMod val="75000"/>
+                                    <a:lumOff val="25000"/>
+                                  </a:schemeClr>
+                                </a:solidFill>
+                                <a:latin typeface="Cambria Math" panose="02040503050406030204" pitchFamily="18" charset="0"/>
+                                <a:ea typeface="ＭＳ Ｐゴシック" charset="-128"/>
+                              </a:rPr>
+                            </m:ctrlPr>
+                          </m:sSubPr>
+                          <m:e>
+                            <m:r>
+                              <a:rPr lang="en-GB" altLang="ja-JP" sz="2800" b="0" i="1" smtClean="0">
+                                <a:solidFill>
+                                  <a:schemeClr val="tx1">
+                                    <a:lumMod val="75000"/>
+                                    <a:lumOff val="25000"/>
+                                  </a:schemeClr>
+                                </a:solidFill>
+                                <a:latin typeface="Cambria Math" panose="02040503050406030204" pitchFamily="18" charset="0"/>
+                                <a:ea typeface="ＭＳ Ｐゴシック" charset="-128"/>
+                              </a:rPr>
+                              <m:t>𝜙</m:t>
+                            </m:r>
+                          </m:e>
+                          <m:sub>
+                            <m:r>
+                              <a:rPr lang="en-GB" altLang="ja-JP" sz="2800" b="0" i="1" smtClean="0">
+                                <a:solidFill>
+                                  <a:schemeClr val="tx1">
+                                    <a:lumMod val="75000"/>
+                                    <a:lumOff val="25000"/>
+                                  </a:schemeClr>
+                                </a:solidFill>
+                                <a:latin typeface="Cambria Math" panose="02040503050406030204" pitchFamily="18" charset="0"/>
+                                <a:ea typeface="ＭＳ Ｐゴシック" charset="-128"/>
+                              </a:rPr>
+                              <m:t>𝑘</m:t>
+                            </m:r>
+                          </m:sub>
+                        </m:sSub>
+                        <m:r>
+                          <a:rPr lang="en-GB" altLang="ja-JP" sz="2800" b="0" i="1" smtClean="0">
+                            <a:solidFill>
+                              <a:schemeClr val="tx1">
+                                <a:lumMod val="75000"/>
+                                <a:lumOff val="25000"/>
+                              </a:schemeClr>
+                            </a:solidFill>
+                            <a:latin typeface="Cambria Math" panose="02040503050406030204" pitchFamily="18" charset="0"/>
+                            <a:ea typeface="ＭＳ Ｐゴシック" charset="-128"/>
+                          </a:rPr>
+                          <m:t>+</m:t>
+                        </m:r>
+                        <m:r>
+                          <m:rPr>
+                            <m:sty m:val="p"/>
+                          </m:rPr>
+                          <a:rPr lang="en-GB" altLang="ja-JP" sz="2800" b="0" i="0" smtClean="0">
+                            <a:solidFill>
+                              <a:schemeClr val="tx1">
+                                <a:lumMod val="75000"/>
+                                <a:lumOff val="25000"/>
+                              </a:schemeClr>
+                            </a:solidFill>
+                            <a:latin typeface="Cambria Math" panose="02040503050406030204" pitchFamily="18" charset="0"/>
+                            <a:ea typeface="ＭＳ Ｐゴシック" charset="-128"/>
+                          </a:rPr>
+                          <m:t>Δ</m:t>
+                        </m:r>
+                        <m:r>
+                          <a:rPr lang="en-GB" altLang="ja-JP" sz="2800" b="0" i="1" smtClean="0">
+                            <a:solidFill>
+                              <a:schemeClr val="tx1">
+                                <a:lumMod val="75000"/>
+                                <a:lumOff val="25000"/>
+                              </a:schemeClr>
+                            </a:solidFill>
+                            <a:latin typeface="Cambria Math" panose="02040503050406030204" pitchFamily="18" charset="0"/>
+                            <a:ea typeface="ＭＳ Ｐゴシック" charset="-128"/>
+                          </a:rPr>
+                          <m:t>𝜙</m:t>
+                        </m:r>
+                        <m:r>
+                          <a:rPr lang="en-GB" altLang="ja-JP" sz="2800" b="0" i="1" smtClean="0">
+                            <a:solidFill>
+                              <a:schemeClr val="tx1">
+                                <a:lumMod val="75000"/>
+                                <a:lumOff val="25000"/>
+                              </a:schemeClr>
+                            </a:solidFill>
+                            <a:latin typeface="Cambria Math" panose="02040503050406030204" pitchFamily="18" charset="0"/>
+                            <a:ea typeface="ＭＳ Ｐゴシック" charset="-128"/>
+                          </a:rPr>
+                          <m:t>)</m:t>
+                        </m:r>
+                      </m:e>
+                    </m:func>
+                    <m:r>
+                      <a:rPr lang="en-GB" altLang="ja-JP" sz="2800" b="0" i="1" smtClean="0">
+                        <a:solidFill>
+                          <a:schemeClr val="tx1">
+                            <a:lumMod val="75000"/>
+                            <a:lumOff val="25000"/>
+                          </a:schemeClr>
+                        </a:solidFill>
+                        <a:latin typeface="Cambria Math" panose="02040503050406030204" pitchFamily="18" charset="0"/>
+                        <a:ea typeface="ＭＳ Ｐゴシック" charset="-128"/>
+                      </a:rPr>
+                      <m:t>, </m:t>
+                    </m:r>
+                  </m:oMath>
+                </a14:m>
+                <a:endParaRPr lang="en-GB" altLang="ja-JP" sz="2800" b="0" i="1" dirty="0">
+                  <a:solidFill>
+                    <a:schemeClr val="tx1">
+                      <a:lumMod val="75000"/>
+                      <a:lumOff val="25000"/>
+                    </a:schemeClr>
+                  </a:solidFill>
+                  <a:latin typeface="Cambria Math" panose="02040503050406030204" pitchFamily="18" charset="0"/>
+                  <a:ea typeface="ＭＳ Ｐゴシック" charset="-128"/>
+                </a:endParaRPr>
+              </a:p>
+              <a:p>
+                <a:pPr marL="971550" lvl="1" indent="-457200">
+                  <a:lnSpc>
+                    <a:spcPct val="120000"/>
+                  </a:lnSpc>
+                  <a:buFont typeface="Arial" panose="020B0604020202020204" pitchFamily="34" charset="0"/>
+                  <a:buChar char="•"/>
+                </a:pPr>
+                <a14:m>
+                  <m:oMath xmlns:m="http://schemas.openxmlformats.org/officeDocument/2006/math">
+                    <m:sSubSup>
+                      <m:sSubSupPr>
+                        <m:ctrlPr>
+                          <a:rPr lang="en-GB" altLang="ja-JP" sz="2800" i="1">
+                            <a:solidFill>
+                              <a:schemeClr val="tx1">
+                                <a:lumMod val="75000"/>
+                                <a:lumOff val="25000"/>
+                              </a:schemeClr>
+                            </a:solidFill>
+                            <a:latin typeface="Cambria Math" panose="02040503050406030204" pitchFamily="18" charset="0"/>
+                            <a:ea typeface="ＭＳ Ｐゴシック" charset="-128"/>
+                          </a:rPr>
+                        </m:ctrlPr>
+                      </m:sSubSupPr>
+                      <m:e>
+                        <m:r>
+                          <a:rPr lang="en-GB" altLang="ja-JP" sz="2800" i="1">
+                            <a:solidFill>
+                              <a:schemeClr val="tx1">
+                                <a:lumMod val="75000"/>
+                                <a:lumOff val="25000"/>
+                              </a:schemeClr>
+                            </a:solidFill>
+                            <a:latin typeface="Cambria Math" panose="02040503050406030204" pitchFamily="18" charset="0"/>
+                            <a:ea typeface="ＭＳ Ｐゴシック" charset="-128"/>
+                          </a:rPr>
+                          <m:t>𝐼</m:t>
+                        </m:r>
+                      </m:e>
+                      <m:sub>
+                        <m:r>
+                          <a:rPr lang="en-GB" altLang="ja-JP" sz="2800" i="1">
+                            <a:solidFill>
+                              <a:schemeClr val="tx1">
+                                <a:lumMod val="75000"/>
+                                <a:lumOff val="25000"/>
+                              </a:schemeClr>
+                            </a:solidFill>
+                            <a:latin typeface="Cambria Math" panose="02040503050406030204" pitchFamily="18" charset="0"/>
+                            <a:ea typeface="ＭＳ Ｐゴシック" charset="-128"/>
+                          </a:rPr>
+                          <m:t>𝑘</m:t>
+                        </m:r>
+                      </m:sub>
+                      <m:sup>
+                        <m:r>
+                          <a:rPr lang="en-GB" altLang="ja-JP" sz="2800" b="0" i="1" smtClean="0">
+                            <a:solidFill>
+                              <a:schemeClr val="tx1">
+                                <a:lumMod val="75000"/>
+                                <a:lumOff val="25000"/>
+                              </a:schemeClr>
+                            </a:solidFill>
+                            <a:latin typeface="Cambria Math" panose="02040503050406030204" pitchFamily="18" charset="0"/>
+                            <a:ea typeface="ＭＳ Ｐゴシック" charset="-128"/>
+                          </a:rPr>
+                          <m:t>𝑙𝑜𝑤𝑒𝑟</m:t>
+                        </m:r>
+                      </m:sup>
+                    </m:sSubSup>
+                    <m:r>
+                      <a:rPr lang="en-GB" altLang="ja-JP" sz="2800" b="0" i="1" smtClean="0">
+                        <a:solidFill>
+                          <a:schemeClr val="tx1">
+                            <a:lumMod val="75000"/>
+                            <a:lumOff val="25000"/>
+                          </a:schemeClr>
+                        </a:solidFill>
+                        <a:latin typeface="Cambria Math" panose="02040503050406030204" pitchFamily="18" charset="0"/>
+                        <a:ea typeface="ＭＳ Ｐゴシック" charset="-128"/>
+                      </a:rPr>
+                      <m:t>=</m:t>
+                    </m:r>
+                    <m:sSub>
+                      <m:sSubPr>
+                        <m:ctrlPr>
+                          <a:rPr lang="en-GB" altLang="ja-JP" sz="2800" i="1">
+                            <a:solidFill>
+                              <a:schemeClr val="tx1">
+                                <a:lumMod val="75000"/>
+                                <a:lumOff val="25000"/>
+                              </a:schemeClr>
+                            </a:solidFill>
+                            <a:latin typeface="Cambria Math" panose="02040503050406030204" pitchFamily="18" charset="0"/>
+                            <a:ea typeface="ＭＳ Ｐゴシック" charset="-128"/>
+                          </a:rPr>
+                        </m:ctrlPr>
+                      </m:sSubPr>
+                      <m:e>
+                        <m:r>
+                          <a:rPr lang="en-GB" altLang="ja-JP" sz="2800" i="1">
+                            <a:solidFill>
+                              <a:schemeClr val="tx1">
+                                <a:lumMod val="75000"/>
+                                <a:lumOff val="25000"/>
+                              </a:schemeClr>
+                            </a:solidFill>
+                            <a:latin typeface="Cambria Math" panose="02040503050406030204" pitchFamily="18" charset="0"/>
+                            <a:ea typeface="ＭＳ Ｐゴシック" charset="-128"/>
+                          </a:rPr>
+                          <m:t>𝐼</m:t>
+                        </m:r>
+                      </m:e>
+                      <m:sub>
+                        <m:r>
+                          <a:rPr lang="en-GB" altLang="ja-JP" sz="2800" i="1">
+                            <a:solidFill>
+                              <a:schemeClr val="tx1">
+                                <a:lumMod val="75000"/>
+                                <a:lumOff val="25000"/>
+                              </a:schemeClr>
+                            </a:solidFill>
+                            <a:latin typeface="Cambria Math" panose="02040503050406030204" pitchFamily="18" charset="0"/>
+                            <a:ea typeface="ＭＳ Ｐゴシック" charset="-128"/>
+                          </a:rPr>
+                          <m:t>0</m:t>
+                        </m:r>
+                      </m:sub>
+                    </m:sSub>
+                    <m:func>
+                      <m:funcPr>
+                        <m:ctrlPr>
+                          <a:rPr lang="en-GB" altLang="ja-JP" sz="2800" i="1">
+                            <a:solidFill>
+                              <a:schemeClr val="tx1">
+                                <a:lumMod val="75000"/>
+                                <a:lumOff val="25000"/>
+                              </a:schemeClr>
+                            </a:solidFill>
+                            <a:latin typeface="Cambria Math" panose="02040503050406030204" pitchFamily="18" charset="0"/>
+                            <a:ea typeface="ＭＳ Ｐゴシック" charset="-128"/>
+                          </a:rPr>
+                        </m:ctrlPr>
+                      </m:funcPr>
+                      <m:fName>
+                        <m:r>
+                          <m:rPr>
+                            <m:sty m:val="p"/>
+                          </m:rPr>
+                          <a:rPr lang="en-GB" altLang="ja-JP" sz="2800">
+                            <a:solidFill>
+                              <a:schemeClr val="tx1">
+                                <a:lumMod val="75000"/>
+                                <a:lumOff val="25000"/>
+                              </a:schemeClr>
+                            </a:solidFill>
+                            <a:latin typeface="Cambria Math" panose="02040503050406030204" pitchFamily="18" charset="0"/>
+                            <a:ea typeface="ＭＳ Ｐゴシック" charset="-128"/>
+                          </a:rPr>
+                          <m:t>cos</m:t>
+                        </m:r>
+                      </m:fName>
+                      <m:e>
+                        <m:r>
+                          <a:rPr lang="en-GB" altLang="ja-JP" sz="2800" i="1">
+                            <a:solidFill>
+                              <a:schemeClr val="tx1">
+                                <a:lumMod val="75000"/>
+                                <a:lumOff val="25000"/>
+                              </a:schemeClr>
+                            </a:solidFill>
+                            <a:latin typeface="Cambria Math" panose="02040503050406030204" pitchFamily="18" charset="0"/>
+                            <a:ea typeface="ＭＳ Ｐゴシック" charset="-128"/>
+                          </a:rPr>
+                          <m:t>(</m:t>
+                        </m:r>
+                        <m:r>
+                          <a:rPr lang="en-GB" altLang="ja-JP" sz="2800" i="1">
+                            <a:solidFill>
+                              <a:schemeClr val="tx1">
+                                <a:lumMod val="75000"/>
+                                <a:lumOff val="25000"/>
+                              </a:schemeClr>
+                            </a:solidFill>
+                            <a:latin typeface="Cambria Math" panose="02040503050406030204" pitchFamily="18" charset="0"/>
+                            <a:ea typeface="ＭＳ Ｐゴシック" charset="-128"/>
+                          </a:rPr>
+                          <m:t>𝑛</m:t>
+                        </m:r>
+                        <m:sSub>
+                          <m:sSubPr>
+                            <m:ctrlPr>
+                              <a:rPr lang="en-GB" altLang="ja-JP" sz="2800" i="1">
+                                <a:solidFill>
+                                  <a:schemeClr val="tx1">
+                                    <a:lumMod val="75000"/>
+                                    <a:lumOff val="25000"/>
+                                  </a:schemeClr>
+                                </a:solidFill>
+                                <a:latin typeface="Cambria Math" panose="02040503050406030204" pitchFamily="18" charset="0"/>
+                                <a:ea typeface="ＭＳ Ｐゴシック" charset="-128"/>
+                              </a:rPr>
+                            </m:ctrlPr>
+                          </m:sSubPr>
+                          <m:e>
+                            <m:r>
+                              <a:rPr lang="en-GB" altLang="ja-JP" sz="2800" i="1">
+                                <a:solidFill>
+                                  <a:schemeClr val="tx1">
+                                    <a:lumMod val="75000"/>
+                                    <a:lumOff val="25000"/>
+                                  </a:schemeClr>
+                                </a:solidFill>
+                                <a:latin typeface="Cambria Math" panose="02040503050406030204" pitchFamily="18" charset="0"/>
+                                <a:ea typeface="ＭＳ Ｐゴシック" charset="-128"/>
+                              </a:rPr>
+                              <m:t>𝜙</m:t>
+                            </m:r>
+                          </m:e>
+                          <m:sub>
+                            <m:r>
+                              <a:rPr lang="en-GB" altLang="ja-JP" sz="2800" i="1">
+                                <a:solidFill>
+                                  <a:schemeClr val="tx1">
+                                    <a:lumMod val="75000"/>
+                                    <a:lumOff val="25000"/>
+                                  </a:schemeClr>
+                                </a:solidFill>
+                                <a:latin typeface="Cambria Math" panose="02040503050406030204" pitchFamily="18" charset="0"/>
+                                <a:ea typeface="ＭＳ Ｐゴシック" charset="-128"/>
+                              </a:rPr>
+                              <m:t>𝑘</m:t>
+                            </m:r>
+                          </m:sub>
+                        </m:sSub>
+                        <m:r>
+                          <a:rPr lang="en-GB" altLang="ja-JP" sz="2800" i="1">
+                            <a:solidFill>
+                              <a:schemeClr val="tx1">
+                                <a:lumMod val="75000"/>
+                                <a:lumOff val="25000"/>
+                              </a:schemeClr>
+                            </a:solidFill>
+                            <a:latin typeface="Cambria Math" panose="02040503050406030204" pitchFamily="18" charset="0"/>
+                            <a:ea typeface="ＭＳ Ｐゴシック" charset="-128"/>
+                          </a:rPr>
+                          <m:t>)</m:t>
+                        </m:r>
+                      </m:e>
+                    </m:func>
+                    <m:r>
+                      <a:rPr lang="en-GB" altLang="ja-JP" sz="2800" b="0" i="1" smtClean="0">
+                        <a:solidFill>
+                          <a:schemeClr val="tx1">
+                            <a:lumMod val="75000"/>
+                            <a:lumOff val="25000"/>
+                          </a:schemeClr>
+                        </a:solidFill>
+                        <a:latin typeface="Cambria Math" panose="02040503050406030204" pitchFamily="18" charset="0"/>
+                        <a:ea typeface="ＭＳ Ｐゴシック" charset="-128"/>
+                      </a:rPr>
+                      <m:t>,</m:t>
+                    </m:r>
+                  </m:oMath>
+                </a14:m>
+                <a:endParaRPr lang="en-GB" altLang="ja-JP" sz="2800" b="0" dirty="0">
+                  <a:solidFill>
+                    <a:schemeClr val="tx1">
+                      <a:lumMod val="75000"/>
+                      <a:lumOff val="25000"/>
+                    </a:schemeClr>
+                  </a:solidFill>
+                  <a:latin typeface="+mn-lt"/>
+                  <a:ea typeface="ＭＳ Ｐゴシック" charset="-128"/>
+                </a:endParaRPr>
+              </a:p>
+              <a:p>
+                <a:pPr marL="971550" lvl="1" indent="-457200">
+                  <a:lnSpc>
+                    <a:spcPct val="120000"/>
+                  </a:lnSpc>
+                  <a:buFont typeface="Arial" panose="020B0604020202020204" pitchFamily="34" charset="0"/>
+                  <a:buChar char="•"/>
+                </a:pPr>
+                <a:r>
+                  <a:rPr lang="en-GB" altLang="ja-JP" sz="2800" dirty="0">
+                    <a:solidFill>
+                      <a:schemeClr val="tx1">
+                        <a:lumMod val="75000"/>
+                        <a:lumOff val="25000"/>
+                      </a:schemeClr>
+                    </a:solidFill>
+                    <a:latin typeface="+mn-lt"/>
+                    <a:ea typeface="ＭＳ Ｐゴシック" charset="-128"/>
+                  </a:rPr>
+                  <a:t>Where:</a:t>
+                </a:r>
+              </a:p>
+              <a:p>
+                <a:pPr marL="1371600" lvl="2" indent="-457200">
+                  <a:lnSpc>
+                    <a:spcPct val="120000"/>
+                  </a:lnSpc>
+                  <a:buFont typeface="Arial" panose="020B0604020202020204" pitchFamily="34" charset="0"/>
+                  <a:buChar char="•"/>
+                </a:pPr>
+                <a14:m>
+                  <m:oMath xmlns:m="http://schemas.openxmlformats.org/officeDocument/2006/math">
+                    <m:sSub>
+                      <m:sSubPr>
+                        <m:ctrlPr>
+                          <a:rPr lang="en-GB" altLang="ja-JP" sz="2800" i="1" smtClean="0">
+                            <a:solidFill>
+                              <a:schemeClr val="tx1">
+                                <a:lumMod val="75000"/>
+                                <a:lumOff val="25000"/>
+                              </a:schemeClr>
+                            </a:solidFill>
+                            <a:latin typeface="Cambria Math" panose="02040503050406030204" pitchFamily="18" charset="0"/>
+                            <a:ea typeface="ＭＳ Ｐゴシック" charset="-128"/>
+                          </a:rPr>
+                        </m:ctrlPr>
+                      </m:sSubPr>
+                      <m:e>
+                        <m:r>
+                          <a:rPr lang="en-GB" altLang="ja-JP" sz="2800" i="1">
+                            <a:solidFill>
+                              <a:schemeClr val="tx1">
+                                <a:lumMod val="75000"/>
+                                <a:lumOff val="25000"/>
+                              </a:schemeClr>
+                            </a:solidFill>
+                            <a:latin typeface="Cambria Math" panose="02040503050406030204" pitchFamily="18" charset="0"/>
+                            <a:ea typeface="ＭＳ Ｐゴシック" charset="-128"/>
+                          </a:rPr>
+                          <m:t>𝜙</m:t>
+                        </m:r>
+                      </m:e>
+                      <m:sub>
+                        <m:r>
+                          <a:rPr lang="en-GB" altLang="ja-JP" sz="2800" i="1">
+                            <a:solidFill>
+                              <a:schemeClr val="tx1">
+                                <a:lumMod val="75000"/>
+                                <a:lumOff val="25000"/>
+                              </a:schemeClr>
+                            </a:solidFill>
+                            <a:latin typeface="Cambria Math" panose="02040503050406030204" pitchFamily="18" charset="0"/>
+                            <a:ea typeface="ＭＳ Ｐゴシック" charset="-128"/>
+                          </a:rPr>
+                          <m:t>𝑘</m:t>
+                        </m:r>
+                      </m:sub>
+                    </m:sSub>
+                  </m:oMath>
+                </a14:m>
+                <a:r>
+                  <a:rPr lang="en-GB" altLang="ja-JP" sz="2800" dirty="0">
+                    <a:solidFill>
+                      <a:schemeClr val="tx1">
+                        <a:lumMod val="75000"/>
+                        <a:lumOff val="25000"/>
+                      </a:schemeClr>
+                    </a:solidFill>
+                    <a:latin typeface="+mn-lt"/>
+                    <a:ea typeface="ＭＳ Ｐゴシック" charset="-128"/>
+                  </a:rPr>
+                  <a:t> is the toroidal angle at the centre of the k</a:t>
+                </a:r>
+                <a:r>
+                  <a:rPr lang="en-GB" altLang="ja-JP" sz="2800" baseline="30000" dirty="0">
+                    <a:solidFill>
+                      <a:schemeClr val="tx1">
+                        <a:lumMod val="75000"/>
+                        <a:lumOff val="25000"/>
+                      </a:schemeClr>
+                    </a:solidFill>
+                    <a:latin typeface="+mn-lt"/>
+                    <a:ea typeface="ＭＳ Ｐゴシック" charset="-128"/>
+                  </a:rPr>
+                  <a:t>th </a:t>
+                </a:r>
+                <a:r>
+                  <a:rPr lang="en-GB" altLang="ja-JP" sz="2800" dirty="0">
+                    <a:solidFill>
+                      <a:schemeClr val="tx1">
+                        <a:lumMod val="75000"/>
+                        <a:lumOff val="25000"/>
+                      </a:schemeClr>
+                    </a:solidFill>
+                    <a:latin typeface="+mn-lt"/>
+                    <a:ea typeface="ＭＳ Ｐゴシック" charset="-128"/>
+                  </a:rPr>
+                  <a:t>coil</a:t>
+                </a:r>
+              </a:p>
+              <a:p>
+                <a:pPr marL="1371600" lvl="2" indent="-457200">
+                  <a:lnSpc>
+                    <a:spcPct val="120000"/>
+                  </a:lnSpc>
+                  <a:buFont typeface="Arial" panose="020B0604020202020204" pitchFamily="34" charset="0"/>
+                  <a:buChar char="•"/>
+                </a:pPr>
+                <a14:m>
+                  <m:oMath xmlns:m="http://schemas.openxmlformats.org/officeDocument/2006/math">
+                    <m:sSub>
+                      <m:sSubPr>
+                        <m:ctrlPr>
+                          <a:rPr lang="en-GB" altLang="ja-JP" sz="2800" b="0" i="1" smtClean="0">
+                            <a:solidFill>
+                              <a:schemeClr val="tx1">
+                                <a:lumMod val="75000"/>
+                                <a:lumOff val="25000"/>
+                              </a:schemeClr>
+                            </a:solidFill>
+                            <a:latin typeface="Cambria Math" panose="02040503050406030204" pitchFamily="18" charset="0"/>
+                            <a:ea typeface="ＭＳ Ｐゴシック" charset="-128"/>
+                          </a:rPr>
+                        </m:ctrlPr>
+                      </m:sSubPr>
+                      <m:e>
+                        <m:r>
+                          <a:rPr lang="en-GB" altLang="ja-JP" sz="2800" b="0" i="1" smtClean="0">
+                            <a:solidFill>
+                              <a:schemeClr val="tx1">
+                                <a:lumMod val="75000"/>
+                                <a:lumOff val="25000"/>
+                              </a:schemeClr>
+                            </a:solidFill>
+                            <a:latin typeface="Cambria Math" panose="02040503050406030204" pitchFamily="18" charset="0"/>
+                            <a:ea typeface="ＭＳ Ｐゴシック" charset="-128"/>
+                          </a:rPr>
+                          <m:t>𝐼</m:t>
+                        </m:r>
+                      </m:e>
+                      <m:sub>
+                        <m:r>
+                          <a:rPr lang="en-GB" altLang="ja-JP" sz="2800" b="0" i="1" smtClean="0">
+                            <a:solidFill>
+                              <a:schemeClr val="tx1">
+                                <a:lumMod val="75000"/>
+                                <a:lumOff val="25000"/>
+                              </a:schemeClr>
+                            </a:solidFill>
+                            <a:latin typeface="Cambria Math" panose="02040503050406030204" pitchFamily="18" charset="0"/>
+                            <a:ea typeface="ＭＳ Ｐゴシック" charset="-128"/>
+                          </a:rPr>
+                          <m:t>0</m:t>
+                        </m:r>
+                      </m:sub>
+                    </m:sSub>
+                    <m:r>
+                      <a:rPr lang="en-GB" altLang="ja-JP" sz="2800" b="0" i="1" smtClean="0">
+                        <a:solidFill>
+                          <a:schemeClr val="tx1">
+                            <a:lumMod val="75000"/>
+                            <a:lumOff val="25000"/>
+                          </a:schemeClr>
+                        </a:solidFill>
+                        <a:latin typeface="Cambria Math" panose="02040503050406030204" pitchFamily="18" charset="0"/>
+                        <a:ea typeface="ＭＳ Ｐゴシック" charset="-128"/>
+                      </a:rPr>
+                      <m:t>, </m:t>
+                    </m:r>
+                    <m:r>
+                      <a:rPr lang="en-GB" altLang="ja-JP" sz="2800" b="0" i="1" smtClean="0">
+                        <a:solidFill>
+                          <a:schemeClr val="tx1">
+                            <a:lumMod val="75000"/>
+                            <a:lumOff val="25000"/>
+                          </a:schemeClr>
+                        </a:solidFill>
+                        <a:latin typeface="Cambria Math" panose="02040503050406030204" pitchFamily="18" charset="0"/>
+                        <a:ea typeface="ＭＳ Ｐゴシック" charset="-128"/>
+                      </a:rPr>
+                      <m:t>𝑛</m:t>
+                    </m:r>
+                  </m:oMath>
+                </a14:m>
+                <a:r>
+                  <a:rPr lang="en-GB" altLang="ja-JP" sz="2800" dirty="0">
+                    <a:solidFill>
+                      <a:schemeClr val="tx1">
+                        <a:lumMod val="75000"/>
+                        <a:lumOff val="25000"/>
+                      </a:schemeClr>
+                    </a:solidFill>
+                    <a:latin typeface="+mn-lt"/>
+                    <a:ea typeface="ＭＳ Ｐゴシック" charset="-128"/>
+                  </a:rPr>
+                  <a:t> and </a:t>
+                </a:r>
+                <a14:m>
+                  <m:oMath xmlns:m="http://schemas.openxmlformats.org/officeDocument/2006/math">
+                    <m:r>
+                      <m:rPr>
+                        <m:sty m:val="p"/>
+                      </m:rPr>
+                      <a:rPr lang="en-GB" altLang="ja-JP" sz="2800">
+                        <a:solidFill>
+                          <a:schemeClr val="tx1">
+                            <a:lumMod val="75000"/>
+                            <a:lumOff val="25000"/>
+                          </a:schemeClr>
+                        </a:solidFill>
+                        <a:latin typeface="Cambria Math" panose="02040503050406030204" pitchFamily="18" charset="0"/>
+                        <a:ea typeface="ＭＳ Ｐゴシック" charset="-128"/>
+                      </a:rPr>
+                      <m:t>Δ</m:t>
+                    </m:r>
+                    <m:r>
+                      <a:rPr lang="en-GB" altLang="ja-JP" sz="2800" i="1">
+                        <a:solidFill>
+                          <a:schemeClr val="tx1">
+                            <a:lumMod val="75000"/>
+                            <a:lumOff val="25000"/>
+                          </a:schemeClr>
+                        </a:solidFill>
+                        <a:latin typeface="Cambria Math" panose="02040503050406030204" pitchFamily="18" charset="0"/>
+                        <a:ea typeface="ＭＳ Ｐゴシック" charset="-128"/>
+                      </a:rPr>
+                      <m:t>𝜙</m:t>
+                    </m:r>
+                  </m:oMath>
+                </a14:m>
+                <a:r>
+                  <a:rPr lang="en-GB" altLang="ja-JP" sz="2800" dirty="0">
+                    <a:solidFill>
+                      <a:schemeClr val="tx1">
+                        <a:lumMod val="75000"/>
+                        <a:lumOff val="25000"/>
+                      </a:schemeClr>
+                    </a:solidFill>
+                    <a:latin typeface="+mn-lt"/>
+                    <a:ea typeface="ＭＳ Ｐゴシック" charset="-128"/>
+                  </a:rPr>
+                  <a:t> are variable parameters, as shown n Fig. 3.. </a:t>
+                </a:r>
+              </a:p>
+              <a:p>
+                <a:pPr marL="457200" indent="-457200">
+                  <a:lnSpc>
+                    <a:spcPct val="120000"/>
+                  </a:lnSpc>
+                  <a:buFont typeface="Arial" panose="020B0604020202020204" pitchFamily="34" charset="0"/>
+                  <a:buChar char="•"/>
+                </a:pPr>
+                <a:r>
+                  <a:rPr lang="en-GB" altLang="ja-JP" sz="2800" dirty="0">
+                    <a:solidFill>
+                      <a:schemeClr val="tx1">
+                        <a:lumMod val="75000"/>
+                        <a:lumOff val="25000"/>
+                      </a:schemeClr>
+                    </a:solidFill>
+                    <a:latin typeface="+mn-lt"/>
+                    <a:ea typeface="ＭＳ Ｐゴシック" charset="-128"/>
+                  </a:rPr>
+                  <a:t>The ELM mitigation field was numerically determined using the MARS-F code [2], which incorporates plasma response in its modelling.</a:t>
+                </a:r>
+                <a:endParaRPr lang="en-GB" altLang="ja-JP" sz="2800" b="0" dirty="0">
+                  <a:solidFill>
+                    <a:schemeClr val="tx1">
+                      <a:lumMod val="75000"/>
+                      <a:lumOff val="25000"/>
+                    </a:schemeClr>
+                  </a:solidFill>
+                  <a:latin typeface="+mn-lt"/>
+                  <a:ea typeface="ＭＳ Ｐゴシック" charset="-128"/>
+                </a:endParaRPr>
+              </a:p>
+            </p:txBody>
+          </p:sp>
+        </mc:Choice>
+        <mc:Fallback>
+          <p:sp>
+            <p:nvSpPr>
+              <p:cNvPr id="28" name="Text Box 242"/>
+              <p:cNvSpPr txBox="1">
+                <a:spLocks noRot="1" noChangeAspect="1" noMove="1" noResize="1" noEditPoints="1" noAdjustHandles="1" noChangeArrowheads="1" noChangeShapeType="1" noTextEdit="1"/>
+              </p:cNvSpPr>
+              <p:nvPr/>
+            </p:nvSpPr>
+            <p:spPr bwMode="auto">
+              <a:xfrm>
+                <a:off x="642256" y="15820973"/>
+                <a:ext cx="14400000" cy="12129346"/>
+              </a:xfrm>
+              <a:prstGeom prst="rect">
+                <a:avLst/>
+              </a:prstGeom>
+              <a:blipFill>
+                <a:blip r:embed="rId3"/>
+                <a:stretch>
+                  <a:fillRect l="-127" r="-212"/>
+                </a:stretch>
+              </a:blipFill>
+              <a:ln w="57150" cmpd="thinThick">
+                <a:noFill/>
+                <a:miter lim="800000"/>
+              </a:ln>
+            </p:spPr>
+            <p:txBody>
+              <a:bodyPr/>
+              <a:lstStyle/>
+              <a:p>
+                <a:r>
+                  <a:rPr lang="en-GB">
+                    <a:noFill/>
+                  </a:rPr>
+                  <a:t> </a:t>
+                </a:r>
+              </a:p>
+            </p:txBody>
+          </p:sp>
+        </mc:Fallback>
+      </mc:AlternateContent>
+      <p:sp>
+        <p:nvSpPr>
+          <p:cNvPr id="29" name="Text Box 248"/>
+          <p:cNvSpPr txBox="1">
+            <a:spLocks noChangeArrowheads="1"/>
+          </p:cNvSpPr>
+          <p:nvPr/>
+        </p:nvSpPr>
+        <p:spPr bwMode="auto">
+          <a:xfrm>
+            <a:off x="642256" y="15200255"/>
+            <a:ext cx="14400000" cy="646331"/>
+          </a:xfrm>
+          <a:prstGeom prst="rect">
+            <a:avLst/>
+          </a:prstGeom>
+          <a:solidFill>
+            <a:schemeClr val="tx2"/>
+          </a:solidFill>
+          <a:ln w="19050">
+            <a:noFill/>
+            <a:miter lim="800000"/>
+          </a:ln>
+        </p:spPr>
+        <p:txBody>
+          <a:bodyPr wrap="square">
+            <a:spAutoFit/>
+          </a:bodyPr>
+          <a:lstStyle>
+            <a:defPPr>
+              <a:defRPr kern="1200" smtId="4294967295"/>
+            </a:defPPr>
+            <a:lvl1pPr>
+              <a:defRPr sz="2400">
+                <a:solidFill>
+                  <a:schemeClr val="tx1"/>
+                </a:solidFill>
+                <a:latin typeface="Times New Roman" pitchFamily="18" charset="0"/>
+              </a:defRPr>
+            </a:lvl1pPr>
+            <a:lvl2pPr marL="742950" indent="-285750">
+              <a:defRPr sz="2400">
+                <a:solidFill>
+                  <a:schemeClr val="tx1"/>
+                </a:solidFill>
+                <a:latin typeface="Times New Roman" pitchFamily="18" charset="0"/>
+              </a:defRPr>
+            </a:lvl2pPr>
+            <a:lvl3pPr marL="1143000" indent="-228600">
+              <a:defRPr sz="2400">
+                <a:solidFill>
+                  <a:schemeClr val="tx1"/>
+                </a:solidFill>
+                <a:latin typeface="Times New Roman" pitchFamily="18" charset="0"/>
+              </a:defRPr>
+            </a:lvl3pPr>
+            <a:lvl4pPr marL="1600200" indent="-228600">
+              <a:defRPr sz="2400">
+                <a:solidFill>
+                  <a:schemeClr val="tx1"/>
+                </a:solidFill>
+                <a:latin typeface="Times New Roman" pitchFamily="18" charset="0"/>
+              </a:defRPr>
+            </a:lvl4pPr>
+            <a:lvl5pPr marL="2057400" indent="-228600">
+              <a:defRPr sz="2400">
+                <a:solidFill>
+                  <a:schemeClr val="tx1"/>
+                </a:solidFill>
+                <a:latin typeface="Times New Roman" pitchFamily="18" charset="0"/>
+              </a:defRPr>
+            </a:lvl5pPr>
+            <a:lvl6pPr marL="2514600" indent="-228600" eaLnBrk="0" fontAlgn="base" hangingPunct="0">
+              <a:spcBef>
+                <a:spcPct val="0"/>
+              </a:spcBef>
+              <a:spcAft>
+                <a:spcPct val="0"/>
+              </a:spcAft>
+              <a:defRPr sz="2400">
+                <a:solidFill>
+                  <a:schemeClr val="tx1"/>
+                </a:solidFill>
+                <a:latin typeface="Times New Roman" pitchFamily="18" charset="0"/>
+              </a:defRPr>
+            </a:lvl6pPr>
+            <a:lvl7pPr marL="2971800" indent="-228600" eaLnBrk="0" fontAlgn="base" hangingPunct="0">
+              <a:spcBef>
+                <a:spcPct val="0"/>
+              </a:spcBef>
+              <a:spcAft>
+                <a:spcPct val="0"/>
+              </a:spcAft>
+              <a:defRPr sz="2400">
+                <a:solidFill>
+                  <a:schemeClr val="tx1"/>
+                </a:solidFill>
+                <a:latin typeface="Times New Roman" pitchFamily="18" charset="0"/>
+              </a:defRPr>
+            </a:lvl7pPr>
+            <a:lvl8pPr marL="3429000" indent="-228600" eaLnBrk="0" fontAlgn="base" hangingPunct="0">
+              <a:spcBef>
+                <a:spcPct val="0"/>
+              </a:spcBef>
+              <a:spcAft>
+                <a:spcPct val="0"/>
+              </a:spcAft>
+              <a:defRPr sz="2400">
+                <a:solidFill>
+                  <a:schemeClr val="tx1"/>
+                </a:solidFill>
+                <a:latin typeface="Times New Roman" pitchFamily="18" charset="0"/>
+              </a:defRPr>
+            </a:lvl8pPr>
+            <a:lvl9pPr marL="3886200" indent="-228600" eaLnBrk="0" fontAlgn="base" hangingPunct="0">
+              <a:spcBef>
+                <a:spcPct val="0"/>
+              </a:spcBef>
+              <a:spcAft>
+                <a:spcPct val="0"/>
+              </a:spcAft>
+              <a:defRPr sz="2400">
+                <a:solidFill>
+                  <a:schemeClr val="tx1"/>
+                </a:solidFill>
+                <a:latin typeface="Times New Roman" pitchFamily="18" charset="0"/>
+              </a:defRPr>
+            </a:lvl9pPr>
+          </a:lstStyle>
+          <a:p>
+            <a:r>
+              <a:rPr lang="en-US" altLang="zh-CN" sz="3600" b="1" dirty="0">
+                <a:solidFill>
+                  <a:schemeClr val="bg1"/>
+                </a:solidFill>
+                <a:latin typeface="+mn-lt"/>
+                <a:ea typeface="SimSun" pitchFamily="2" charset="-122"/>
+                <a:cs typeface="Lucida Sans" pitchFamily="34" charset="0"/>
+              </a:rPr>
+              <a:t>METHODS</a:t>
+            </a:r>
+            <a:endParaRPr lang="en-US" altLang="zh-CN" b="1" dirty="0">
+              <a:solidFill>
+                <a:schemeClr val="bg1"/>
+              </a:solidFill>
+              <a:latin typeface="+mn-lt"/>
+              <a:ea typeface="SimSun" pitchFamily="2" charset="-122"/>
+              <a:cs typeface="Lucida Sans" pitchFamily="34" charset="0"/>
+            </a:endParaRPr>
+          </a:p>
+        </p:txBody>
+      </p:sp>
+      <p:grpSp>
+        <p:nvGrpSpPr>
+          <p:cNvPr id="1523" name="Group 1522">
+            <a:extLst>
+              <a:ext uri="{FF2B5EF4-FFF2-40B4-BE49-F238E27FC236}">
+                <a16:creationId xmlns:a16="http://schemas.microsoft.com/office/drawing/2014/main" id="{EEB52264-A57D-ED22-D491-F9CBA69498FF}"/>
+              </a:ext>
+            </a:extLst>
+          </p:cNvPr>
+          <p:cNvGrpSpPr/>
+          <p:nvPr/>
+        </p:nvGrpSpPr>
+        <p:grpSpPr>
+          <a:xfrm>
+            <a:off x="15449224" y="32967501"/>
+            <a:ext cx="14401445" cy="5480859"/>
+            <a:chOff x="15449224" y="34007374"/>
+            <a:chExt cx="14401445" cy="5480859"/>
+          </a:xfrm>
+        </p:grpSpPr>
+        <mc:AlternateContent xmlns:mc="http://schemas.openxmlformats.org/markup-compatibility/2006">
+          <mc:Choice xmlns:a14="http://schemas.microsoft.com/office/drawing/2010/main" Requires="a14">
+            <p:sp>
+              <p:nvSpPr>
+                <p:cNvPr id="34" name="Text Box 242"/>
+                <p:cNvSpPr txBox="1">
+                  <a:spLocks noChangeArrowheads="1"/>
+                </p:cNvSpPr>
+                <p:nvPr/>
+              </p:nvSpPr>
+              <p:spPr bwMode="auto">
+                <a:xfrm>
+                  <a:off x="15449224" y="34592149"/>
+                  <a:ext cx="14401445" cy="4896084"/>
+                </a:xfrm>
+                <a:prstGeom prst="rect">
+                  <a:avLst/>
+                </a:prstGeom>
+                <a:solidFill>
+                  <a:schemeClr val="bg1">
+                    <a:lumMod val="85000"/>
+                  </a:schemeClr>
+                </a:solidFill>
+                <a:ln w="57150" cmpd="thinThick">
+                  <a:noFill/>
+                  <a:miter lim="800000"/>
+                </a:ln>
+              </p:spPr>
+              <p:txBody>
+                <a:bodyPr wrap="square" lIns="182880" tIns="91440" rIns="182880" bIns="182880">
+                  <a:spAutoFit/>
+                </a:bodyPr>
+                <a:lstStyle>
+                  <a:defPPr>
+                    <a:defRPr kern="1200" smtId="4294967295"/>
+                  </a:defPPr>
+                  <a:lvl1pPr marL="228600" indent="-228600" defTabSz="612775">
+                    <a:defRPr sz="2400">
+                      <a:solidFill>
+                        <a:schemeClr val="tx1"/>
+                      </a:solidFill>
+                      <a:latin typeface="Times New Roman" pitchFamily="18" charset="0"/>
+                    </a:defRPr>
+                  </a:lvl1pPr>
+                  <a:lvl2pPr marL="742950" indent="-285750" defTabSz="612775">
+                    <a:defRPr sz="2400">
+                      <a:solidFill>
+                        <a:schemeClr val="tx1"/>
+                      </a:solidFill>
+                      <a:latin typeface="Times New Roman" pitchFamily="18" charset="0"/>
+                    </a:defRPr>
+                  </a:lvl2pPr>
+                  <a:lvl3pPr marL="1143000" indent="-228600" defTabSz="612775">
+                    <a:defRPr sz="2400">
+                      <a:solidFill>
+                        <a:schemeClr val="tx1"/>
+                      </a:solidFill>
+                      <a:latin typeface="Times New Roman" pitchFamily="18" charset="0"/>
+                    </a:defRPr>
+                  </a:lvl3pPr>
+                  <a:lvl4pPr marL="1600200" indent="-228600" defTabSz="612775">
+                    <a:defRPr sz="2400">
+                      <a:solidFill>
+                        <a:schemeClr val="tx1"/>
+                      </a:solidFill>
+                      <a:latin typeface="Times New Roman" pitchFamily="18" charset="0"/>
+                    </a:defRPr>
+                  </a:lvl4pPr>
+                  <a:lvl5pPr marL="2057400" indent="-228600" defTabSz="612775">
+                    <a:defRPr sz="2400">
+                      <a:solidFill>
+                        <a:schemeClr val="tx1"/>
+                      </a:solidFill>
+                      <a:latin typeface="Times New Roman" pitchFamily="18" charset="0"/>
+                    </a:defRPr>
+                  </a:lvl5pPr>
+                  <a:lvl6pPr marL="2514600" indent="-228600" defTabSz="612775" eaLnBrk="0" fontAlgn="base" hangingPunct="0">
+                    <a:spcBef>
+                      <a:spcPct val="0"/>
+                    </a:spcBef>
+                    <a:spcAft>
+                      <a:spcPct val="0"/>
+                    </a:spcAft>
+                    <a:defRPr sz="2400">
+                      <a:solidFill>
+                        <a:schemeClr val="tx1"/>
+                      </a:solidFill>
+                      <a:latin typeface="Times New Roman" pitchFamily="18" charset="0"/>
+                    </a:defRPr>
+                  </a:lvl6pPr>
+                  <a:lvl7pPr marL="2971800" indent="-228600" defTabSz="612775" eaLnBrk="0" fontAlgn="base" hangingPunct="0">
+                    <a:spcBef>
+                      <a:spcPct val="0"/>
+                    </a:spcBef>
+                    <a:spcAft>
+                      <a:spcPct val="0"/>
+                    </a:spcAft>
+                    <a:defRPr sz="2400">
+                      <a:solidFill>
+                        <a:schemeClr val="tx1"/>
+                      </a:solidFill>
+                      <a:latin typeface="Times New Roman" pitchFamily="18" charset="0"/>
+                    </a:defRPr>
+                  </a:lvl7pPr>
+                  <a:lvl8pPr marL="3429000" indent="-228600" defTabSz="612775" eaLnBrk="0" fontAlgn="base" hangingPunct="0">
+                    <a:spcBef>
+                      <a:spcPct val="0"/>
+                    </a:spcBef>
+                    <a:spcAft>
+                      <a:spcPct val="0"/>
+                    </a:spcAft>
+                    <a:defRPr sz="2400">
+                      <a:solidFill>
+                        <a:schemeClr val="tx1"/>
+                      </a:solidFill>
+                      <a:latin typeface="Times New Roman" pitchFamily="18" charset="0"/>
+                    </a:defRPr>
+                  </a:lvl8pPr>
+                  <a:lvl9pPr marL="3886200" indent="-228600" defTabSz="612775" eaLnBrk="0" fontAlgn="base" hangingPunct="0">
+                    <a:spcBef>
+                      <a:spcPct val="0"/>
+                    </a:spcBef>
+                    <a:spcAft>
+                      <a:spcPct val="0"/>
+                    </a:spcAft>
+                    <a:defRPr sz="2400">
+                      <a:solidFill>
+                        <a:schemeClr val="tx1"/>
+                      </a:solidFill>
+                      <a:latin typeface="Times New Roman" pitchFamily="18" charset="0"/>
+                    </a:defRPr>
+                  </a:lvl9pPr>
+                </a:lstStyle>
+                <a:p>
+                  <a:pPr algn="just">
+                    <a:lnSpc>
+                      <a:spcPct val="120000"/>
+                    </a:lnSpc>
+                    <a:buFontTx/>
+                    <a:buChar char="•"/>
+                  </a:pPr>
+                  <a:r>
+                    <a:rPr lang="en-GB" altLang="ja-JP" sz="2800" dirty="0">
+                      <a:solidFill>
+                        <a:schemeClr val="tx1">
+                          <a:lumMod val="75000"/>
+                          <a:lumOff val="25000"/>
+                        </a:schemeClr>
+                      </a:solidFill>
+                      <a:latin typeface="+mn-lt"/>
+                      <a:ea typeface="ＭＳ Ｐゴシック" charset="-128"/>
+                    </a:rPr>
+                    <a:t> Fig. 2 shows that the current design, with a major radius of approximately 9m and 16 TF coils, has power losses that remain within acceptable limits. Increasing the design configuration beyond this will have a minimal effect on improving particle confinement from a fast particle perspective. </a:t>
+                  </a:r>
+                </a:p>
+                <a:p>
+                  <a:pPr algn="just">
+                    <a:lnSpc>
+                      <a:spcPct val="120000"/>
+                    </a:lnSpc>
+                    <a:buFontTx/>
+                    <a:buChar char="•"/>
+                  </a:pPr>
+                  <a:r>
+                    <a:rPr lang="en-GB" altLang="ja-JP" sz="2800" dirty="0">
+                      <a:solidFill>
+                        <a:schemeClr val="tx1">
+                          <a:lumMod val="75000"/>
+                          <a:lumOff val="25000"/>
+                        </a:schemeClr>
+                      </a:solidFill>
+                      <a:latin typeface="+mn-lt"/>
+                      <a:ea typeface="ＭＳ Ｐゴシック" charset="-128"/>
+                    </a:rPr>
+                    <a:t>Fig. 3 indicates that the results are highly sensitive to the phase shift (</a:t>
+                  </a:r>
+                  <a14:m>
+                    <m:oMath xmlns:m="http://schemas.openxmlformats.org/officeDocument/2006/math">
+                      <m:r>
+                        <m:rPr>
+                          <m:sty m:val="p"/>
+                        </m:rPr>
+                        <a:rPr lang="en-GB" altLang="ja-JP" sz="2800" b="0" i="0" smtClean="0">
+                          <a:solidFill>
+                            <a:schemeClr val="tx1">
+                              <a:lumMod val="75000"/>
+                              <a:lumOff val="25000"/>
+                            </a:schemeClr>
+                          </a:solidFill>
+                          <a:latin typeface="Cambria Math" panose="02040503050406030204" pitchFamily="18" charset="0"/>
+                          <a:ea typeface="ＭＳ Ｐゴシック" charset="-128"/>
+                        </a:rPr>
+                        <m:t>Δ</m:t>
+                      </m:r>
+                      <m:r>
+                        <a:rPr lang="en-GB" altLang="ja-JP" sz="2800" b="0" i="1" smtClean="0">
+                          <a:solidFill>
+                            <a:schemeClr val="tx1">
+                              <a:lumMod val="75000"/>
+                              <a:lumOff val="25000"/>
+                            </a:schemeClr>
+                          </a:solidFill>
+                          <a:latin typeface="Cambria Math" panose="02040503050406030204" pitchFamily="18" charset="0"/>
+                          <a:ea typeface="ＭＳ Ｐゴシック" charset="-128"/>
+                        </a:rPr>
+                        <m:t>𝜙</m:t>
+                      </m:r>
+                    </m:oMath>
+                  </a14:m>
+                  <a:r>
+                    <a:rPr lang="en-GB" altLang="ja-JP" sz="2800" dirty="0">
+                      <a:solidFill>
+                        <a:schemeClr val="tx1">
+                          <a:lumMod val="75000"/>
+                          <a:lumOff val="25000"/>
+                        </a:schemeClr>
+                      </a:solidFill>
+                      <a:latin typeface="+mn-lt"/>
+                      <a:ea typeface="ＭＳ Ｐゴシック" charset="-128"/>
+                    </a:rPr>
+                    <a:t>) and a similar phenomenon is observed in [4]. </a:t>
+                  </a:r>
+                </a:p>
+                <a:p>
+                  <a:pPr algn="just">
+                    <a:lnSpc>
+                      <a:spcPct val="120000"/>
+                    </a:lnSpc>
+                    <a:buFontTx/>
+                    <a:buChar char="•"/>
+                  </a:pPr>
+                  <a:r>
+                    <a:rPr lang="en-GB" altLang="ja-JP" sz="2800" dirty="0">
+                      <a:solidFill>
+                        <a:schemeClr val="tx1">
+                          <a:lumMod val="75000"/>
+                          <a:lumOff val="25000"/>
+                        </a:schemeClr>
+                      </a:solidFill>
+                      <a:latin typeface="+mn-lt"/>
+                      <a:ea typeface="ＭＳ Ｐゴシック" charset="-128"/>
+                    </a:rPr>
+                    <a:t>Even when larger current values are used and the plasma response is included, acceptable confinement can be achieved if the right phase shift is chosen. </a:t>
+                  </a:r>
+                </a:p>
+                <a:p>
+                  <a:pPr algn="just">
+                    <a:lnSpc>
+                      <a:spcPct val="120000"/>
+                    </a:lnSpc>
+                    <a:buFontTx/>
+                    <a:buChar char="•"/>
+                  </a:pPr>
+                  <a:r>
+                    <a:rPr lang="en-US" altLang="ja-JP" sz="2800" dirty="0">
+                      <a:solidFill>
+                        <a:schemeClr val="tx1">
+                          <a:lumMod val="75000"/>
+                          <a:lumOff val="25000"/>
+                        </a:schemeClr>
+                      </a:solidFill>
+                      <a:latin typeface="+mn-lt"/>
+                      <a:ea typeface="ＭＳ Ｐゴシック" charset="-128"/>
+                    </a:rPr>
+                    <a:t>For future work, we will investigate the losses in a field where resistive wall modes are excited.</a:t>
+                  </a:r>
+                </a:p>
+              </p:txBody>
+            </p:sp>
+          </mc:Choice>
+          <mc:Fallback>
+            <p:sp>
+              <p:nvSpPr>
+                <p:cNvPr id="34" name="Text Box 242"/>
+                <p:cNvSpPr txBox="1">
+                  <a:spLocks noRot="1" noChangeAspect="1" noMove="1" noResize="1" noEditPoints="1" noAdjustHandles="1" noChangeArrowheads="1" noChangeShapeType="1" noTextEdit="1"/>
+                </p:cNvSpPr>
+                <p:nvPr/>
+              </p:nvSpPr>
+              <p:spPr bwMode="auto">
+                <a:xfrm>
+                  <a:off x="15449224" y="34592149"/>
+                  <a:ext cx="14401445" cy="4896084"/>
+                </a:xfrm>
+                <a:prstGeom prst="rect">
+                  <a:avLst/>
+                </a:prstGeom>
+                <a:blipFill>
+                  <a:blip r:embed="rId4"/>
+                  <a:stretch>
+                    <a:fillRect l="-254" r="-212"/>
+                  </a:stretch>
+                </a:blipFill>
+                <a:ln w="57150" cmpd="thinThick">
+                  <a:noFill/>
+                  <a:miter lim="800000"/>
+                </a:ln>
+              </p:spPr>
+              <p:txBody>
+                <a:bodyPr/>
+                <a:lstStyle/>
+                <a:p>
+                  <a:r>
+                    <a:rPr lang="en-GB">
+                      <a:noFill/>
+                    </a:rPr>
+                    <a:t> </a:t>
+                  </a:r>
+                </a:p>
+              </p:txBody>
+            </p:sp>
+          </mc:Fallback>
+        </mc:AlternateContent>
+        <p:sp>
+          <p:nvSpPr>
+            <p:cNvPr id="35" name="Text Box 248"/>
+            <p:cNvSpPr txBox="1">
+              <a:spLocks noChangeArrowheads="1"/>
+            </p:cNvSpPr>
+            <p:nvPr/>
+          </p:nvSpPr>
+          <p:spPr bwMode="auto">
+            <a:xfrm>
+              <a:off x="15449224" y="34007374"/>
+              <a:ext cx="14401445" cy="646331"/>
+            </a:xfrm>
+            <a:prstGeom prst="rect">
+              <a:avLst/>
+            </a:prstGeom>
+            <a:solidFill>
+              <a:schemeClr val="tx2"/>
+            </a:solidFill>
+            <a:ln w="19050">
+              <a:noFill/>
+              <a:miter lim="800000"/>
+            </a:ln>
+          </p:spPr>
+          <p:txBody>
+            <a:bodyPr wrap="square">
+              <a:spAutoFit/>
+            </a:bodyPr>
+            <a:lstStyle>
+              <a:defPPr>
+                <a:defRPr kern="1200" smtId="4294967295"/>
+              </a:defPPr>
+              <a:lvl1pPr>
+                <a:defRPr sz="2400">
+                  <a:solidFill>
+                    <a:schemeClr val="tx1"/>
+                  </a:solidFill>
+                  <a:latin typeface="Times New Roman" pitchFamily="18" charset="0"/>
+                </a:defRPr>
+              </a:lvl1pPr>
+              <a:lvl2pPr marL="742950" indent="-285750">
+                <a:defRPr sz="2400">
+                  <a:solidFill>
+                    <a:schemeClr val="tx1"/>
+                  </a:solidFill>
+                  <a:latin typeface="Times New Roman" pitchFamily="18" charset="0"/>
+                </a:defRPr>
+              </a:lvl2pPr>
+              <a:lvl3pPr marL="1143000" indent="-228600">
+                <a:defRPr sz="2400">
+                  <a:solidFill>
+                    <a:schemeClr val="tx1"/>
+                  </a:solidFill>
+                  <a:latin typeface="Times New Roman" pitchFamily="18" charset="0"/>
+                </a:defRPr>
+              </a:lvl3pPr>
+              <a:lvl4pPr marL="1600200" indent="-228600">
+                <a:defRPr sz="2400">
+                  <a:solidFill>
+                    <a:schemeClr val="tx1"/>
+                  </a:solidFill>
+                  <a:latin typeface="Times New Roman" pitchFamily="18" charset="0"/>
+                </a:defRPr>
+              </a:lvl4pPr>
+              <a:lvl5pPr marL="2057400" indent="-228600">
+                <a:defRPr sz="2400">
+                  <a:solidFill>
+                    <a:schemeClr val="tx1"/>
+                  </a:solidFill>
+                  <a:latin typeface="Times New Roman" pitchFamily="18" charset="0"/>
+                </a:defRPr>
+              </a:lvl5pPr>
+              <a:lvl6pPr marL="2514600" indent="-228600" eaLnBrk="0" fontAlgn="base" hangingPunct="0">
+                <a:spcBef>
+                  <a:spcPct val="0"/>
+                </a:spcBef>
+                <a:spcAft>
+                  <a:spcPct val="0"/>
+                </a:spcAft>
+                <a:defRPr sz="2400">
+                  <a:solidFill>
+                    <a:schemeClr val="tx1"/>
+                  </a:solidFill>
+                  <a:latin typeface="Times New Roman" pitchFamily="18" charset="0"/>
+                </a:defRPr>
+              </a:lvl6pPr>
+              <a:lvl7pPr marL="2971800" indent="-228600" eaLnBrk="0" fontAlgn="base" hangingPunct="0">
+                <a:spcBef>
+                  <a:spcPct val="0"/>
+                </a:spcBef>
+                <a:spcAft>
+                  <a:spcPct val="0"/>
+                </a:spcAft>
+                <a:defRPr sz="2400">
+                  <a:solidFill>
+                    <a:schemeClr val="tx1"/>
+                  </a:solidFill>
+                  <a:latin typeface="Times New Roman" pitchFamily="18" charset="0"/>
+                </a:defRPr>
+              </a:lvl7pPr>
+              <a:lvl8pPr marL="3429000" indent="-228600" eaLnBrk="0" fontAlgn="base" hangingPunct="0">
+                <a:spcBef>
+                  <a:spcPct val="0"/>
+                </a:spcBef>
+                <a:spcAft>
+                  <a:spcPct val="0"/>
+                </a:spcAft>
+                <a:defRPr sz="2400">
+                  <a:solidFill>
+                    <a:schemeClr val="tx1"/>
+                  </a:solidFill>
+                  <a:latin typeface="Times New Roman" pitchFamily="18" charset="0"/>
+                </a:defRPr>
+              </a:lvl8pPr>
+              <a:lvl9pPr marL="3886200" indent="-228600" eaLnBrk="0" fontAlgn="base" hangingPunct="0">
+                <a:spcBef>
+                  <a:spcPct val="0"/>
+                </a:spcBef>
+                <a:spcAft>
+                  <a:spcPct val="0"/>
+                </a:spcAft>
+                <a:defRPr sz="2400">
+                  <a:solidFill>
+                    <a:schemeClr val="tx1"/>
+                  </a:solidFill>
+                  <a:latin typeface="Times New Roman" pitchFamily="18" charset="0"/>
+                </a:defRPr>
+              </a:lvl9pPr>
+            </a:lstStyle>
+            <a:p>
+              <a:r>
+                <a:rPr lang="en-US" altLang="zh-CN" sz="3600" b="1" dirty="0">
+                  <a:solidFill>
+                    <a:schemeClr val="bg1"/>
+                  </a:solidFill>
+                  <a:latin typeface="+mn-lt"/>
+                  <a:ea typeface="SimSun" pitchFamily="2" charset="-122"/>
+                  <a:cs typeface="Lucida Sans" pitchFamily="34" charset="0"/>
+                </a:rPr>
+                <a:t>CONCLUSION</a:t>
+              </a:r>
+            </a:p>
+          </p:txBody>
+        </p:sp>
+      </p:grpSp>
+      <p:sp>
+        <p:nvSpPr>
+          <p:cNvPr id="39" name="TextBox 38"/>
+          <p:cNvSpPr txBox="1"/>
+          <p:nvPr/>
+        </p:nvSpPr>
+        <p:spPr>
+          <a:xfrm>
+            <a:off x="19585162" y="25522049"/>
+            <a:ext cx="5046574" cy="646331"/>
+          </a:xfrm>
+          <a:prstGeom prst="rect">
+            <a:avLst/>
+          </a:prstGeom>
+          <a:noFill/>
+        </p:spPr>
+        <p:txBody>
+          <a:bodyPr wrap="none" rtlCol="0">
+            <a:spAutoFit/>
+          </a:bodyPr>
+          <a:lstStyle/>
+          <a:p>
+            <a:r>
+              <a:rPr lang="en-US" sz="3600" i="1" dirty="0"/>
+              <a:t>Title of the graphs/figures</a:t>
+            </a:r>
+          </a:p>
+        </p:txBody>
+      </p:sp>
+      <p:sp>
+        <p:nvSpPr>
+          <p:cNvPr id="3" name="TextBox 2"/>
+          <p:cNvSpPr txBox="1"/>
+          <p:nvPr/>
+        </p:nvSpPr>
+        <p:spPr>
+          <a:xfrm>
+            <a:off x="28033901" y="0"/>
+            <a:ext cx="2024743" cy="769441"/>
+          </a:xfrm>
+          <a:prstGeom prst="rect">
+            <a:avLst/>
+          </a:prstGeom>
+          <a:noFill/>
+        </p:spPr>
+        <p:txBody>
+          <a:bodyPr wrap="square" rtlCol="0">
+            <a:spAutoFit/>
+          </a:bodyPr>
+          <a:lstStyle/>
+          <a:p>
+            <a:r>
+              <a:rPr lang="en-US" sz="4400" b="1" dirty="0">
+                <a:solidFill>
+                  <a:schemeClr val="bg1"/>
+                </a:solidFill>
+              </a:rPr>
+              <a:t>ID:2143 </a:t>
+            </a:r>
+          </a:p>
+        </p:txBody>
+      </p:sp>
+      <p:sp>
+        <p:nvSpPr>
+          <p:cNvPr id="23" name="Text Box 242"/>
+          <p:cNvSpPr txBox="1">
+            <a:spLocks noChangeArrowheads="1"/>
+          </p:cNvSpPr>
+          <p:nvPr/>
+        </p:nvSpPr>
+        <p:spPr bwMode="auto">
+          <a:xfrm>
+            <a:off x="15449224" y="39295936"/>
+            <a:ext cx="14400000" cy="3344890"/>
+          </a:xfrm>
+          <a:prstGeom prst="rect">
+            <a:avLst/>
+          </a:prstGeom>
+          <a:solidFill>
+            <a:schemeClr val="bg1"/>
+          </a:solidFill>
+          <a:ln w="57150" cmpd="thinThick">
+            <a:noFill/>
+            <a:miter lim="800000"/>
+          </a:ln>
+        </p:spPr>
+        <p:txBody>
+          <a:bodyPr wrap="square" lIns="182880" tIns="91440" rIns="182880" bIns="182880">
+            <a:spAutoFit/>
+          </a:bodyPr>
+          <a:lstStyle>
+            <a:defPPr>
+              <a:defRPr kern="1200" smtId="4294967295"/>
+            </a:defPPr>
+            <a:lvl1pPr marL="228600" indent="-228600" defTabSz="612775">
+              <a:defRPr sz="2400">
+                <a:solidFill>
+                  <a:schemeClr val="tx1"/>
+                </a:solidFill>
+                <a:latin typeface="Times New Roman" pitchFamily="18" charset="0"/>
+              </a:defRPr>
+            </a:lvl1pPr>
+            <a:lvl2pPr marL="742950" indent="-285750" defTabSz="612775">
+              <a:defRPr sz="2400">
+                <a:solidFill>
+                  <a:schemeClr val="tx1"/>
+                </a:solidFill>
+                <a:latin typeface="Times New Roman" pitchFamily="18" charset="0"/>
+              </a:defRPr>
+            </a:lvl2pPr>
+            <a:lvl3pPr marL="1143000" indent="-228600" defTabSz="612775">
+              <a:defRPr sz="2400">
+                <a:solidFill>
+                  <a:schemeClr val="tx1"/>
+                </a:solidFill>
+                <a:latin typeface="Times New Roman" pitchFamily="18" charset="0"/>
+              </a:defRPr>
+            </a:lvl3pPr>
+            <a:lvl4pPr marL="1600200" indent="-228600" defTabSz="612775">
+              <a:defRPr sz="2400">
+                <a:solidFill>
+                  <a:schemeClr val="tx1"/>
+                </a:solidFill>
+                <a:latin typeface="Times New Roman" pitchFamily="18" charset="0"/>
+              </a:defRPr>
+            </a:lvl4pPr>
+            <a:lvl5pPr marL="2057400" indent="-228600" defTabSz="612775">
+              <a:defRPr sz="2400">
+                <a:solidFill>
+                  <a:schemeClr val="tx1"/>
+                </a:solidFill>
+                <a:latin typeface="Times New Roman" pitchFamily="18" charset="0"/>
+              </a:defRPr>
+            </a:lvl5pPr>
+            <a:lvl6pPr marL="2514600" indent="-228600" defTabSz="612775" eaLnBrk="0" fontAlgn="base" hangingPunct="0">
+              <a:spcBef>
+                <a:spcPct val="0"/>
+              </a:spcBef>
+              <a:spcAft>
+                <a:spcPct val="0"/>
+              </a:spcAft>
+              <a:defRPr sz="2400">
+                <a:solidFill>
+                  <a:schemeClr val="tx1"/>
+                </a:solidFill>
+                <a:latin typeface="Times New Roman" pitchFamily="18" charset="0"/>
+              </a:defRPr>
+            </a:lvl6pPr>
+            <a:lvl7pPr marL="2971800" indent="-228600" defTabSz="612775" eaLnBrk="0" fontAlgn="base" hangingPunct="0">
+              <a:spcBef>
+                <a:spcPct val="0"/>
+              </a:spcBef>
+              <a:spcAft>
+                <a:spcPct val="0"/>
+              </a:spcAft>
+              <a:defRPr sz="2400">
+                <a:solidFill>
+                  <a:schemeClr val="tx1"/>
+                </a:solidFill>
+                <a:latin typeface="Times New Roman" pitchFamily="18" charset="0"/>
+              </a:defRPr>
+            </a:lvl7pPr>
+            <a:lvl8pPr marL="3429000" indent="-228600" defTabSz="612775" eaLnBrk="0" fontAlgn="base" hangingPunct="0">
+              <a:spcBef>
+                <a:spcPct val="0"/>
+              </a:spcBef>
+              <a:spcAft>
+                <a:spcPct val="0"/>
+              </a:spcAft>
+              <a:defRPr sz="2400">
+                <a:solidFill>
+                  <a:schemeClr val="tx1"/>
+                </a:solidFill>
+                <a:latin typeface="Times New Roman" pitchFamily="18" charset="0"/>
+              </a:defRPr>
+            </a:lvl8pPr>
+            <a:lvl9pPr marL="3886200" indent="-228600" defTabSz="612775" eaLnBrk="0" fontAlgn="base" hangingPunct="0">
+              <a:spcBef>
+                <a:spcPct val="0"/>
+              </a:spcBef>
+              <a:spcAft>
+                <a:spcPct val="0"/>
+              </a:spcAft>
+              <a:defRPr sz="2400">
+                <a:solidFill>
+                  <a:schemeClr val="tx1"/>
+                </a:solidFill>
+                <a:latin typeface="Times New Roman" pitchFamily="18" charset="0"/>
+              </a:defRPr>
+            </a:lvl9pPr>
+          </a:lstStyle>
+          <a:p>
+            <a:pPr marL="0" indent="0" algn="just">
+              <a:lnSpc>
+                <a:spcPct val="120000"/>
+              </a:lnSpc>
+            </a:pPr>
+            <a:r>
+              <a:rPr lang="en-GB" altLang="ja-JP" sz="2800" dirty="0">
+                <a:solidFill>
+                  <a:schemeClr val="tx1">
+                    <a:lumMod val="75000"/>
+                    <a:lumOff val="25000"/>
+                  </a:schemeClr>
+                </a:solidFill>
+                <a:latin typeface="+mn-lt"/>
+                <a:ea typeface="ＭＳ Ｐゴシック" charset="-128"/>
+              </a:rPr>
+              <a:t>This work has been funded by STEP, a UKAEA program to design and build a prototype fusion energy plant and a path to commercial fusion.</a:t>
+            </a:r>
+          </a:p>
+          <a:p>
+            <a:pPr marL="0" indent="0" algn="just">
+              <a:lnSpc>
+                <a:spcPct val="120000"/>
+              </a:lnSpc>
+            </a:pPr>
+            <a:r>
+              <a:rPr lang="en-GB" altLang="ja-JP" sz="2800" dirty="0">
+                <a:solidFill>
+                  <a:schemeClr val="tx1">
+                    <a:lumMod val="75000"/>
+                    <a:lumOff val="25000"/>
+                  </a:schemeClr>
+                </a:solidFill>
+                <a:latin typeface="+mn-lt"/>
+                <a:ea typeface="ＭＳ Ｐゴシック" charset="-128"/>
+              </a:rPr>
+              <a:t>[1] WARD, S, et al.,  </a:t>
+            </a:r>
+            <a:r>
+              <a:rPr lang="en-GB" altLang="ja-JP" sz="2800" dirty="0" err="1">
+                <a:solidFill>
+                  <a:schemeClr val="tx1">
+                    <a:lumMod val="75000"/>
+                    <a:lumOff val="25000"/>
+                  </a:schemeClr>
+                </a:solidFill>
+                <a:latin typeface="+mn-lt"/>
+                <a:ea typeface="ＭＳ Ｐゴシック" charset="-128"/>
+              </a:rPr>
+              <a:t>Nucl</a:t>
+            </a:r>
+            <a:r>
+              <a:rPr lang="en-GB" altLang="ja-JP" sz="2800" dirty="0">
+                <a:solidFill>
+                  <a:schemeClr val="tx1">
+                    <a:lumMod val="75000"/>
+                    <a:lumOff val="25000"/>
+                  </a:schemeClr>
+                </a:solidFill>
+                <a:latin typeface="+mn-lt"/>
+                <a:ea typeface="ＭＳ Ｐゴシック" charset="-128"/>
+              </a:rPr>
+              <a:t>. Fusion,  </a:t>
+            </a:r>
+            <a:r>
+              <a:rPr lang="en-GB" altLang="ja-JP" sz="2800" b="1" dirty="0">
+                <a:solidFill>
+                  <a:schemeClr val="tx1">
+                    <a:lumMod val="75000"/>
+                    <a:lumOff val="25000"/>
+                  </a:schemeClr>
+                </a:solidFill>
+                <a:latin typeface="+mn-lt"/>
+                <a:ea typeface="ＭＳ Ｐゴシック" charset="-128"/>
+              </a:rPr>
+              <a:t>61</a:t>
+            </a:r>
+            <a:r>
+              <a:rPr lang="en-GB" altLang="ja-JP" sz="2800" dirty="0">
+                <a:solidFill>
+                  <a:schemeClr val="tx1">
+                    <a:lumMod val="75000"/>
+                    <a:lumOff val="25000"/>
+                  </a:schemeClr>
+                </a:solidFill>
+                <a:latin typeface="+mn-lt"/>
+                <a:ea typeface="ＭＳ Ｐゴシック" charset="-128"/>
+              </a:rPr>
+              <a:t> 8 (2021) 086029.</a:t>
+            </a:r>
+          </a:p>
+          <a:p>
+            <a:pPr marL="0" indent="0" algn="just">
+              <a:lnSpc>
+                <a:spcPct val="120000"/>
+              </a:lnSpc>
+            </a:pPr>
+            <a:r>
+              <a:rPr lang="en-US" altLang="ja-JP" sz="2800" dirty="0">
+                <a:solidFill>
+                  <a:schemeClr val="tx1">
+                    <a:lumMod val="75000"/>
+                    <a:lumOff val="25000"/>
+                  </a:schemeClr>
+                </a:solidFill>
+                <a:latin typeface="+mn-lt"/>
+                <a:ea typeface="ＭＳ Ｐゴシック" charset="-128"/>
+              </a:rPr>
+              <a:t>[2] LIU, Y., et al., </a:t>
+            </a:r>
+            <a:r>
+              <a:rPr lang="en-US" altLang="ja-JP" sz="2800" dirty="0" err="1">
+                <a:solidFill>
+                  <a:schemeClr val="tx1">
+                    <a:lumMod val="75000"/>
+                    <a:lumOff val="25000"/>
+                  </a:schemeClr>
+                </a:solidFill>
+                <a:latin typeface="+mn-lt"/>
+                <a:ea typeface="ＭＳ Ｐゴシック" charset="-128"/>
+              </a:rPr>
+              <a:t>Nucl</a:t>
+            </a:r>
+            <a:r>
+              <a:rPr lang="en-US" altLang="ja-JP" sz="2800" dirty="0">
+                <a:solidFill>
+                  <a:schemeClr val="tx1">
+                    <a:lumMod val="75000"/>
+                    <a:lumOff val="25000"/>
+                  </a:schemeClr>
+                </a:solidFill>
+                <a:latin typeface="+mn-lt"/>
+                <a:ea typeface="ＭＳ Ｐゴシック" charset="-128"/>
+              </a:rPr>
+              <a:t>. Fusion, </a:t>
+            </a:r>
+            <a:r>
+              <a:rPr lang="en-US" altLang="ja-JP" sz="2800" b="1" dirty="0">
+                <a:solidFill>
+                  <a:schemeClr val="tx1">
+                    <a:lumMod val="75000"/>
+                    <a:lumOff val="25000"/>
+                  </a:schemeClr>
+                </a:solidFill>
+                <a:latin typeface="+mn-lt"/>
+                <a:ea typeface="ＭＳ Ｐゴシック" charset="-128"/>
+              </a:rPr>
+              <a:t>55</a:t>
+            </a:r>
+            <a:r>
+              <a:rPr lang="en-US" altLang="ja-JP" sz="2800" dirty="0">
+                <a:solidFill>
+                  <a:schemeClr val="tx1">
+                    <a:lumMod val="75000"/>
+                    <a:lumOff val="25000"/>
+                  </a:schemeClr>
+                </a:solidFill>
+                <a:latin typeface="+mn-lt"/>
+                <a:ea typeface="ＭＳ Ｐゴシック" charset="-128"/>
+              </a:rPr>
+              <a:t> 6 (2015) 063027.</a:t>
+            </a:r>
+          </a:p>
+          <a:p>
+            <a:pPr marL="0" indent="0" algn="just">
+              <a:lnSpc>
+                <a:spcPct val="120000"/>
+              </a:lnSpc>
+            </a:pPr>
+            <a:r>
+              <a:rPr lang="en-US" altLang="ja-JP" sz="2800" dirty="0">
+                <a:solidFill>
+                  <a:schemeClr val="tx1">
+                    <a:lumMod val="75000"/>
+                    <a:lumOff val="25000"/>
+                  </a:schemeClr>
+                </a:solidFill>
+                <a:latin typeface="+mn-lt"/>
+                <a:ea typeface="ＭＳ Ｐゴシック" charset="-128"/>
+              </a:rPr>
+              <a:t>[3] </a:t>
+            </a:r>
+            <a:r>
+              <a:rPr lang="sv-SE" altLang="ja-JP" sz="2800" dirty="0">
+                <a:solidFill>
+                  <a:schemeClr val="tx1">
+                    <a:lumMod val="75000"/>
+                    <a:lumOff val="25000"/>
+                  </a:schemeClr>
+                </a:solidFill>
+                <a:latin typeface="+mn-lt"/>
+                <a:ea typeface="ＭＳ Ｐゴシック" charset="-128"/>
+              </a:rPr>
+              <a:t>RYAN, D., TD-0014685,     internal report,     UKAEA,     2022.</a:t>
+            </a:r>
+            <a:endParaRPr lang="en-US" altLang="ja-JP" sz="2800" dirty="0">
+              <a:solidFill>
+                <a:schemeClr val="tx1">
+                  <a:lumMod val="75000"/>
+                  <a:lumOff val="25000"/>
+                </a:schemeClr>
+              </a:solidFill>
+              <a:latin typeface="+mn-lt"/>
+              <a:ea typeface="ＭＳ Ｐゴシック" charset="-128"/>
+            </a:endParaRPr>
+          </a:p>
+          <a:p>
+            <a:pPr marL="0" indent="0" algn="just">
+              <a:lnSpc>
+                <a:spcPct val="120000"/>
+              </a:lnSpc>
+            </a:pPr>
+            <a:r>
+              <a:rPr lang="en-US" altLang="ja-JP" sz="2800" dirty="0">
+                <a:solidFill>
+                  <a:schemeClr val="tx1">
+                    <a:lumMod val="75000"/>
+                    <a:lumOff val="25000"/>
+                  </a:schemeClr>
+                </a:solidFill>
+                <a:latin typeface="+mn-lt"/>
+                <a:ea typeface="ＭＳ Ｐゴシック" charset="-128"/>
+              </a:rPr>
+              <a:t>[4] SANCHIS, L., et al., Plasma Phys. Control. Fusion,  </a:t>
+            </a:r>
+            <a:r>
+              <a:rPr lang="en-US" altLang="ja-JP" sz="2800" b="1" dirty="0">
+                <a:solidFill>
+                  <a:schemeClr val="tx1">
+                    <a:lumMod val="75000"/>
+                    <a:lumOff val="25000"/>
+                  </a:schemeClr>
+                </a:solidFill>
+                <a:latin typeface="+mn-lt"/>
+                <a:ea typeface="ＭＳ Ｐゴシック" charset="-128"/>
+              </a:rPr>
+              <a:t>61</a:t>
+            </a:r>
+            <a:r>
+              <a:rPr lang="en-US" altLang="ja-JP" sz="2800" dirty="0">
+                <a:solidFill>
+                  <a:schemeClr val="tx1">
+                    <a:lumMod val="75000"/>
+                    <a:lumOff val="25000"/>
+                  </a:schemeClr>
+                </a:solidFill>
+                <a:latin typeface="+mn-lt"/>
+                <a:ea typeface="ＭＳ Ｐゴシック" charset="-128"/>
+              </a:rPr>
+              <a:t>, 1,  (2018) 014038.</a:t>
+            </a:r>
+          </a:p>
+        </p:txBody>
+      </p:sp>
+      <p:sp>
+        <p:nvSpPr>
+          <p:cNvPr id="24" name="Text Box 248"/>
+          <p:cNvSpPr txBox="1">
+            <a:spLocks noChangeArrowheads="1"/>
+          </p:cNvSpPr>
+          <p:nvPr/>
+        </p:nvSpPr>
+        <p:spPr bwMode="auto">
+          <a:xfrm>
+            <a:off x="15449224" y="38649605"/>
+            <a:ext cx="14400000" cy="660265"/>
+          </a:xfrm>
+          <a:prstGeom prst="rect">
+            <a:avLst/>
+          </a:prstGeom>
+          <a:solidFill>
+            <a:schemeClr val="tx2"/>
+          </a:solidFill>
+          <a:ln w="19050">
+            <a:noFill/>
+            <a:miter lim="800000"/>
+          </a:ln>
+        </p:spPr>
+        <p:txBody>
+          <a:bodyPr wrap="square">
+            <a:spAutoFit/>
+          </a:bodyPr>
+          <a:lstStyle>
+            <a:defPPr>
+              <a:defRPr kern="1200" smtId="4294967295"/>
+            </a:defPPr>
+            <a:lvl1pPr>
+              <a:defRPr sz="2400">
+                <a:solidFill>
+                  <a:schemeClr val="tx1"/>
+                </a:solidFill>
+                <a:latin typeface="Times New Roman" pitchFamily="18" charset="0"/>
+              </a:defRPr>
+            </a:lvl1pPr>
+            <a:lvl2pPr marL="742950" indent="-285750">
+              <a:defRPr sz="2400">
+                <a:solidFill>
+                  <a:schemeClr val="tx1"/>
+                </a:solidFill>
+                <a:latin typeface="Times New Roman" pitchFamily="18" charset="0"/>
+              </a:defRPr>
+            </a:lvl2pPr>
+            <a:lvl3pPr marL="1143000" indent="-228600">
+              <a:defRPr sz="2400">
+                <a:solidFill>
+                  <a:schemeClr val="tx1"/>
+                </a:solidFill>
+                <a:latin typeface="Times New Roman" pitchFamily="18" charset="0"/>
+              </a:defRPr>
+            </a:lvl3pPr>
+            <a:lvl4pPr marL="1600200" indent="-228600">
+              <a:defRPr sz="2400">
+                <a:solidFill>
+                  <a:schemeClr val="tx1"/>
+                </a:solidFill>
+                <a:latin typeface="Times New Roman" pitchFamily="18" charset="0"/>
+              </a:defRPr>
+            </a:lvl4pPr>
+            <a:lvl5pPr marL="2057400" indent="-228600">
+              <a:defRPr sz="2400">
+                <a:solidFill>
+                  <a:schemeClr val="tx1"/>
+                </a:solidFill>
+                <a:latin typeface="Times New Roman" pitchFamily="18" charset="0"/>
+              </a:defRPr>
+            </a:lvl5pPr>
+            <a:lvl6pPr marL="2514600" indent="-228600" eaLnBrk="0" fontAlgn="base" hangingPunct="0">
+              <a:spcBef>
+                <a:spcPct val="0"/>
+              </a:spcBef>
+              <a:spcAft>
+                <a:spcPct val="0"/>
+              </a:spcAft>
+              <a:defRPr sz="2400">
+                <a:solidFill>
+                  <a:schemeClr val="tx1"/>
+                </a:solidFill>
+                <a:latin typeface="Times New Roman" pitchFamily="18" charset="0"/>
+              </a:defRPr>
+            </a:lvl6pPr>
+            <a:lvl7pPr marL="2971800" indent="-228600" eaLnBrk="0" fontAlgn="base" hangingPunct="0">
+              <a:spcBef>
+                <a:spcPct val="0"/>
+              </a:spcBef>
+              <a:spcAft>
+                <a:spcPct val="0"/>
+              </a:spcAft>
+              <a:defRPr sz="2400">
+                <a:solidFill>
+                  <a:schemeClr val="tx1"/>
+                </a:solidFill>
+                <a:latin typeface="Times New Roman" pitchFamily="18" charset="0"/>
+              </a:defRPr>
+            </a:lvl7pPr>
+            <a:lvl8pPr marL="3429000" indent="-228600" eaLnBrk="0" fontAlgn="base" hangingPunct="0">
+              <a:spcBef>
+                <a:spcPct val="0"/>
+              </a:spcBef>
+              <a:spcAft>
+                <a:spcPct val="0"/>
+              </a:spcAft>
+              <a:defRPr sz="2400">
+                <a:solidFill>
+                  <a:schemeClr val="tx1"/>
+                </a:solidFill>
+                <a:latin typeface="Times New Roman" pitchFamily="18" charset="0"/>
+              </a:defRPr>
+            </a:lvl8pPr>
+            <a:lvl9pPr marL="3886200" indent="-228600" eaLnBrk="0" fontAlgn="base" hangingPunct="0">
+              <a:spcBef>
+                <a:spcPct val="0"/>
+              </a:spcBef>
+              <a:spcAft>
+                <a:spcPct val="0"/>
+              </a:spcAft>
+              <a:defRPr sz="2400">
+                <a:solidFill>
+                  <a:schemeClr val="tx1"/>
+                </a:solidFill>
+                <a:latin typeface="Times New Roman" pitchFamily="18" charset="0"/>
+              </a:defRPr>
+            </a:lvl9pPr>
+          </a:lstStyle>
+          <a:p>
+            <a:r>
+              <a:rPr lang="en-US" altLang="zh-CN" sz="3600" b="1" dirty="0">
+                <a:solidFill>
+                  <a:schemeClr val="bg1"/>
+                </a:solidFill>
+                <a:latin typeface="+mn-lt"/>
+                <a:ea typeface="SimSun" pitchFamily="2" charset="-122"/>
+                <a:cs typeface="Lucida Sans" pitchFamily="34" charset="0"/>
+              </a:rPr>
+              <a:t>ACKNOWLEDGEMENTS / REFERENCES</a:t>
+            </a:r>
+            <a:endParaRPr lang="en-US" altLang="zh-CN" b="1" dirty="0">
+              <a:solidFill>
+                <a:schemeClr val="bg1"/>
+              </a:solidFill>
+              <a:latin typeface="+mn-lt"/>
+              <a:ea typeface="SimSun" pitchFamily="2" charset="-122"/>
+              <a:cs typeface="Lucida Sans" pitchFamily="34" charset="0"/>
+            </a:endParaRPr>
+          </a:p>
+        </p:txBody>
+      </p:sp>
+      <p:grpSp>
+        <p:nvGrpSpPr>
+          <p:cNvPr id="1516" name="Group 1515">
+            <a:extLst>
+              <a:ext uri="{FF2B5EF4-FFF2-40B4-BE49-F238E27FC236}">
+                <a16:creationId xmlns:a16="http://schemas.microsoft.com/office/drawing/2014/main" id="{67419A10-1F71-3AE9-D68E-C1AF46264D16}"/>
+              </a:ext>
+            </a:extLst>
+          </p:cNvPr>
+          <p:cNvGrpSpPr/>
+          <p:nvPr/>
+        </p:nvGrpSpPr>
+        <p:grpSpPr>
+          <a:xfrm>
+            <a:off x="2255312" y="28090929"/>
+            <a:ext cx="11173888" cy="9972004"/>
+            <a:chOff x="2209800" y="19993594"/>
+            <a:chExt cx="11173888" cy="9972004"/>
+          </a:xfrm>
+        </p:grpSpPr>
+        <p:pic>
+          <p:nvPicPr>
+            <p:cNvPr id="1514" name="Graphic 1513">
+              <a:extLst>
+                <a:ext uri="{FF2B5EF4-FFF2-40B4-BE49-F238E27FC236}">
+                  <a16:creationId xmlns:a16="http://schemas.microsoft.com/office/drawing/2014/main" id="{4B01B371-4476-6394-4790-6A08CDFE5D56}"/>
+                </a:ext>
+              </a:extLst>
+            </p:cNvPr>
+            <p:cNvPicPr>
+              <a:picLocks noChangeAspect="1"/>
+            </p:cNvPicPr>
+            <p:nvPr/>
+          </p:nvPicPr>
+          <p:blipFill>
+            <a:blip r:embed="rId5">
+              <a:extLst>
+                <a:ext uri="{28A0092B-C50C-407E-A947-70E740481C1C}">
+                  <a14:useLocalDpi xmlns:a14="http://schemas.microsoft.com/office/drawing/2010/main" val="0"/>
+                </a:ext>
+                <a:ext uri="{96DAC541-7B7A-43D3-8B79-37D633B846F1}">
+                  <asvg:svgBlip xmlns:asvg="http://schemas.microsoft.com/office/drawing/2016/SVG/main" r:embed="rId6"/>
+                </a:ext>
+              </a:extLst>
+            </a:blip>
+            <a:stretch>
+              <a:fillRect/>
+            </a:stretch>
+          </p:blipFill>
+          <p:spPr>
+            <a:xfrm>
+              <a:off x="2249338" y="19993594"/>
+              <a:ext cx="11134350" cy="8587009"/>
+            </a:xfrm>
+            <a:prstGeom prst="rect">
+              <a:avLst/>
+            </a:prstGeom>
+          </p:spPr>
+        </p:pic>
+        <p:sp>
+          <p:nvSpPr>
+            <p:cNvPr id="1515" name="TextBox 1514">
+              <a:extLst>
+                <a:ext uri="{FF2B5EF4-FFF2-40B4-BE49-F238E27FC236}">
+                  <a16:creationId xmlns:a16="http://schemas.microsoft.com/office/drawing/2014/main" id="{7A2DC367-5204-C263-F8F7-B9EF5A7BBEA6}"/>
+                </a:ext>
+              </a:extLst>
+            </p:cNvPr>
+            <p:cNvSpPr txBox="1"/>
+            <p:nvPr/>
+          </p:nvSpPr>
+          <p:spPr>
+            <a:xfrm>
+              <a:off x="2209800" y="28580603"/>
+              <a:ext cx="11125200" cy="1384995"/>
+            </a:xfrm>
+            <a:prstGeom prst="rect">
+              <a:avLst/>
+            </a:prstGeom>
+            <a:noFill/>
+          </p:spPr>
+          <p:txBody>
+            <a:bodyPr wrap="square" rtlCol="0">
+              <a:spAutoFit/>
+            </a:bodyPr>
+            <a:lstStyle/>
+            <a:p>
+              <a:r>
+                <a:rPr lang="en-GB" sz="2800" b="0" i="0" dirty="0">
+                  <a:solidFill>
+                    <a:srgbClr val="374151"/>
+                  </a:solidFill>
+                  <a:effectLst/>
+                  <a:latin typeface="Söhne"/>
+                </a:rPr>
+                <a:t>FIG. 1. Schematic representation of STEP's inner wall, LCFS, ELM mitigation coils, and TF coils. The left side depicts a vertical cross-section, while the right provides a top-down view of a quarter section of the reactor.</a:t>
+              </a:r>
+              <a:endParaRPr lang="en-GB" sz="2800" dirty="0"/>
+            </a:p>
+          </p:txBody>
+        </p:sp>
+      </p:grpSp>
+      <p:grpSp>
+        <p:nvGrpSpPr>
+          <p:cNvPr id="1522" name="Group 1521">
+            <a:extLst>
+              <a:ext uri="{FF2B5EF4-FFF2-40B4-BE49-F238E27FC236}">
+                <a16:creationId xmlns:a16="http://schemas.microsoft.com/office/drawing/2014/main" id="{7E1D9BE3-CA0D-C2F8-A612-F711DF3EE703}"/>
+              </a:ext>
+            </a:extLst>
+          </p:cNvPr>
+          <p:cNvGrpSpPr/>
+          <p:nvPr/>
+        </p:nvGrpSpPr>
+        <p:grpSpPr>
+          <a:xfrm>
+            <a:off x="15401753" y="8234267"/>
+            <a:ext cx="14400000" cy="7602365"/>
+            <a:chOff x="15450669" y="6896267"/>
+            <a:chExt cx="14400000" cy="7602365"/>
+          </a:xfrm>
+        </p:grpSpPr>
+        <p:pic>
+          <p:nvPicPr>
+            <p:cNvPr id="16" name="Graphic 15">
+              <a:extLst>
+                <a:ext uri="{FF2B5EF4-FFF2-40B4-BE49-F238E27FC236}">
+                  <a16:creationId xmlns:a16="http://schemas.microsoft.com/office/drawing/2014/main" id="{577A48E3-5A3D-6CEA-256C-5B209F76A1DA}"/>
+                </a:ext>
+              </a:extLst>
+            </p:cNvPr>
+            <p:cNvPicPr>
+              <a:picLocks noChangeAspect="1"/>
+            </p:cNvPicPr>
+            <p:nvPr/>
+          </p:nvPicPr>
+          <p:blipFill>
+            <a:blip r:embed="rId7">
+              <a:extLst>
+                <a:ext uri="{28A0092B-C50C-407E-A947-70E740481C1C}">
+                  <a14:useLocalDpi xmlns:a14="http://schemas.microsoft.com/office/drawing/2010/main" val="0"/>
+                </a:ext>
+                <a:ext uri="{96DAC541-7B7A-43D3-8B79-37D633B846F1}">
+                  <asvg:svgBlip xmlns:asvg="http://schemas.microsoft.com/office/drawing/2016/SVG/main" r:embed="rId8"/>
+                </a:ext>
+              </a:extLst>
+            </a:blip>
+            <a:stretch>
+              <a:fillRect/>
+            </a:stretch>
+          </p:blipFill>
+          <p:spPr>
+            <a:xfrm>
+              <a:off x="15450670" y="6896267"/>
+              <a:ext cx="14399999" cy="5790698"/>
+            </a:xfrm>
+            <a:prstGeom prst="rect">
+              <a:avLst/>
+            </a:prstGeom>
+          </p:spPr>
+        </p:pic>
+        <mc:AlternateContent xmlns:mc="http://schemas.openxmlformats.org/markup-compatibility/2006">
+          <mc:Choice xmlns:a14="http://schemas.microsoft.com/office/drawing/2010/main" Requires="a14">
+            <p:sp>
+              <p:nvSpPr>
+                <p:cNvPr id="1519" name="TextBox 1518">
+                  <a:extLst>
+                    <a:ext uri="{FF2B5EF4-FFF2-40B4-BE49-F238E27FC236}">
+                      <a16:creationId xmlns:a16="http://schemas.microsoft.com/office/drawing/2014/main" id="{5C6D84DB-9B9E-0118-44CF-C8C720BF792A}"/>
+                    </a:ext>
+                  </a:extLst>
+                </p:cNvPr>
+                <p:cNvSpPr txBox="1"/>
+                <p:nvPr/>
+              </p:nvSpPr>
+              <p:spPr>
+                <a:xfrm>
+                  <a:off x="15450669" y="12682750"/>
+                  <a:ext cx="14399999" cy="1815882"/>
+                </a:xfrm>
+                <a:prstGeom prst="rect">
+                  <a:avLst/>
+                </a:prstGeom>
+                <a:noFill/>
+              </p:spPr>
+              <p:txBody>
+                <a:bodyPr wrap="square" rtlCol="0">
+                  <a:spAutoFit/>
+                </a:bodyPr>
+                <a:lstStyle/>
+                <a:p>
+                  <a:r>
+                    <a:rPr lang="en-GB" sz="2800" b="0" i="0" dirty="0">
+                      <a:solidFill>
+                        <a:srgbClr val="374151"/>
+                      </a:solidFill>
+                      <a:effectLst/>
+                      <a:latin typeface="Söhne"/>
+                    </a:rPr>
+                    <a:t>FIG. 2. Figure depicts results from 27 simulations. The left column presents the energy flux on the reactor wall. The right column indicates the percentage of the </a:t>
+                  </a:r>
+                  <a14:m>
+                    <m:oMath xmlns:m="http://schemas.openxmlformats.org/officeDocument/2006/math">
+                      <m:r>
+                        <a:rPr lang="en-GB" sz="2800" b="0" i="1" smtClean="0">
+                          <a:solidFill>
+                            <a:srgbClr val="374151"/>
+                          </a:solidFill>
+                          <a:effectLst/>
+                          <a:latin typeface="Cambria Math" panose="02040503050406030204" pitchFamily="18" charset="0"/>
+                        </a:rPr>
+                        <m:t>𝛼</m:t>
+                      </m:r>
+                    </m:oMath>
+                  </a14:m>
+                  <a:r>
+                    <a:rPr lang="en-GB" sz="2800" b="0" i="0" dirty="0">
+                      <a:solidFill>
+                        <a:srgbClr val="374151"/>
+                      </a:solidFill>
+                      <a:effectLst/>
+                      <a:latin typeface="Söhne"/>
+                    </a:rPr>
+                    <a:t>-particle power escaping and impacting the plasma facing components. Error bars represent 95% confidence intervals, reflecting the statistical uncertainty inherent in the Monte Carlo methodology of the simulation.</a:t>
+                  </a:r>
+                  <a:endParaRPr lang="en-GB" sz="2800" dirty="0"/>
+                </a:p>
+              </p:txBody>
+            </p:sp>
+          </mc:Choice>
+          <mc:Fallback>
+            <p:sp>
+              <p:nvSpPr>
+                <p:cNvPr id="1519" name="TextBox 1518">
+                  <a:extLst>
+                    <a:ext uri="{FF2B5EF4-FFF2-40B4-BE49-F238E27FC236}">
+                      <a16:creationId xmlns:a16="http://schemas.microsoft.com/office/drawing/2014/main" id="{5C6D84DB-9B9E-0118-44CF-C8C720BF792A}"/>
+                    </a:ext>
+                  </a:extLst>
+                </p:cNvPr>
+                <p:cNvSpPr txBox="1">
+                  <a:spLocks noRot="1" noChangeAspect="1" noMove="1" noResize="1" noEditPoints="1" noAdjustHandles="1" noChangeArrowheads="1" noChangeShapeType="1" noTextEdit="1"/>
+                </p:cNvSpPr>
+                <p:nvPr/>
+              </p:nvSpPr>
+              <p:spPr>
+                <a:xfrm>
+                  <a:off x="15450669" y="12682750"/>
+                  <a:ext cx="14399999" cy="1815882"/>
+                </a:xfrm>
+                <a:prstGeom prst="rect">
+                  <a:avLst/>
+                </a:prstGeom>
+                <a:blipFill>
+                  <a:blip r:embed="rId9"/>
+                  <a:stretch>
+                    <a:fillRect l="-889" t="-3356" r="-1312" b="-8725"/>
+                  </a:stretch>
+                </a:blipFill>
+              </p:spPr>
+              <p:txBody>
+                <a:bodyPr/>
+                <a:lstStyle/>
+                <a:p>
+                  <a:r>
+                    <a:rPr lang="en-GB">
+                      <a:noFill/>
+                    </a:rPr>
+                    <a:t> </a:t>
+                  </a:r>
+                </a:p>
+              </p:txBody>
+            </p:sp>
+          </mc:Fallback>
+        </mc:AlternateContent>
+      </p:grpSp>
+      <p:grpSp>
+        <p:nvGrpSpPr>
+          <p:cNvPr id="1521" name="Group 1520">
+            <a:extLst>
+              <a:ext uri="{FF2B5EF4-FFF2-40B4-BE49-F238E27FC236}">
+                <a16:creationId xmlns:a16="http://schemas.microsoft.com/office/drawing/2014/main" id="{50370AE7-CA88-264B-046D-02C90B406E9A}"/>
+              </a:ext>
+            </a:extLst>
+          </p:cNvPr>
+          <p:cNvGrpSpPr/>
+          <p:nvPr/>
+        </p:nvGrpSpPr>
+        <p:grpSpPr>
+          <a:xfrm>
+            <a:off x="15450668" y="16037877"/>
+            <a:ext cx="14401445" cy="16836385"/>
+            <a:chOff x="15450668" y="15431854"/>
+            <a:chExt cx="14401445" cy="16836385"/>
+          </a:xfrm>
+        </p:grpSpPr>
+        <p:pic>
+          <p:nvPicPr>
+            <p:cNvPr id="12" name="Graphic 11">
+              <a:extLst>
+                <a:ext uri="{FF2B5EF4-FFF2-40B4-BE49-F238E27FC236}">
+                  <a16:creationId xmlns:a16="http://schemas.microsoft.com/office/drawing/2014/main" id="{08818399-874F-B642-22EC-B7B640758348}"/>
+                </a:ext>
+              </a:extLst>
+            </p:cNvPr>
+            <p:cNvPicPr>
+              <a:picLocks noChangeAspect="1"/>
+            </p:cNvPicPr>
+            <p:nvPr/>
+          </p:nvPicPr>
+          <p:blipFill>
+            <a:blip r:embed="rId10">
+              <a:extLst>
+                <a:ext uri="{28A0092B-C50C-407E-A947-70E740481C1C}">
+                  <a14:useLocalDpi xmlns:a14="http://schemas.microsoft.com/office/drawing/2010/main" val="0"/>
+                </a:ext>
+                <a:ext uri="{96DAC541-7B7A-43D3-8B79-37D633B846F1}">
+                  <asvg:svgBlip xmlns:asvg="http://schemas.microsoft.com/office/drawing/2016/SVG/main" r:embed="rId11"/>
+                </a:ext>
+              </a:extLst>
+            </a:blip>
+            <a:stretch>
+              <a:fillRect/>
+            </a:stretch>
+          </p:blipFill>
+          <p:spPr>
+            <a:xfrm>
+              <a:off x="15450668" y="15431854"/>
+              <a:ext cx="14401445" cy="15964392"/>
+            </a:xfrm>
+            <a:prstGeom prst="rect">
+              <a:avLst/>
+            </a:prstGeom>
+          </p:spPr>
+        </p:pic>
+        <mc:AlternateContent xmlns:mc="http://schemas.openxmlformats.org/markup-compatibility/2006">
+          <mc:Choice xmlns:a14="http://schemas.microsoft.com/office/drawing/2010/main" Requires="a14">
+            <p:sp>
+              <p:nvSpPr>
+                <p:cNvPr id="1520" name="TextBox 1519">
+                  <a:extLst>
+                    <a:ext uri="{FF2B5EF4-FFF2-40B4-BE49-F238E27FC236}">
+                      <a16:creationId xmlns:a16="http://schemas.microsoft.com/office/drawing/2014/main" id="{46218722-B32F-81E1-C24F-22017EB90EB7}"/>
+                    </a:ext>
+                  </a:extLst>
+                </p:cNvPr>
+                <p:cNvSpPr txBox="1"/>
+                <p:nvPr/>
+              </p:nvSpPr>
+              <p:spPr>
+                <a:xfrm>
+                  <a:off x="15450668" y="31314132"/>
+                  <a:ext cx="14399999" cy="954107"/>
+                </a:xfrm>
+                <a:prstGeom prst="rect">
+                  <a:avLst/>
+                </a:prstGeom>
+                <a:noFill/>
+              </p:spPr>
+              <p:txBody>
+                <a:bodyPr wrap="square" rtlCol="0">
+                  <a:spAutoFit/>
+                </a:bodyPr>
+                <a:lstStyle/>
+                <a:p>
+                  <a:r>
+                    <a:rPr lang="en-GB" sz="2800" b="0" i="0" dirty="0">
+                      <a:solidFill>
+                        <a:srgbClr val="374151"/>
+                      </a:solidFill>
+                      <a:effectLst/>
+                      <a:latin typeface="Söhne"/>
+                    </a:rPr>
+                    <a:t>FIG. 3</a:t>
+                  </a:r>
+                  <a:r>
+                    <a:rPr lang="en-GB" sz="2800" dirty="0">
+                      <a:solidFill>
+                        <a:srgbClr val="374151"/>
+                      </a:solidFill>
+                      <a:latin typeface="Söhne"/>
+                    </a:rPr>
+                    <a:t>. Figure illustrates outcomes from 96 simulations, comparing </a:t>
+                  </a:r>
+                  <a14:m>
+                    <m:oMath xmlns:m="http://schemas.openxmlformats.org/officeDocument/2006/math">
+                      <m:r>
+                        <a:rPr lang="en-GB" sz="2800" b="0" i="1" dirty="0" smtClean="0">
+                          <a:solidFill>
+                            <a:srgbClr val="374151"/>
+                          </a:solidFill>
+                          <a:latin typeface="Cambria Math" panose="02040503050406030204" pitchFamily="18" charset="0"/>
+                        </a:rPr>
+                        <m:t>𝛼</m:t>
+                      </m:r>
+                    </m:oMath>
+                  </a14:m>
+                  <a:r>
+                    <a:rPr lang="en-GB" sz="2800" dirty="0">
+                      <a:solidFill>
+                        <a:srgbClr val="374151"/>
+                      </a:solidFill>
+                      <a:latin typeface="Söhne"/>
+                    </a:rPr>
+                    <a:t>-particle losses across different ELM mitigation coil parameters. The column arrangement mirrors that of Fig. 2. </a:t>
+                  </a:r>
+                  <a:endParaRPr lang="en-GB" sz="2800" dirty="0"/>
+                </a:p>
+              </p:txBody>
+            </p:sp>
+          </mc:Choice>
+          <mc:Fallback>
+            <p:sp>
+              <p:nvSpPr>
+                <p:cNvPr id="1520" name="TextBox 1519">
+                  <a:extLst>
+                    <a:ext uri="{FF2B5EF4-FFF2-40B4-BE49-F238E27FC236}">
+                      <a16:creationId xmlns:a16="http://schemas.microsoft.com/office/drawing/2014/main" id="{46218722-B32F-81E1-C24F-22017EB90EB7}"/>
+                    </a:ext>
+                  </a:extLst>
+                </p:cNvPr>
+                <p:cNvSpPr txBox="1">
+                  <a:spLocks noRot="1" noChangeAspect="1" noMove="1" noResize="1" noEditPoints="1" noAdjustHandles="1" noChangeArrowheads="1" noChangeShapeType="1" noTextEdit="1"/>
+                </p:cNvSpPr>
+                <p:nvPr/>
+              </p:nvSpPr>
+              <p:spPr>
+                <a:xfrm>
+                  <a:off x="15450668" y="31314132"/>
+                  <a:ext cx="14399999" cy="954107"/>
+                </a:xfrm>
+                <a:prstGeom prst="rect">
+                  <a:avLst/>
+                </a:prstGeom>
+                <a:blipFill>
+                  <a:blip r:embed="rId12"/>
+                  <a:stretch>
+                    <a:fillRect l="-889" t="-5732" b="-17197"/>
+                  </a:stretch>
+                </a:blipFill>
+              </p:spPr>
+              <p:txBody>
+                <a:bodyPr/>
+                <a:lstStyle/>
+                <a:p>
+                  <a:r>
+                    <a:rPr lang="en-GB">
+                      <a:noFill/>
+                    </a:rPr>
+                    <a:t> </a:t>
+                  </a:r>
+                </a:p>
+              </p:txBody>
+            </p:sp>
+          </mc:Fallback>
+        </mc:AlternateContent>
+      </p:grpSp>
+      <mc:AlternateContent xmlns:mc="http://schemas.openxmlformats.org/markup-compatibility/2006">
+        <mc:Choice xmlns:a14="http://schemas.microsoft.com/office/drawing/2010/main" Requires="a14">
+          <p:sp>
+            <p:nvSpPr>
+              <p:cNvPr id="1524" name="Text Box 242">
+                <a:extLst>
+                  <a:ext uri="{FF2B5EF4-FFF2-40B4-BE49-F238E27FC236}">
+                    <a16:creationId xmlns:a16="http://schemas.microsoft.com/office/drawing/2014/main" id="{2845BC9C-5D52-DEB6-1C41-AE61C85C2A96}"/>
+                  </a:ext>
+                </a:extLst>
+              </p:cNvPr>
+              <p:cNvSpPr txBox="1">
+                <a:spLocks noChangeArrowheads="1"/>
+              </p:cNvSpPr>
+              <p:nvPr/>
+            </p:nvSpPr>
+            <p:spPr bwMode="auto">
+              <a:xfrm>
+                <a:off x="662025" y="38778871"/>
+                <a:ext cx="14400000" cy="3861955"/>
+              </a:xfrm>
+              <a:prstGeom prst="rect">
+                <a:avLst/>
+              </a:prstGeom>
+              <a:solidFill>
+                <a:schemeClr val="bg1"/>
+              </a:solidFill>
+              <a:ln w="57150" cmpd="thinThick">
+                <a:noFill/>
+                <a:miter lim="800000"/>
+              </a:ln>
+            </p:spPr>
+            <p:txBody>
+              <a:bodyPr wrap="square" lIns="182880" tIns="91440" rIns="182880" bIns="182880">
+                <a:spAutoFit/>
+              </a:bodyPr>
+              <a:lstStyle>
+                <a:defPPr>
+                  <a:defRPr kern="1200" smtId="4294967295"/>
+                </a:defPPr>
+                <a:lvl1pPr marL="228600" indent="-228600" defTabSz="612775">
+                  <a:defRPr sz="2400">
+                    <a:solidFill>
+                      <a:schemeClr val="tx1"/>
+                    </a:solidFill>
+                    <a:latin typeface="Times New Roman" pitchFamily="18" charset="0"/>
+                  </a:defRPr>
+                </a:lvl1pPr>
+                <a:lvl2pPr marL="742950" indent="-285750" defTabSz="612775">
+                  <a:defRPr sz="2400">
+                    <a:solidFill>
+                      <a:schemeClr val="tx1"/>
+                    </a:solidFill>
+                    <a:latin typeface="Times New Roman" pitchFamily="18" charset="0"/>
+                  </a:defRPr>
+                </a:lvl2pPr>
+                <a:lvl3pPr marL="1143000" indent="-228600" defTabSz="612775">
+                  <a:defRPr sz="2400">
+                    <a:solidFill>
+                      <a:schemeClr val="tx1"/>
+                    </a:solidFill>
+                    <a:latin typeface="Times New Roman" pitchFamily="18" charset="0"/>
+                  </a:defRPr>
+                </a:lvl3pPr>
+                <a:lvl4pPr marL="1600200" indent="-228600" defTabSz="612775">
+                  <a:defRPr sz="2400">
+                    <a:solidFill>
+                      <a:schemeClr val="tx1"/>
+                    </a:solidFill>
+                    <a:latin typeface="Times New Roman" pitchFamily="18" charset="0"/>
+                  </a:defRPr>
+                </a:lvl4pPr>
+                <a:lvl5pPr marL="2057400" indent="-228600" defTabSz="612775">
+                  <a:defRPr sz="2400">
+                    <a:solidFill>
+                      <a:schemeClr val="tx1"/>
+                    </a:solidFill>
+                    <a:latin typeface="Times New Roman" pitchFamily="18" charset="0"/>
+                  </a:defRPr>
+                </a:lvl5pPr>
+                <a:lvl6pPr marL="2514600" indent="-228600" defTabSz="612775" eaLnBrk="0" fontAlgn="base" hangingPunct="0">
+                  <a:spcBef>
+                    <a:spcPct val="0"/>
+                  </a:spcBef>
+                  <a:spcAft>
+                    <a:spcPct val="0"/>
+                  </a:spcAft>
+                  <a:defRPr sz="2400">
+                    <a:solidFill>
+                      <a:schemeClr val="tx1"/>
+                    </a:solidFill>
+                    <a:latin typeface="Times New Roman" pitchFamily="18" charset="0"/>
+                  </a:defRPr>
+                </a:lvl6pPr>
+                <a:lvl7pPr marL="2971800" indent="-228600" defTabSz="612775" eaLnBrk="0" fontAlgn="base" hangingPunct="0">
+                  <a:spcBef>
+                    <a:spcPct val="0"/>
+                  </a:spcBef>
+                  <a:spcAft>
+                    <a:spcPct val="0"/>
+                  </a:spcAft>
+                  <a:defRPr sz="2400">
+                    <a:solidFill>
+                      <a:schemeClr val="tx1"/>
+                    </a:solidFill>
+                    <a:latin typeface="Times New Roman" pitchFamily="18" charset="0"/>
+                  </a:defRPr>
+                </a:lvl7pPr>
+                <a:lvl8pPr marL="3429000" indent="-228600" defTabSz="612775" eaLnBrk="0" fontAlgn="base" hangingPunct="0">
+                  <a:spcBef>
+                    <a:spcPct val="0"/>
+                  </a:spcBef>
+                  <a:spcAft>
+                    <a:spcPct val="0"/>
+                  </a:spcAft>
+                  <a:defRPr sz="2400">
+                    <a:solidFill>
+                      <a:schemeClr val="tx1"/>
+                    </a:solidFill>
+                    <a:latin typeface="Times New Roman" pitchFamily="18" charset="0"/>
+                  </a:defRPr>
+                </a:lvl8pPr>
+                <a:lvl9pPr marL="3886200" indent="-228600" defTabSz="612775" eaLnBrk="0" fontAlgn="base" hangingPunct="0">
+                  <a:spcBef>
+                    <a:spcPct val="0"/>
+                  </a:spcBef>
+                  <a:spcAft>
+                    <a:spcPct val="0"/>
+                  </a:spcAft>
+                  <a:defRPr sz="2400">
+                    <a:solidFill>
+                      <a:schemeClr val="tx1"/>
+                    </a:solidFill>
+                    <a:latin typeface="Times New Roman" pitchFamily="18" charset="0"/>
+                  </a:defRPr>
+                </a:lvl9pPr>
+              </a:lstStyle>
+              <a:p>
+                <a:pPr marL="457200" indent="-457200" algn="just">
+                  <a:lnSpc>
+                    <a:spcPct val="120000"/>
+                  </a:lnSpc>
+                  <a:buFont typeface="Arial" panose="020B0604020202020204" pitchFamily="34" charset="0"/>
+                  <a:buChar char="•"/>
+                </a:pPr>
+                <a:r>
+                  <a:rPr lang="en-GB" altLang="ja-JP" sz="2800" dirty="0">
+                    <a:solidFill>
+                      <a:schemeClr val="tx1">
+                        <a:lumMod val="75000"/>
+                        <a:lumOff val="25000"/>
+                      </a:schemeClr>
+                    </a:solidFill>
+                    <a:latin typeface="+mn-lt"/>
+                    <a:ea typeface="ＭＳ Ｐゴシック" charset="-128"/>
+                  </a:rPr>
+                  <a:t>For ELM mitigation, we plan to set </a:t>
+                </a:r>
+                <a14:m>
+                  <m:oMath xmlns:m="http://schemas.openxmlformats.org/officeDocument/2006/math">
+                    <m:r>
+                      <a:rPr lang="en-GB" altLang="ja-JP" sz="2800" b="0" i="1" dirty="0" smtClean="0">
+                        <a:solidFill>
+                          <a:schemeClr val="tx1">
+                            <a:lumMod val="75000"/>
+                            <a:lumOff val="25000"/>
+                          </a:schemeClr>
+                        </a:solidFill>
+                        <a:latin typeface="Cambria Math" panose="02040503050406030204" pitchFamily="18" charset="0"/>
+                        <a:ea typeface="ＭＳ Ｐゴシック" charset="-128"/>
+                      </a:rPr>
+                      <m:t>𝑛</m:t>
+                    </m:r>
+                    <m:r>
+                      <a:rPr lang="en-GB" altLang="ja-JP" sz="2800" b="0" i="1" dirty="0" smtClean="0">
+                        <a:solidFill>
+                          <a:schemeClr val="tx1">
+                            <a:lumMod val="75000"/>
+                            <a:lumOff val="25000"/>
+                          </a:schemeClr>
+                        </a:solidFill>
+                        <a:latin typeface="Cambria Math" panose="02040503050406030204" pitchFamily="18" charset="0"/>
+                        <a:ea typeface="ＭＳ Ｐゴシック" charset="-128"/>
+                      </a:rPr>
+                      <m:t>=3</m:t>
+                    </m:r>
+                  </m:oMath>
+                </a14:m>
+                <a:r>
+                  <a:rPr lang="en-GB" altLang="ja-JP" sz="2800" dirty="0">
+                    <a:solidFill>
+                      <a:schemeClr val="tx1">
+                        <a:lumMod val="75000"/>
+                        <a:lumOff val="25000"/>
+                      </a:schemeClr>
+                    </a:solidFill>
+                    <a:latin typeface="+mn-lt"/>
+                    <a:ea typeface="ＭＳ Ｐゴシック" charset="-128"/>
+                  </a:rPr>
+                  <a:t>. Greater values of </a:t>
+                </a:r>
+                <a14:m>
+                  <m:oMath xmlns:m="http://schemas.openxmlformats.org/officeDocument/2006/math">
+                    <m:r>
+                      <a:rPr lang="en-GB" altLang="ja-JP" sz="2800" b="0" i="1" smtClean="0">
+                        <a:solidFill>
+                          <a:schemeClr val="tx1">
+                            <a:lumMod val="75000"/>
+                            <a:lumOff val="25000"/>
+                          </a:schemeClr>
+                        </a:solidFill>
+                        <a:latin typeface="Cambria Math" panose="02040503050406030204" pitchFamily="18" charset="0"/>
+                        <a:ea typeface="ＭＳ Ｐゴシック" charset="-128"/>
+                      </a:rPr>
+                      <m:t>𝑛</m:t>
+                    </m:r>
+                  </m:oMath>
+                </a14:m>
+                <a:r>
+                  <a:rPr lang="en-GB" altLang="ja-JP" sz="2800" dirty="0">
+                    <a:solidFill>
+                      <a:schemeClr val="tx1">
+                        <a:lumMod val="75000"/>
+                        <a:lumOff val="25000"/>
+                      </a:schemeClr>
+                    </a:solidFill>
+                    <a:latin typeface="+mn-lt"/>
+                    <a:ea typeface="ＭＳ Ｐゴシック" charset="-128"/>
+                  </a:rPr>
+                  <a:t> dissipate more quickly away from the coils, decreasing the power efficiency. Smaller values of </a:t>
+                </a:r>
+                <a14:m>
+                  <m:oMath xmlns:m="http://schemas.openxmlformats.org/officeDocument/2006/math">
+                    <m:r>
+                      <a:rPr lang="en-GB" altLang="ja-JP" sz="2800" b="0" i="1" dirty="0" smtClean="0">
+                        <a:solidFill>
+                          <a:schemeClr val="tx1">
+                            <a:lumMod val="75000"/>
+                            <a:lumOff val="25000"/>
+                          </a:schemeClr>
+                        </a:solidFill>
+                        <a:latin typeface="Cambria Math" panose="02040503050406030204" pitchFamily="18" charset="0"/>
+                        <a:ea typeface="ＭＳ Ｐゴシック" charset="-128"/>
+                      </a:rPr>
+                      <m:t>𝑛</m:t>
+                    </m:r>
+                  </m:oMath>
+                </a14:m>
+                <a:r>
+                  <a:rPr lang="en-GB" altLang="ja-JP" sz="2800" dirty="0">
+                    <a:solidFill>
+                      <a:schemeClr val="tx1">
+                        <a:lumMod val="75000"/>
+                        <a:lumOff val="25000"/>
+                      </a:schemeClr>
+                    </a:solidFill>
+                    <a:latin typeface="+mn-lt"/>
+                    <a:ea typeface="ＭＳ Ｐゴシック" charset="-128"/>
+                  </a:rPr>
+                  <a:t> may activate locked modes [3].</a:t>
+                </a:r>
+              </a:p>
+              <a:p>
+                <a:pPr marL="457200" indent="-457200" algn="just">
+                  <a:lnSpc>
+                    <a:spcPct val="120000"/>
+                  </a:lnSpc>
+                  <a:buFont typeface="Arial" panose="020B0604020202020204" pitchFamily="34" charset="0"/>
+                  <a:buChar char="•"/>
+                </a:pPr>
+                <a:r>
+                  <a:rPr lang="en-GB" altLang="ja-JP" sz="2800" dirty="0">
+                    <a:solidFill>
+                      <a:schemeClr val="tx1">
+                        <a:lumMod val="75000"/>
+                        <a:lumOff val="25000"/>
+                      </a:schemeClr>
+                    </a:solidFill>
+                    <a:latin typeface="+mn-lt"/>
+                    <a:ea typeface="ＭＳ Ｐゴシック" charset="-128"/>
+                  </a:rPr>
+                  <a:t>Nevertheless, the decision to use </a:t>
+                </a:r>
+                <a14:m>
+                  <m:oMath xmlns:m="http://schemas.openxmlformats.org/officeDocument/2006/math">
+                    <m:r>
+                      <a:rPr lang="en-GB" altLang="ja-JP" sz="2800" b="0" i="1" dirty="0" smtClean="0">
+                        <a:solidFill>
+                          <a:schemeClr val="tx1">
+                            <a:lumMod val="75000"/>
+                            <a:lumOff val="25000"/>
+                          </a:schemeClr>
+                        </a:solidFill>
+                        <a:latin typeface="Cambria Math" panose="02040503050406030204" pitchFamily="18" charset="0"/>
+                        <a:ea typeface="ＭＳ Ｐゴシック" charset="-128"/>
+                      </a:rPr>
+                      <m:t>𝑛</m:t>
+                    </m:r>
+                  </m:oMath>
+                </a14:m>
+                <a:r>
+                  <a:rPr lang="en-GB" altLang="ja-JP" sz="2800" dirty="0">
+                    <a:solidFill>
+                      <a:schemeClr val="tx1">
+                        <a:lumMod val="75000"/>
+                        <a:lumOff val="25000"/>
+                      </a:schemeClr>
+                    </a:solidFill>
+                    <a:latin typeface="+mn-lt"/>
+                    <a:ea typeface="ＭＳ Ｐゴシック" charset="-128"/>
+                  </a:rPr>
+                  <a:t> may change and so we also model the case where </a:t>
+                </a:r>
+                <a14:m>
+                  <m:oMath xmlns:m="http://schemas.openxmlformats.org/officeDocument/2006/math">
+                    <m:r>
+                      <a:rPr lang="en-GB" altLang="ja-JP" sz="2800" b="0" i="1" smtClean="0">
+                        <a:solidFill>
+                          <a:schemeClr val="tx1">
+                            <a:lumMod val="75000"/>
+                            <a:lumOff val="25000"/>
+                          </a:schemeClr>
+                        </a:solidFill>
+                        <a:latin typeface="Cambria Math" panose="02040503050406030204" pitchFamily="18" charset="0"/>
+                        <a:ea typeface="ＭＳ Ｐゴシック" charset="-128"/>
+                      </a:rPr>
+                      <m:t>𝑛</m:t>
+                    </m:r>
+                    <m:r>
+                      <a:rPr lang="en-GB" altLang="ja-JP" sz="2800" b="0" i="1" smtClean="0">
+                        <a:solidFill>
+                          <a:schemeClr val="tx1">
+                            <a:lumMod val="75000"/>
+                            <a:lumOff val="25000"/>
+                          </a:schemeClr>
+                        </a:solidFill>
+                        <a:latin typeface="Cambria Math" panose="02040503050406030204" pitchFamily="18" charset="0"/>
+                        <a:ea typeface="ＭＳ Ｐゴシック" charset="-128"/>
+                      </a:rPr>
+                      <m:t>=2</m:t>
+                    </m:r>
+                  </m:oMath>
+                </a14:m>
+                <a:r>
+                  <a:rPr lang="en-GB" altLang="ja-JP" sz="2800" dirty="0">
+                    <a:solidFill>
+                      <a:schemeClr val="tx1">
+                        <a:lumMod val="75000"/>
+                        <a:lumOff val="25000"/>
+                      </a:schemeClr>
+                    </a:solidFill>
+                    <a:latin typeface="+mn-lt"/>
+                    <a:ea typeface="ＭＳ Ｐゴシック" charset="-128"/>
+                  </a:rPr>
+                  <a:t> and </a:t>
+                </a:r>
+                <a14:m>
+                  <m:oMath xmlns:m="http://schemas.openxmlformats.org/officeDocument/2006/math">
+                    <m:r>
+                      <a:rPr lang="en-GB" altLang="ja-JP" sz="2800" b="0" i="1" smtClean="0">
+                        <a:solidFill>
+                          <a:schemeClr val="tx1">
+                            <a:lumMod val="75000"/>
+                            <a:lumOff val="25000"/>
+                          </a:schemeClr>
+                        </a:solidFill>
+                        <a:latin typeface="Cambria Math" panose="02040503050406030204" pitchFamily="18" charset="0"/>
+                        <a:ea typeface="ＭＳ Ｐゴシック" charset="-128"/>
+                      </a:rPr>
+                      <m:t>𝑛</m:t>
+                    </m:r>
+                    <m:r>
+                      <a:rPr lang="en-GB" altLang="ja-JP" sz="2800" b="0" i="1" smtClean="0">
+                        <a:solidFill>
+                          <a:schemeClr val="tx1">
+                            <a:lumMod val="75000"/>
+                            <a:lumOff val="25000"/>
+                          </a:schemeClr>
+                        </a:solidFill>
+                        <a:latin typeface="Cambria Math" panose="02040503050406030204" pitchFamily="18" charset="0"/>
+                        <a:ea typeface="ＭＳ Ｐゴシック" charset="-128"/>
+                      </a:rPr>
+                      <m:t>=4</m:t>
+                    </m:r>
+                  </m:oMath>
+                </a14:m>
+                <a:r>
+                  <a:rPr lang="en-GB" altLang="ja-JP" sz="2800" dirty="0">
+                    <a:solidFill>
+                      <a:schemeClr val="tx1">
+                        <a:lumMod val="75000"/>
+                        <a:lumOff val="25000"/>
+                      </a:schemeClr>
+                    </a:solidFill>
+                    <a:latin typeface="+mn-lt"/>
+                    <a:ea typeface="ＭＳ Ｐゴシック" charset="-128"/>
+                  </a:rPr>
+                  <a:t> (see Fig. 3).</a:t>
+                </a:r>
+              </a:p>
+              <a:p>
+                <a:pPr marL="457200" indent="-457200" algn="just">
+                  <a:lnSpc>
+                    <a:spcPct val="120000"/>
+                  </a:lnSpc>
+                  <a:buFont typeface="Arial" panose="020B0604020202020204" pitchFamily="34" charset="0"/>
+                  <a:buChar char="•"/>
+                </a:pPr>
+                <a:r>
+                  <a:rPr lang="en-GB" altLang="ja-JP" sz="2800" dirty="0">
+                    <a:solidFill>
+                      <a:schemeClr val="tx1">
+                        <a:lumMod val="75000"/>
+                        <a:lumOff val="25000"/>
+                      </a:schemeClr>
+                    </a:solidFill>
+                    <a:latin typeface="+mn-lt"/>
+                    <a:ea typeface="ＭＳ Ｐゴシック" charset="-128"/>
+                  </a:rPr>
+                  <a:t>To suppress ELMs, </a:t>
+                </a:r>
+                <a14:m>
+                  <m:oMath xmlns:m="http://schemas.openxmlformats.org/officeDocument/2006/math">
+                    <m:sSub>
+                      <m:sSubPr>
+                        <m:ctrlPr>
+                          <a:rPr lang="en-GB" altLang="ja-JP" sz="2800" b="0" i="1" dirty="0" smtClean="0">
+                            <a:solidFill>
+                              <a:schemeClr val="tx1">
+                                <a:lumMod val="75000"/>
+                                <a:lumOff val="25000"/>
+                              </a:schemeClr>
+                            </a:solidFill>
+                            <a:latin typeface="Cambria Math" panose="02040503050406030204" pitchFamily="18" charset="0"/>
+                            <a:ea typeface="ＭＳ Ｐゴシック" charset="-128"/>
+                          </a:rPr>
+                        </m:ctrlPr>
+                      </m:sSubPr>
+                      <m:e>
+                        <m:r>
+                          <a:rPr lang="en-GB" altLang="ja-JP" sz="2800" b="0" i="1" dirty="0" smtClean="0">
+                            <a:solidFill>
+                              <a:schemeClr val="tx1">
+                                <a:lumMod val="75000"/>
+                                <a:lumOff val="25000"/>
+                              </a:schemeClr>
+                            </a:solidFill>
+                            <a:latin typeface="Cambria Math" panose="02040503050406030204" pitchFamily="18" charset="0"/>
+                            <a:ea typeface="ＭＳ Ｐゴシック" charset="-128"/>
+                          </a:rPr>
+                          <m:t>𝐼</m:t>
+                        </m:r>
+                      </m:e>
+                      <m:sub>
+                        <m:r>
+                          <a:rPr lang="en-GB" altLang="ja-JP" sz="2800" b="0" i="1" dirty="0" smtClean="0">
+                            <a:solidFill>
+                              <a:schemeClr val="tx1">
+                                <a:lumMod val="75000"/>
+                                <a:lumOff val="25000"/>
+                              </a:schemeClr>
+                            </a:solidFill>
+                            <a:latin typeface="Cambria Math" panose="02040503050406030204" pitchFamily="18" charset="0"/>
+                            <a:ea typeface="ＭＳ Ｐゴシック" charset="-128"/>
+                          </a:rPr>
+                          <m:t>0</m:t>
+                        </m:r>
+                      </m:sub>
+                    </m:sSub>
+                  </m:oMath>
+                </a14:m>
+                <a:r>
+                  <a:rPr lang="en-GB" altLang="ja-JP" sz="2800" dirty="0">
+                    <a:solidFill>
+                      <a:schemeClr val="tx1">
+                        <a:lumMod val="75000"/>
+                        <a:lumOff val="25000"/>
+                      </a:schemeClr>
+                    </a:solidFill>
+                    <a:latin typeface="+mn-lt"/>
+                    <a:ea typeface="ＭＳ Ｐゴシック" charset="-128"/>
+                  </a:rPr>
+                  <a:t> must be large enough, but not so large that it reduces </a:t>
+                </a:r>
+                <a14:m>
+                  <m:oMath xmlns:m="http://schemas.openxmlformats.org/officeDocument/2006/math">
+                    <m:r>
+                      <a:rPr lang="en-GB" altLang="ja-JP" sz="2800" b="0" i="1" dirty="0" smtClean="0">
+                        <a:solidFill>
+                          <a:schemeClr val="tx1">
+                            <a:lumMod val="75000"/>
+                            <a:lumOff val="25000"/>
+                          </a:schemeClr>
+                        </a:solidFill>
+                        <a:latin typeface="Cambria Math" panose="02040503050406030204" pitchFamily="18" charset="0"/>
+                        <a:ea typeface="ＭＳ Ｐゴシック" charset="-128"/>
+                      </a:rPr>
+                      <m:t>𝛼</m:t>
+                    </m:r>
+                  </m:oMath>
+                </a14:m>
+                <a:r>
+                  <a:rPr lang="en-GB" altLang="ja-JP" sz="2800" dirty="0">
+                    <a:solidFill>
+                      <a:schemeClr val="tx1">
+                        <a:lumMod val="75000"/>
+                        <a:lumOff val="25000"/>
+                      </a:schemeClr>
+                    </a:solidFill>
+                    <a:latin typeface="+mn-lt"/>
+                    <a:ea typeface="ＭＳ Ｐゴシック" charset="-128"/>
+                  </a:rPr>
+                  <a:t>-particle confinement by too much.</a:t>
+                </a:r>
+              </a:p>
+            </p:txBody>
+          </p:sp>
+        </mc:Choice>
+        <mc:Fallback>
+          <p:sp>
+            <p:nvSpPr>
+              <p:cNvPr id="1524" name="Text Box 242">
+                <a:extLst>
+                  <a:ext uri="{FF2B5EF4-FFF2-40B4-BE49-F238E27FC236}">
+                    <a16:creationId xmlns:a16="http://schemas.microsoft.com/office/drawing/2014/main" id="{2845BC9C-5D52-DEB6-1C41-AE61C85C2A96}"/>
+                  </a:ext>
+                </a:extLst>
+              </p:cNvPr>
+              <p:cNvSpPr txBox="1">
+                <a:spLocks noRot="1" noChangeAspect="1" noMove="1" noResize="1" noEditPoints="1" noAdjustHandles="1" noChangeArrowheads="1" noChangeShapeType="1" noTextEdit="1"/>
+              </p:cNvSpPr>
+              <p:nvPr/>
+            </p:nvSpPr>
+            <p:spPr bwMode="auto">
+              <a:xfrm>
+                <a:off x="662025" y="38778871"/>
+                <a:ext cx="14400000" cy="3861955"/>
+              </a:xfrm>
+              <a:prstGeom prst="rect">
+                <a:avLst/>
+              </a:prstGeom>
+              <a:blipFill>
+                <a:blip r:embed="rId13"/>
+                <a:stretch>
+                  <a:fillRect l="-127" r="-212"/>
+                </a:stretch>
+              </a:blipFill>
+              <a:ln w="57150" cmpd="thinThick">
+                <a:noFill/>
+                <a:miter lim="800000"/>
+              </a:ln>
+            </p:spPr>
+            <p:txBody>
+              <a:bodyPr/>
+              <a:lstStyle/>
+              <a:p>
+                <a:r>
+                  <a:rPr lang="en-GB">
+                    <a:noFill/>
+                  </a:rPr>
+                  <a:t> </a:t>
+                </a:r>
+              </a:p>
+            </p:txBody>
+          </p:sp>
+        </mc:Fallback>
+      </mc:AlternateContent>
+      <mc:AlternateContent xmlns:mc="http://schemas.openxmlformats.org/markup-compatibility/2006">
+        <mc:Choice xmlns:a14="http://schemas.microsoft.com/office/drawing/2010/main" Requires="a14">
+          <p:sp>
+            <p:nvSpPr>
+              <p:cNvPr id="1527" name="Text Box 242">
+                <a:extLst>
+                  <a:ext uri="{FF2B5EF4-FFF2-40B4-BE49-F238E27FC236}">
+                    <a16:creationId xmlns:a16="http://schemas.microsoft.com/office/drawing/2014/main" id="{852DBA31-6CD0-7D99-2D03-18340E78BE39}"/>
+                  </a:ext>
+                </a:extLst>
+              </p:cNvPr>
+              <p:cNvSpPr txBox="1">
+                <a:spLocks noChangeArrowheads="1"/>
+              </p:cNvSpPr>
+              <p:nvPr/>
+            </p:nvSpPr>
+            <p:spPr bwMode="auto">
+              <a:xfrm>
+                <a:off x="15449224" y="5781771"/>
+                <a:ext cx="14400000" cy="2310761"/>
+              </a:xfrm>
+              <a:prstGeom prst="rect">
+                <a:avLst/>
+              </a:prstGeom>
+              <a:solidFill>
+                <a:schemeClr val="bg1"/>
+              </a:solidFill>
+              <a:ln w="57150" cmpd="thinThick">
+                <a:noFill/>
+                <a:miter lim="800000"/>
+              </a:ln>
+            </p:spPr>
+            <p:txBody>
+              <a:bodyPr wrap="square" lIns="182880" tIns="91440" rIns="182880" bIns="182880">
+                <a:spAutoFit/>
+              </a:bodyPr>
+              <a:lstStyle>
+                <a:defPPr>
+                  <a:defRPr kern="1200" smtId="4294967295"/>
+                </a:defPPr>
+                <a:lvl1pPr marL="228600" indent="-228600" defTabSz="612775">
+                  <a:defRPr sz="2400">
+                    <a:solidFill>
+                      <a:schemeClr val="tx1"/>
+                    </a:solidFill>
+                    <a:latin typeface="Times New Roman" pitchFamily="18" charset="0"/>
+                  </a:defRPr>
+                </a:lvl1pPr>
+                <a:lvl2pPr marL="742950" indent="-285750" defTabSz="612775">
+                  <a:defRPr sz="2400">
+                    <a:solidFill>
+                      <a:schemeClr val="tx1"/>
+                    </a:solidFill>
+                    <a:latin typeface="Times New Roman" pitchFamily="18" charset="0"/>
+                  </a:defRPr>
+                </a:lvl2pPr>
+                <a:lvl3pPr marL="1143000" indent="-228600" defTabSz="612775">
+                  <a:defRPr sz="2400">
+                    <a:solidFill>
+                      <a:schemeClr val="tx1"/>
+                    </a:solidFill>
+                    <a:latin typeface="Times New Roman" pitchFamily="18" charset="0"/>
+                  </a:defRPr>
+                </a:lvl3pPr>
+                <a:lvl4pPr marL="1600200" indent="-228600" defTabSz="612775">
+                  <a:defRPr sz="2400">
+                    <a:solidFill>
+                      <a:schemeClr val="tx1"/>
+                    </a:solidFill>
+                    <a:latin typeface="Times New Roman" pitchFamily="18" charset="0"/>
+                  </a:defRPr>
+                </a:lvl4pPr>
+                <a:lvl5pPr marL="2057400" indent="-228600" defTabSz="612775">
+                  <a:defRPr sz="2400">
+                    <a:solidFill>
+                      <a:schemeClr val="tx1"/>
+                    </a:solidFill>
+                    <a:latin typeface="Times New Roman" pitchFamily="18" charset="0"/>
+                  </a:defRPr>
+                </a:lvl5pPr>
+                <a:lvl6pPr marL="2514600" indent="-228600" defTabSz="612775" eaLnBrk="0" fontAlgn="base" hangingPunct="0">
+                  <a:spcBef>
+                    <a:spcPct val="0"/>
+                  </a:spcBef>
+                  <a:spcAft>
+                    <a:spcPct val="0"/>
+                  </a:spcAft>
+                  <a:defRPr sz="2400">
+                    <a:solidFill>
+                      <a:schemeClr val="tx1"/>
+                    </a:solidFill>
+                    <a:latin typeface="Times New Roman" pitchFamily="18" charset="0"/>
+                  </a:defRPr>
+                </a:lvl6pPr>
+                <a:lvl7pPr marL="2971800" indent="-228600" defTabSz="612775" eaLnBrk="0" fontAlgn="base" hangingPunct="0">
+                  <a:spcBef>
+                    <a:spcPct val="0"/>
+                  </a:spcBef>
+                  <a:spcAft>
+                    <a:spcPct val="0"/>
+                  </a:spcAft>
+                  <a:defRPr sz="2400">
+                    <a:solidFill>
+                      <a:schemeClr val="tx1"/>
+                    </a:solidFill>
+                    <a:latin typeface="Times New Roman" pitchFamily="18" charset="0"/>
+                  </a:defRPr>
+                </a:lvl7pPr>
+                <a:lvl8pPr marL="3429000" indent="-228600" defTabSz="612775" eaLnBrk="0" fontAlgn="base" hangingPunct="0">
+                  <a:spcBef>
+                    <a:spcPct val="0"/>
+                  </a:spcBef>
+                  <a:spcAft>
+                    <a:spcPct val="0"/>
+                  </a:spcAft>
+                  <a:defRPr sz="2400">
+                    <a:solidFill>
+                      <a:schemeClr val="tx1"/>
+                    </a:solidFill>
+                    <a:latin typeface="Times New Roman" pitchFamily="18" charset="0"/>
+                  </a:defRPr>
+                </a:lvl8pPr>
+                <a:lvl9pPr marL="3886200" indent="-228600" defTabSz="612775" eaLnBrk="0" fontAlgn="base" hangingPunct="0">
+                  <a:spcBef>
+                    <a:spcPct val="0"/>
+                  </a:spcBef>
+                  <a:spcAft>
+                    <a:spcPct val="0"/>
+                  </a:spcAft>
+                  <a:defRPr sz="2400">
+                    <a:solidFill>
+                      <a:schemeClr val="tx1"/>
+                    </a:solidFill>
+                    <a:latin typeface="Times New Roman" pitchFamily="18" charset="0"/>
+                  </a:defRPr>
+                </a:lvl9pPr>
+              </a:lstStyle>
+              <a:p>
+                <a:pPr marL="457200" indent="-457200" algn="just">
+                  <a:lnSpc>
+                    <a:spcPct val="120000"/>
+                  </a:lnSpc>
+                  <a:buFont typeface="Arial" panose="020B0604020202020204" pitchFamily="34" charset="0"/>
+                  <a:buChar char="•"/>
+                </a:pPr>
+                <a:r>
+                  <a:rPr lang="en-GB" altLang="ja-JP" sz="2800" dirty="0">
+                    <a:solidFill>
+                      <a:schemeClr val="tx1">
+                        <a:lumMod val="75000"/>
+                        <a:lumOff val="25000"/>
+                      </a:schemeClr>
+                    </a:solidFill>
+                    <a:ea typeface="ＭＳ Ｐゴシック" charset="-128"/>
+                  </a:rPr>
+                  <a:t>[3] suggests that for </a:t>
+                </a:r>
+                <a14:m>
+                  <m:oMath xmlns:m="http://schemas.openxmlformats.org/officeDocument/2006/math">
+                    <m:r>
+                      <a:rPr lang="en-GB" altLang="ja-JP" sz="2800" i="1">
+                        <a:solidFill>
+                          <a:schemeClr val="tx1">
+                            <a:lumMod val="75000"/>
+                            <a:lumOff val="25000"/>
+                          </a:schemeClr>
+                        </a:solidFill>
+                        <a:latin typeface="Cambria Math" panose="02040503050406030204" pitchFamily="18" charset="0"/>
+                        <a:ea typeface="ＭＳ Ｐゴシック" charset="-128"/>
+                      </a:rPr>
+                      <m:t>𝑛</m:t>
+                    </m:r>
+                    <m:r>
+                      <a:rPr lang="en-GB" altLang="ja-JP" sz="2800" i="1">
+                        <a:solidFill>
+                          <a:schemeClr val="tx1">
+                            <a:lumMod val="75000"/>
+                            <a:lumOff val="25000"/>
+                          </a:schemeClr>
+                        </a:solidFill>
+                        <a:latin typeface="Cambria Math" panose="02040503050406030204" pitchFamily="18" charset="0"/>
+                        <a:ea typeface="ＭＳ Ｐゴシック" charset="-128"/>
+                      </a:rPr>
+                      <m:t>=2</m:t>
+                    </m:r>
+                  </m:oMath>
+                </a14:m>
+                <a:r>
+                  <a:rPr lang="en-GB" altLang="ja-JP" sz="2800" dirty="0">
+                    <a:solidFill>
+                      <a:schemeClr val="tx1">
+                        <a:lumMod val="75000"/>
+                        <a:lumOff val="25000"/>
+                      </a:schemeClr>
+                    </a:solidFill>
+                    <a:ea typeface="ＭＳ Ｐゴシック" charset="-128"/>
+                  </a:rPr>
+                  <a:t>, </a:t>
+                </a:r>
+                <a14:m>
+                  <m:oMath xmlns:m="http://schemas.openxmlformats.org/officeDocument/2006/math">
+                    <m:sSub>
+                      <m:sSubPr>
+                        <m:ctrlPr>
+                          <a:rPr lang="en-GB" altLang="ja-JP" sz="2800" i="1">
+                            <a:solidFill>
+                              <a:schemeClr val="tx1">
+                                <a:lumMod val="75000"/>
+                                <a:lumOff val="25000"/>
+                              </a:schemeClr>
+                            </a:solidFill>
+                            <a:latin typeface="Cambria Math" panose="02040503050406030204" pitchFamily="18" charset="0"/>
+                            <a:ea typeface="ＭＳ Ｐゴシック" charset="-128"/>
+                          </a:rPr>
+                        </m:ctrlPr>
+                      </m:sSubPr>
+                      <m:e>
+                        <m:r>
+                          <a:rPr lang="en-GB" altLang="ja-JP" sz="2800" i="1">
+                            <a:solidFill>
+                              <a:schemeClr val="tx1">
+                                <a:lumMod val="75000"/>
+                                <a:lumOff val="25000"/>
+                              </a:schemeClr>
+                            </a:solidFill>
+                            <a:latin typeface="Cambria Math" panose="02040503050406030204" pitchFamily="18" charset="0"/>
+                            <a:ea typeface="ＭＳ Ｐゴシック" charset="-128"/>
+                          </a:rPr>
+                          <m:t>𝐼</m:t>
+                        </m:r>
+                      </m:e>
+                      <m:sub>
+                        <m:r>
+                          <a:rPr lang="en-GB" altLang="ja-JP" sz="2800" i="1">
+                            <a:solidFill>
+                              <a:schemeClr val="tx1">
+                                <a:lumMod val="75000"/>
+                                <a:lumOff val="25000"/>
+                              </a:schemeClr>
+                            </a:solidFill>
+                            <a:latin typeface="Cambria Math" panose="02040503050406030204" pitchFamily="18" charset="0"/>
+                            <a:ea typeface="ＭＳ Ｐゴシック" charset="-128"/>
+                          </a:rPr>
+                          <m:t>0 </m:t>
+                        </m:r>
+                      </m:sub>
+                    </m:sSub>
+                    <m:r>
+                      <a:rPr lang="en-GB" altLang="ja-JP" sz="2800" i="1">
+                        <a:solidFill>
+                          <a:schemeClr val="tx1">
+                            <a:lumMod val="75000"/>
+                            <a:lumOff val="25000"/>
+                          </a:schemeClr>
+                        </a:solidFill>
+                        <a:latin typeface="Cambria Math" panose="02040503050406030204" pitchFamily="18" charset="0"/>
+                        <a:ea typeface="ＭＳ Ｐゴシック" charset="-128"/>
+                      </a:rPr>
+                      <m:t>=50</m:t>
+                    </m:r>
+                  </m:oMath>
+                </a14:m>
+                <a:r>
+                  <a:rPr lang="en-GB" altLang="ja-JP" sz="2800" dirty="0">
+                    <a:solidFill>
+                      <a:schemeClr val="tx1">
+                        <a:lumMod val="75000"/>
+                        <a:lumOff val="25000"/>
+                      </a:schemeClr>
+                    </a:solidFill>
+                    <a:ea typeface="ＭＳ Ｐゴシック" charset="-128"/>
+                  </a:rPr>
+                  <a:t> </a:t>
+                </a:r>
+                <a:r>
+                  <a:rPr lang="en-GB" altLang="ja-JP" sz="2800" dirty="0" err="1">
+                    <a:solidFill>
+                      <a:schemeClr val="tx1">
+                        <a:lumMod val="75000"/>
+                        <a:lumOff val="25000"/>
+                      </a:schemeClr>
+                    </a:solidFill>
+                    <a:ea typeface="ＭＳ Ｐゴシック" charset="-128"/>
+                  </a:rPr>
+                  <a:t>kAt</a:t>
+                </a:r>
+                <a:r>
+                  <a:rPr lang="en-GB" altLang="ja-JP" sz="2800" dirty="0">
+                    <a:solidFill>
+                      <a:schemeClr val="tx1">
+                        <a:lumMod val="75000"/>
+                        <a:lumOff val="25000"/>
+                      </a:schemeClr>
+                    </a:solidFill>
+                    <a:ea typeface="ＭＳ Ｐゴシック" charset="-128"/>
+                  </a:rPr>
+                  <a:t> is necessary, for </a:t>
+                </a:r>
+                <a14:m>
+                  <m:oMath xmlns:m="http://schemas.openxmlformats.org/officeDocument/2006/math">
+                    <m:r>
+                      <a:rPr lang="en-GB" altLang="ja-JP" sz="2800" i="1">
+                        <a:solidFill>
+                          <a:schemeClr val="tx1">
+                            <a:lumMod val="75000"/>
+                            <a:lumOff val="25000"/>
+                          </a:schemeClr>
+                        </a:solidFill>
+                        <a:latin typeface="Cambria Math" panose="02040503050406030204" pitchFamily="18" charset="0"/>
+                        <a:ea typeface="ＭＳ Ｐゴシック" charset="-128"/>
+                      </a:rPr>
+                      <m:t>𝑛</m:t>
+                    </m:r>
+                    <m:r>
+                      <a:rPr lang="en-GB" altLang="ja-JP" sz="2800" i="1">
+                        <a:solidFill>
+                          <a:schemeClr val="tx1">
+                            <a:lumMod val="75000"/>
+                            <a:lumOff val="25000"/>
+                          </a:schemeClr>
+                        </a:solidFill>
+                        <a:latin typeface="Cambria Math" panose="02040503050406030204" pitchFamily="18" charset="0"/>
+                        <a:ea typeface="ＭＳ Ｐゴシック" charset="-128"/>
+                      </a:rPr>
+                      <m:t>=3</m:t>
+                    </m:r>
+                  </m:oMath>
+                </a14:m>
+                <a:r>
+                  <a:rPr lang="en-GB" altLang="ja-JP" sz="2800" dirty="0">
+                    <a:solidFill>
+                      <a:schemeClr val="tx1">
+                        <a:lumMod val="75000"/>
+                        <a:lumOff val="25000"/>
+                      </a:schemeClr>
+                    </a:solidFill>
+                    <a:ea typeface="ＭＳ Ｐゴシック" charset="-128"/>
+                  </a:rPr>
+                  <a:t>, </a:t>
+                </a:r>
+                <a14:m>
+                  <m:oMath xmlns:m="http://schemas.openxmlformats.org/officeDocument/2006/math">
+                    <m:sSub>
+                      <m:sSubPr>
+                        <m:ctrlPr>
+                          <a:rPr lang="en-GB" altLang="ja-JP" sz="2800" i="1" dirty="0">
+                            <a:solidFill>
+                              <a:schemeClr val="tx1">
+                                <a:lumMod val="75000"/>
+                                <a:lumOff val="25000"/>
+                              </a:schemeClr>
+                            </a:solidFill>
+                            <a:latin typeface="Cambria Math" panose="02040503050406030204" pitchFamily="18" charset="0"/>
+                            <a:ea typeface="ＭＳ Ｐゴシック" charset="-128"/>
+                          </a:rPr>
+                        </m:ctrlPr>
+                      </m:sSubPr>
+                      <m:e>
+                        <m:r>
+                          <a:rPr lang="en-GB" altLang="ja-JP" sz="2800" i="1" dirty="0">
+                            <a:solidFill>
+                              <a:schemeClr val="tx1">
+                                <a:lumMod val="75000"/>
+                                <a:lumOff val="25000"/>
+                              </a:schemeClr>
+                            </a:solidFill>
+                            <a:latin typeface="Cambria Math" panose="02040503050406030204" pitchFamily="18" charset="0"/>
+                            <a:ea typeface="ＭＳ Ｐゴシック" charset="-128"/>
+                          </a:rPr>
+                          <m:t>𝐼</m:t>
+                        </m:r>
+                      </m:e>
+                      <m:sub>
+                        <m:r>
+                          <a:rPr lang="en-GB" altLang="ja-JP" sz="2800" i="1" dirty="0">
+                            <a:solidFill>
+                              <a:schemeClr val="tx1">
+                                <a:lumMod val="75000"/>
+                                <a:lumOff val="25000"/>
+                              </a:schemeClr>
+                            </a:solidFill>
+                            <a:latin typeface="Cambria Math" panose="02040503050406030204" pitchFamily="18" charset="0"/>
+                            <a:ea typeface="ＭＳ Ｐゴシック" charset="-128"/>
+                          </a:rPr>
+                          <m:t>0</m:t>
+                        </m:r>
+                      </m:sub>
+                    </m:sSub>
+                  </m:oMath>
+                </a14:m>
+                <a:r>
+                  <a:rPr lang="en-GB" altLang="ja-JP" sz="2800" dirty="0">
+                    <a:solidFill>
+                      <a:schemeClr val="tx1">
+                        <a:lumMod val="75000"/>
+                        <a:lumOff val="25000"/>
+                      </a:schemeClr>
+                    </a:solidFill>
+                    <a:ea typeface="ＭＳ Ｐゴシック" charset="-128"/>
+                  </a:rPr>
+                  <a:t>= 90 </a:t>
+                </a:r>
+                <a:r>
+                  <a:rPr lang="en-GB" altLang="ja-JP" sz="2800" dirty="0" err="1">
+                    <a:solidFill>
+                      <a:schemeClr val="tx1">
+                        <a:lumMod val="75000"/>
+                        <a:lumOff val="25000"/>
+                      </a:schemeClr>
+                    </a:solidFill>
+                    <a:ea typeface="ＭＳ Ｐゴシック" charset="-128"/>
+                  </a:rPr>
+                  <a:t>kAt</a:t>
+                </a:r>
+                <a:r>
+                  <a:rPr lang="en-GB" altLang="ja-JP" sz="2800" dirty="0">
+                    <a:solidFill>
+                      <a:schemeClr val="tx1">
+                        <a:lumMod val="75000"/>
+                        <a:lumOff val="25000"/>
+                      </a:schemeClr>
+                    </a:solidFill>
+                    <a:ea typeface="ＭＳ Ｐゴシック" charset="-128"/>
+                  </a:rPr>
+                  <a:t> is required, and for </a:t>
+                </a:r>
+                <a14:m>
+                  <m:oMath xmlns:m="http://schemas.openxmlformats.org/officeDocument/2006/math">
+                    <m:r>
+                      <a:rPr lang="en-GB" altLang="ja-JP" sz="2800" b="0" i="1" smtClean="0">
+                        <a:solidFill>
+                          <a:schemeClr val="tx1">
+                            <a:lumMod val="75000"/>
+                            <a:lumOff val="25000"/>
+                          </a:schemeClr>
+                        </a:solidFill>
+                        <a:latin typeface="Cambria Math" panose="02040503050406030204" pitchFamily="18" charset="0"/>
+                        <a:ea typeface="ＭＳ Ｐゴシック" charset="-128"/>
+                      </a:rPr>
+                      <m:t>𝑛</m:t>
+                    </m:r>
+                    <m:r>
+                      <a:rPr lang="en-GB" altLang="ja-JP" sz="2800" b="0" i="1" smtClean="0">
+                        <a:solidFill>
+                          <a:schemeClr val="tx1">
+                            <a:lumMod val="75000"/>
+                            <a:lumOff val="25000"/>
+                          </a:schemeClr>
+                        </a:solidFill>
+                        <a:latin typeface="Cambria Math" panose="02040503050406030204" pitchFamily="18" charset="0"/>
+                        <a:ea typeface="ＭＳ Ｐゴシック" charset="-128"/>
+                      </a:rPr>
+                      <m:t>=4</m:t>
+                    </m:r>
+                  </m:oMath>
+                </a14:m>
+                <a:r>
+                  <a:rPr lang="en-GB" altLang="ja-JP" sz="2800" dirty="0">
+                    <a:solidFill>
+                      <a:schemeClr val="tx1">
+                        <a:lumMod val="75000"/>
+                        <a:lumOff val="25000"/>
+                      </a:schemeClr>
+                    </a:solidFill>
+                    <a:latin typeface="+mn-lt"/>
+                    <a:ea typeface="ＭＳ Ｐゴシック" charset="-128"/>
+                  </a:rPr>
+                  <a:t> a current of 150 </a:t>
+                </a:r>
+                <a:r>
+                  <a:rPr lang="en-GB" altLang="ja-JP" sz="2800" dirty="0" err="1">
+                    <a:solidFill>
+                      <a:schemeClr val="tx1">
+                        <a:lumMod val="75000"/>
+                        <a:lumOff val="25000"/>
+                      </a:schemeClr>
+                    </a:solidFill>
+                    <a:latin typeface="+mn-lt"/>
+                    <a:ea typeface="ＭＳ Ｐゴシック" charset="-128"/>
+                  </a:rPr>
+                  <a:t>kAt</a:t>
+                </a:r>
+                <a:r>
+                  <a:rPr lang="en-GB" altLang="ja-JP" sz="2800" dirty="0">
+                    <a:solidFill>
+                      <a:schemeClr val="tx1">
+                        <a:lumMod val="75000"/>
+                        <a:lumOff val="25000"/>
+                      </a:schemeClr>
+                    </a:solidFill>
+                    <a:latin typeface="+mn-lt"/>
+                    <a:ea typeface="ＭＳ Ｐゴシック" charset="-128"/>
+                  </a:rPr>
+                  <a:t> is needed.</a:t>
+                </a:r>
+              </a:p>
+              <a:p>
+                <a:pPr marL="457200" indent="-457200" algn="just">
+                  <a:lnSpc>
+                    <a:spcPct val="120000"/>
+                  </a:lnSpc>
+                  <a:buFont typeface="Arial" panose="020B0604020202020204" pitchFamily="34" charset="0"/>
+                  <a:buChar char="•"/>
+                </a:pPr>
+                <a:r>
+                  <a:rPr lang="en-GB" altLang="ja-JP" sz="2800" dirty="0">
+                    <a:solidFill>
+                      <a:schemeClr val="tx1">
+                        <a:lumMod val="75000"/>
+                        <a:lumOff val="25000"/>
+                      </a:schemeClr>
+                    </a:solidFill>
+                    <a:latin typeface="+mn-lt"/>
+                    <a:ea typeface="ＭＳ Ｐゴシック" charset="-128"/>
+                  </a:rPr>
+                  <a:t>However, there is a high degree of uncertainty over what current is needed, so we also model a current with twice these values. </a:t>
+                </a:r>
+                <a:endParaRPr lang="en-US" altLang="ja-JP" sz="2800" dirty="0">
+                  <a:solidFill>
+                    <a:schemeClr val="tx1">
+                      <a:lumMod val="75000"/>
+                      <a:lumOff val="25000"/>
+                    </a:schemeClr>
+                  </a:solidFill>
+                  <a:latin typeface="+mn-lt"/>
+                  <a:ea typeface="ＭＳ Ｐゴシック" charset="-128"/>
+                </a:endParaRPr>
+              </a:p>
+            </p:txBody>
+          </p:sp>
+        </mc:Choice>
+        <mc:Fallback>
+          <p:sp>
+            <p:nvSpPr>
+              <p:cNvPr id="1527" name="Text Box 242">
+                <a:extLst>
+                  <a:ext uri="{FF2B5EF4-FFF2-40B4-BE49-F238E27FC236}">
+                    <a16:creationId xmlns:a16="http://schemas.microsoft.com/office/drawing/2014/main" id="{852DBA31-6CD0-7D99-2D03-18340E78BE39}"/>
+                  </a:ext>
+                </a:extLst>
+              </p:cNvPr>
+              <p:cNvSpPr txBox="1">
+                <a:spLocks noRot="1" noChangeAspect="1" noMove="1" noResize="1" noEditPoints="1" noAdjustHandles="1" noChangeArrowheads="1" noChangeShapeType="1" noTextEdit="1"/>
+              </p:cNvSpPr>
+              <p:nvPr/>
+            </p:nvSpPr>
+            <p:spPr bwMode="auto">
+              <a:xfrm>
+                <a:off x="15449224" y="5781771"/>
+                <a:ext cx="14400000" cy="2310761"/>
+              </a:xfrm>
+              <a:prstGeom prst="rect">
+                <a:avLst/>
+              </a:prstGeom>
+              <a:blipFill>
+                <a:blip r:embed="rId14"/>
+                <a:stretch>
+                  <a:fillRect l="-127" r="-212" b="-526"/>
+                </a:stretch>
+              </a:blipFill>
+              <a:ln w="57150" cmpd="thinThick">
+                <a:noFill/>
+                <a:miter lim="800000"/>
+              </a:ln>
+            </p:spPr>
+            <p:txBody>
+              <a:bodyPr/>
+              <a:lstStyle/>
+              <a:p>
+                <a:r>
+                  <a:rPr lang="en-GB">
+                    <a:noFill/>
+                  </a:rPr>
+                  <a:t> </a:t>
+                </a:r>
+              </a:p>
+            </p:txBody>
+          </p:sp>
+        </mc:Fallback>
+      </mc:AlternateContent>
+    </p:spTree>
+    <p:extLst>
+      <p:ext uri="{BB962C8B-B14F-4D97-AF65-F5344CB8AC3E}">
+        <p14:creationId xmlns:p14="http://schemas.microsoft.com/office/powerpoint/2010/main" val="3331785364"/>
+      </p:ext>
+    </p:extLst>
+  </p:cSld>
+  <p:clrMapOvr>
+    <a:masterClrMapping/>
+  </p:clrMapOvr>
+</p:sld>
+</file>
+
+<file path=ppt/slides/slide2.xml><?xml version="1.0" encoding="utf-8"?>
+<p:sld xmlns:a="http://schemas.openxmlformats.org/drawingml/2006/main" xmlns:r="http://schemas.openxmlformats.org/officeDocument/2006/relationships" xmlns:p="http://schemas.openxmlformats.org/presentationml/2006/main">
+  <p:cSld>
+    <p:spTree>
+      <p:nvGrpSpPr>
+        <p:cNvPr id="1" name=""/>
+        <p:cNvGrpSpPr/>
+        <p:nvPr/>
+      </p:nvGrpSpPr>
+      <p:grpSpPr>
+        <a:xfrm>
+          <a:off x="0" y="0"/>
+          <a:ext cx="0" cy="0"/>
+          <a:chOff x="0" y="0"/>
+          <a:chExt cx="0" cy="0"/>
+        </a:xfrm>
+      </p:grpSpPr>
+      <p:pic>
+        <p:nvPicPr>
+          <p:cNvPr id="4" name="Picture 3" descr="A graph of energy&#10;&#10;Description automatically generated">
+            <a:extLst>
+              <a:ext uri="{FF2B5EF4-FFF2-40B4-BE49-F238E27FC236}">
+                <a16:creationId xmlns:a16="http://schemas.microsoft.com/office/drawing/2014/main" id="{EB01F2B3-E732-7BA5-8AE6-75F9D61A8CE4}"/>
+              </a:ext>
+            </a:extLst>
+          </p:cNvPr>
+          <p:cNvPicPr>
+            <a:picLocks noChangeAspect="1"/>
+          </p:cNvPicPr>
+          <p:nvPr/>
+        </p:nvPicPr>
+        <p:blipFill>
+          <a:blip r:embed="rId2" cstate="print">
+            <a:extLst>
+              <a:ext uri="{28A0092B-C50C-407E-A947-70E740481C1C}">
+                <a14:useLocalDpi xmlns:a14="http://schemas.microsoft.com/office/drawing/2010/main" val="0"/>
+              </a:ext>
+            </a:extLst>
+          </a:blip>
+          <a:stretch>
+            <a:fillRect/>
+          </a:stretch>
+        </p:blipFill>
+        <p:spPr>
+          <a:xfrm>
+            <a:off x="15450670" y="17841790"/>
+            <a:ext cx="14399999" cy="7932311"/>
+          </a:xfrm>
+          <a:prstGeom prst="rect">
+            <a:avLst/>
+          </a:prstGeom>
+        </p:spPr>
+      </p:pic>
+      <p:sp>
+        <p:nvSpPr>
+          <p:cNvPr id="6" name="Text Box 242">
+            <a:extLst>
+              <a:ext uri="{FF2B5EF4-FFF2-40B4-BE49-F238E27FC236}">
+                <a16:creationId xmlns:a16="http://schemas.microsoft.com/office/drawing/2014/main" id="{AD0A4C71-F130-AF73-E1D5-C53DD7BEF274}"/>
+              </a:ext>
+            </a:extLst>
+          </p:cNvPr>
+          <p:cNvSpPr txBox="1">
+            <a:spLocks noChangeArrowheads="1"/>
+          </p:cNvSpPr>
+          <p:nvPr/>
+        </p:nvSpPr>
+        <p:spPr bwMode="auto">
+          <a:xfrm>
+            <a:off x="642256" y="7005171"/>
+            <a:ext cx="14400000" cy="8210261"/>
+          </a:xfrm>
+          <a:prstGeom prst="rect">
+            <a:avLst/>
+          </a:prstGeom>
+          <a:solidFill>
+            <a:schemeClr val="bg1"/>
+          </a:solidFill>
+          <a:ln w="57150" cmpd="thinThick">
+            <a:noFill/>
+            <a:miter lim="800000"/>
+          </a:ln>
+        </p:spPr>
+        <p:txBody>
+          <a:bodyPr wrap="square" lIns="182880" tIns="91440" rIns="182880" bIns="182880">
+            <a:spAutoFit/>
+          </a:bodyPr>
+          <a:lstStyle>
+            <a:defPPr>
+              <a:defRPr kern="1200" smtId="4294967295"/>
+            </a:defPPr>
+            <a:lvl1pPr marL="228600" indent="-228600" defTabSz="612775">
+              <a:defRPr sz="2400">
+                <a:solidFill>
+                  <a:schemeClr val="tx1"/>
+                </a:solidFill>
+                <a:latin typeface="Times New Roman" pitchFamily="18" charset="0"/>
+              </a:defRPr>
+            </a:lvl1pPr>
+            <a:lvl2pPr marL="742950" indent="-285750" defTabSz="612775">
+              <a:defRPr sz="2400">
+                <a:solidFill>
+                  <a:schemeClr val="tx1"/>
+                </a:solidFill>
+                <a:latin typeface="Times New Roman" pitchFamily="18" charset="0"/>
+              </a:defRPr>
+            </a:lvl2pPr>
+            <a:lvl3pPr marL="1143000" indent="-228600" defTabSz="612775">
+              <a:defRPr sz="2400">
+                <a:solidFill>
+                  <a:schemeClr val="tx1"/>
+                </a:solidFill>
+                <a:latin typeface="Times New Roman" pitchFamily="18" charset="0"/>
+              </a:defRPr>
+            </a:lvl3pPr>
+            <a:lvl4pPr marL="1600200" indent="-228600" defTabSz="612775">
+              <a:defRPr sz="2400">
+                <a:solidFill>
+                  <a:schemeClr val="tx1"/>
+                </a:solidFill>
+                <a:latin typeface="Times New Roman" pitchFamily="18" charset="0"/>
+              </a:defRPr>
+            </a:lvl4pPr>
+            <a:lvl5pPr marL="2057400" indent="-228600" defTabSz="612775">
+              <a:defRPr sz="2400">
+                <a:solidFill>
+                  <a:schemeClr val="tx1"/>
+                </a:solidFill>
+                <a:latin typeface="Times New Roman" pitchFamily="18" charset="0"/>
+              </a:defRPr>
+            </a:lvl5pPr>
+            <a:lvl6pPr marL="2514600" indent="-228600" defTabSz="612775" eaLnBrk="0" fontAlgn="base" hangingPunct="0">
+              <a:spcBef>
+                <a:spcPct val="0"/>
+              </a:spcBef>
+              <a:spcAft>
+                <a:spcPct val="0"/>
+              </a:spcAft>
+              <a:defRPr sz="2400">
+                <a:solidFill>
+                  <a:schemeClr val="tx1"/>
+                </a:solidFill>
+                <a:latin typeface="Times New Roman" pitchFamily="18" charset="0"/>
+              </a:defRPr>
+            </a:lvl6pPr>
+            <a:lvl7pPr marL="2971800" indent="-228600" defTabSz="612775" eaLnBrk="0" fontAlgn="base" hangingPunct="0">
+              <a:spcBef>
+                <a:spcPct val="0"/>
+              </a:spcBef>
+              <a:spcAft>
+                <a:spcPct val="0"/>
+              </a:spcAft>
+              <a:defRPr sz="2400">
+                <a:solidFill>
+                  <a:schemeClr val="tx1"/>
+                </a:solidFill>
+                <a:latin typeface="Times New Roman" pitchFamily="18" charset="0"/>
+              </a:defRPr>
+            </a:lvl7pPr>
+            <a:lvl8pPr marL="3429000" indent="-228600" defTabSz="612775" eaLnBrk="0" fontAlgn="base" hangingPunct="0">
+              <a:spcBef>
+                <a:spcPct val="0"/>
+              </a:spcBef>
+              <a:spcAft>
+                <a:spcPct val="0"/>
+              </a:spcAft>
+              <a:defRPr sz="2400">
+                <a:solidFill>
+                  <a:schemeClr val="tx1"/>
+                </a:solidFill>
+                <a:latin typeface="Times New Roman" pitchFamily="18" charset="0"/>
+              </a:defRPr>
+            </a:lvl8pPr>
+            <a:lvl9pPr marL="3886200" indent="-228600" defTabSz="612775" eaLnBrk="0" fontAlgn="base" hangingPunct="0">
+              <a:spcBef>
+                <a:spcPct val="0"/>
+              </a:spcBef>
+              <a:spcAft>
+                <a:spcPct val="0"/>
+              </a:spcAft>
+              <a:defRPr sz="2400">
+                <a:solidFill>
+                  <a:schemeClr val="tx1"/>
+                </a:solidFill>
+                <a:latin typeface="Times New Roman" pitchFamily="18" charset="0"/>
+              </a:defRPr>
+            </a:lvl9pPr>
+          </a:lstStyle>
+          <a:p>
+            <a:pPr marL="0" indent="0" algn="just">
+              <a:lnSpc>
+                <a:spcPct val="120000"/>
+              </a:lnSpc>
+            </a:pPr>
+            <a:r>
+              <a:rPr lang="en-GB" altLang="ja-JP" sz="3600" dirty="0">
+                <a:solidFill>
+                  <a:schemeClr val="tx1">
+                    <a:lumMod val="75000"/>
+                    <a:lumOff val="25000"/>
+                  </a:schemeClr>
+                </a:solidFill>
+                <a:latin typeface="+mn-lt"/>
+                <a:ea typeface="ＭＳ Ｐゴシック" charset="-128"/>
+              </a:rPr>
+              <a:t>In STEP, fusion-born </a:t>
+            </a:r>
+            <a:r>
+              <a:rPr lang="ja-JP" altLang="en-GB" sz="3600" dirty="0">
+                <a:solidFill>
+                  <a:schemeClr val="tx1">
+                    <a:lumMod val="75000"/>
+                    <a:lumOff val="25000"/>
+                  </a:schemeClr>
+                </a:solidFill>
+                <a:latin typeface="+mn-lt"/>
+                <a:ea typeface="ＭＳ Ｐゴシック" charset="-128"/>
+              </a:rPr>
+              <a:t>𝛼</a:t>
+            </a:r>
+            <a:r>
+              <a:rPr lang="en-GB" altLang="ja-JP" sz="3600" dirty="0">
+                <a:solidFill>
+                  <a:schemeClr val="tx1">
+                    <a:lumMod val="75000"/>
+                    <a:lumOff val="25000"/>
+                  </a:schemeClr>
+                </a:solidFill>
+                <a:latin typeface="+mn-lt"/>
+                <a:ea typeface="ＭＳ Ｐゴシック" charset="-128"/>
+              </a:rPr>
+              <a:t>-particles are the primary fast ion species, possessing an initial energy of 3.5 MeV—significantly higher than the background plasma, which has a temperature around 10 keV. Owing to their comparatively large Larmor radius, the confinement of these </a:t>
+            </a:r>
+            <a:r>
+              <a:rPr lang="ja-JP" altLang="en-GB" sz="3600" dirty="0">
+                <a:solidFill>
+                  <a:schemeClr val="tx1">
+                    <a:lumMod val="75000"/>
+                    <a:lumOff val="25000"/>
+                  </a:schemeClr>
+                </a:solidFill>
+                <a:latin typeface="+mn-lt"/>
+                <a:ea typeface="ＭＳ Ｐゴシック" charset="-128"/>
+              </a:rPr>
+              <a:t>𝛼</a:t>
+            </a:r>
+            <a:r>
+              <a:rPr lang="en-GB" altLang="ja-JP" sz="3600" dirty="0">
+                <a:solidFill>
+                  <a:schemeClr val="tx1">
+                    <a:lumMod val="75000"/>
+                    <a:lumOff val="25000"/>
+                  </a:schemeClr>
+                </a:solidFill>
+                <a:latin typeface="+mn-lt"/>
+                <a:ea typeface="ＭＳ Ｐゴシック" charset="-128"/>
+              </a:rPr>
+              <a:t>-particles becomes notably vulnerable to 3D perturbations in the background magnetic field. This study examines the 3D fields from the ripple effect produced by the TF coils and the field generated by the ELM mitigation coils (refer to Fig. 1). Our analysis reveals that the ripple field's impact on confinement is minimal unless the TF coil position is altered. However, the field from the ELM mitigation coils substantially affects confinement, with variations reaching up to a factor of 10 when these coils are rotated relative to one another.</a:t>
+            </a:r>
+            <a:endParaRPr lang="en-US" altLang="ja-JP" sz="3600" dirty="0">
+              <a:solidFill>
+                <a:schemeClr val="tx1">
+                  <a:lumMod val="75000"/>
+                  <a:lumOff val="25000"/>
+                </a:schemeClr>
+              </a:solidFill>
+              <a:latin typeface="+mn-lt"/>
+              <a:ea typeface="ＭＳ Ｐゴシック" charset="-128"/>
+            </a:endParaRPr>
+          </a:p>
+        </p:txBody>
+      </p:sp>
+    </p:spTree>
+    <p:extLst>
+      <p:ext uri="{BB962C8B-B14F-4D97-AF65-F5344CB8AC3E}">
+        <p14:creationId xmlns:p14="http://schemas.microsoft.com/office/powerpoint/2010/main" val="3059423628"/>
+      </p:ext>
+    </p:extLst>
+  </p:cSld>
+  <p:clrMapOvr>
+    <a:masterClrMapping/>
+  </p:clrMapOvr>
+</p:sld>
+</file>
+
+<file path=ppt/slides/slide3.xml><?xml version="1.0" encoding="utf-8"?>
+<p:sld xmlns:a="http://schemas.openxmlformats.org/drawingml/2006/main" xmlns:r="http://schemas.openxmlformats.org/officeDocument/2006/relationships" xmlns:p="http://schemas.openxmlformats.org/presentationml/2006/main">
+  <p:cSld>
+    <p:bg>
+      <p:bgPr>
+        <a:solidFill>
+          <a:srgbClr val="DAE3F3"/>
+        </a:solidFill>
+        <a:effectLst/>
+      </p:bgPr>
+    </p:bg>
+    <p:spTree>
+      <p:nvGrpSpPr>
+        <p:cNvPr id="1" name=""/>
+        <p:cNvGrpSpPr/>
+        <p:nvPr/>
+      </p:nvGrpSpPr>
+      <p:grpSpPr>
+        <a:xfrm>
+          <a:off x="0" y="0"/>
+          <a:ext cx="0" cy="0"/>
+          <a:chOff x="0" y="0"/>
+          <a:chExt cx="0" cy="0"/>
+        </a:xfrm>
+      </p:grpSpPr>
+      <p:sp>
+        <p:nvSpPr>
+          <p:cNvPr id="6" name="TextBox 5"/>
+          <p:cNvSpPr txBox="1"/>
+          <p:nvPr/>
+        </p:nvSpPr>
+        <p:spPr>
+          <a:xfrm>
+            <a:off x="-1" y="-68002"/>
+            <a:ext cx="30275213" cy="5616922"/>
+          </a:xfrm>
+          <a:prstGeom prst="rect">
+            <a:avLst/>
+          </a:prstGeom>
+          <a:solidFill>
+            <a:schemeClr val="tx2"/>
+          </a:solidFill>
+        </p:spPr>
+        <p:txBody>
+          <a:bodyPr wrap="square" rtlCol="0">
+            <a:spAutoFit/>
+          </a:bodyPr>
+          <a:lstStyle/>
+          <a:p>
+            <a:pPr algn="ctr">
+              <a:lnSpc>
+                <a:spcPct val="150000"/>
+              </a:lnSpc>
+            </a:pPr>
+            <a:r>
+              <a:rPr lang="en-US" sz="9600" b="1" dirty="0">
+                <a:solidFill>
+                  <a:schemeClr val="bg1"/>
+                </a:solidFill>
+              </a:rPr>
+              <a:t>Title of Your Paper</a:t>
+            </a:r>
+            <a:endParaRPr lang="en-US" sz="23900" b="1" dirty="0">
+              <a:solidFill>
+                <a:schemeClr val="bg1"/>
+              </a:solidFill>
+            </a:endParaRPr>
+          </a:p>
+          <a:p>
+            <a:pPr algn="ctr">
+              <a:lnSpc>
+                <a:spcPts val="6000"/>
+              </a:lnSpc>
+            </a:pPr>
+            <a:r>
+              <a:rPr lang="en-US" sz="6000" dirty="0">
+                <a:solidFill>
+                  <a:schemeClr val="bg1"/>
+                </a:solidFill>
+              </a:rPr>
               <a:t>Name of Author(s)</a:t>
             </a:r>
           </a:p>
           <a:p>
-            <a:pPr algn="ctr"/>
-            <a:r>
-              <a:rPr lang="en-US" sz="6000" kern="0" spc="-100" dirty="0">
-                <a:solidFill>
-                  <a:schemeClr val="bg1"/>
-                </a:solidFill>
-              </a:rPr>
-              <a:t>Department Name and/or Institution </a:t>
-            </a:r>
+            <a:pPr algn="ctr">
+              <a:lnSpc>
+                <a:spcPts val="6000"/>
+              </a:lnSpc>
+            </a:pPr>
             <a:r>
               <a:rPr lang="en-US" sz="6000" dirty="0">
                 <a:solidFill>
                   <a:schemeClr val="bg1"/>
                 </a:solidFill>
               </a:rPr>
-              <a:t>Name</a:t>
+              <a:t>Name of Author(s)</a:t>
+            </a:r>
+          </a:p>
+          <a:p>
+            <a:pPr algn="ctr">
+              <a:lnSpc>
+                <a:spcPts val="6914"/>
+              </a:lnSpc>
+            </a:pPr>
+            <a:r>
+              <a:rPr lang="en-US" sz="6000" dirty="0">
+                <a:solidFill>
+                  <a:schemeClr val="bg1"/>
+                </a:solidFill>
+              </a:rPr>
+              <a:t>Department Name and/or Institution Name</a:t>
             </a:r>
           </a:p>
           <a:p>
@@ -5415,13 +12886,7 @@
           <p:cNvGraphicFramePr>
             <a:graphicFrameLocks noGrp="1"/>
           </p:cNvGraphicFramePr>
-          <p:nvPr>
-            <p:extLst>
-              <p:ext uri="{D42A27DB-BD31-4B8C-83A1-F6EECF244321}">
-                <p14:modId xmlns:p14="http://schemas.microsoft.com/office/powerpoint/2010/main" val="982822290"/>
-              </p:ext>
-            </p:extLst>
-          </p:nvPr>
+          <p:nvPr/>
         </p:nvGraphicFramePr>
         <p:xfrm>
           <a:off x="15674554" y="19841102"/>
@@ -6824,7 +14289,7 @@
     </p:spTree>
     <p:extLst>
       <p:ext uri="{BB962C8B-B14F-4D97-AF65-F5344CB8AC3E}">
-        <p14:creationId xmlns:p14="http://schemas.microsoft.com/office/powerpoint/2010/main" val="3331785364"/>
+        <p14:creationId xmlns:p14="http://schemas.microsoft.com/office/powerpoint/2010/main" val="4005206466"/>
       </p:ext>
     </p:extLst>
   </p:cSld>

--- a/IAEA_poster.pptx
+++ b/IAEA_poster.pptx
@@ -3371,7 +3371,7 @@
                             <a:lumOff val="25000"/>
                           </a:schemeClr>
                         </a:solidFill>
-                        <a:latin typeface="Cambria Math" panose="02040503050406030204" pitchFamily="18" charset="0"/>
+                        <a:latin typeface="+mn-lt"/>
                         <a:ea typeface="Cambria Math" panose="02040503050406030204" pitchFamily="18" charset="0"/>
                       </a:rPr>
                       <m:t>⟹</m:t>
@@ -3489,7 +3489,7 @@
                             <a:lumOff val="25000"/>
                           </a:schemeClr>
                         </a:solidFill>
-                        <a:latin typeface="Cambria Math" panose="02040503050406030204" pitchFamily="18" charset="0"/>
+                        <a:latin typeface="+mn-lt"/>
                         <a:ea typeface="ＭＳ Ｐゴシック" charset="-128"/>
                       </a:rPr>
                       <m:t>𝑩</m:t>
@@ -3597,7 +3597,7 @@
                             <a:lumOff val="25000"/>
                           </a:schemeClr>
                         </a:solidFill>
-                        <a:latin typeface="Cambria Math" panose="02040503050406030204" pitchFamily="18" charset="0"/>
+                        <a:latin typeface="+mn-lt"/>
                         <a:ea typeface="ＭＳ Ｐゴシック" charset="-128"/>
                       </a:rPr>
                       <m:t>𝛼</m:t>
@@ -3732,7 +3732,7 @@
                 <a:avLst/>
               </a:prstGeom>
               <a:blipFill>
-                <a:blip r:embed="rId2"/>
+                <a:blip r:embed="rId3"/>
                 <a:stretch>
                   <a:fillRect l="-212" r="-212"/>
                 </a:stretch>
@@ -4288,7 +4288,7 @@
                                 <a:lumOff val="25000"/>
                               </a:schemeClr>
                             </a:solidFill>
-                            <a:latin typeface="Cambria Math" panose="02040503050406030204" pitchFamily="18" charset="0"/>
+                            <a:latin typeface="+mn-lt"/>
                             <a:ea typeface="ＭＳ Ｐゴシック" charset="-128"/>
                           </a:rPr>
                         </m:ctrlPr>
@@ -4302,7 +4302,7 @@
                                 <a:lumOff val="25000"/>
                               </a:schemeClr>
                             </a:solidFill>
-                            <a:latin typeface="Cambria Math" panose="02040503050406030204" pitchFamily="18" charset="0"/>
+                            <a:latin typeface="+mn-lt"/>
                             <a:ea typeface="ＭＳ Ｐゴシック" charset="-128"/>
                           </a:rPr>
                           <m:t>𝛿</m:t>
@@ -4315,7 +4315,7 @@
                                 <a:lumOff val="25000"/>
                               </a:schemeClr>
                             </a:solidFill>
-                            <a:latin typeface="Cambria Math" panose="02040503050406030204" pitchFamily="18" charset="0"/>
+                            <a:latin typeface="+mn-lt"/>
                             <a:ea typeface="ＭＳ Ｐゴシック" charset="-128"/>
                           </a:rPr>
                           <m:t>𝐵</m:t>
@@ -4330,7 +4330,7 @@
                                 <a:lumOff val="25000"/>
                               </a:schemeClr>
                             </a:solidFill>
-                            <a:latin typeface="Cambria Math" panose="02040503050406030204" pitchFamily="18" charset="0"/>
+                            <a:latin typeface="+mn-lt"/>
                             <a:ea typeface="ＭＳ Ｐゴシック" charset="-128"/>
                           </a:rPr>
                           <m:t>𝑅</m:t>
@@ -4345,7 +4345,7 @@
                                 <a:lumOff val="25000"/>
                               </a:schemeClr>
                             </a:solidFill>
-                            <a:latin typeface="Cambria Math" panose="02040503050406030204" pitchFamily="18" charset="0"/>
+                            <a:latin typeface="+mn-lt"/>
                             <a:ea typeface="ＭＳ Ｐゴシック" charset="-128"/>
                           </a:rPr>
                           <m:t>𝑟𝑖𝑝𝑝𝑙𝑒</m:t>
@@ -4360,7 +4360,7 @@
                             <a:lumOff val="25000"/>
                           </a:schemeClr>
                         </a:solidFill>
-                        <a:latin typeface="Cambria Math" panose="02040503050406030204" pitchFamily="18" charset="0"/>
+                        <a:latin typeface="+mn-lt"/>
                         <a:ea typeface="ＭＳ Ｐゴシック" charset="-128"/>
                       </a:rPr>
                       <m:t>=</m:t>
@@ -4375,7 +4375,7 @@
                                 <a:lumOff val="25000"/>
                               </a:schemeClr>
                             </a:solidFill>
-                            <a:latin typeface="Cambria Math" panose="02040503050406030204" pitchFamily="18" charset="0"/>
+                            <a:latin typeface="+mn-lt"/>
                             <a:ea typeface="ＭＳ Ｐゴシック" charset="-128"/>
                           </a:rPr>
                         </m:ctrlPr>
@@ -4391,7 +4391,7 @@
                                     <a:lumOff val="25000"/>
                                   </a:schemeClr>
                                 </a:solidFill>
-                                <a:latin typeface="Cambria Math" panose="02040503050406030204" pitchFamily="18" charset="0"/>
+                                <a:latin typeface="+mn-lt"/>
                                 <a:ea typeface="ＭＳ Ｐゴシック" charset="-128"/>
                               </a:rPr>
                             </m:ctrlPr>
@@ -4405,7 +4405,7 @@
                                     <a:lumOff val="25000"/>
                                   </a:schemeClr>
                                 </a:solidFill>
-                                <a:latin typeface="Cambria Math" panose="02040503050406030204" pitchFamily="18" charset="0"/>
+                                <a:latin typeface="+mn-lt"/>
                                 <a:ea typeface="ＭＳ Ｐゴシック" charset="-128"/>
                               </a:rPr>
                               <m:t>𝐵</m:t>
@@ -4420,7 +4420,7 @@
                                     <a:lumOff val="25000"/>
                                   </a:schemeClr>
                                 </a:solidFill>
-                                <a:latin typeface="Cambria Math" panose="02040503050406030204" pitchFamily="18" charset="0"/>
+                                <a:latin typeface="+mn-lt"/>
                                 <a:ea typeface="ＭＳ Ｐゴシック" charset="-128"/>
                               </a:rPr>
                               <m:t>0</m:t>
@@ -4437,7 +4437,7 @@
                                     <a:lumOff val="25000"/>
                                   </a:schemeClr>
                                 </a:solidFill>
-                                <a:latin typeface="Cambria Math" panose="02040503050406030204" pitchFamily="18" charset="0"/>
+                                <a:latin typeface="+mn-lt"/>
                                 <a:ea typeface="ＭＳ Ｐゴシック" charset="-128"/>
                               </a:rPr>
                             </m:ctrlPr>
@@ -4451,7 +4451,7 @@
                                     <a:lumOff val="25000"/>
                                   </a:schemeClr>
                                 </a:solidFill>
-                                <a:latin typeface="Cambria Math" panose="02040503050406030204" pitchFamily="18" charset="0"/>
+                                <a:latin typeface="+mn-lt"/>
                                 <a:ea typeface="ＭＳ Ｐゴシック" charset="-128"/>
                               </a:rPr>
                               <m:t>𝑅</m:t>
@@ -4466,7 +4466,7 @@
                                     <a:lumOff val="25000"/>
                                   </a:schemeClr>
                                 </a:solidFill>
-                                <a:latin typeface="Cambria Math" panose="02040503050406030204" pitchFamily="18" charset="0"/>
+                                <a:latin typeface="+mn-lt"/>
                                 <a:ea typeface="ＭＳ Ｐゴシック" charset="-128"/>
                               </a:rPr>
                               <m:t>0</m:t>
@@ -4483,7 +4483,7 @@
                                 <a:lumOff val="25000"/>
                               </a:schemeClr>
                             </a:solidFill>
-                            <a:latin typeface="Cambria Math" panose="02040503050406030204" pitchFamily="18" charset="0"/>
+                            <a:latin typeface="+mn-lt"/>
                             <a:ea typeface="ＭＳ Ｐゴシック" charset="-128"/>
                           </a:rPr>
                           <m:t>𝑅</m:t>
@@ -4500,7 +4500,7 @@
                                 <a:lumOff val="25000"/>
                               </a:schemeClr>
                             </a:solidFill>
-                            <a:latin typeface="Cambria Math" panose="02040503050406030204" pitchFamily="18" charset="0"/>
+                            <a:latin typeface="+mn-lt"/>
                             <a:ea typeface="ＭＳ Ｐゴシック" charset="-128"/>
                           </a:rPr>
                         </m:ctrlPr>
@@ -4516,7 +4516,7 @@
                                     <a:lumOff val="25000"/>
                                   </a:schemeClr>
                                 </a:solidFill>
-                                <a:latin typeface="Cambria Math" panose="02040503050406030204" pitchFamily="18" charset="0"/>
+                                <a:latin typeface="+mn-lt"/>
                                 <a:ea typeface="ＭＳ Ｐゴシック" charset="-128"/>
                               </a:rPr>
                             </m:ctrlPr>
@@ -4532,7 +4532,7 @@
                                         <a:lumOff val="25000"/>
                                       </a:schemeClr>
                                     </a:solidFill>
-                                    <a:latin typeface="Cambria Math" panose="02040503050406030204" pitchFamily="18" charset="0"/>
+                                    <a:latin typeface="+mn-lt"/>
                                     <a:ea typeface="ＭＳ Ｐゴシック" charset="-128"/>
                                   </a:rPr>
                                 </m:ctrlPr>
@@ -4546,7 +4546,7 @@
                                         <a:lumOff val="25000"/>
                                       </a:schemeClr>
                                     </a:solidFill>
-                                    <a:latin typeface="Cambria Math" panose="02040503050406030204" pitchFamily="18" charset="0"/>
+                                    <a:latin typeface="+mn-lt"/>
                                     <a:ea typeface="ＭＳ Ｐゴシック" charset="-128"/>
                                   </a:rPr>
                                   <m:t>𝑅</m:t>
@@ -4563,7 +4563,7 @@
                                             <a:lumOff val="25000"/>
                                           </a:schemeClr>
                                         </a:solidFill>
-                                        <a:latin typeface="Cambria Math" panose="02040503050406030204" pitchFamily="18" charset="0"/>
+                                        <a:latin typeface="+mn-lt"/>
                                         <a:ea typeface="ＭＳ Ｐゴシック" charset="-128"/>
                                       </a:rPr>
                                     </m:ctrlPr>
@@ -4577,7 +4577,7 @@
                                             <a:lumOff val="25000"/>
                                           </a:schemeClr>
                                         </a:solidFill>
-                                        <a:latin typeface="Cambria Math" panose="02040503050406030204" pitchFamily="18" charset="0"/>
+                                        <a:latin typeface="+mn-lt"/>
                                         <a:ea typeface="ＭＳ Ｐゴシック" charset="-128"/>
                                       </a:rPr>
                                       <m:t>𝑅</m:t>
@@ -4592,7 +4592,7 @@
                                             <a:lumOff val="25000"/>
                                           </a:schemeClr>
                                         </a:solidFill>
-                                        <a:latin typeface="Cambria Math" panose="02040503050406030204" pitchFamily="18" charset="0"/>
+                                        <a:latin typeface="+mn-lt"/>
                                         <a:ea typeface="ＭＳ Ｐゴシック" charset="-128"/>
                                       </a:rPr>
                                       <m:t>𝑐𝑜𝑖𝑙</m:t>
@@ -4615,7 +4615,7 @@
                                     <a:lumOff val="25000"/>
                                   </a:schemeClr>
                                 </a:solidFill>
-                                <a:latin typeface="Cambria Math" panose="02040503050406030204" pitchFamily="18" charset="0"/>
+                                <a:latin typeface="+mn-lt"/>
                                 <a:ea typeface="ＭＳ Ｐゴシック" charset="-128"/>
                               </a:rPr>
                             </m:ctrlPr>
@@ -4629,7 +4629,7 @@
                                     <a:lumOff val="25000"/>
                                   </a:schemeClr>
                                 </a:solidFill>
-                                <a:latin typeface="Cambria Math" panose="02040503050406030204" pitchFamily="18" charset="0"/>
+                                <a:latin typeface="+mn-lt"/>
                                 <a:ea typeface="ＭＳ Ｐゴシック" charset="-128"/>
                               </a:rPr>
                               <m:t>𝑁</m:t>
@@ -4644,7 +4644,7 @@
                                     <a:lumOff val="25000"/>
                                   </a:schemeClr>
                                 </a:solidFill>
-                                <a:latin typeface="Cambria Math" panose="02040503050406030204" pitchFamily="18" charset="0"/>
+                                <a:latin typeface="+mn-lt"/>
                                 <a:ea typeface="ＭＳ Ｐゴシック" charset="-128"/>
                               </a:rPr>
                               <m:t>𝑐𝑜𝑖𝑙</m:t>
@@ -4663,7 +4663,7 @@
                                 <a:lumOff val="25000"/>
                               </a:schemeClr>
                             </a:solidFill>
-                            <a:latin typeface="Cambria Math" panose="02040503050406030204" pitchFamily="18" charset="0"/>
+                            <a:latin typeface="+mn-lt"/>
                             <a:ea typeface="ＭＳ Ｐゴシック" charset="-128"/>
                           </a:rPr>
                         </m:ctrlPr>
@@ -4680,7 +4680,7 @@
                                 <a:lumOff val="25000"/>
                               </a:schemeClr>
                             </a:solidFill>
-                            <a:latin typeface="Cambria Math" panose="02040503050406030204" pitchFamily="18" charset="0"/>
+                            <a:latin typeface="+mn-lt"/>
                             <a:ea typeface="ＭＳ Ｐゴシック" charset="-128"/>
                           </a:rPr>
                           <m:t>sin</m:t>
@@ -4697,7 +4697,7 @@
                                     <a:lumOff val="25000"/>
                                   </a:schemeClr>
                                 </a:solidFill>
-                                <a:latin typeface="Cambria Math" panose="02040503050406030204" pitchFamily="18" charset="0"/>
+                                <a:latin typeface="+mn-lt"/>
                                 <a:ea typeface="ＭＳ Ｐゴシック" charset="-128"/>
                               </a:rPr>
                             </m:ctrlPr>
@@ -4713,7 +4713,7 @@
                                         <a:lumOff val="25000"/>
                                       </a:schemeClr>
                                     </a:solidFill>
-                                    <a:latin typeface="Cambria Math" panose="02040503050406030204" pitchFamily="18" charset="0"/>
+                                    <a:latin typeface="+mn-lt"/>
                                     <a:ea typeface="ＭＳ Ｐゴシック" charset="-128"/>
                                   </a:rPr>
                                 </m:ctrlPr>
@@ -4727,7 +4727,7 @@
                                         <a:lumOff val="25000"/>
                                       </a:schemeClr>
                                     </a:solidFill>
-                                    <a:latin typeface="Cambria Math" panose="02040503050406030204" pitchFamily="18" charset="0"/>
+                                    <a:latin typeface="+mn-lt"/>
                                     <a:ea typeface="ＭＳ Ｐゴシック" charset="-128"/>
                                   </a:rPr>
                                   <m:t>𝑁</m:t>
@@ -4742,7 +4742,7 @@
                                         <a:lumOff val="25000"/>
                                       </a:schemeClr>
                                     </a:solidFill>
-                                    <a:latin typeface="Cambria Math" panose="02040503050406030204" pitchFamily="18" charset="0"/>
+                                    <a:latin typeface="+mn-lt"/>
                                     <a:ea typeface="ＭＳ Ｐゴシック" charset="-128"/>
                                   </a:rPr>
                                   <m:t>𝑐𝑜𝑖𝑙</m:t>
@@ -4757,7 +4757,7 @@
                                     <a:lumOff val="25000"/>
                                   </a:schemeClr>
                                 </a:solidFill>
-                                <a:latin typeface="Cambria Math" panose="02040503050406030204" pitchFamily="18" charset="0"/>
+                                <a:latin typeface="+mn-lt"/>
                                 <a:ea typeface="ＭＳ Ｐゴシック" charset="-128"/>
                               </a:rPr>
                               <m:t>𝜙</m:t>
@@ -4774,7 +4774,7 @@
                             <a:lumOff val="25000"/>
                           </a:schemeClr>
                         </a:solidFill>
-                        <a:latin typeface="Cambria Math" panose="02040503050406030204" pitchFamily="18" charset="0"/>
+                        <a:latin typeface="+mn-lt"/>
                         <a:ea typeface="ＭＳ Ｐゴシック" charset="-128"/>
                       </a:rPr>
                       <m:t>,</m:t>
@@ -4787,7 +4787,7 @@
                             <a:lumOff val="25000"/>
                           </a:schemeClr>
                         </a:solidFill>
-                        <a:latin typeface="Cambria Math" panose="02040503050406030204" pitchFamily="18" charset="0"/>
+                        <a:latin typeface="+mn-lt"/>
                         <a:ea typeface="ＭＳ Ｐゴシック" charset="-128"/>
                       </a:rPr>
                       <m:t> </m:t>
@@ -4801,7 +4801,7 @@
                       <a:lumOff val="25000"/>
                     </a:schemeClr>
                   </a:solidFill>
-                  <a:latin typeface="Cambria Math" panose="02040503050406030204" pitchFamily="18" charset="0"/>
+                  <a:latin typeface="+mn-lt"/>
                   <a:ea typeface="ＭＳ Ｐゴシック" charset="-128"/>
                 </a:endParaRPr>
               </a:p>
@@ -4825,7 +4825,7 @@
                                 <a:lumOff val="25000"/>
                               </a:schemeClr>
                             </a:solidFill>
-                            <a:latin typeface="Cambria Math" panose="02040503050406030204" pitchFamily="18" charset="0"/>
+                            <a:latin typeface="+mn-lt"/>
                             <a:ea typeface="ＭＳ Ｐゴシック" charset="-128"/>
                           </a:rPr>
                         </m:ctrlPr>
@@ -4839,7 +4839,7 @@
                                 <a:lumOff val="25000"/>
                               </a:schemeClr>
                             </a:solidFill>
-                            <a:latin typeface="Cambria Math" panose="02040503050406030204" pitchFamily="18" charset="0"/>
+                            <a:latin typeface="+mn-lt"/>
                             <a:ea typeface="ＭＳ Ｐゴシック" charset="-128"/>
                           </a:rPr>
                           <m:t> </m:t>
@@ -4852,7 +4852,7 @@
                                 <a:lumOff val="25000"/>
                               </a:schemeClr>
                             </a:solidFill>
-                            <a:latin typeface="Cambria Math" panose="02040503050406030204" pitchFamily="18" charset="0"/>
+                            <a:latin typeface="+mn-lt"/>
                             <a:ea typeface="ＭＳ Ｐゴシック" charset="-128"/>
                           </a:rPr>
                           <m:t>𝛿</m:t>
@@ -4865,7 +4865,7 @@
                                 <a:lumOff val="25000"/>
                               </a:schemeClr>
                             </a:solidFill>
-                            <a:latin typeface="Cambria Math" panose="02040503050406030204" pitchFamily="18" charset="0"/>
+                            <a:latin typeface="+mn-lt"/>
                             <a:ea typeface="ＭＳ Ｐゴシック" charset="-128"/>
                           </a:rPr>
                           <m:t>𝐵</m:t>
@@ -4880,7 +4880,7 @@
                                 <a:lumOff val="25000"/>
                               </a:schemeClr>
                             </a:solidFill>
-                            <a:latin typeface="Cambria Math" panose="02040503050406030204" pitchFamily="18" charset="0"/>
+                            <a:latin typeface="+mn-lt"/>
                             <a:ea typeface="ＭＳ Ｐゴシック" charset="-128"/>
                           </a:rPr>
                           <m:t>𝜙</m:t>
@@ -4895,7 +4895,7 @@
                                 <a:lumOff val="25000"/>
                               </a:schemeClr>
                             </a:solidFill>
-                            <a:latin typeface="Cambria Math" panose="02040503050406030204" pitchFamily="18" charset="0"/>
+                            <a:latin typeface="+mn-lt"/>
                             <a:ea typeface="ＭＳ Ｐゴシック" charset="-128"/>
                           </a:rPr>
                           <m:t>𝑟𝑖𝑝𝑝𝑙𝑒</m:t>
@@ -4910,7 +4910,7 @@
                             <a:lumOff val="25000"/>
                           </a:schemeClr>
                         </a:solidFill>
-                        <a:latin typeface="Cambria Math" panose="02040503050406030204" pitchFamily="18" charset="0"/>
+                        <a:latin typeface="+mn-lt"/>
                         <a:ea typeface="ＭＳ Ｐゴシック" charset="-128"/>
                       </a:rPr>
                       <m:t>=</m:t>
@@ -4925,7 +4925,7 @@
                                 <a:lumOff val="25000"/>
                               </a:schemeClr>
                             </a:solidFill>
-                            <a:latin typeface="Cambria Math" panose="02040503050406030204" pitchFamily="18" charset="0"/>
+                            <a:latin typeface="+mn-lt"/>
                             <a:ea typeface="ＭＳ Ｐゴシック" charset="-128"/>
                           </a:rPr>
                         </m:ctrlPr>
@@ -4941,7 +4941,7 @@
                                     <a:lumOff val="25000"/>
                                   </a:schemeClr>
                                 </a:solidFill>
-                                <a:latin typeface="Cambria Math" panose="02040503050406030204" pitchFamily="18" charset="0"/>
+                                <a:latin typeface="+mn-lt"/>
                                 <a:ea typeface="ＭＳ Ｐゴシック" charset="-128"/>
                               </a:rPr>
                             </m:ctrlPr>
@@ -4955,7 +4955,7 @@
                                     <a:lumOff val="25000"/>
                                   </a:schemeClr>
                                 </a:solidFill>
-                                <a:latin typeface="Cambria Math" panose="02040503050406030204" pitchFamily="18" charset="0"/>
+                                <a:latin typeface="+mn-lt"/>
                                 <a:ea typeface="ＭＳ Ｐゴシック" charset="-128"/>
                               </a:rPr>
                               <m:t>𝐵</m:t>
@@ -4970,7 +4970,7 @@
                                     <a:lumOff val="25000"/>
                                   </a:schemeClr>
                                 </a:solidFill>
-                                <a:latin typeface="Cambria Math" panose="02040503050406030204" pitchFamily="18" charset="0"/>
+                                <a:latin typeface="+mn-lt"/>
                                 <a:ea typeface="ＭＳ Ｐゴシック" charset="-128"/>
                               </a:rPr>
                               <m:t>0</m:t>
@@ -4987,7 +4987,7 @@
                                     <a:lumOff val="25000"/>
                                   </a:schemeClr>
                                 </a:solidFill>
-                                <a:latin typeface="Cambria Math" panose="02040503050406030204" pitchFamily="18" charset="0"/>
+                                <a:latin typeface="+mn-lt"/>
                                 <a:ea typeface="ＭＳ Ｐゴシック" charset="-128"/>
                               </a:rPr>
                             </m:ctrlPr>
@@ -5001,7 +5001,7 @@
                                     <a:lumOff val="25000"/>
                                   </a:schemeClr>
                                 </a:solidFill>
-                                <a:latin typeface="Cambria Math" panose="02040503050406030204" pitchFamily="18" charset="0"/>
+                                <a:latin typeface="+mn-lt"/>
                                 <a:ea typeface="ＭＳ Ｐゴシック" charset="-128"/>
                               </a:rPr>
                               <m:t>𝑅</m:t>
@@ -5016,7 +5016,7 @@
                                     <a:lumOff val="25000"/>
                                   </a:schemeClr>
                                 </a:solidFill>
-                                <a:latin typeface="Cambria Math" panose="02040503050406030204" pitchFamily="18" charset="0"/>
+                                <a:latin typeface="+mn-lt"/>
                                 <a:ea typeface="ＭＳ Ｐゴシック" charset="-128"/>
                               </a:rPr>
                               <m:t>0</m:t>
@@ -5033,7 +5033,7 @@
                                 <a:lumOff val="25000"/>
                               </a:schemeClr>
                             </a:solidFill>
-                            <a:latin typeface="Cambria Math" panose="02040503050406030204" pitchFamily="18" charset="0"/>
+                            <a:latin typeface="+mn-lt"/>
                             <a:ea typeface="ＭＳ Ｐゴシック" charset="-128"/>
                           </a:rPr>
                           <m:t>𝑅</m:t>
@@ -5050,7 +5050,7 @@
                                 <a:lumOff val="25000"/>
                               </a:schemeClr>
                             </a:solidFill>
-                            <a:latin typeface="Cambria Math" panose="02040503050406030204" pitchFamily="18" charset="0"/>
+                            <a:latin typeface="+mn-lt"/>
                             <a:ea typeface="ＭＳ Ｐゴシック" charset="-128"/>
                           </a:rPr>
                         </m:ctrlPr>
@@ -5066,7 +5066,7 @@
                                     <a:lumOff val="25000"/>
                                   </a:schemeClr>
                                 </a:solidFill>
-                                <a:latin typeface="Cambria Math" panose="02040503050406030204" pitchFamily="18" charset="0"/>
+                                <a:latin typeface="+mn-lt"/>
                                 <a:ea typeface="ＭＳ Ｐゴシック" charset="-128"/>
                               </a:rPr>
                             </m:ctrlPr>
@@ -5082,7 +5082,7 @@
                                         <a:lumOff val="25000"/>
                                       </a:schemeClr>
                                     </a:solidFill>
-                                    <a:latin typeface="Cambria Math" panose="02040503050406030204" pitchFamily="18" charset="0"/>
+                                    <a:latin typeface="+mn-lt"/>
                                     <a:ea typeface="ＭＳ Ｐゴシック" charset="-128"/>
                                   </a:rPr>
                                 </m:ctrlPr>
@@ -5096,7 +5096,7 @@
                                         <a:lumOff val="25000"/>
                                       </a:schemeClr>
                                     </a:solidFill>
-                                    <a:latin typeface="Cambria Math" panose="02040503050406030204" pitchFamily="18" charset="0"/>
+                                    <a:latin typeface="+mn-lt"/>
                                     <a:ea typeface="ＭＳ Ｐゴシック" charset="-128"/>
                                   </a:rPr>
                                   <m:t>𝑅</m:t>
@@ -5113,7 +5113,7 @@
                                             <a:lumOff val="25000"/>
                                           </a:schemeClr>
                                         </a:solidFill>
-                                        <a:latin typeface="Cambria Math" panose="02040503050406030204" pitchFamily="18" charset="0"/>
+                                        <a:latin typeface="+mn-lt"/>
                                         <a:ea typeface="ＭＳ Ｐゴシック" charset="-128"/>
                                       </a:rPr>
                                     </m:ctrlPr>
@@ -5127,7 +5127,7 @@
                                             <a:lumOff val="25000"/>
                                           </a:schemeClr>
                                         </a:solidFill>
-                                        <a:latin typeface="Cambria Math" panose="02040503050406030204" pitchFamily="18" charset="0"/>
+                                        <a:latin typeface="+mn-lt"/>
                                         <a:ea typeface="ＭＳ Ｐゴシック" charset="-128"/>
                                       </a:rPr>
                                       <m:t>𝑅</m:t>
@@ -5142,7 +5142,7 @@
                                             <a:lumOff val="25000"/>
                                           </a:schemeClr>
                                         </a:solidFill>
-                                        <a:latin typeface="Cambria Math" panose="02040503050406030204" pitchFamily="18" charset="0"/>
+                                        <a:latin typeface="+mn-lt"/>
                                         <a:ea typeface="ＭＳ Ｐゴシック" charset="-128"/>
                                       </a:rPr>
                                       <m:t>𝑐𝑜𝑖𝑙</m:t>
@@ -5165,7 +5165,7 @@
                                     <a:lumOff val="25000"/>
                                   </a:schemeClr>
                                 </a:solidFill>
-                                <a:latin typeface="Cambria Math" panose="02040503050406030204" pitchFamily="18" charset="0"/>
+                                <a:latin typeface="+mn-lt"/>
                                 <a:ea typeface="ＭＳ Ｐゴシック" charset="-128"/>
                               </a:rPr>
                             </m:ctrlPr>
@@ -5179,7 +5179,7 @@
                                     <a:lumOff val="25000"/>
                                   </a:schemeClr>
                                 </a:solidFill>
-                                <a:latin typeface="Cambria Math" panose="02040503050406030204" pitchFamily="18" charset="0"/>
+                                <a:latin typeface="+mn-lt"/>
                                 <a:ea typeface="ＭＳ Ｐゴシック" charset="-128"/>
                               </a:rPr>
                               <m:t>𝑁</m:t>
@@ -5194,7 +5194,7 @@
                                     <a:lumOff val="25000"/>
                                   </a:schemeClr>
                                 </a:solidFill>
-                                <a:latin typeface="Cambria Math" panose="02040503050406030204" pitchFamily="18" charset="0"/>
+                                <a:latin typeface="+mn-lt"/>
                                 <a:ea typeface="ＭＳ Ｐゴシック" charset="-128"/>
                               </a:rPr>
                               <m:t>𝑐𝑜𝑖𝑙</m:t>
@@ -5213,7 +5213,7 @@
                                 <a:lumOff val="25000"/>
                               </a:schemeClr>
                             </a:solidFill>
-                            <a:latin typeface="Cambria Math" panose="02040503050406030204" pitchFamily="18" charset="0"/>
+                            <a:latin typeface="+mn-lt"/>
                             <a:ea typeface="ＭＳ Ｐゴシック" charset="-128"/>
                           </a:rPr>
                         </m:ctrlPr>
@@ -5230,7 +5230,7 @@
                                 <a:lumOff val="25000"/>
                               </a:schemeClr>
                             </a:solidFill>
-                            <a:latin typeface="Cambria Math" panose="02040503050406030204" pitchFamily="18" charset="0"/>
+                            <a:latin typeface="+mn-lt"/>
                             <a:ea typeface="ＭＳ Ｐゴシック" charset="-128"/>
                           </a:rPr>
                           <m:t>cos</m:t>
@@ -5247,7 +5247,7 @@
                                     <a:lumOff val="25000"/>
                                   </a:schemeClr>
                                 </a:solidFill>
-                                <a:latin typeface="Cambria Math" panose="02040503050406030204" pitchFamily="18" charset="0"/>
+                                <a:latin typeface="+mn-lt"/>
                                 <a:ea typeface="ＭＳ Ｐゴシック" charset="-128"/>
                               </a:rPr>
                             </m:ctrlPr>
@@ -5263,7 +5263,7 @@
                                         <a:lumOff val="25000"/>
                                       </a:schemeClr>
                                     </a:solidFill>
-                                    <a:latin typeface="Cambria Math" panose="02040503050406030204" pitchFamily="18" charset="0"/>
+                                    <a:latin typeface="+mn-lt"/>
                                     <a:ea typeface="ＭＳ Ｐゴシック" charset="-128"/>
                                   </a:rPr>
                                 </m:ctrlPr>
@@ -5277,7 +5277,7 @@
                                         <a:lumOff val="25000"/>
                                       </a:schemeClr>
                                     </a:solidFill>
-                                    <a:latin typeface="Cambria Math" panose="02040503050406030204" pitchFamily="18" charset="0"/>
+                                    <a:latin typeface="+mn-lt"/>
                                     <a:ea typeface="ＭＳ Ｐゴシック" charset="-128"/>
                                   </a:rPr>
                                   <m:t>𝑁</m:t>
@@ -5292,7 +5292,7 @@
                                         <a:lumOff val="25000"/>
                                       </a:schemeClr>
                                     </a:solidFill>
-                                    <a:latin typeface="Cambria Math" panose="02040503050406030204" pitchFamily="18" charset="0"/>
+                                    <a:latin typeface="+mn-lt"/>
                                     <a:ea typeface="ＭＳ Ｐゴシック" charset="-128"/>
                                   </a:rPr>
                                   <m:t>𝑐𝑜𝑖𝑙</m:t>
@@ -5307,7 +5307,7 @@
                                     <a:lumOff val="25000"/>
                                   </a:schemeClr>
                                 </a:solidFill>
-                                <a:latin typeface="Cambria Math" panose="02040503050406030204" pitchFamily="18" charset="0"/>
+                                <a:latin typeface="+mn-lt"/>
                                 <a:ea typeface="ＭＳ Ｐゴシック" charset="-128"/>
                               </a:rPr>
                               <m:t>𝜙</m:t>
@@ -5324,7 +5324,7 @@
                             <a:lumOff val="25000"/>
                           </a:schemeClr>
                         </a:solidFill>
-                        <a:latin typeface="Cambria Math" panose="02040503050406030204" pitchFamily="18" charset="0"/>
+                        <a:latin typeface="+mn-lt"/>
                         <a:ea typeface="ＭＳ Ｐゴシック" charset="-128"/>
                       </a:rPr>
                       <m:t>,</m:t>
@@ -5337,7 +5337,7 @@
                             <a:lumOff val="25000"/>
                           </a:schemeClr>
                         </a:solidFill>
-                        <a:latin typeface="Cambria Math" panose="02040503050406030204" pitchFamily="18" charset="0"/>
+                        <a:latin typeface="+mn-lt"/>
                         <a:ea typeface="ＭＳ Ｐゴシック" charset="-128"/>
                       </a:rPr>
                       <m:t> </m:t>
@@ -5351,7 +5351,7 @@
                       <a:lumOff val="25000"/>
                     </a:schemeClr>
                   </a:solidFill>
-                  <a:latin typeface="Cambria Math" panose="02040503050406030204" pitchFamily="18" charset="0"/>
+                  <a:latin typeface="+mn-lt"/>
                   <a:ea typeface="ＭＳ Ｐゴシック" charset="-128"/>
                 </a:endParaRPr>
               </a:p>
@@ -5373,7 +5373,7 @@
                             <a:lumOff val="25000"/>
                           </a:schemeClr>
                         </a:solidFill>
-                        <a:latin typeface="Cambria Math" panose="02040503050406030204" pitchFamily="18" charset="0"/>
+                        <a:latin typeface="+mn-lt"/>
                         <a:ea typeface="ＭＳ Ｐゴシック" charset="-128"/>
                       </a:rPr>
                       <m:t>𝛿</m:t>
@@ -5388,7 +5388,7 @@
                                 <a:lumOff val="25000"/>
                               </a:schemeClr>
                             </a:solidFill>
-                            <a:latin typeface="Cambria Math" panose="02040503050406030204" pitchFamily="18" charset="0"/>
+                            <a:latin typeface="+mn-lt"/>
                             <a:ea typeface="ＭＳ Ｐゴシック" charset="-128"/>
                           </a:rPr>
                         </m:ctrlPr>
@@ -5402,7 +5402,7 @@
                                 <a:lumOff val="25000"/>
                               </a:schemeClr>
                             </a:solidFill>
-                            <a:latin typeface="Cambria Math" panose="02040503050406030204" pitchFamily="18" charset="0"/>
+                            <a:latin typeface="+mn-lt"/>
                             <a:ea typeface="ＭＳ Ｐゴシック" charset="-128"/>
                           </a:rPr>
                           <m:t>𝐵</m:t>
@@ -5417,7 +5417,7 @@
                                 <a:lumOff val="25000"/>
                               </a:schemeClr>
                             </a:solidFill>
-                            <a:latin typeface="Cambria Math" panose="02040503050406030204" pitchFamily="18" charset="0"/>
+                            <a:latin typeface="+mn-lt"/>
                             <a:ea typeface="ＭＳ Ｐゴシック" charset="-128"/>
                           </a:rPr>
                           <m:t>𝑍</m:t>
@@ -5432,7 +5432,7 @@
                                 <a:lumOff val="25000"/>
                               </a:schemeClr>
                             </a:solidFill>
-                            <a:latin typeface="Cambria Math" panose="02040503050406030204" pitchFamily="18" charset="0"/>
+                            <a:latin typeface="+mn-lt"/>
                             <a:ea typeface="ＭＳ Ｐゴシック" charset="-128"/>
                           </a:rPr>
                           <m:t>𝑟𝑖𝑝𝑝𝑙𝑒</m:t>
@@ -5447,23 +5447,10 @@
                             <a:lumOff val="25000"/>
                           </a:schemeClr>
                         </a:solidFill>
-                        <a:latin typeface="Cambria Math" panose="02040503050406030204" pitchFamily="18" charset="0"/>
+                        <a:latin typeface="+mn-lt"/>
                         <a:ea typeface="ＭＳ Ｐゴシック" charset="-128"/>
                       </a:rPr>
-                      <m:t>=</m:t>
-                    </m:r>
-                    <m:r>
-                      <a:rPr lang="en-GB" altLang="ja-JP" sz="2800" b="0" i="1" smtClean="0">
-                        <a:solidFill>
-                          <a:schemeClr val="tx1">
-                            <a:lumMod val="75000"/>
-                            <a:lumOff val="25000"/>
-                          </a:schemeClr>
-                        </a:solidFill>
-                        <a:latin typeface="Cambria Math" panose="02040503050406030204" pitchFamily="18" charset="0"/>
-                        <a:ea typeface="ＭＳ Ｐゴシック" charset="-128"/>
-                      </a:rPr>
-                      <m:t>0, </m:t>
+                      <m:t>=0, </m:t>
                     </m:r>
                   </m:oMath>
                 </a14:m>
@@ -5474,7 +5461,7 @@
                       <a:lumOff val="25000"/>
                     </a:schemeClr>
                   </a:solidFill>
-                  <a:latin typeface="Cambria Math" panose="02040503050406030204" pitchFamily="18" charset="0"/>
+                  <a:latin typeface="+mn-lt"/>
                   <a:ea typeface="ＭＳ Ｐゴシック" charset="-128"/>
                 </a:endParaRPr>
               </a:p>
@@ -5494,6 +5481,7 @@
                         <a:lumOff val="25000"/>
                       </a:schemeClr>
                     </a:solidFill>
+                    <a:latin typeface="+mn-lt"/>
                     <a:ea typeface="ＭＳ Ｐゴシック" charset="-128"/>
                   </a:rPr>
                   <a:t>w</a:t>
@@ -5506,6 +5494,7 @@
                         <a:lumOff val="25000"/>
                       </a:schemeClr>
                     </a:solidFill>
+                    <a:latin typeface="+mn-lt"/>
                     <a:ea typeface="ＭＳ Ｐゴシック" charset="-128"/>
                   </a:rPr>
                   <a:t>here:</a:t>
@@ -5531,7 +5520,7 @@
                                 <a:lumOff val="25000"/>
                               </a:schemeClr>
                             </a:solidFill>
-                            <a:latin typeface="Cambria Math" panose="02040503050406030204" pitchFamily="18" charset="0"/>
+                            <a:latin typeface="+mn-lt"/>
                             <a:ea typeface="ＭＳ Ｐゴシック" charset="-128"/>
                           </a:rPr>
                         </m:ctrlPr>
@@ -5545,7 +5534,7 @@
                                 <a:lumOff val="25000"/>
                               </a:schemeClr>
                             </a:solidFill>
-                            <a:latin typeface="Cambria Math" panose="02040503050406030204" pitchFamily="18" charset="0"/>
+                            <a:latin typeface="+mn-lt"/>
                             <a:ea typeface="ＭＳ Ｐゴシック" charset="-128"/>
                           </a:rPr>
                           <m:t>𝑁</m:t>
@@ -5560,7 +5549,7 @@
                                 <a:lumOff val="25000"/>
                               </a:schemeClr>
                             </a:solidFill>
-                            <a:latin typeface="Cambria Math" panose="02040503050406030204" pitchFamily="18" charset="0"/>
+                            <a:latin typeface="+mn-lt"/>
                             <a:ea typeface="ＭＳ Ｐゴシック" charset="-128"/>
                           </a:rPr>
                           <m:t>𝑐𝑜𝑖𝑙</m:t>
@@ -5575,7 +5564,7 @@
                             <a:lumOff val="25000"/>
                           </a:schemeClr>
                         </a:solidFill>
-                        <a:latin typeface="Cambria Math" panose="02040503050406030204" pitchFamily="18" charset="0"/>
+                        <a:latin typeface="+mn-lt"/>
                         <a:ea typeface="ＭＳ Ｐゴシック" charset="-128"/>
                       </a:rPr>
                       <m:t>= </m:t>
@@ -5591,7 +5580,7 @@
                             <a:lumOff val="25000"/>
                           </a:schemeClr>
                         </a:solidFill>
-                        <a:latin typeface="Cambria Math" panose="02040503050406030204" pitchFamily="18" charset="0"/>
+                        <a:latin typeface="+mn-lt"/>
                         <a:ea typeface="ＭＳ Ｐゴシック" charset="-128"/>
                       </a:rPr>
                       <m:t>Total</m:t>
@@ -5607,7 +5596,7 @@
                             <a:lumOff val="25000"/>
                           </a:schemeClr>
                         </a:solidFill>
-                        <a:latin typeface="Cambria Math" panose="02040503050406030204" pitchFamily="18" charset="0"/>
+                        <a:latin typeface="+mn-lt"/>
                         <a:ea typeface="ＭＳ Ｐゴシック" charset="-128"/>
                       </a:rPr>
                       <m:t> </m:t>
@@ -5623,7 +5612,7 @@
                             <a:lumOff val="25000"/>
                           </a:schemeClr>
                         </a:solidFill>
-                        <a:latin typeface="Cambria Math" panose="02040503050406030204" pitchFamily="18" charset="0"/>
+                        <a:latin typeface="+mn-lt"/>
                         <a:ea typeface="ＭＳ Ｐゴシック" charset="-128"/>
                       </a:rPr>
                       <m:t>number</m:t>
@@ -5639,7 +5628,7 @@
                             <a:lumOff val="25000"/>
                           </a:schemeClr>
                         </a:solidFill>
-                        <a:latin typeface="Cambria Math" panose="02040503050406030204" pitchFamily="18" charset="0"/>
+                        <a:latin typeface="+mn-lt"/>
                         <a:ea typeface="ＭＳ Ｐゴシック" charset="-128"/>
                       </a:rPr>
                       <m:t> </m:t>
@@ -5655,7 +5644,7 @@
                             <a:lumOff val="25000"/>
                           </a:schemeClr>
                         </a:solidFill>
-                        <a:latin typeface="Cambria Math" panose="02040503050406030204" pitchFamily="18" charset="0"/>
+                        <a:latin typeface="+mn-lt"/>
                         <a:ea typeface="ＭＳ Ｐゴシック" charset="-128"/>
                       </a:rPr>
                       <m:t>of</m:t>
@@ -5671,7 +5660,7 @@
                             <a:lumOff val="25000"/>
                           </a:schemeClr>
                         </a:solidFill>
-                        <a:latin typeface="Cambria Math" panose="02040503050406030204" pitchFamily="18" charset="0"/>
+                        <a:latin typeface="+mn-lt"/>
                         <a:ea typeface="ＭＳ Ｐゴシック" charset="-128"/>
                       </a:rPr>
                       <m:t> </m:t>
@@ -5687,7 +5676,7 @@
                             <a:lumOff val="25000"/>
                           </a:schemeClr>
                         </a:solidFill>
-                        <a:latin typeface="Cambria Math" panose="02040503050406030204" pitchFamily="18" charset="0"/>
+                        <a:latin typeface="+mn-lt"/>
                         <a:ea typeface="ＭＳ Ｐゴシック" charset="-128"/>
                       </a:rPr>
                       <m:t>TF</m:t>
@@ -5703,7 +5692,7 @@
                             <a:lumOff val="25000"/>
                           </a:schemeClr>
                         </a:solidFill>
-                        <a:latin typeface="Cambria Math" panose="02040503050406030204" pitchFamily="18" charset="0"/>
+                        <a:latin typeface="+mn-lt"/>
                         <a:ea typeface="ＭＳ Ｐゴシック" charset="-128"/>
                       </a:rPr>
                       <m:t> </m:t>
@@ -5719,7 +5708,7 @@
                             <a:lumOff val="25000"/>
                           </a:schemeClr>
                         </a:solidFill>
-                        <a:latin typeface="Cambria Math" panose="02040503050406030204" pitchFamily="18" charset="0"/>
+                        <a:latin typeface="+mn-lt"/>
                         <a:ea typeface="ＭＳ Ｐゴシック" charset="-128"/>
                       </a:rPr>
                       <m:t>coils</m:t>
@@ -5735,7 +5724,7 @@
                             <a:lumOff val="25000"/>
                           </a:schemeClr>
                         </a:solidFill>
-                        <a:latin typeface="Cambria Math" panose="02040503050406030204" pitchFamily="18" charset="0"/>
+                        <a:latin typeface="+mn-lt"/>
                         <a:ea typeface="ＭＳ Ｐゴシック" charset="-128"/>
                       </a:rPr>
                       <m:t>,</m:t>
@@ -5749,7 +5738,7 @@
                       <a:lumOff val="25000"/>
                     </a:schemeClr>
                   </a:solidFill>
-                  <a:latin typeface="Cambria Math" panose="02040503050406030204" pitchFamily="18" charset="0"/>
+                  <a:latin typeface="+mn-lt"/>
                   <a:ea typeface="ＭＳ Ｐゴシック" charset="-128"/>
                 </a:endParaRPr>
               </a:p>
@@ -5773,7 +5762,7 @@
                                 <a:lumOff val="25000"/>
                               </a:schemeClr>
                             </a:solidFill>
-                            <a:latin typeface="Cambria Math" panose="02040503050406030204" pitchFamily="18" charset="0"/>
+                            <a:latin typeface="+mn-lt"/>
                             <a:ea typeface="ＭＳ Ｐゴシック" charset="-128"/>
                           </a:rPr>
                         </m:ctrlPr>
@@ -5787,7 +5776,7 @@
                                 <a:lumOff val="25000"/>
                               </a:schemeClr>
                             </a:solidFill>
-                            <a:latin typeface="Cambria Math" panose="02040503050406030204" pitchFamily="18" charset="0"/>
+                            <a:latin typeface="+mn-lt"/>
                             <a:ea typeface="ＭＳ Ｐゴシック" charset="-128"/>
                           </a:rPr>
                           <m:t>𝑅</m:t>
@@ -5802,7 +5791,7 @@
                                 <a:lumOff val="25000"/>
                               </a:schemeClr>
                             </a:solidFill>
-                            <a:latin typeface="Cambria Math" panose="02040503050406030204" pitchFamily="18" charset="0"/>
+                            <a:latin typeface="+mn-lt"/>
                             <a:ea typeface="ＭＳ Ｐゴシック" charset="-128"/>
                           </a:rPr>
                           <m:t>𝑐𝑜𝑖𝑙</m:t>
@@ -5817,7 +5806,7 @@
                             <a:lumOff val="25000"/>
                           </a:schemeClr>
                         </a:solidFill>
-                        <a:latin typeface="Cambria Math" panose="02040503050406030204" pitchFamily="18" charset="0"/>
+                        <a:latin typeface="+mn-lt"/>
                         <a:ea typeface="ＭＳ Ｐゴシック" charset="-128"/>
                       </a:rPr>
                       <m:t>=</m:t>
@@ -5833,7 +5822,7 @@
                             <a:lumOff val="25000"/>
                           </a:schemeClr>
                         </a:solidFill>
-                        <a:latin typeface="Cambria Math" panose="02040503050406030204" pitchFamily="18" charset="0"/>
+                        <a:latin typeface="+mn-lt"/>
                         <a:ea typeface="ＭＳ Ｐゴシック" charset="-128"/>
                       </a:rPr>
                       <m:t>Major</m:t>
@@ -5849,7 +5838,7 @@
                             <a:lumOff val="25000"/>
                           </a:schemeClr>
                         </a:solidFill>
-                        <a:latin typeface="Cambria Math" panose="02040503050406030204" pitchFamily="18" charset="0"/>
+                        <a:latin typeface="+mn-lt"/>
                         <a:ea typeface="ＭＳ Ｐゴシック" charset="-128"/>
                       </a:rPr>
                       <m:t> </m:t>
@@ -5865,7 +5854,7 @@
                             <a:lumOff val="25000"/>
                           </a:schemeClr>
                         </a:solidFill>
-                        <a:latin typeface="Cambria Math" panose="02040503050406030204" pitchFamily="18" charset="0"/>
+                        <a:latin typeface="+mn-lt"/>
                         <a:ea typeface="ＭＳ Ｐゴシック" charset="-128"/>
                       </a:rPr>
                       <m:t>radius</m:t>
@@ -5881,7 +5870,7 @@
                             <a:lumOff val="25000"/>
                           </a:schemeClr>
                         </a:solidFill>
-                        <a:latin typeface="Cambria Math" panose="02040503050406030204" pitchFamily="18" charset="0"/>
+                        <a:latin typeface="+mn-lt"/>
                         <a:ea typeface="ＭＳ Ｐゴシック" charset="-128"/>
                       </a:rPr>
                       <m:t> </m:t>
@@ -5897,7 +5886,7 @@
                             <a:lumOff val="25000"/>
                           </a:schemeClr>
                         </a:solidFill>
-                        <a:latin typeface="Cambria Math" panose="02040503050406030204" pitchFamily="18" charset="0"/>
+                        <a:latin typeface="+mn-lt"/>
                         <a:ea typeface="ＭＳ Ｐゴシック" charset="-128"/>
                       </a:rPr>
                       <m:t>of</m:t>
@@ -5913,7 +5902,7 @@
                             <a:lumOff val="25000"/>
                           </a:schemeClr>
                         </a:solidFill>
-                        <a:latin typeface="Cambria Math" panose="02040503050406030204" pitchFamily="18" charset="0"/>
+                        <a:latin typeface="+mn-lt"/>
                         <a:ea typeface="ＭＳ Ｐゴシック" charset="-128"/>
                       </a:rPr>
                       <m:t> </m:t>
@@ -5929,7 +5918,7 @@
                             <a:lumOff val="25000"/>
                           </a:schemeClr>
                         </a:solidFill>
-                        <a:latin typeface="Cambria Math" panose="02040503050406030204" pitchFamily="18" charset="0"/>
+                        <a:latin typeface="+mn-lt"/>
                         <a:ea typeface="ＭＳ Ｐゴシック" charset="-128"/>
                       </a:rPr>
                       <m:t>the</m:t>
@@ -5945,7 +5934,7 @@
                             <a:lumOff val="25000"/>
                           </a:schemeClr>
                         </a:solidFill>
-                        <a:latin typeface="Cambria Math" panose="02040503050406030204" pitchFamily="18" charset="0"/>
+                        <a:latin typeface="+mn-lt"/>
                         <a:ea typeface="ＭＳ Ｐゴシック" charset="-128"/>
                       </a:rPr>
                       <m:t> </m:t>
@@ -5961,7 +5950,7 @@
                             <a:lumOff val="25000"/>
                           </a:schemeClr>
                         </a:solidFill>
-                        <a:latin typeface="Cambria Math" panose="02040503050406030204" pitchFamily="18" charset="0"/>
+                        <a:latin typeface="+mn-lt"/>
                         <a:ea typeface="ＭＳ Ｐゴシック" charset="-128"/>
                       </a:rPr>
                       <m:t>outer</m:t>
@@ -5977,7 +5966,7 @@
                             <a:lumOff val="25000"/>
                           </a:schemeClr>
                         </a:solidFill>
-                        <a:latin typeface="Cambria Math" panose="02040503050406030204" pitchFamily="18" charset="0"/>
+                        <a:latin typeface="+mn-lt"/>
                         <a:ea typeface="ＭＳ Ｐゴシック" charset="-128"/>
                       </a:rPr>
                       <m:t> </m:t>
@@ -5993,7 +5982,7 @@
                             <a:lumOff val="25000"/>
                           </a:schemeClr>
                         </a:solidFill>
-                        <a:latin typeface="Cambria Math" panose="02040503050406030204" pitchFamily="18" charset="0"/>
+                        <a:latin typeface="+mn-lt"/>
                         <a:ea typeface="ＭＳ Ｐゴシック" charset="-128"/>
                       </a:rPr>
                       <m:t>limb</m:t>
@@ -6009,7 +5998,7 @@
                             <a:lumOff val="25000"/>
                           </a:schemeClr>
                         </a:solidFill>
-                        <a:latin typeface="Cambria Math" panose="02040503050406030204" pitchFamily="18" charset="0"/>
+                        <a:latin typeface="+mn-lt"/>
                         <a:ea typeface="ＭＳ Ｐゴシック" charset="-128"/>
                       </a:rPr>
                       <m:t> </m:t>
@@ -6025,7 +6014,7 @@
                             <a:lumOff val="25000"/>
                           </a:schemeClr>
                         </a:solidFill>
-                        <a:latin typeface="Cambria Math" panose="02040503050406030204" pitchFamily="18" charset="0"/>
+                        <a:latin typeface="+mn-lt"/>
                         <a:ea typeface="ＭＳ Ｐゴシック" charset="-128"/>
                       </a:rPr>
                       <m:t>of</m:t>
@@ -6041,7 +6030,7 @@
                             <a:lumOff val="25000"/>
                           </a:schemeClr>
                         </a:solidFill>
-                        <a:latin typeface="Cambria Math" panose="02040503050406030204" pitchFamily="18" charset="0"/>
+                        <a:latin typeface="+mn-lt"/>
                         <a:ea typeface="ＭＳ Ｐゴシック" charset="-128"/>
                       </a:rPr>
                       <m:t> </m:t>
@@ -6057,7 +6046,7 @@
                             <a:lumOff val="25000"/>
                           </a:schemeClr>
                         </a:solidFill>
-                        <a:latin typeface="Cambria Math" panose="02040503050406030204" pitchFamily="18" charset="0"/>
+                        <a:latin typeface="+mn-lt"/>
                         <a:ea typeface="ＭＳ Ｐゴシック" charset="-128"/>
                       </a:rPr>
                       <m:t>the</m:t>
@@ -6073,7 +6062,7 @@
                             <a:lumOff val="25000"/>
                           </a:schemeClr>
                         </a:solidFill>
-                        <a:latin typeface="Cambria Math" panose="02040503050406030204" pitchFamily="18" charset="0"/>
+                        <a:latin typeface="+mn-lt"/>
                         <a:ea typeface="ＭＳ Ｐゴシック" charset="-128"/>
                       </a:rPr>
                       <m:t> </m:t>
@@ -6089,7 +6078,7 @@
                             <a:lumOff val="25000"/>
                           </a:schemeClr>
                         </a:solidFill>
-                        <a:latin typeface="Cambria Math" panose="02040503050406030204" pitchFamily="18" charset="0"/>
+                        <a:latin typeface="+mn-lt"/>
                         <a:ea typeface="ＭＳ Ｐゴシック" charset="-128"/>
                       </a:rPr>
                       <m:t>TF</m:t>
@@ -6105,7 +6094,7 @@
                             <a:lumOff val="25000"/>
                           </a:schemeClr>
                         </a:solidFill>
-                        <a:latin typeface="Cambria Math" panose="02040503050406030204" pitchFamily="18" charset="0"/>
+                        <a:latin typeface="+mn-lt"/>
                         <a:ea typeface="ＭＳ Ｐゴシック" charset="-128"/>
                       </a:rPr>
                       <m:t> </m:t>
@@ -6121,7 +6110,7 @@
                             <a:lumOff val="25000"/>
                           </a:schemeClr>
                         </a:solidFill>
-                        <a:latin typeface="Cambria Math" panose="02040503050406030204" pitchFamily="18" charset="0"/>
+                        <a:latin typeface="+mn-lt"/>
                         <a:ea typeface="ＭＳ Ｐゴシック" charset="-128"/>
                       </a:rPr>
                       <m:t>coils</m:t>
@@ -6210,7 +6199,7 @@
                                 <a:lumOff val="25000"/>
                               </a:schemeClr>
                             </a:solidFill>
-                            <a:latin typeface="Cambria Math" panose="02040503050406030204" pitchFamily="18" charset="0"/>
+                            <a:latin typeface="+mn-lt"/>
                             <a:ea typeface="ＭＳ Ｐゴシック" charset="-128"/>
                           </a:rPr>
                         </m:ctrlPr>
@@ -6224,7 +6213,7 @@
                                 <a:lumOff val="25000"/>
                               </a:schemeClr>
                             </a:solidFill>
-                            <a:latin typeface="Cambria Math" panose="02040503050406030204" pitchFamily="18" charset="0"/>
+                            <a:latin typeface="+mn-lt"/>
                             <a:ea typeface="ＭＳ Ｐゴシック" charset="-128"/>
                           </a:rPr>
                           <m:t>𝑁</m:t>
@@ -6239,7 +6228,7 @@
                                 <a:lumOff val="25000"/>
                               </a:schemeClr>
                             </a:solidFill>
-                            <a:latin typeface="Cambria Math" panose="02040503050406030204" pitchFamily="18" charset="0"/>
+                            <a:latin typeface="+mn-lt"/>
                             <a:ea typeface="ＭＳ Ｐゴシック" charset="-128"/>
                           </a:rPr>
                           <m:t>𝑐𝑜𝑖𝑙</m:t>
@@ -6273,7 +6262,7 @@
                                 <a:lumOff val="25000"/>
                               </a:schemeClr>
                             </a:solidFill>
-                            <a:latin typeface="Cambria Math" panose="02040503050406030204" pitchFamily="18" charset="0"/>
+                            <a:latin typeface="+mn-lt"/>
                             <a:ea typeface="ＭＳ Ｐゴシック" charset="-128"/>
                           </a:rPr>
                         </m:ctrlPr>
@@ -6287,7 +6276,7 @@
                                 <a:lumOff val="25000"/>
                               </a:schemeClr>
                             </a:solidFill>
-                            <a:latin typeface="Cambria Math" panose="02040503050406030204" pitchFamily="18" charset="0"/>
+                            <a:latin typeface="+mn-lt"/>
                             <a:ea typeface="ＭＳ Ｐゴシック" charset="-128"/>
                           </a:rPr>
                           <m:t>𝑅</m:t>
@@ -6302,7 +6291,7 @@
                                 <a:lumOff val="25000"/>
                               </a:schemeClr>
                             </a:solidFill>
-                            <a:latin typeface="Cambria Math" panose="02040503050406030204" pitchFamily="18" charset="0"/>
+                            <a:latin typeface="+mn-lt"/>
                             <a:ea typeface="ＭＳ Ｐゴシック" charset="-128"/>
                           </a:rPr>
                           <m:t>𝑐𝑜𝑖𝑙</m:t>
@@ -6366,10 +6355,23 @@
                     <a:latin typeface="+mn-lt"/>
                     <a:ea typeface="ＭＳ Ｐゴシック" charset="-128"/>
                   </a:rPr>
-                  <a:t>The current in the k</a:t>
+                  <a:t>The current in the </a:t>
                 </a:r>
                 <a:r>
-                  <a:rPr lang="en-GB" altLang="ja-JP" sz="2800" baseline="30000" dirty="0">
+                  <a:rPr lang="en-GB" altLang="ja-JP" sz="2800">
+                    <a:solidFill>
+                      <a:schemeClr val="tx1">
+                        <a:lumMod val="75000"/>
+                        <a:lumOff val="25000"/>
+                      </a:schemeClr>
+                    </a:solidFill>
+                    <a:latin typeface="+mn-lt"/>
+                    <a:ea typeface="ＭＳ Ｐゴシック" charset="-128"/>
+                  </a:rPr>
+                  <a:t>k</a:t>
+                </a:r>
+                <a:r>
+                  <a:rPr lang="en-GB" altLang="ja-JP" sz="2800" baseline="30000">
                     <a:solidFill>
                       <a:schemeClr val="tx1">
                         <a:lumMod val="75000"/>
@@ -6382,6 +6384,19 @@
                   <a:t>th</a:t>
                 </a:r>
                 <a:r>
+                  <a:rPr lang="en-GB" altLang="ja-JP" sz="2800">
+                    <a:solidFill>
+                      <a:schemeClr val="tx1">
+                        <a:lumMod val="75000"/>
+                        <a:lumOff val="25000"/>
+                      </a:schemeClr>
+                    </a:solidFill>
+                    <a:latin typeface="+mn-lt"/>
+                    <a:ea typeface="ＭＳ Ｐゴシック" charset="-128"/>
+                  </a:rPr>
+                  <a:t> upper </a:t>
+                </a:r>
+                <a:r>
                   <a:rPr lang="en-GB" altLang="ja-JP" sz="2800" dirty="0">
                     <a:solidFill>
                       <a:schemeClr val="tx1">
@@ -6392,7 +6407,7 @@
                     <a:latin typeface="+mn-lt"/>
                     <a:ea typeface="ＭＳ Ｐゴシック" charset="-128"/>
                   </a:rPr>
-                  <a:t> in the upper and lower ELM mitigation coils is expressed as:</a:t>
+                  <a:t>and lower ELM mitigation coils is expressed as:</a:t>
                 </a:r>
               </a:p>
               <a:p>
@@ -6415,7 +6430,7 @@
                                 <a:lumOff val="25000"/>
                               </a:schemeClr>
                             </a:solidFill>
-                            <a:latin typeface="Cambria Math" panose="02040503050406030204" pitchFamily="18" charset="0"/>
+                            <a:latin typeface="+mn-lt"/>
                             <a:ea typeface="ＭＳ Ｐゴシック" charset="-128"/>
                           </a:rPr>
                         </m:ctrlPr>
@@ -6429,7 +6444,7 @@
                                 <a:lumOff val="25000"/>
                               </a:schemeClr>
                             </a:solidFill>
-                            <a:latin typeface="Cambria Math" panose="02040503050406030204" pitchFamily="18" charset="0"/>
+                            <a:latin typeface="+mn-lt"/>
                             <a:ea typeface="ＭＳ Ｐゴシック" charset="-128"/>
                           </a:rPr>
                           <m:t>𝐼</m:t>
@@ -6444,7 +6459,7 @@
                                 <a:lumOff val="25000"/>
                               </a:schemeClr>
                             </a:solidFill>
-                            <a:latin typeface="Cambria Math" panose="02040503050406030204" pitchFamily="18" charset="0"/>
+                            <a:latin typeface="+mn-lt"/>
                             <a:ea typeface="ＭＳ Ｐゴシック" charset="-128"/>
                           </a:rPr>
                           <m:t>𝑘</m:t>
@@ -6459,7 +6474,7 @@
                                 <a:lumOff val="25000"/>
                               </a:schemeClr>
                             </a:solidFill>
-                            <a:latin typeface="Cambria Math" panose="02040503050406030204" pitchFamily="18" charset="0"/>
+                            <a:latin typeface="+mn-lt"/>
                             <a:ea typeface="ＭＳ Ｐゴシック" charset="-128"/>
                           </a:rPr>
                           <m:t>𝑢𝑝𝑝𝑒𝑟</m:t>
@@ -6474,7 +6489,7 @@
                             <a:lumOff val="25000"/>
                           </a:schemeClr>
                         </a:solidFill>
-                        <a:latin typeface="Cambria Math" panose="02040503050406030204" pitchFamily="18" charset="0"/>
+                        <a:latin typeface="+mn-lt"/>
                         <a:ea typeface="ＭＳ Ｐゴシック" charset="-128"/>
                       </a:rPr>
                       <m:t>=</m:t>
@@ -6489,7 +6504,7 @@
                                 <a:lumOff val="25000"/>
                               </a:schemeClr>
                             </a:solidFill>
-                            <a:latin typeface="Cambria Math" panose="02040503050406030204" pitchFamily="18" charset="0"/>
+                            <a:latin typeface="+mn-lt"/>
                             <a:ea typeface="ＭＳ Ｐゴシック" charset="-128"/>
                           </a:rPr>
                         </m:ctrlPr>
@@ -6503,7 +6518,7 @@
                                 <a:lumOff val="25000"/>
                               </a:schemeClr>
                             </a:solidFill>
-                            <a:latin typeface="Cambria Math" panose="02040503050406030204" pitchFamily="18" charset="0"/>
+                            <a:latin typeface="+mn-lt"/>
                             <a:ea typeface="ＭＳ Ｐゴシック" charset="-128"/>
                           </a:rPr>
                           <m:t>𝐼</m:t>
@@ -6518,7 +6533,7 @@
                                 <a:lumOff val="25000"/>
                               </a:schemeClr>
                             </a:solidFill>
-                            <a:latin typeface="Cambria Math" panose="02040503050406030204" pitchFamily="18" charset="0"/>
+                            <a:latin typeface="+mn-lt"/>
                             <a:ea typeface="ＭＳ Ｐゴシック" charset="-128"/>
                           </a:rPr>
                           <m:t>0</m:t>
@@ -6535,7 +6550,7 @@
                                 <a:lumOff val="25000"/>
                               </a:schemeClr>
                             </a:solidFill>
-                            <a:latin typeface="Cambria Math" panose="02040503050406030204" pitchFamily="18" charset="0"/>
+                            <a:latin typeface="+mn-lt"/>
                             <a:ea typeface="ＭＳ Ｐゴシック" charset="-128"/>
                           </a:rPr>
                         </m:ctrlPr>
@@ -6552,7 +6567,7 @@
                                 <a:lumOff val="25000"/>
                               </a:schemeClr>
                             </a:solidFill>
-                            <a:latin typeface="Cambria Math" panose="02040503050406030204" pitchFamily="18" charset="0"/>
+                            <a:latin typeface="+mn-lt"/>
                             <a:ea typeface="ＭＳ Ｐゴシック" charset="-128"/>
                           </a:rPr>
                           <m:t>cos</m:t>
@@ -6567,7 +6582,7 @@
                                 <a:lumOff val="25000"/>
                               </a:schemeClr>
                             </a:solidFill>
-                            <a:latin typeface="Cambria Math" panose="02040503050406030204" pitchFamily="18" charset="0"/>
+                            <a:latin typeface="+mn-lt"/>
                             <a:ea typeface="ＭＳ Ｐゴシック" charset="-128"/>
                           </a:rPr>
                           <m:t>(</m:t>
@@ -6580,7 +6595,7 @@
                                 <a:lumOff val="25000"/>
                               </a:schemeClr>
                             </a:solidFill>
-                            <a:latin typeface="Cambria Math" panose="02040503050406030204" pitchFamily="18" charset="0"/>
+                            <a:latin typeface="+mn-lt"/>
                             <a:ea typeface="ＭＳ Ｐゴシック" charset="-128"/>
                           </a:rPr>
                           <m:t>𝑛</m:t>
@@ -6595,7 +6610,7 @@
                                     <a:lumOff val="25000"/>
                                   </a:schemeClr>
                                 </a:solidFill>
-                                <a:latin typeface="Cambria Math" panose="02040503050406030204" pitchFamily="18" charset="0"/>
+                                <a:latin typeface="+mn-lt"/>
                                 <a:ea typeface="ＭＳ Ｐゴシック" charset="-128"/>
                               </a:rPr>
                             </m:ctrlPr>
@@ -6609,7 +6624,7 @@
                                     <a:lumOff val="25000"/>
                                   </a:schemeClr>
                                 </a:solidFill>
-                                <a:latin typeface="Cambria Math" panose="02040503050406030204" pitchFamily="18" charset="0"/>
+                                <a:latin typeface="+mn-lt"/>
                                 <a:ea typeface="ＭＳ Ｐゴシック" charset="-128"/>
                               </a:rPr>
                               <m:t>𝜙</m:t>
@@ -6624,7 +6639,7 @@
                                     <a:lumOff val="25000"/>
                                   </a:schemeClr>
                                 </a:solidFill>
-                                <a:latin typeface="Cambria Math" panose="02040503050406030204" pitchFamily="18" charset="0"/>
+                                <a:latin typeface="+mn-lt"/>
                                 <a:ea typeface="ＭＳ Ｐゴシック" charset="-128"/>
                               </a:rPr>
                               <m:t>𝑘</m:t>
@@ -6639,7 +6654,7 @@
                                 <a:lumOff val="25000"/>
                               </a:schemeClr>
                             </a:solidFill>
-                            <a:latin typeface="Cambria Math" panose="02040503050406030204" pitchFamily="18" charset="0"/>
+                            <a:latin typeface="+mn-lt"/>
                             <a:ea typeface="ＭＳ Ｐゴシック" charset="-128"/>
                           </a:rPr>
                           <m:t>+</m:t>
@@ -6655,7 +6670,7 @@
                                 <a:lumOff val="25000"/>
                               </a:schemeClr>
                             </a:solidFill>
-                            <a:latin typeface="Cambria Math" panose="02040503050406030204" pitchFamily="18" charset="0"/>
+                            <a:latin typeface="+mn-lt"/>
                             <a:ea typeface="ＭＳ Ｐゴシック" charset="-128"/>
                           </a:rPr>
                           <m:t>Δ</m:t>
@@ -6668,7 +6683,7 @@
                                 <a:lumOff val="25000"/>
                               </a:schemeClr>
                             </a:solidFill>
-                            <a:latin typeface="Cambria Math" panose="02040503050406030204" pitchFamily="18" charset="0"/>
+                            <a:latin typeface="+mn-lt"/>
                             <a:ea typeface="ＭＳ Ｐゴシック" charset="-128"/>
                           </a:rPr>
                           <m:t>𝜙</m:t>
@@ -6681,7 +6696,7 @@
                                 <a:lumOff val="25000"/>
                               </a:schemeClr>
                             </a:solidFill>
-                            <a:latin typeface="Cambria Math" panose="02040503050406030204" pitchFamily="18" charset="0"/>
+                            <a:latin typeface="+mn-lt"/>
                             <a:ea typeface="ＭＳ Ｐゴシック" charset="-128"/>
                           </a:rPr>
                           <m:t>)</m:t>
@@ -6696,7 +6711,7 @@
                             <a:lumOff val="25000"/>
                           </a:schemeClr>
                         </a:solidFill>
-                        <a:latin typeface="Cambria Math" panose="02040503050406030204" pitchFamily="18" charset="0"/>
+                        <a:latin typeface="+mn-lt"/>
                         <a:ea typeface="ＭＳ Ｐゴシック" charset="-128"/>
                       </a:rPr>
                       <m:t>, </m:t>
@@ -6710,7 +6725,7 @@
                       <a:lumOff val="25000"/>
                     </a:schemeClr>
                   </a:solidFill>
-                  <a:latin typeface="Cambria Math" panose="02040503050406030204" pitchFamily="18" charset="0"/>
+                  <a:latin typeface="+mn-lt"/>
                   <a:ea typeface="ＭＳ Ｐゴシック" charset="-128"/>
                 </a:endParaRPr>
               </a:p>
@@ -6734,7 +6749,7 @@
                                 <a:lumOff val="25000"/>
                               </a:schemeClr>
                             </a:solidFill>
-                            <a:latin typeface="Cambria Math" panose="02040503050406030204" pitchFamily="18" charset="0"/>
+                            <a:latin typeface="+mn-lt"/>
                             <a:ea typeface="ＭＳ Ｐゴシック" charset="-128"/>
                           </a:rPr>
                         </m:ctrlPr>
@@ -6748,7 +6763,7 @@
                                 <a:lumOff val="25000"/>
                               </a:schemeClr>
                             </a:solidFill>
-                            <a:latin typeface="Cambria Math" panose="02040503050406030204" pitchFamily="18" charset="0"/>
+                            <a:latin typeface="+mn-lt"/>
                             <a:ea typeface="ＭＳ Ｐゴシック" charset="-128"/>
                           </a:rPr>
                           <m:t>𝐼</m:t>
@@ -6763,7 +6778,7 @@
                                 <a:lumOff val="25000"/>
                               </a:schemeClr>
                             </a:solidFill>
-                            <a:latin typeface="Cambria Math" panose="02040503050406030204" pitchFamily="18" charset="0"/>
+                            <a:latin typeface="+mn-lt"/>
                             <a:ea typeface="ＭＳ Ｐゴシック" charset="-128"/>
                           </a:rPr>
                           <m:t>𝑘</m:t>
@@ -6778,7 +6793,7 @@
                                 <a:lumOff val="25000"/>
                               </a:schemeClr>
                             </a:solidFill>
-                            <a:latin typeface="Cambria Math" panose="02040503050406030204" pitchFamily="18" charset="0"/>
+                            <a:latin typeface="+mn-lt"/>
                             <a:ea typeface="ＭＳ Ｐゴシック" charset="-128"/>
                           </a:rPr>
                           <m:t>𝑙𝑜𝑤𝑒𝑟</m:t>
@@ -6793,7 +6808,7 @@
                             <a:lumOff val="25000"/>
                           </a:schemeClr>
                         </a:solidFill>
-                        <a:latin typeface="Cambria Math" panose="02040503050406030204" pitchFamily="18" charset="0"/>
+                        <a:latin typeface="+mn-lt"/>
                         <a:ea typeface="ＭＳ Ｐゴシック" charset="-128"/>
                       </a:rPr>
                       <m:t>=</m:t>
@@ -6808,7 +6823,7 @@
                                 <a:lumOff val="25000"/>
                               </a:schemeClr>
                             </a:solidFill>
-                            <a:latin typeface="Cambria Math" panose="02040503050406030204" pitchFamily="18" charset="0"/>
+                            <a:latin typeface="+mn-lt"/>
                             <a:ea typeface="ＭＳ Ｐゴシック" charset="-128"/>
                           </a:rPr>
                         </m:ctrlPr>
@@ -6822,7 +6837,7 @@
                                 <a:lumOff val="25000"/>
                               </a:schemeClr>
                             </a:solidFill>
-                            <a:latin typeface="Cambria Math" panose="02040503050406030204" pitchFamily="18" charset="0"/>
+                            <a:latin typeface="+mn-lt"/>
                             <a:ea typeface="ＭＳ Ｐゴシック" charset="-128"/>
                           </a:rPr>
                           <m:t>𝐼</m:t>
@@ -6837,7 +6852,7 @@
                                 <a:lumOff val="25000"/>
                               </a:schemeClr>
                             </a:solidFill>
-                            <a:latin typeface="Cambria Math" panose="02040503050406030204" pitchFamily="18" charset="0"/>
+                            <a:latin typeface="+mn-lt"/>
                             <a:ea typeface="ＭＳ Ｐゴシック" charset="-128"/>
                           </a:rPr>
                           <m:t>0</m:t>
@@ -6854,7 +6869,7 @@
                                 <a:lumOff val="25000"/>
                               </a:schemeClr>
                             </a:solidFill>
-                            <a:latin typeface="Cambria Math" panose="02040503050406030204" pitchFamily="18" charset="0"/>
+                            <a:latin typeface="+mn-lt"/>
                             <a:ea typeface="ＭＳ Ｐゴシック" charset="-128"/>
                           </a:rPr>
                         </m:ctrlPr>
@@ -6871,7 +6886,7 @@
                                 <a:lumOff val="25000"/>
                               </a:schemeClr>
                             </a:solidFill>
-                            <a:latin typeface="Cambria Math" panose="02040503050406030204" pitchFamily="18" charset="0"/>
+                            <a:latin typeface="+mn-lt"/>
                             <a:ea typeface="ＭＳ Ｐゴシック" charset="-128"/>
                           </a:rPr>
                           <m:t>cos</m:t>
@@ -6886,7 +6901,7 @@
                                 <a:lumOff val="25000"/>
                               </a:schemeClr>
                             </a:solidFill>
-                            <a:latin typeface="Cambria Math" panose="02040503050406030204" pitchFamily="18" charset="0"/>
+                            <a:latin typeface="+mn-lt"/>
                             <a:ea typeface="ＭＳ Ｐゴシック" charset="-128"/>
                           </a:rPr>
                           <m:t>(</m:t>
@@ -6899,7 +6914,7 @@
                                 <a:lumOff val="25000"/>
                               </a:schemeClr>
                             </a:solidFill>
-                            <a:latin typeface="Cambria Math" panose="02040503050406030204" pitchFamily="18" charset="0"/>
+                            <a:latin typeface="+mn-lt"/>
                             <a:ea typeface="ＭＳ Ｐゴシック" charset="-128"/>
                           </a:rPr>
                           <m:t>𝑛</m:t>
@@ -6914,7 +6929,7 @@
                                     <a:lumOff val="25000"/>
                                   </a:schemeClr>
                                 </a:solidFill>
-                                <a:latin typeface="Cambria Math" panose="02040503050406030204" pitchFamily="18" charset="0"/>
+                                <a:latin typeface="+mn-lt"/>
                                 <a:ea typeface="ＭＳ Ｐゴシック" charset="-128"/>
                               </a:rPr>
                             </m:ctrlPr>
@@ -6928,7 +6943,7 @@
                                     <a:lumOff val="25000"/>
                                   </a:schemeClr>
                                 </a:solidFill>
-                                <a:latin typeface="Cambria Math" panose="02040503050406030204" pitchFamily="18" charset="0"/>
+                                <a:latin typeface="+mn-lt"/>
                                 <a:ea typeface="ＭＳ Ｐゴシック" charset="-128"/>
                               </a:rPr>
                               <m:t>𝜙</m:t>
@@ -6943,7 +6958,7 @@
                                     <a:lumOff val="25000"/>
                                   </a:schemeClr>
                                 </a:solidFill>
-                                <a:latin typeface="Cambria Math" panose="02040503050406030204" pitchFamily="18" charset="0"/>
+                                <a:latin typeface="+mn-lt"/>
                                 <a:ea typeface="ＭＳ Ｐゴシック" charset="-128"/>
                               </a:rPr>
                               <m:t>𝑘</m:t>
@@ -6958,7 +6973,7 @@
                                 <a:lumOff val="25000"/>
                               </a:schemeClr>
                             </a:solidFill>
-                            <a:latin typeface="Cambria Math" panose="02040503050406030204" pitchFamily="18" charset="0"/>
+                            <a:latin typeface="+mn-lt"/>
                             <a:ea typeface="ＭＳ Ｐゴシック" charset="-128"/>
                           </a:rPr>
                           <m:t>)</m:t>
@@ -6973,7 +6988,7 @@
                             <a:lumOff val="25000"/>
                           </a:schemeClr>
                         </a:solidFill>
-                        <a:latin typeface="Cambria Math" panose="02040503050406030204" pitchFamily="18" charset="0"/>
+                        <a:latin typeface="+mn-lt"/>
                         <a:ea typeface="ＭＳ Ｐゴシック" charset="-128"/>
                       </a:rPr>
                       <m:t>,</m:t>
@@ -7033,7 +7048,7 @@
                                 <a:lumOff val="25000"/>
                               </a:schemeClr>
                             </a:solidFill>
-                            <a:latin typeface="Cambria Math" panose="02040503050406030204" pitchFamily="18" charset="0"/>
+                            <a:latin typeface="+mn-lt"/>
                             <a:ea typeface="ＭＳ Ｐゴシック" charset="-128"/>
                           </a:rPr>
                         </m:ctrlPr>
@@ -7047,7 +7062,7 @@
                                 <a:lumOff val="25000"/>
                               </a:schemeClr>
                             </a:solidFill>
-                            <a:latin typeface="Cambria Math" panose="02040503050406030204" pitchFamily="18" charset="0"/>
+                            <a:latin typeface="+mn-lt"/>
                             <a:ea typeface="ＭＳ Ｐゴシック" charset="-128"/>
                           </a:rPr>
                           <m:t>𝜙</m:t>
@@ -7062,7 +7077,7 @@
                                 <a:lumOff val="25000"/>
                               </a:schemeClr>
                             </a:solidFill>
-                            <a:latin typeface="Cambria Math" panose="02040503050406030204" pitchFamily="18" charset="0"/>
+                            <a:latin typeface="+mn-lt"/>
                             <a:ea typeface="ＭＳ Ｐゴシック" charset="-128"/>
                           </a:rPr>
                           <m:t>𝑘</m:t>
@@ -7131,7 +7146,7 @@
                                 <a:lumOff val="25000"/>
                               </a:schemeClr>
                             </a:solidFill>
-                            <a:latin typeface="Cambria Math" panose="02040503050406030204" pitchFamily="18" charset="0"/>
+                            <a:latin typeface="+mn-lt"/>
                             <a:ea typeface="ＭＳ Ｐゴシック" charset="-128"/>
                           </a:rPr>
                         </m:ctrlPr>
@@ -7145,7 +7160,7 @@
                                 <a:lumOff val="25000"/>
                               </a:schemeClr>
                             </a:solidFill>
-                            <a:latin typeface="Cambria Math" panose="02040503050406030204" pitchFamily="18" charset="0"/>
+                            <a:latin typeface="+mn-lt"/>
                             <a:ea typeface="ＭＳ Ｐゴシック" charset="-128"/>
                           </a:rPr>
                           <m:t>𝐼</m:t>
@@ -7160,7 +7175,7 @@
                                 <a:lumOff val="25000"/>
                               </a:schemeClr>
                             </a:solidFill>
-                            <a:latin typeface="Cambria Math" panose="02040503050406030204" pitchFamily="18" charset="0"/>
+                            <a:latin typeface="+mn-lt"/>
                             <a:ea typeface="ＭＳ Ｐゴシック" charset="-128"/>
                           </a:rPr>
                           <m:t>0</m:t>
@@ -7175,7 +7190,7 @@
                             <a:lumOff val="25000"/>
                           </a:schemeClr>
                         </a:solidFill>
-                        <a:latin typeface="Cambria Math" panose="02040503050406030204" pitchFamily="18" charset="0"/>
+                        <a:latin typeface="+mn-lt"/>
                         <a:ea typeface="ＭＳ Ｐゴシック" charset="-128"/>
                       </a:rPr>
                       <m:t>, </m:t>
@@ -7188,7 +7203,7 @@
                             <a:lumOff val="25000"/>
                           </a:schemeClr>
                         </a:solidFill>
-                        <a:latin typeface="Cambria Math" panose="02040503050406030204" pitchFamily="18" charset="0"/>
+                        <a:latin typeface="+mn-lt"/>
                         <a:ea typeface="ＭＳ Ｐゴシック" charset="-128"/>
                       </a:rPr>
                       <m:t>𝑛</m:t>
@@ -7221,7 +7236,7 @@
                             <a:lumOff val="25000"/>
                           </a:schemeClr>
                         </a:solidFill>
-                        <a:latin typeface="Cambria Math" panose="02040503050406030204" pitchFamily="18" charset="0"/>
+                        <a:latin typeface="+mn-lt"/>
                         <a:ea typeface="ＭＳ Ｐゴシック" charset="-128"/>
                       </a:rPr>
                       <m:t>Δ</m:t>
@@ -7234,7 +7249,7 @@
                             <a:lumOff val="25000"/>
                           </a:schemeClr>
                         </a:solidFill>
-                        <a:latin typeface="Cambria Math" panose="02040503050406030204" pitchFamily="18" charset="0"/>
+                        <a:latin typeface="+mn-lt"/>
                         <a:ea typeface="ＭＳ Ｐゴシック" charset="-128"/>
                       </a:rPr>
                       <m:t>𝜙</m:t>
@@ -7308,7 +7323,7 @@
                 <a:avLst/>
               </a:prstGeom>
               <a:blipFill>
-                <a:blip r:embed="rId3"/>
+                <a:blip r:embed="rId4"/>
                 <a:stretch>
                   <a:fillRect l="-127" r="-212"/>
                 </a:stretch>
@@ -7694,7 +7709,7 @@
                               <a:lumOff val="25000"/>
                             </a:schemeClr>
                           </a:solidFill>
-                          <a:latin typeface="Cambria Math" panose="02040503050406030204" pitchFamily="18" charset="0"/>
+                          <a:latin typeface="+mn-lt"/>
                           <a:ea typeface="ＭＳ Ｐゴシック" charset="-128"/>
                         </a:rPr>
                         <m:t>Δ</m:t>
@@ -7707,7 +7722,7 @@
                               <a:lumOff val="25000"/>
                             </a:schemeClr>
                           </a:solidFill>
-                          <a:latin typeface="Cambria Math" panose="02040503050406030204" pitchFamily="18" charset="0"/>
+                          <a:latin typeface="+mn-lt"/>
                           <a:ea typeface="ＭＳ Ｐゴシック" charset="-128"/>
                         </a:rPr>
                         <m:t>𝜙</m:t>
@@ -7793,7 +7808,7 @@
                   <a:avLst/>
                 </a:prstGeom>
                 <a:blipFill>
-                  <a:blip r:embed="rId4"/>
+                  <a:blip r:embed="rId5"/>
                   <a:stretch>
                     <a:fillRect l="-254" r="-212"/>
                   </a:stretch>
@@ -8596,13 +8611,13 @@
             <p:nvPr/>
           </p:nvPicPr>
           <p:blipFill>
-            <a:blip r:embed="rId5">
+            <a:blip r:embed="rId6">
               <a:extLst>
                 <a:ext uri="{28A0092B-C50C-407E-A947-70E740481C1C}">
                   <a14:useLocalDpi xmlns:a14="http://schemas.microsoft.com/office/drawing/2010/main" val="0"/>
                 </a:ext>
                 <a:ext uri="{96DAC541-7B7A-43D3-8B79-37D633B846F1}">
-                  <asvg:svgBlip xmlns:asvg="http://schemas.microsoft.com/office/drawing/2016/SVG/main" r:embed="rId6"/>
+                  <asvg:svgBlip xmlns:asvg="http://schemas.microsoft.com/office/drawing/2016/SVG/main" r:embed="rId7"/>
                 </a:ext>
               </a:extLst>
             </a:blip>
@@ -8698,13 +8713,13 @@
             <p:nvPr/>
           </p:nvPicPr>
           <p:blipFill>
-            <a:blip r:embed="rId7">
+            <a:blip r:embed="rId8">
               <a:extLst>
                 <a:ext uri="{28A0092B-C50C-407E-A947-70E740481C1C}">
                   <a14:useLocalDpi xmlns:a14="http://schemas.microsoft.com/office/drawing/2010/main" val="0"/>
                 </a:ext>
                 <a:ext uri="{96DAC541-7B7A-43D3-8B79-37D633B846F1}">
-                  <asvg:svgBlip xmlns:asvg="http://schemas.microsoft.com/office/drawing/2016/SVG/main" r:embed="rId8"/>
+                  <asvg:svgBlip xmlns:asvg="http://schemas.microsoft.com/office/drawing/2016/SVG/main" r:embed="rId9"/>
                 </a:ext>
               </a:extLst>
             </a:blip>
@@ -8722,8 +8737,8 @@
             </a:prstGeom>
           </p:spPr>
         </p:pic>
-        <mc:AlternateContent xmlns:mc="http://schemas.openxmlformats.org/markup-compatibility/2006">
-          <mc:Choice xmlns:a14="http://schemas.microsoft.com/office/drawing/2010/main" Requires="a14">
+        <mc:AlternateContent xmlns:mc="http://schemas.openxmlformats.org/markup-compatibility/2006" xmlns:a14="http://schemas.microsoft.com/office/drawing/2010/main">
+          <mc:Choice Requires="a14">
             <p:sp>
               <p:nvSpPr>
                 <p:cNvPr id="1519" name="TextBox 1518">
@@ -8791,7 +8806,7 @@
               </p:txBody>
             </p:sp>
           </mc:Choice>
-          <mc:Fallback>
+          <mc:Fallback xmlns="">
             <p:sp>
               <p:nvSpPr>
                 <p:cNvPr id="1519" name="TextBox 1518">
@@ -8815,7 +8830,7 @@
                   <a:avLst/>
                 </a:prstGeom>
                 <a:blipFill>
-                  <a:blip r:embed="rId9"/>
+                  <a:blip r:embed="rId10"/>
                   <a:stretch>
                     <a:fillRect l="-889" t="-3356" r="-1312" b="-8725"/>
                   </a:stretch>
@@ -8872,13 +8887,13 @@
             <p:nvPr/>
           </p:nvPicPr>
           <p:blipFill>
-            <a:blip r:embed="rId10">
+            <a:blip r:embed="rId11">
               <a:extLst>
                 <a:ext uri="{28A0092B-C50C-407E-A947-70E740481C1C}">
                   <a14:useLocalDpi xmlns:a14="http://schemas.microsoft.com/office/drawing/2010/main" val="0"/>
                 </a:ext>
                 <a:ext uri="{96DAC541-7B7A-43D3-8B79-37D633B846F1}">
-                  <asvg:svgBlip xmlns:asvg="http://schemas.microsoft.com/office/drawing/2016/SVG/main" r:embed="rId11"/>
+                  <asvg:svgBlip xmlns:asvg="http://schemas.microsoft.com/office/drawing/2016/SVG/main" r:embed="rId12"/>
                 </a:ext>
               </a:extLst>
             </a:blip>
@@ -8896,8 +8911,8 @@
             </a:prstGeom>
           </p:spPr>
         </p:pic>
-        <mc:AlternateContent xmlns:mc="http://schemas.openxmlformats.org/markup-compatibility/2006">
-          <mc:Choice xmlns:a14="http://schemas.microsoft.com/office/drawing/2010/main" Requires="a14">
+        <mc:AlternateContent xmlns:mc="http://schemas.openxmlformats.org/markup-compatibility/2006" xmlns:a14="http://schemas.microsoft.com/office/drawing/2010/main">
+          <mc:Choice Requires="a14">
             <p:sp>
               <p:nvSpPr>
                 <p:cNvPr id="1520" name="TextBox 1519">
@@ -8972,7 +8987,7 @@
               </p:txBody>
             </p:sp>
           </mc:Choice>
-          <mc:Fallback>
+          <mc:Fallback xmlns="">
             <p:sp>
               <p:nvSpPr>
                 <p:cNvPr id="1520" name="TextBox 1519">
@@ -8996,7 +9011,7 @@
                   <a:avLst/>
                 </a:prstGeom>
                 <a:blipFill>
-                  <a:blip r:embed="rId12"/>
+                  <a:blip r:embed="rId13"/>
                   <a:stretch>
                     <a:fillRect l="-889" t="-5732" b="-17197"/>
                   </a:stretch>
@@ -9186,7 +9201,7 @@
                             <a:lumOff val="25000"/>
                           </a:schemeClr>
                         </a:solidFill>
-                        <a:latin typeface="Cambria Math" panose="02040503050406030204" pitchFamily="18" charset="0"/>
+                        <a:latin typeface="+mn-lt"/>
                         <a:ea typeface="ＭＳ Ｐゴシック" charset="-128"/>
                       </a:rPr>
                       <m:t>𝑛</m:t>
@@ -9199,7 +9214,7 @@
                             <a:lumOff val="25000"/>
                           </a:schemeClr>
                         </a:solidFill>
-                        <a:latin typeface="Cambria Math" panose="02040503050406030204" pitchFamily="18" charset="0"/>
+                        <a:latin typeface="+mn-lt"/>
                         <a:ea typeface="ＭＳ Ｐゴシック" charset="-128"/>
                       </a:rPr>
                       <m:t>=3</m:t>
@@ -9229,7 +9244,7 @@
                             <a:lumOff val="25000"/>
                           </a:schemeClr>
                         </a:solidFill>
-                        <a:latin typeface="Cambria Math" panose="02040503050406030204" pitchFamily="18" charset="0"/>
+                        <a:latin typeface="+mn-lt"/>
                         <a:ea typeface="ＭＳ Ｐゴシック" charset="-128"/>
                       </a:rPr>
                       <m:t>𝑛</m:t>
@@ -9259,7 +9274,7 @@
                             <a:lumOff val="25000"/>
                           </a:schemeClr>
                         </a:solidFill>
-                        <a:latin typeface="Cambria Math" panose="02040503050406030204" pitchFamily="18" charset="0"/>
+                        <a:latin typeface="+mn-lt"/>
                         <a:ea typeface="ＭＳ Ｐゴシック" charset="-128"/>
                       </a:rPr>
                       <m:t>𝑛</m:t>
@@ -9311,7 +9326,7 @@
                             <a:lumOff val="25000"/>
                           </a:schemeClr>
                         </a:solidFill>
-                        <a:latin typeface="Cambria Math" panose="02040503050406030204" pitchFamily="18" charset="0"/>
+                        <a:latin typeface="+mn-lt"/>
                         <a:ea typeface="ＭＳ Ｐゴシック" charset="-128"/>
                       </a:rPr>
                       <m:t>𝑛</m:t>
@@ -9341,7 +9356,7 @@
                             <a:lumOff val="25000"/>
                           </a:schemeClr>
                         </a:solidFill>
-                        <a:latin typeface="Cambria Math" panose="02040503050406030204" pitchFamily="18" charset="0"/>
+                        <a:latin typeface="+mn-lt"/>
                         <a:ea typeface="ＭＳ Ｐゴシック" charset="-128"/>
                       </a:rPr>
                       <m:t>𝑛</m:t>
@@ -9354,7 +9369,7 @@
                             <a:lumOff val="25000"/>
                           </a:schemeClr>
                         </a:solidFill>
-                        <a:latin typeface="Cambria Math" panose="02040503050406030204" pitchFamily="18" charset="0"/>
+                        <a:latin typeface="+mn-lt"/>
                         <a:ea typeface="ＭＳ Ｐゴシック" charset="-128"/>
                       </a:rPr>
                       <m:t>=2</m:t>
@@ -9384,7 +9399,7 @@
                             <a:lumOff val="25000"/>
                           </a:schemeClr>
                         </a:solidFill>
-                        <a:latin typeface="Cambria Math" panose="02040503050406030204" pitchFamily="18" charset="0"/>
+                        <a:latin typeface="+mn-lt"/>
                         <a:ea typeface="ＭＳ Ｐゴシック" charset="-128"/>
                       </a:rPr>
                       <m:t>𝑛</m:t>
@@ -9397,7 +9412,7 @@
                             <a:lumOff val="25000"/>
                           </a:schemeClr>
                         </a:solidFill>
-                        <a:latin typeface="Cambria Math" panose="02040503050406030204" pitchFamily="18" charset="0"/>
+                        <a:latin typeface="+mn-lt"/>
                         <a:ea typeface="ＭＳ Ｐゴシック" charset="-128"/>
                       </a:rPr>
                       <m:t>=4</m:t>
@@ -9451,7 +9466,7 @@
                                 <a:lumOff val="25000"/>
                               </a:schemeClr>
                             </a:solidFill>
-                            <a:latin typeface="Cambria Math" panose="02040503050406030204" pitchFamily="18" charset="0"/>
+                            <a:latin typeface="+mn-lt"/>
                             <a:ea typeface="ＭＳ Ｐゴシック" charset="-128"/>
                           </a:rPr>
                         </m:ctrlPr>
@@ -9465,7 +9480,7 @@
                                 <a:lumOff val="25000"/>
                               </a:schemeClr>
                             </a:solidFill>
-                            <a:latin typeface="Cambria Math" panose="02040503050406030204" pitchFamily="18" charset="0"/>
+                            <a:latin typeface="+mn-lt"/>
                             <a:ea typeface="ＭＳ Ｐゴシック" charset="-128"/>
                           </a:rPr>
                           <m:t>𝐼</m:t>
@@ -9480,7 +9495,7 @@
                                 <a:lumOff val="25000"/>
                               </a:schemeClr>
                             </a:solidFill>
-                            <a:latin typeface="Cambria Math" panose="02040503050406030204" pitchFamily="18" charset="0"/>
+                            <a:latin typeface="+mn-lt"/>
                             <a:ea typeface="ＭＳ Ｐゴシック" charset="-128"/>
                           </a:rPr>
                           <m:t>0</m:t>
@@ -9512,7 +9527,7 @@
                             <a:lumOff val="25000"/>
                           </a:schemeClr>
                         </a:solidFill>
-                        <a:latin typeface="Cambria Math" panose="02040503050406030204" pitchFamily="18" charset="0"/>
+                        <a:latin typeface="+mn-lt"/>
                         <a:ea typeface="ＭＳ Ｐゴシック" charset="-128"/>
                       </a:rPr>
                       <m:t>𝛼</m:t>
@@ -9560,7 +9575,7 @@
                 <a:avLst/>
               </a:prstGeom>
               <a:blipFill>
-                <a:blip r:embed="rId13"/>
+                <a:blip r:embed="rId14"/>
                 <a:stretch>
                   <a:fillRect l="-127" r="-212"/>
                 </a:stretch>
@@ -9738,6 +9753,7 @@
                         <a:lumOff val="25000"/>
                       </a:schemeClr>
                     </a:solidFill>
+                    <a:latin typeface="+mn-lt"/>
                     <a:ea typeface="ＭＳ Ｐゴシック" charset="-128"/>
                   </a:rPr>
                   <a:t>[3] suggests that for </a:t>
@@ -9752,7 +9768,7 @@
                             <a:lumOff val="25000"/>
                           </a:schemeClr>
                         </a:solidFill>
-                        <a:latin typeface="Cambria Math" panose="02040503050406030204" pitchFamily="18" charset="0"/>
+                        <a:latin typeface="+mn-lt"/>
                         <a:ea typeface="ＭＳ Ｐゴシック" charset="-128"/>
                       </a:rPr>
                       <m:t>𝑛</m:t>
@@ -9765,7 +9781,7 @@
                             <a:lumOff val="25000"/>
                           </a:schemeClr>
                         </a:solidFill>
-                        <a:latin typeface="Cambria Math" panose="02040503050406030204" pitchFamily="18" charset="0"/>
+                        <a:latin typeface="+mn-lt"/>
                         <a:ea typeface="ＭＳ Ｐゴシック" charset="-128"/>
                       </a:rPr>
                       <m:t>=2</m:t>
@@ -9780,6 +9796,7 @@
                         <a:lumOff val="25000"/>
                       </a:schemeClr>
                     </a:solidFill>
+                    <a:latin typeface="+mn-lt"/>
                     <a:ea typeface="ＭＳ Ｐゴシック" charset="-128"/>
                   </a:rPr>
                   <a:t>, </a:t>
@@ -9796,7 +9813,7 @@
                                 <a:lumOff val="25000"/>
                               </a:schemeClr>
                             </a:solidFill>
-                            <a:latin typeface="Cambria Math" panose="02040503050406030204" pitchFamily="18" charset="0"/>
+                            <a:latin typeface="+mn-lt"/>
                             <a:ea typeface="ＭＳ Ｐゴシック" charset="-128"/>
                           </a:rPr>
                         </m:ctrlPr>
@@ -9810,7 +9827,7 @@
                                 <a:lumOff val="25000"/>
                               </a:schemeClr>
                             </a:solidFill>
-                            <a:latin typeface="Cambria Math" panose="02040503050406030204" pitchFamily="18" charset="0"/>
+                            <a:latin typeface="+mn-lt"/>
                             <a:ea typeface="ＭＳ Ｐゴシック" charset="-128"/>
                           </a:rPr>
                           <m:t>𝐼</m:t>
@@ -9825,7 +9842,7 @@
                                 <a:lumOff val="25000"/>
                               </a:schemeClr>
                             </a:solidFill>
-                            <a:latin typeface="Cambria Math" panose="02040503050406030204" pitchFamily="18" charset="0"/>
+                            <a:latin typeface="+mn-lt"/>
                             <a:ea typeface="ＭＳ Ｐゴシック" charset="-128"/>
                           </a:rPr>
                           <m:t>0 </m:t>
@@ -9840,7 +9857,7 @@
                             <a:lumOff val="25000"/>
                           </a:schemeClr>
                         </a:solidFill>
-                        <a:latin typeface="Cambria Math" panose="02040503050406030204" pitchFamily="18" charset="0"/>
+                        <a:latin typeface="+mn-lt"/>
                         <a:ea typeface="ＭＳ Ｐゴシック" charset="-128"/>
                       </a:rPr>
                       <m:t>=50</m:t>
@@ -9855,6 +9872,7 @@
                         <a:lumOff val="25000"/>
                       </a:schemeClr>
                     </a:solidFill>
+                    <a:latin typeface="+mn-lt"/>
                     <a:ea typeface="ＭＳ Ｐゴシック" charset="-128"/>
                   </a:rPr>
                   <a:t> </a:t>
@@ -9867,6 +9885,7 @@
                         <a:lumOff val="25000"/>
                       </a:schemeClr>
                     </a:solidFill>
+                    <a:latin typeface="+mn-lt"/>
                     <a:ea typeface="ＭＳ Ｐゴシック" charset="-128"/>
                   </a:rPr>
                   <a:t>kAt</a:t>
@@ -9879,6 +9898,7 @@
                         <a:lumOff val="25000"/>
                       </a:schemeClr>
                     </a:solidFill>
+                    <a:latin typeface="+mn-lt"/>
                     <a:ea typeface="ＭＳ Ｐゴシック" charset="-128"/>
                   </a:rPr>
                   <a:t> is necessary, for </a:t>
@@ -9893,7 +9913,7 @@
                             <a:lumOff val="25000"/>
                           </a:schemeClr>
                         </a:solidFill>
-                        <a:latin typeface="Cambria Math" panose="02040503050406030204" pitchFamily="18" charset="0"/>
+                        <a:latin typeface="+mn-lt"/>
                         <a:ea typeface="ＭＳ Ｐゴシック" charset="-128"/>
                       </a:rPr>
                       <m:t>𝑛</m:t>
@@ -9906,7 +9926,7 @@
                             <a:lumOff val="25000"/>
                           </a:schemeClr>
                         </a:solidFill>
-                        <a:latin typeface="Cambria Math" panose="02040503050406030204" pitchFamily="18" charset="0"/>
+                        <a:latin typeface="+mn-lt"/>
                         <a:ea typeface="ＭＳ Ｐゴシック" charset="-128"/>
                       </a:rPr>
                       <m:t>=3</m:t>
@@ -9921,6 +9941,7 @@
                         <a:lumOff val="25000"/>
                       </a:schemeClr>
                     </a:solidFill>
+                    <a:latin typeface="+mn-lt"/>
                     <a:ea typeface="ＭＳ Ｐゴシック" charset="-128"/>
                   </a:rPr>
                   <a:t>, </a:t>
@@ -9937,7 +9958,7 @@
                                 <a:lumOff val="25000"/>
                               </a:schemeClr>
                             </a:solidFill>
-                            <a:latin typeface="Cambria Math" panose="02040503050406030204" pitchFamily="18" charset="0"/>
+                            <a:latin typeface="+mn-lt"/>
                             <a:ea typeface="ＭＳ Ｐゴシック" charset="-128"/>
                           </a:rPr>
                         </m:ctrlPr>
@@ -9951,7 +9972,7 @@
                                 <a:lumOff val="25000"/>
                               </a:schemeClr>
                             </a:solidFill>
-                            <a:latin typeface="Cambria Math" panose="02040503050406030204" pitchFamily="18" charset="0"/>
+                            <a:latin typeface="+mn-lt"/>
                             <a:ea typeface="ＭＳ Ｐゴシック" charset="-128"/>
                           </a:rPr>
                           <m:t>𝐼</m:t>
@@ -9966,7 +9987,7 @@
                                 <a:lumOff val="25000"/>
                               </a:schemeClr>
                             </a:solidFill>
-                            <a:latin typeface="Cambria Math" panose="02040503050406030204" pitchFamily="18" charset="0"/>
+                            <a:latin typeface="+mn-lt"/>
                             <a:ea typeface="ＭＳ Ｐゴシック" charset="-128"/>
                           </a:rPr>
                           <m:t>0</m:t>
@@ -9983,6 +10004,7 @@
                         <a:lumOff val="25000"/>
                       </a:schemeClr>
                     </a:solidFill>
+                    <a:latin typeface="+mn-lt"/>
                     <a:ea typeface="ＭＳ Ｐゴシック" charset="-128"/>
                   </a:rPr>
                   <a:t>= 90 </a:t>
@@ -9995,6 +10017,7 @@
                         <a:lumOff val="25000"/>
                       </a:schemeClr>
                     </a:solidFill>
+                    <a:latin typeface="+mn-lt"/>
                     <a:ea typeface="ＭＳ Ｐゴシック" charset="-128"/>
                   </a:rPr>
                   <a:t>kAt</a:t>
@@ -10007,6 +10030,7 @@
                         <a:lumOff val="25000"/>
                       </a:schemeClr>
                     </a:solidFill>
+                    <a:latin typeface="+mn-lt"/>
                     <a:ea typeface="ＭＳ Ｐゴシック" charset="-128"/>
                   </a:rPr>
                   <a:t> is required, and for </a:t>
@@ -10021,7 +10045,7 @@
                             <a:lumOff val="25000"/>
                           </a:schemeClr>
                         </a:solidFill>
-                        <a:latin typeface="Cambria Math" panose="02040503050406030204" pitchFamily="18" charset="0"/>
+                        <a:latin typeface="+mn-lt"/>
                         <a:ea typeface="ＭＳ Ｐゴシック" charset="-128"/>
                       </a:rPr>
                       <m:t>𝑛</m:t>
@@ -10034,7 +10058,7 @@
                             <a:lumOff val="25000"/>
                           </a:schemeClr>
                         </a:solidFill>
-                        <a:latin typeface="Cambria Math" panose="02040503050406030204" pitchFamily="18" charset="0"/>
+                        <a:latin typeface="+mn-lt"/>
                         <a:ea typeface="ＭＳ Ｐゴシック" charset="-128"/>
                       </a:rPr>
                       <m:t>=4</m:t>
@@ -10140,7 +10164,7 @@
                 <a:avLst/>
               </a:prstGeom>
               <a:blipFill>
-                <a:blip r:embed="rId14"/>
+                <a:blip r:embed="rId15"/>
                 <a:stretch>
                   <a:fillRect l="-127" r="-212" b="-526"/>
                 </a:stretch>
@@ -10173,13 +10197,13 @@
     </p:extLst>
   </p:cSld>
   <p:clrMapOvr>
-    <a:masterClrMapping/>
+    <a:overrideClrMapping bg1="lt1" tx1="dk1" bg2="lt2" tx2="dk2" accent1="accent1" accent2="accent2" accent3="accent3" accent4="accent4" accent5="accent5" accent6="accent6" hlink="hlink" folHlink="folHlink"/>
   </p:clrMapOvr>
 </p:sld>
 </file>
 
 <file path=ppt/slides/slide2.xml><?xml version="1.0" encoding="utf-8"?>
-<p:sld xmlns:a="http://schemas.openxmlformats.org/drawingml/2006/main" xmlns:r="http://schemas.openxmlformats.org/officeDocument/2006/relationships" xmlns:p="http://schemas.openxmlformats.org/presentationml/2006/main">
+<p:sld xmlns:a="http://schemas.openxmlformats.org/drawingml/2006/main" xmlns:r="http://schemas.openxmlformats.org/officeDocument/2006/relationships" xmlns:p="http://schemas.openxmlformats.org/presentationml/2006/main" show="0">
   <p:cSld>
     <p:spTree>
       <p:nvGrpSpPr>
@@ -10464,7 +10488,7 @@
 </file>
 
 <file path=ppt/slides/slide3.xml><?xml version="1.0" encoding="utf-8"?>
-<p:sld xmlns:a="http://schemas.openxmlformats.org/drawingml/2006/main" xmlns:r="http://schemas.openxmlformats.org/officeDocument/2006/relationships" xmlns:p="http://schemas.openxmlformats.org/presentationml/2006/main">
+<p:sld xmlns:a="http://schemas.openxmlformats.org/drawingml/2006/main" xmlns:r="http://schemas.openxmlformats.org/officeDocument/2006/relationships" xmlns:p="http://schemas.openxmlformats.org/presentationml/2006/main" show="0">
   <p:cSld>
     <p:bg>
       <p:bgPr>
@@ -14560,7 +14584,58 @@
 </a:theme>
 </file>
 
+<file path=ppt/theme/themeOverride1.xml><?xml version="1.0" encoding="utf-8"?>
+<a:themeOverride xmlns:a="http://schemas.openxmlformats.org/drawingml/2006/main">
+  <a:clrScheme name="Office Theme">
+    <a:dk1>
+      <a:sysClr val="windowText" lastClr="000000"/>
+    </a:dk1>
+    <a:lt1>
+      <a:sysClr val="window" lastClr="FFFFFF"/>
+    </a:lt1>
+    <a:dk2>
+      <a:srgbClr val="44546A"/>
+    </a:dk2>
+    <a:lt2>
+      <a:srgbClr val="E7E6E6"/>
+    </a:lt2>
+    <a:accent1>
+      <a:srgbClr val="5B9BD5"/>
+    </a:accent1>
+    <a:accent2>
+      <a:srgbClr val="ED7D31"/>
+    </a:accent2>
+    <a:accent3>
+      <a:srgbClr val="A5A5A5"/>
+    </a:accent3>
+    <a:accent4>
+      <a:srgbClr val="FFC000"/>
+    </a:accent4>
+    <a:accent5>
+      <a:srgbClr val="4472C4"/>
+    </a:accent5>
+    <a:accent6>
+      <a:srgbClr val="70AD47"/>
+    </a:accent6>
+    <a:hlink>
+      <a:srgbClr val="0563C1"/>
+    </a:hlink>
+    <a:folHlink>
+      <a:srgbClr val="954F72"/>
+    </a:folHlink>
+  </a:clrScheme>
+</a:themeOverride>
+</file>
+
 <file path=customXml/item1.xml><?xml version="1.0" encoding="utf-8"?>
+<p:properties xmlns:p="http://schemas.microsoft.com/office/2006/metadata/properties" xmlns:xsi="http://www.w3.org/2001/XMLSchema-instance" xmlns:pc="http://schemas.microsoft.com/office/infopath/2007/PartnerControls">
+  <documentManagement>
+    <_activity xmlns="841e8680-4293-4076-bfcf-f9a2b2231bdd" xsi:nil="true"/>
+  </documentManagement>
+</p:properties>
+</file>
+
+<file path=customXml/item2.xml><?xml version="1.0" encoding="utf-8"?>
 <ct:contentTypeSchema xmlns:ct="http://schemas.microsoft.com/office/2006/metadata/contentType" xmlns:ma="http://schemas.microsoft.com/office/2006/metadata/properties/metaAttributes" ct:_="" ma:_="" ma:contentTypeName="Document" ma:contentTypeID="0x010100D8558321CBD14A40ADC97F4E1EC88580" ma:contentTypeVersion="16" ma:contentTypeDescription="Create a new document." ma:contentTypeScope="" ma:versionID="7f10ada2703ab5a87e36b2d3130c569b">
   <xsd:schema xmlns:xsd="http://www.w3.org/2001/XMLSchema" xmlns:xs="http://www.w3.org/2001/XMLSchema" xmlns:p="http://schemas.microsoft.com/office/2006/metadata/properties" xmlns:ns3="e1e2823e-0627-4f7b-8512-977cf2b75da5" xmlns:ns4="841e8680-4293-4076-bfcf-f9a2b2231bdd" targetNamespace="http://schemas.microsoft.com/office/2006/metadata/properties" ma:root="true" ma:fieldsID="88152dd14bd4b30630478ce455527e6b" ns3:_="" ns4:_="">
     <xsd:import namespace="e1e2823e-0627-4f7b-8512-977cf2b75da5"/>
@@ -14801,14 +14876,6 @@
 </ct:contentTypeSchema>
 </file>
 
-<file path=customXml/item2.xml><?xml version="1.0" encoding="utf-8"?>
-<p:properties xmlns:p="http://schemas.microsoft.com/office/2006/metadata/properties" xmlns:xsi="http://www.w3.org/2001/XMLSchema-instance" xmlns:pc="http://schemas.microsoft.com/office/infopath/2007/PartnerControls">
-  <documentManagement>
-    <_activity xmlns="841e8680-4293-4076-bfcf-f9a2b2231bdd" xsi:nil="true"/>
-  </documentManagement>
-</p:properties>
-</file>
-
 <file path=customXml/item3.xml><?xml version="1.0" encoding="utf-8"?>
 <?mso-contentType ?>
 <FormTemplates xmlns="http://schemas.microsoft.com/sharepoint/v3/contenttype/forms">
@@ -14819,6 +14886,23 @@
 </file>
 
 <file path=customXml/itemProps1.xml><?xml version="1.0" encoding="utf-8"?>
+<ds:datastoreItem xmlns:ds="http://schemas.openxmlformats.org/officeDocument/2006/customXml" ds:itemID="{C3FEF923-5265-4CF9-82A3-3E5F50E7A64D}">
+  <ds:schemaRefs>
+    <ds:schemaRef ds:uri="e1e2823e-0627-4f7b-8512-977cf2b75da5"/>
+    <ds:schemaRef ds:uri="http://www.w3.org/XML/1998/namespace"/>
+    <ds:schemaRef ds:uri="http://schemas.openxmlformats.org/package/2006/metadata/core-properties"/>
+    <ds:schemaRef ds:uri="http://purl.org/dc/dcmitype/"/>
+    <ds:schemaRef ds:uri="http://schemas.microsoft.com/office/2006/documentManagement/types"/>
+    <ds:schemaRef ds:uri="http://schemas.microsoft.com/office/2006/metadata/properties"/>
+    <ds:schemaRef ds:uri="841e8680-4293-4076-bfcf-f9a2b2231bdd"/>
+    <ds:schemaRef ds:uri="http://purl.org/dc/terms/"/>
+    <ds:schemaRef ds:uri="http://schemas.microsoft.com/office/infopath/2007/PartnerControls"/>
+    <ds:schemaRef ds:uri="http://purl.org/dc/elements/1.1/"/>
+  </ds:schemaRefs>
+</ds:datastoreItem>
+</file>
+
+<file path=customXml/itemProps2.xml><?xml version="1.0" encoding="utf-8"?>
 <ds:datastoreItem xmlns:ds="http://schemas.openxmlformats.org/officeDocument/2006/customXml" ds:itemID="{DF826009-A018-4ABA-BD27-B3B4148E8553}">
   <ds:schemaRefs>
     <ds:schemaRef ds:uri="http://schemas.microsoft.com/office/2006/metadata/contentType"/>
@@ -14837,23 +14921,6 @@
 </ds:datastoreItem>
 </file>
 
-<file path=customXml/itemProps2.xml><?xml version="1.0" encoding="utf-8"?>
-<ds:datastoreItem xmlns:ds="http://schemas.openxmlformats.org/officeDocument/2006/customXml" ds:itemID="{C3FEF923-5265-4CF9-82A3-3E5F50E7A64D}">
-  <ds:schemaRefs>
-    <ds:schemaRef ds:uri="e1e2823e-0627-4f7b-8512-977cf2b75da5"/>
-    <ds:schemaRef ds:uri="http://www.w3.org/XML/1998/namespace"/>
-    <ds:schemaRef ds:uri="http://schemas.openxmlformats.org/package/2006/metadata/core-properties"/>
-    <ds:schemaRef ds:uri="http://purl.org/dc/dcmitype/"/>
-    <ds:schemaRef ds:uri="http://schemas.microsoft.com/office/2006/documentManagement/types"/>
-    <ds:schemaRef ds:uri="http://schemas.microsoft.com/office/2006/metadata/properties"/>
-    <ds:schemaRef ds:uri="841e8680-4293-4076-bfcf-f9a2b2231bdd"/>
-    <ds:schemaRef ds:uri="http://purl.org/dc/terms/"/>
-    <ds:schemaRef ds:uri="http://schemas.microsoft.com/office/infopath/2007/PartnerControls"/>
-    <ds:schemaRef ds:uri="http://purl.org/dc/elements/1.1/"/>
-  </ds:schemaRefs>
-</ds:datastoreItem>
-</file>
-
 <file path=customXml/itemProps3.xml><?xml version="1.0" encoding="utf-8"?>
 <ds:datastoreItem xmlns:ds="http://schemas.openxmlformats.org/officeDocument/2006/customXml" ds:itemID="{76DA871C-37EA-4583-ADDD-341591657930}">
   <ds:schemaRefs>

--- a/IAEA_poster.pptx
+++ b/IAEA_poster.pptx
@@ -114,6 +114,91 @@
 </p:presentation>
 </file>
 
+<file path=ppt/revisionInfo.xml><?xml version="1.0" encoding="utf-8"?>
+<p1510:revInfo xmlns:a="http://schemas.openxmlformats.org/drawingml/2006/main" xmlns:r="http://schemas.openxmlformats.org/officeDocument/2006/relationships" xmlns:p1510="http://schemas.microsoft.com/office/powerpoint/2015/10/main">
+  <p1510:revLst>
+    <p1510:client id="{6604DB85-465C-4B22-A286-21CD5F49ECB3}" v="58" dt="2023-09-05T10:45:00.514"/>
+  </p1510:revLst>
+</p1510:revInfo>
+</file>
+
+<file path=ppt/changesInfos/changesInfo1.xml><?xml version="1.0" encoding="utf-8"?>
+<pc:chgInfo xmlns:a="http://schemas.openxmlformats.org/drawingml/2006/main" xmlns:r="http://schemas.openxmlformats.org/officeDocument/2006/relationships" xmlns:ac="http://schemas.microsoft.com/office/drawing/2013/main/command" xmlns:pc="http://schemas.microsoft.com/office/powerpoint/2013/main/command">
+  <pc:docChgLst>
+    <pc:chgData name="Prokopyszyn, Alex" userId="4005ad8b-e7e9-405c-9b46-a44bb2807aac" providerId="ADAL" clId="{6604DB85-465C-4B22-A286-21CD5F49ECB3}"/>
+    <pc:docChg chg="undo custSel modSld">
+      <pc:chgData name="Prokopyszyn, Alex" userId="4005ad8b-e7e9-405c-9b46-a44bb2807aac" providerId="ADAL" clId="{6604DB85-465C-4B22-A286-21CD5F49ECB3}" dt="2023-09-05T10:45:00.513" v="93" actId="14100"/>
+      <pc:docMkLst>
+        <pc:docMk/>
+      </pc:docMkLst>
+      <pc:sldChg chg="addSp delSp modSp mod">
+        <pc:chgData name="Prokopyszyn, Alex" userId="4005ad8b-e7e9-405c-9b46-a44bb2807aac" providerId="ADAL" clId="{6604DB85-465C-4B22-A286-21CD5F49ECB3}" dt="2023-09-05T10:45:00.513" v="93" actId="14100"/>
+        <pc:sldMkLst>
+          <pc:docMk/>
+          <pc:sldMk cId="3331785364" sldId="256"/>
+        </pc:sldMkLst>
+        <pc:spChg chg="mod ord">
+          <ac:chgData name="Prokopyszyn, Alex" userId="4005ad8b-e7e9-405c-9b46-a44bb2807aac" providerId="ADAL" clId="{6604DB85-465C-4B22-A286-21CD5F49ECB3}" dt="2023-09-05T10:44:49.515" v="92" actId="20577"/>
+          <ac:spMkLst>
+            <pc:docMk/>
+            <pc:sldMk cId="3331785364" sldId="256"/>
+            <ac:spMk id="6" creationId="{00000000-0000-0000-0000-000000000000}"/>
+          </ac:spMkLst>
+        </pc:spChg>
+        <pc:spChg chg="add del mod">
+          <ac:chgData name="Prokopyszyn, Alex" userId="4005ad8b-e7e9-405c-9b46-a44bb2807aac" providerId="ADAL" clId="{6604DB85-465C-4B22-A286-21CD5F49ECB3}" dt="2023-09-05T10:41:06.196" v="66" actId="478"/>
+          <ac:spMkLst>
+            <pc:docMk/>
+            <pc:sldMk cId="3331785364" sldId="256"/>
+            <ac:spMk id="8" creationId="{DCC87D43-F7F4-3226-ED2F-8D423F754789}"/>
+          </ac:spMkLst>
+        </pc:spChg>
+        <pc:graphicFrameChg chg="add del mod">
+          <ac:chgData name="Prokopyszyn, Alex" userId="4005ad8b-e7e9-405c-9b46-a44bb2807aac" providerId="ADAL" clId="{6604DB85-465C-4B22-A286-21CD5F49ECB3}" dt="2023-09-05T10:39:35.292" v="57" actId="478"/>
+          <ac:graphicFrameMkLst>
+            <pc:docMk/>
+            <pc:sldMk cId="3331785364" sldId="256"/>
+            <ac:graphicFrameMk id="5" creationId="{1751B5AE-8350-1D11-077B-401610C852E3}"/>
+          </ac:graphicFrameMkLst>
+        </pc:graphicFrameChg>
+        <pc:picChg chg="add del mod modCrop">
+          <ac:chgData name="Prokopyszyn, Alex" userId="4005ad8b-e7e9-405c-9b46-a44bb2807aac" providerId="ADAL" clId="{6604DB85-465C-4B22-A286-21CD5F49ECB3}" dt="2023-09-05T10:41:17.879" v="69" actId="478"/>
+          <ac:picMkLst>
+            <pc:docMk/>
+            <pc:sldMk cId="3331785364" sldId="256"/>
+            <ac:picMk id="4" creationId="{351E97CB-8841-757F-0BC4-951A68932DD0}"/>
+          </ac:picMkLst>
+        </pc:picChg>
+        <pc:picChg chg="add del mod">
+          <ac:chgData name="Prokopyszyn, Alex" userId="4005ad8b-e7e9-405c-9b46-a44bb2807aac" providerId="ADAL" clId="{6604DB85-465C-4B22-A286-21CD5F49ECB3}" dt="2023-09-05T10:40:59.877" v="62" actId="478"/>
+          <ac:picMkLst>
+            <pc:docMk/>
+            <pc:sldMk cId="3331785364" sldId="256"/>
+            <ac:picMk id="7" creationId="{5347AD26-468A-1B4D-C98A-7DB4781AB9CD}"/>
+          </ac:picMkLst>
+        </pc:picChg>
+        <pc:picChg chg="add del mod">
+          <ac:chgData name="Prokopyszyn, Alex" userId="4005ad8b-e7e9-405c-9b46-a44bb2807aac" providerId="ADAL" clId="{6604DB85-465C-4B22-A286-21CD5F49ECB3}" dt="2023-09-05T10:41:06.196" v="66" actId="478"/>
+          <ac:picMkLst>
+            <pc:docMk/>
+            <pc:sldMk cId="3331785364" sldId="256"/>
+            <ac:picMk id="9" creationId="{5450785D-C7E8-648B-8371-AF519480805F}"/>
+          </ac:picMkLst>
+        </pc:picChg>
+        <pc:picChg chg="add mod">
+          <ac:chgData name="Prokopyszyn, Alex" userId="4005ad8b-e7e9-405c-9b46-a44bb2807aac" providerId="ADAL" clId="{6604DB85-465C-4B22-A286-21CD5F49ECB3}" dt="2023-09-05T10:45:00.513" v="93" actId="14100"/>
+          <ac:picMkLst>
+            <pc:docMk/>
+            <pc:sldMk cId="3331785364" sldId="256"/>
+            <ac:picMk id="10" creationId="{799C8AE4-D3D3-D8F6-07CE-571BA578C9E9}"/>
+          </ac:picMkLst>
+        </pc:picChg>
+      </pc:sldChg>
+    </pc:docChg>
+  </pc:docChgLst>
+</pc:chgInfo>
+</file>
+
 <file path=ppt/slideLayouts/slideLayout1.xml><?xml version="1.0" encoding="utf-8"?>
 <p:sldLayout xmlns:a="http://schemas.openxmlformats.org/drawingml/2006/main" xmlns:r="http://schemas.openxmlformats.org/officeDocument/2006/relationships" xmlns:p="http://schemas.openxmlformats.org/presentationml/2006/main" type="title" preserve="1">
   <p:cSld name="Title Slide">
@@ -245,7 +330,7 @@
           <a:p>
             <a:fld id="{D6CCE9EA-F87E-449B-A760-0CFB0069B4F4}" type="datetimeFigureOut">
               <a:rPr lang="en-US" smtClean="0"/>
-              <a:t>8/22/2023</a:t>
+              <a:t>9/5/2023</a:t>
             </a:fld>
             <a:endParaRPr lang="en-US"/>
           </a:p>
@@ -415,7 +500,7 @@
           <a:p>
             <a:fld id="{D6CCE9EA-F87E-449B-A760-0CFB0069B4F4}" type="datetimeFigureOut">
               <a:rPr lang="en-US" smtClean="0"/>
-              <a:t>8/22/2023</a:t>
+              <a:t>9/5/2023</a:t>
             </a:fld>
             <a:endParaRPr lang="en-US"/>
           </a:p>
@@ -595,7 +680,7 @@
           <a:p>
             <a:fld id="{D6CCE9EA-F87E-449B-A760-0CFB0069B4F4}" type="datetimeFigureOut">
               <a:rPr lang="en-US" smtClean="0"/>
-              <a:t>8/22/2023</a:t>
+              <a:t>9/5/2023</a:t>
             </a:fld>
             <a:endParaRPr lang="en-US"/>
           </a:p>
@@ -765,7 +850,7 @@
           <a:p>
             <a:fld id="{D6CCE9EA-F87E-449B-A760-0CFB0069B4F4}" type="datetimeFigureOut">
               <a:rPr lang="en-US" smtClean="0"/>
-              <a:t>8/22/2023</a:t>
+              <a:t>9/5/2023</a:t>
             </a:fld>
             <a:endParaRPr lang="en-US"/>
           </a:p>
@@ -1009,7 +1094,7 @@
           <a:p>
             <a:fld id="{D6CCE9EA-F87E-449B-A760-0CFB0069B4F4}" type="datetimeFigureOut">
               <a:rPr lang="en-US" smtClean="0"/>
-              <a:t>8/22/2023</a:t>
+              <a:t>9/5/2023</a:t>
             </a:fld>
             <a:endParaRPr lang="en-US"/>
           </a:p>
@@ -1241,7 +1326,7 @@
           <a:p>
             <a:fld id="{D6CCE9EA-F87E-449B-A760-0CFB0069B4F4}" type="datetimeFigureOut">
               <a:rPr lang="en-US" smtClean="0"/>
-              <a:t>8/22/2023</a:t>
+              <a:t>9/5/2023</a:t>
             </a:fld>
             <a:endParaRPr lang="en-US"/>
           </a:p>
@@ -1608,7 +1693,7 @@
           <a:p>
             <a:fld id="{D6CCE9EA-F87E-449B-A760-0CFB0069B4F4}" type="datetimeFigureOut">
               <a:rPr lang="en-US" smtClean="0"/>
-              <a:t>8/22/2023</a:t>
+              <a:t>9/5/2023</a:t>
             </a:fld>
             <a:endParaRPr lang="en-US"/>
           </a:p>
@@ -1726,7 +1811,7 @@
           <a:p>
             <a:fld id="{D6CCE9EA-F87E-449B-A760-0CFB0069B4F4}" type="datetimeFigureOut">
               <a:rPr lang="en-US" smtClean="0"/>
-              <a:t>8/22/2023</a:t>
+              <a:t>9/5/2023</a:t>
             </a:fld>
             <a:endParaRPr lang="en-US"/>
           </a:p>
@@ -1821,7 +1906,7 @@
           <a:p>
             <a:fld id="{D6CCE9EA-F87E-449B-A760-0CFB0069B4F4}" type="datetimeFigureOut">
               <a:rPr lang="en-US" smtClean="0"/>
-              <a:t>8/22/2023</a:t>
+              <a:t>9/5/2023</a:t>
             </a:fld>
             <a:endParaRPr lang="en-US"/>
           </a:p>
@@ -2098,7 +2183,7 @@
           <a:p>
             <a:fld id="{D6CCE9EA-F87E-449B-A760-0CFB0069B4F4}" type="datetimeFigureOut">
               <a:rPr lang="en-US" smtClean="0"/>
-              <a:t>8/22/2023</a:t>
+              <a:t>9/5/2023</a:t>
             </a:fld>
             <a:endParaRPr lang="en-US"/>
           </a:p>
@@ -2355,7 +2440,7 @@
           <a:p>
             <a:fld id="{D6CCE9EA-F87E-449B-A760-0CFB0069B4F4}" type="datetimeFigureOut">
               <a:rPr lang="en-US" smtClean="0"/>
-              <a:t>8/22/2023</a:t>
+              <a:t>9/5/2023</a:t>
             </a:fld>
             <a:endParaRPr lang="en-US"/>
           </a:p>
@@ -2568,7 +2653,7 @@
           <a:p>
             <a:fld id="{D6CCE9EA-F87E-449B-A760-0CFB0069B4F4}" type="datetimeFigureOut">
               <a:rPr lang="en-US" smtClean="0"/>
-              <a:t>8/22/2023</a:t>
+              <a:t>9/5/2023</a:t>
             </a:fld>
             <a:endParaRPr lang="en-US"/>
           </a:p>
@@ -3005,7 +3090,6 @@
           </a:bodyPr>
           <a:lstStyle/>
           <a:p>
-            <a:pPr algn="ctr"/>
             <a:r>
               <a:rPr lang="en-US" sz="9600" b="1" kern="0" spc="-100" dirty="0">
                 <a:solidFill>
@@ -3044,7 +3128,7 @@
                   <a:schemeClr val="bg1"/>
                 </a:solidFill>
               </a:rPr>
-              <a:t>ѐ</a:t>
+              <a:t>é</a:t>
             </a:r>
             <a:r>
               <a:rPr lang="en-GB" sz="9600" b="1" kern="0" spc="-100" dirty="0">
@@ -3056,7 +3140,6 @@
             </a:r>
           </a:p>
           <a:p>
-            <a:pPr algn="ctr"/>
             <a:r>
               <a:rPr lang="en-US" sz="9600" b="1" kern="0" spc="-100" dirty="0">
                 <a:solidFill>
@@ -3067,7 +3150,6 @@
             </a:r>
           </a:p>
           <a:p>
-            <a:pPr algn="ctr"/>
             <a:r>
               <a:rPr lang="en-US" sz="6000" kern="0" spc="-100" dirty="0">
                 <a:solidFill>
@@ -3078,7 +3160,6 @@
             </a:r>
           </a:p>
           <a:p>
-            <a:pPr algn="ctr"/>
             <a:r>
               <a:rPr lang="en-US" sz="6000" kern="0" spc="-100" dirty="0">
                 <a:solidFill>
@@ -3094,7 +3175,7 @@
             </a:endParaRPr>
           </a:p>
           <a:p>
-            <a:pPr algn="ctr">
+            <a:pPr>
               <a:lnSpc>
                 <a:spcPts val="6914"/>
               </a:lnSpc>
@@ -3115,8 +3196,8 @@
           </a:p>
         </p:txBody>
       </p:sp>
-      <mc:AlternateContent xmlns:mc="http://schemas.openxmlformats.org/markup-compatibility/2006">
-        <mc:Choice xmlns:a14="http://schemas.microsoft.com/office/drawing/2010/main" Requires="a14">
+      <mc:AlternateContent xmlns:mc="http://schemas.openxmlformats.org/markup-compatibility/2006" xmlns:a14="http://schemas.microsoft.com/office/drawing/2010/main">
+        <mc:Choice Requires="a14">
           <p:sp>
             <p:nvSpPr>
               <p:cNvPr id="14" name="Text Box 242"/>
@@ -3310,7 +3391,7 @@
                             <a:lumOff val="25000"/>
                           </a:schemeClr>
                         </a:solidFill>
-                        <a:latin typeface="+mn-lt"/>
+                        <a:latin typeface="Cambria Math" panose="02040503050406030204" pitchFamily="18" charset="0"/>
                         <a:ea typeface="ＭＳ Ｐゴシック" charset="-128"/>
                       </a:rPr>
                       <m:t>𝛼</m:t>
@@ -3371,7 +3452,7 @@
                             <a:lumOff val="25000"/>
                           </a:schemeClr>
                         </a:solidFill>
-                        <a:latin typeface="+mn-lt"/>
+                        <a:latin typeface="Cambria Math" panose="02040503050406030204" pitchFamily="18" charset="0"/>
                         <a:ea typeface="Cambria Math" panose="02040503050406030204" pitchFamily="18" charset="0"/>
                       </a:rPr>
                       <m:t>⟹</m:t>
@@ -3410,7 +3491,7 @@
                             <a:lumOff val="25000"/>
                           </a:schemeClr>
                         </a:solidFill>
-                        <a:latin typeface="+mn-lt"/>
+                        <a:latin typeface="Cambria Math" panose="02040503050406030204" pitchFamily="18" charset="0"/>
                         <a:ea typeface="Cambria Math" panose="02040503050406030204" pitchFamily="18" charset="0"/>
                       </a:rPr>
                       <m:t>⟹</m:t>
@@ -3459,7 +3540,7 @@
                             <a:lumOff val="25000"/>
                           </a:schemeClr>
                         </a:solidFill>
-                        <a:latin typeface="+mn-lt"/>
+                        <a:latin typeface="Cambria Math" panose="02040503050406030204" pitchFamily="18" charset="0"/>
                         <a:ea typeface="Cambria Math" panose="02040503050406030204" pitchFamily="18" charset="0"/>
                       </a:rPr>
                       <m:t>⟹</m:t>
@@ -3489,7 +3570,7 @@
                             <a:lumOff val="25000"/>
                           </a:schemeClr>
                         </a:solidFill>
-                        <a:latin typeface="+mn-lt"/>
+                        <a:latin typeface="Cambria Math" panose="02040503050406030204" pitchFamily="18" charset="0"/>
                         <a:ea typeface="ＭＳ Ｐゴシック" charset="-128"/>
                       </a:rPr>
                       <m:t>𝑩</m:t>
@@ -3597,7 +3678,7 @@
                             <a:lumOff val="25000"/>
                           </a:schemeClr>
                         </a:solidFill>
-                        <a:latin typeface="+mn-lt"/>
+                        <a:latin typeface="Cambria Math" panose="02040503050406030204" pitchFamily="18" charset="0"/>
                         <a:ea typeface="ＭＳ Ｐゴシック" charset="-128"/>
                       </a:rPr>
                       <m:t>𝛼</m:t>
@@ -3714,7 +3795,7 @@
             </p:txBody>
           </p:sp>
         </mc:Choice>
-        <mc:Fallback>
+        <mc:Fallback xmlns="">
           <p:sp>
             <p:nvSpPr>
               <p:cNvPr id="14" name="Text Box 242"/>
@@ -4053,8 +4134,8 @@
           </a:p>
         </p:txBody>
       </p:sp>
-      <mc:AlternateContent xmlns:mc="http://schemas.openxmlformats.org/markup-compatibility/2006">
-        <mc:Choice xmlns:a14="http://schemas.microsoft.com/office/drawing/2010/main" Requires="a14">
+      <mc:AlternateContent xmlns:mc="http://schemas.openxmlformats.org/markup-compatibility/2006" xmlns:a14="http://schemas.microsoft.com/office/drawing/2010/main">
+        <mc:Choice Requires="a14">
           <p:sp>
             <p:nvSpPr>
               <p:cNvPr id="28" name="Text Box 242"/>
@@ -4215,7 +4296,7 @@
                             <a:lumOff val="25000"/>
                           </a:schemeClr>
                         </a:solidFill>
-                        <a:latin typeface="+mn-lt"/>
+                        <a:latin typeface="Cambria Math" panose="02040503050406030204" pitchFamily="18" charset="0"/>
                         <a:ea typeface="ＭＳ Ｐゴシック" charset="-128"/>
                       </a:rPr>
                       <m:t>𝛼</m:t>
@@ -4288,7 +4369,7 @@
                                 <a:lumOff val="25000"/>
                               </a:schemeClr>
                             </a:solidFill>
-                            <a:latin typeface="+mn-lt"/>
+                            <a:latin typeface="Cambria Math" panose="02040503050406030204" pitchFamily="18" charset="0"/>
                             <a:ea typeface="ＭＳ Ｐゴシック" charset="-128"/>
                           </a:rPr>
                         </m:ctrlPr>
@@ -4302,7 +4383,7 @@
                                 <a:lumOff val="25000"/>
                               </a:schemeClr>
                             </a:solidFill>
-                            <a:latin typeface="+mn-lt"/>
+                            <a:latin typeface="Cambria Math" panose="02040503050406030204" pitchFamily="18" charset="0"/>
                             <a:ea typeface="ＭＳ Ｐゴシック" charset="-128"/>
                           </a:rPr>
                           <m:t>𝛿</m:t>
@@ -4315,7 +4396,7 @@
                                 <a:lumOff val="25000"/>
                               </a:schemeClr>
                             </a:solidFill>
-                            <a:latin typeface="+mn-lt"/>
+                            <a:latin typeface="Cambria Math" panose="02040503050406030204" pitchFamily="18" charset="0"/>
                             <a:ea typeface="ＭＳ Ｐゴシック" charset="-128"/>
                           </a:rPr>
                           <m:t>𝐵</m:t>
@@ -4330,7 +4411,7 @@
                                 <a:lumOff val="25000"/>
                               </a:schemeClr>
                             </a:solidFill>
-                            <a:latin typeface="+mn-lt"/>
+                            <a:latin typeface="Cambria Math" panose="02040503050406030204" pitchFamily="18" charset="0"/>
                             <a:ea typeface="ＭＳ Ｐゴシック" charset="-128"/>
                           </a:rPr>
                           <m:t>𝑅</m:t>
@@ -4345,7 +4426,7 @@
                                 <a:lumOff val="25000"/>
                               </a:schemeClr>
                             </a:solidFill>
-                            <a:latin typeface="+mn-lt"/>
+                            <a:latin typeface="Cambria Math" panose="02040503050406030204" pitchFamily="18" charset="0"/>
                             <a:ea typeface="ＭＳ Ｐゴシック" charset="-128"/>
                           </a:rPr>
                           <m:t>𝑟𝑖𝑝𝑝𝑙𝑒</m:t>
@@ -4360,7 +4441,7 @@
                             <a:lumOff val="25000"/>
                           </a:schemeClr>
                         </a:solidFill>
-                        <a:latin typeface="+mn-lt"/>
+                        <a:latin typeface="Cambria Math" panose="02040503050406030204" pitchFamily="18" charset="0"/>
                         <a:ea typeface="ＭＳ Ｐゴシック" charset="-128"/>
                       </a:rPr>
                       <m:t>=</m:t>
@@ -4375,7 +4456,7 @@
                                 <a:lumOff val="25000"/>
                               </a:schemeClr>
                             </a:solidFill>
-                            <a:latin typeface="+mn-lt"/>
+                            <a:latin typeface="Cambria Math" panose="02040503050406030204" pitchFamily="18" charset="0"/>
                             <a:ea typeface="ＭＳ Ｐゴシック" charset="-128"/>
                           </a:rPr>
                         </m:ctrlPr>
@@ -4391,7 +4472,7 @@
                                     <a:lumOff val="25000"/>
                                   </a:schemeClr>
                                 </a:solidFill>
-                                <a:latin typeface="+mn-lt"/>
+                                <a:latin typeface="Cambria Math" panose="02040503050406030204" pitchFamily="18" charset="0"/>
                                 <a:ea typeface="ＭＳ Ｐゴシック" charset="-128"/>
                               </a:rPr>
                             </m:ctrlPr>
@@ -4405,7 +4486,7 @@
                                     <a:lumOff val="25000"/>
                                   </a:schemeClr>
                                 </a:solidFill>
-                                <a:latin typeface="+mn-lt"/>
+                                <a:latin typeface="Cambria Math" panose="02040503050406030204" pitchFamily="18" charset="0"/>
                                 <a:ea typeface="ＭＳ Ｐゴシック" charset="-128"/>
                               </a:rPr>
                               <m:t>𝐵</m:t>
@@ -4420,7 +4501,7 @@
                                     <a:lumOff val="25000"/>
                                   </a:schemeClr>
                                 </a:solidFill>
-                                <a:latin typeface="+mn-lt"/>
+                                <a:latin typeface="Cambria Math" panose="02040503050406030204" pitchFamily="18" charset="0"/>
                                 <a:ea typeface="ＭＳ Ｐゴシック" charset="-128"/>
                               </a:rPr>
                               <m:t>0</m:t>
@@ -4437,7 +4518,7 @@
                                     <a:lumOff val="25000"/>
                                   </a:schemeClr>
                                 </a:solidFill>
-                                <a:latin typeface="+mn-lt"/>
+                                <a:latin typeface="Cambria Math" panose="02040503050406030204" pitchFamily="18" charset="0"/>
                                 <a:ea typeface="ＭＳ Ｐゴシック" charset="-128"/>
                               </a:rPr>
                             </m:ctrlPr>
@@ -4451,7 +4532,7 @@
                                     <a:lumOff val="25000"/>
                                   </a:schemeClr>
                                 </a:solidFill>
-                                <a:latin typeface="+mn-lt"/>
+                                <a:latin typeface="Cambria Math" panose="02040503050406030204" pitchFamily="18" charset="0"/>
                                 <a:ea typeface="ＭＳ Ｐゴシック" charset="-128"/>
                               </a:rPr>
                               <m:t>𝑅</m:t>
@@ -4466,7 +4547,7 @@
                                     <a:lumOff val="25000"/>
                                   </a:schemeClr>
                                 </a:solidFill>
-                                <a:latin typeface="+mn-lt"/>
+                                <a:latin typeface="Cambria Math" panose="02040503050406030204" pitchFamily="18" charset="0"/>
                                 <a:ea typeface="ＭＳ Ｐゴシック" charset="-128"/>
                               </a:rPr>
                               <m:t>0</m:t>
@@ -4483,7 +4564,7 @@
                                 <a:lumOff val="25000"/>
                               </a:schemeClr>
                             </a:solidFill>
-                            <a:latin typeface="+mn-lt"/>
+                            <a:latin typeface="Cambria Math" panose="02040503050406030204" pitchFamily="18" charset="0"/>
                             <a:ea typeface="ＭＳ Ｐゴシック" charset="-128"/>
                           </a:rPr>
                           <m:t>𝑅</m:t>
@@ -4500,7 +4581,7 @@
                                 <a:lumOff val="25000"/>
                               </a:schemeClr>
                             </a:solidFill>
-                            <a:latin typeface="+mn-lt"/>
+                            <a:latin typeface="Cambria Math" panose="02040503050406030204" pitchFamily="18" charset="0"/>
                             <a:ea typeface="ＭＳ Ｐゴシック" charset="-128"/>
                           </a:rPr>
                         </m:ctrlPr>
@@ -4516,7 +4597,7 @@
                                     <a:lumOff val="25000"/>
                                   </a:schemeClr>
                                 </a:solidFill>
-                                <a:latin typeface="+mn-lt"/>
+                                <a:latin typeface="Cambria Math" panose="02040503050406030204" pitchFamily="18" charset="0"/>
                                 <a:ea typeface="ＭＳ Ｐゴシック" charset="-128"/>
                               </a:rPr>
                             </m:ctrlPr>
@@ -4532,7 +4613,7 @@
                                         <a:lumOff val="25000"/>
                                       </a:schemeClr>
                                     </a:solidFill>
-                                    <a:latin typeface="+mn-lt"/>
+                                    <a:latin typeface="Cambria Math" panose="02040503050406030204" pitchFamily="18" charset="0"/>
                                     <a:ea typeface="ＭＳ Ｐゴシック" charset="-128"/>
                                   </a:rPr>
                                 </m:ctrlPr>
@@ -4546,7 +4627,7 @@
                                         <a:lumOff val="25000"/>
                                       </a:schemeClr>
                                     </a:solidFill>
-                                    <a:latin typeface="+mn-lt"/>
+                                    <a:latin typeface="Cambria Math" panose="02040503050406030204" pitchFamily="18" charset="0"/>
                                     <a:ea typeface="ＭＳ Ｐゴシック" charset="-128"/>
                                   </a:rPr>
                                   <m:t>𝑅</m:t>
@@ -4563,7 +4644,7 @@
                                             <a:lumOff val="25000"/>
                                           </a:schemeClr>
                                         </a:solidFill>
-                                        <a:latin typeface="+mn-lt"/>
+                                        <a:latin typeface="Cambria Math" panose="02040503050406030204" pitchFamily="18" charset="0"/>
                                         <a:ea typeface="ＭＳ Ｐゴシック" charset="-128"/>
                                       </a:rPr>
                                     </m:ctrlPr>
@@ -4577,7 +4658,7 @@
                                             <a:lumOff val="25000"/>
                                           </a:schemeClr>
                                         </a:solidFill>
-                                        <a:latin typeface="+mn-lt"/>
+                                        <a:latin typeface="Cambria Math" panose="02040503050406030204" pitchFamily="18" charset="0"/>
                                         <a:ea typeface="ＭＳ Ｐゴシック" charset="-128"/>
                                       </a:rPr>
                                       <m:t>𝑅</m:t>
@@ -4592,7 +4673,7 @@
                                             <a:lumOff val="25000"/>
                                           </a:schemeClr>
                                         </a:solidFill>
-                                        <a:latin typeface="+mn-lt"/>
+                                        <a:latin typeface="Cambria Math" panose="02040503050406030204" pitchFamily="18" charset="0"/>
                                         <a:ea typeface="ＭＳ Ｐゴシック" charset="-128"/>
                                       </a:rPr>
                                       <m:t>𝑐𝑜𝑖𝑙</m:t>
@@ -4615,7 +4696,7 @@
                                     <a:lumOff val="25000"/>
                                   </a:schemeClr>
                                 </a:solidFill>
-                                <a:latin typeface="+mn-lt"/>
+                                <a:latin typeface="Cambria Math" panose="02040503050406030204" pitchFamily="18" charset="0"/>
                                 <a:ea typeface="ＭＳ Ｐゴシック" charset="-128"/>
                               </a:rPr>
                             </m:ctrlPr>
@@ -4629,7 +4710,7 @@
                                     <a:lumOff val="25000"/>
                                   </a:schemeClr>
                                 </a:solidFill>
-                                <a:latin typeface="+mn-lt"/>
+                                <a:latin typeface="Cambria Math" panose="02040503050406030204" pitchFamily="18" charset="0"/>
                                 <a:ea typeface="ＭＳ Ｐゴシック" charset="-128"/>
                               </a:rPr>
                               <m:t>𝑁</m:t>
@@ -4644,7 +4725,7 @@
                                     <a:lumOff val="25000"/>
                                   </a:schemeClr>
                                 </a:solidFill>
-                                <a:latin typeface="+mn-lt"/>
+                                <a:latin typeface="Cambria Math" panose="02040503050406030204" pitchFamily="18" charset="0"/>
                                 <a:ea typeface="ＭＳ Ｐゴシック" charset="-128"/>
                               </a:rPr>
                               <m:t>𝑐𝑜𝑖𝑙</m:t>
@@ -4663,7 +4744,7 @@
                                 <a:lumOff val="25000"/>
                               </a:schemeClr>
                             </a:solidFill>
-                            <a:latin typeface="+mn-lt"/>
+                            <a:latin typeface="Cambria Math" panose="02040503050406030204" pitchFamily="18" charset="0"/>
                             <a:ea typeface="ＭＳ Ｐゴシック" charset="-128"/>
                           </a:rPr>
                         </m:ctrlPr>
@@ -4680,7 +4761,7 @@
                                 <a:lumOff val="25000"/>
                               </a:schemeClr>
                             </a:solidFill>
-                            <a:latin typeface="+mn-lt"/>
+                            <a:latin typeface="Cambria Math" panose="02040503050406030204" pitchFamily="18" charset="0"/>
                             <a:ea typeface="ＭＳ Ｐゴシック" charset="-128"/>
                           </a:rPr>
                           <m:t>sin</m:t>
@@ -4697,7 +4778,7 @@
                                     <a:lumOff val="25000"/>
                                   </a:schemeClr>
                                 </a:solidFill>
-                                <a:latin typeface="+mn-lt"/>
+                                <a:latin typeface="Cambria Math" panose="02040503050406030204" pitchFamily="18" charset="0"/>
                                 <a:ea typeface="ＭＳ Ｐゴシック" charset="-128"/>
                               </a:rPr>
                             </m:ctrlPr>
@@ -4713,7 +4794,7 @@
                                         <a:lumOff val="25000"/>
                                       </a:schemeClr>
                                     </a:solidFill>
-                                    <a:latin typeface="+mn-lt"/>
+                                    <a:latin typeface="Cambria Math" panose="02040503050406030204" pitchFamily="18" charset="0"/>
                                     <a:ea typeface="ＭＳ Ｐゴシック" charset="-128"/>
                                   </a:rPr>
                                 </m:ctrlPr>
@@ -4727,7 +4808,7 @@
                                         <a:lumOff val="25000"/>
                                       </a:schemeClr>
                                     </a:solidFill>
-                                    <a:latin typeface="+mn-lt"/>
+                                    <a:latin typeface="Cambria Math" panose="02040503050406030204" pitchFamily="18" charset="0"/>
                                     <a:ea typeface="ＭＳ Ｐゴシック" charset="-128"/>
                                   </a:rPr>
                                   <m:t>𝑁</m:t>
@@ -4742,7 +4823,7 @@
                                         <a:lumOff val="25000"/>
                                       </a:schemeClr>
                                     </a:solidFill>
-                                    <a:latin typeface="+mn-lt"/>
+                                    <a:latin typeface="Cambria Math" panose="02040503050406030204" pitchFamily="18" charset="0"/>
                                     <a:ea typeface="ＭＳ Ｐゴシック" charset="-128"/>
                                   </a:rPr>
                                   <m:t>𝑐𝑜𝑖𝑙</m:t>
@@ -4757,7 +4838,7 @@
                                     <a:lumOff val="25000"/>
                                   </a:schemeClr>
                                 </a:solidFill>
-                                <a:latin typeface="+mn-lt"/>
+                                <a:latin typeface="Cambria Math" panose="02040503050406030204" pitchFamily="18" charset="0"/>
                                 <a:ea typeface="ＭＳ Ｐゴシック" charset="-128"/>
                               </a:rPr>
                               <m:t>𝜙</m:t>
@@ -4774,7 +4855,7 @@
                             <a:lumOff val="25000"/>
                           </a:schemeClr>
                         </a:solidFill>
-                        <a:latin typeface="+mn-lt"/>
+                        <a:latin typeface="Cambria Math" panose="02040503050406030204" pitchFamily="18" charset="0"/>
                         <a:ea typeface="ＭＳ Ｐゴシック" charset="-128"/>
                       </a:rPr>
                       <m:t>,</m:t>
@@ -4787,7 +4868,7 @@
                             <a:lumOff val="25000"/>
                           </a:schemeClr>
                         </a:solidFill>
-                        <a:latin typeface="+mn-lt"/>
+                        <a:latin typeface="Cambria Math" panose="02040503050406030204" pitchFamily="18" charset="0"/>
                         <a:ea typeface="ＭＳ Ｐゴシック" charset="-128"/>
                       </a:rPr>
                       <m:t> </m:t>
@@ -4825,7 +4906,7 @@
                                 <a:lumOff val="25000"/>
                               </a:schemeClr>
                             </a:solidFill>
-                            <a:latin typeface="+mn-lt"/>
+                            <a:latin typeface="Cambria Math" panose="02040503050406030204" pitchFamily="18" charset="0"/>
                             <a:ea typeface="ＭＳ Ｐゴシック" charset="-128"/>
                           </a:rPr>
                         </m:ctrlPr>
@@ -4839,7 +4920,7 @@
                                 <a:lumOff val="25000"/>
                               </a:schemeClr>
                             </a:solidFill>
-                            <a:latin typeface="+mn-lt"/>
+                            <a:latin typeface="Cambria Math" panose="02040503050406030204" pitchFamily="18" charset="0"/>
                             <a:ea typeface="ＭＳ Ｐゴシック" charset="-128"/>
                           </a:rPr>
                           <m:t> </m:t>
@@ -4852,7 +4933,7 @@
                                 <a:lumOff val="25000"/>
                               </a:schemeClr>
                             </a:solidFill>
-                            <a:latin typeface="+mn-lt"/>
+                            <a:latin typeface="Cambria Math" panose="02040503050406030204" pitchFamily="18" charset="0"/>
                             <a:ea typeface="ＭＳ Ｐゴシック" charset="-128"/>
                           </a:rPr>
                           <m:t>𝛿</m:t>
@@ -4865,7 +4946,7 @@
                                 <a:lumOff val="25000"/>
                               </a:schemeClr>
                             </a:solidFill>
-                            <a:latin typeface="+mn-lt"/>
+                            <a:latin typeface="Cambria Math" panose="02040503050406030204" pitchFamily="18" charset="0"/>
                             <a:ea typeface="ＭＳ Ｐゴシック" charset="-128"/>
                           </a:rPr>
                           <m:t>𝐵</m:t>
@@ -4880,7 +4961,7 @@
                                 <a:lumOff val="25000"/>
                               </a:schemeClr>
                             </a:solidFill>
-                            <a:latin typeface="+mn-lt"/>
+                            <a:latin typeface="Cambria Math" panose="02040503050406030204" pitchFamily="18" charset="0"/>
                             <a:ea typeface="ＭＳ Ｐゴシック" charset="-128"/>
                           </a:rPr>
                           <m:t>𝜙</m:t>
@@ -4895,7 +4976,7 @@
                                 <a:lumOff val="25000"/>
                               </a:schemeClr>
                             </a:solidFill>
-                            <a:latin typeface="+mn-lt"/>
+                            <a:latin typeface="Cambria Math" panose="02040503050406030204" pitchFamily="18" charset="0"/>
                             <a:ea typeface="ＭＳ Ｐゴシック" charset="-128"/>
                           </a:rPr>
                           <m:t>𝑟𝑖𝑝𝑝𝑙𝑒</m:t>
@@ -4910,7 +4991,7 @@
                             <a:lumOff val="25000"/>
                           </a:schemeClr>
                         </a:solidFill>
-                        <a:latin typeface="+mn-lt"/>
+                        <a:latin typeface="Cambria Math" panose="02040503050406030204" pitchFamily="18" charset="0"/>
                         <a:ea typeface="ＭＳ Ｐゴシック" charset="-128"/>
                       </a:rPr>
                       <m:t>=</m:t>
@@ -4925,7 +5006,7 @@
                                 <a:lumOff val="25000"/>
                               </a:schemeClr>
                             </a:solidFill>
-                            <a:latin typeface="+mn-lt"/>
+                            <a:latin typeface="Cambria Math" panose="02040503050406030204" pitchFamily="18" charset="0"/>
                             <a:ea typeface="ＭＳ Ｐゴシック" charset="-128"/>
                           </a:rPr>
                         </m:ctrlPr>
@@ -4941,7 +5022,7 @@
                                     <a:lumOff val="25000"/>
                                   </a:schemeClr>
                                 </a:solidFill>
-                                <a:latin typeface="+mn-lt"/>
+                                <a:latin typeface="Cambria Math" panose="02040503050406030204" pitchFamily="18" charset="0"/>
                                 <a:ea typeface="ＭＳ Ｐゴシック" charset="-128"/>
                               </a:rPr>
                             </m:ctrlPr>
@@ -4955,7 +5036,7 @@
                                     <a:lumOff val="25000"/>
                                   </a:schemeClr>
                                 </a:solidFill>
-                                <a:latin typeface="+mn-lt"/>
+                                <a:latin typeface="Cambria Math" panose="02040503050406030204" pitchFamily="18" charset="0"/>
                                 <a:ea typeface="ＭＳ Ｐゴシック" charset="-128"/>
                               </a:rPr>
                               <m:t>𝐵</m:t>
@@ -4970,7 +5051,7 @@
                                     <a:lumOff val="25000"/>
                                   </a:schemeClr>
                                 </a:solidFill>
-                                <a:latin typeface="+mn-lt"/>
+                                <a:latin typeface="Cambria Math" panose="02040503050406030204" pitchFamily="18" charset="0"/>
                                 <a:ea typeface="ＭＳ Ｐゴシック" charset="-128"/>
                               </a:rPr>
                               <m:t>0</m:t>
@@ -4987,7 +5068,7 @@
                                     <a:lumOff val="25000"/>
                                   </a:schemeClr>
                                 </a:solidFill>
-                                <a:latin typeface="+mn-lt"/>
+                                <a:latin typeface="Cambria Math" panose="02040503050406030204" pitchFamily="18" charset="0"/>
                                 <a:ea typeface="ＭＳ Ｐゴシック" charset="-128"/>
                               </a:rPr>
                             </m:ctrlPr>
@@ -5001,7 +5082,7 @@
                                     <a:lumOff val="25000"/>
                                   </a:schemeClr>
                                 </a:solidFill>
-                                <a:latin typeface="+mn-lt"/>
+                                <a:latin typeface="Cambria Math" panose="02040503050406030204" pitchFamily="18" charset="0"/>
                                 <a:ea typeface="ＭＳ Ｐゴシック" charset="-128"/>
                               </a:rPr>
                               <m:t>𝑅</m:t>
@@ -5016,7 +5097,7 @@
                                     <a:lumOff val="25000"/>
                                   </a:schemeClr>
                                 </a:solidFill>
-                                <a:latin typeface="+mn-lt"/>
+                                <a:latin typeface="Cambria Math" panose="02040503050406030204" pitchFamily="18" charset="0"/>
                                 <a:ea typeface="ＭＳ Ｐゴシック" charset="-128"/>
                               </a:rPr>
                               <m:t>0</m:t>
@@ -5033,7 +5114,7 @@
                                 <a:lumOff val="25000"/>
                               </a:schemeClr>
                             </a:solidFill>
-                            <a:latin typeface="+mn-lt"/>
+                            <a:latin typeface="Cambria Math" panose="02040503050406030204" pitchFamily="18" charset="0"/>
                             <a:ea typeface="ＭＳ Ｐゴシック" charset="-128"/>
                           </a:rPr>
                           <m:t>𝑅</m:t>
@@ -5050,7 +5131,7 @@
                                 <a:lumOff val="25000"/>
                               </a:schemeClr>
                             </a:solidFill>
-                            <a:latin typeface="+mn-lt"/>
+                            <a:latin typeface="Cambria Math" panose="02040503050406030204" pitchFamily="18" charset="0"/>
                             <a:ea typeface="ＭＳ Ｐゴシック" charset="-128"/>
                           </a:rPr>
                         </m:ctrlPr>
@@ -5066,7 +5147,7 @@
                                     <a:lumOff val="25000"/>
                                   </a:schemeClr>
                                 </a:solidFill>
-                                <a:latin typeface="+mn-lt"/>
+                                <a:latin typeface="Cambria Math" panose="02040503050406030204" pitchFamily="18" charset="0"/>
                                 <a:ea typeface="ＭＳ Ｐゴシック" charset="-128"/>
                               </a:rPr>
                             </m:ctrlPr>
@@ -5082,7 +5163,7 @@
                                         <a:lumOff val="25000"/>
                                       </a:schemeClr>
                                     </a:solidFill>
-                                    <a:latin typeface="+mn-lt"/>
+                                    <a:latin typeface="Cambria Math" panose="02040503050406030204" pitchFamily="18" charset="0"/>
                                     <a:ea typeface="ＭＳ Ｐゴシック" charset="-128"/>
                                   </a:rPr>
                                 </m:ctrlPr>
@@ -5096,7 +5177,7 @@
                                         <a:lumOff val="25000"/>
                                       </a:schemeClr>
                                     </a:solidFill>
-                                    <a:latin typeface="+mn-lt"/>
+                                    <a:latin typeface="Cambria Math" panose="02040503050406030204" pitchFamily="18" charset="0"/>
                                     <a:ea typeface="ＭＳ Ｐゴシック" charset="-128"/>
                                   </a:rPr>
                                   <m:t>𝑅</m:t>
@@ -5113,7 +5194,7 @@
                                             <a:lumOff val="25000"/>
                                           </a:schemeClr>
                                         </a:solidFill>
-                                        <a:latin typeface="+mn-lt"/>
+                                        <a:latin typeface="Cambria Math" panose="02040503050406030204" pitchFamily="18" charset="0"/>
                                         <a:ea typeface="ＭＳ Ｐゴシック" charset="-128"/>
                                       </a:rPr>
                                     </m:ctrlPr>
@@ -5127,7 +5208,7 @@
                                             <a:lumOff val="25000"/>
                                           </a:schemeClr>
                                         </a:solidFill>
-                                        <a:latin typeface="+mn-lt"/>
+                                        <a:latin typeface="Cambria Math" panose="02040503050406030204" pitchFamily="18" charset="0"/>
                                         <a:ea typeface="ＭＳ Ｐゴシック" charset="-128"/>
                                       </a:rPr>
                                       <m:t>𝑅</m:t>
@@ -5142,7 +5223,7 @@
                                             <a:lumOff val="25000"/>
                                           </a:schemeClr>
                                         </a:solidFill>
-                                        <a:latin typeface="+mn-lt"/>
+                                        <a:latin typeface="Cambria Math" panose="02040503050406030204" pitchFamily="18" charset="0"/>
                                         <a:ea typeface="ＭＳ Ｐゴシック" charset="-128"/>
                                       </a:rPr>
                                       <m:t>𝑐𝑜𝑖𝑙</m:t>
@@ -5165,7 +5246,7 @@
                                     <a:lumOff val="25000"/>
                                   </a:schemeClr>
                                 </a:solidFill>
-                                <a:latin typeface="+mn-lt"/>
+                                <a:latin typeface="Cambria Math" panose="02040503050406030204" pitchFamily="18" charset="0"/>
                                 <a:ea typeface="ＭＳ Ｐゴシック" charset="-128"/>
                               </a:rPr>
                             </m:ctrlPr>
@@ -5179,7 +5260,7 @@
                                     <a:lumOff val="25000"/>
                                   </a:schemeClr>
                                 </a:solidFill>
-                                <a:latin typeface="+mn-lt"/>
+                                <a:latin typeface="Cambria Math" panose="02040503050406030204" pitchFamily="18" charset="0"/>
                                 <a:ea typeface="ＭＳ Ｐゴシック" charset="-128"/>
                               </a:rPr>
                               <m:t>𝑁</m:t>
@@ -5194,7 +5275,7 @@
                                     <a:lumOff val="25000"/>
                                   </a:schemeClr>
                                 </a:solidFill>
-                                <a:latin typeface="+mn-lt"/>
+                                <a:latin typeface="Cambria Math" panose="02040503050406030204" pitchFamily="18" charset="0"/>
                                 <a:ea typeface="ＭＳ Ｐゴシック" charset="-128"/>
                               </a:rPr>
                               <m:t>𝑐𝑜𝑖𝑙</m:t>
@@ -5213,7 +5294,7 @@
                                 <a:lumOff val="25000"/>
                               </a:schemeClr>
                             </a:solidFill>
-                            <a:latin typeface="+mn-lt"/>
+                            <a:latin typeface="Cambria Math" panose="02040503050406030204" pitchFamily="18" charset="0"/>
                             <a:ea typeface="ＭＳ Ｐゴシック" charset="-128"/>
                           </a:rPr>
                         </m:ctrlPr>
@@ -5230,7 +5311,7 @@
                                 <a:lumOff val="25000"/>
                               </a:schemeClr>
                             </a:solidFill>
-                            <a:latin typeface="+mn-lt"/>
+                            <a:latin typeface="Cambria Math" panose="02040503050406030204" pitchFamily="18" charset="0"/>
                             <a:ea typeface="ＭＳ Ｐゴシック" charset="-128"/>
                           </a:rPr>
                           <m:t>cos</m:t>
@@ -5247,7 +5328,7 @@
                                     <a:lumOff val="25000"/>
                                   </a:schemeClr>
                                 </a:solidFill>
-                                <a:latin typeface="+mn-lt"/>
+                                <a:latin typeface="Cambria Math" panose="02040503050406030204" pitchFamily="18" charset="0"/>
                                 <a:ea typeface="ＭＳ Ｐゴシック" charset="-128"/>
                               </a:rPr>
                             </m:ctrlPr>
@@ -5263,7 +5344,7 @@
                                         <a:lumOff val="25000"/>
                                       </a:schemeClr>
                                     </a:solidFill>
-                                    <a:latin typeface="+mn-lt"/>
+                                    <a:latin typeface="Cambria Math" panose="02040503050406030204" pitchFamily="18" charset="0"/>
                                     <a:ea typeface="ＭＳ Ｐゴシック" charset="-128"/>
                                   </a:rPr>
                                 </m:ctrlPr>
@@ -5277,7 +5358,7 @@
                                         <a:lumOff val="25000"/>
                                       </a:schemeClr>
                                     </a:solidFill>
-                                    <a:latin typeface="+mn-lt"/>
+                                    <a:latin typeface="Cambria Math" panose="02040503050406030204" pitchFamily="18" charset="0"/>
                                     <a:ea typeface="ＭＳ Ｐゴシック" charset="-128"/>
                                   </a:rPr>
                                   <m:t>𝑁</m:t>
@@ -5292,7 +5373,7 @@
                                         <a:lumOff val="25000"/>
                                       </a:schemeClr>
                                     </a:solidFill>
-                                    <a:latin typeface="+mn-lt"/>
+                                    <a:latin typeface="Cambria Math" panose="02040503050406030204" pitchFamily="18" charset="0"/>
                                     <a:ea typeface="ＭＳ Ｐゴシック" charset="-128"/>
                                   </a:rPr>
                                   <m:t>𝑐𝑜𝑖𝑙</m:t>
@@ -5307,7 +5388,7 @@
                                     <a:lumOff val="25000"/>
                                   </a:schemeClr>
                                 </a:solidFill>
-                                <a:latin typeface="+mn-lt"/>
+                                <a:latin typeface="Cambria Math" panose="02040503050406030204" pitchFamily="18" charset="0"/>
                                 <a:ea typeface="ＭＳ Ｐゴシック" charset="-128"/>
                               </a:rPr>
                               <m:t>𝜙</m:t>
@@ -5324,7 +5405,7 @@
                             <a:lumOff val="25000"/>
                           </a:schemeClr>
                         </a:solidFill>
-                        <a:latin typeface="+mn-lt"/>
+                        <a:latin typeface="Cambria Math" panose="02040503050406030204" pitchFamily="18" charset="0"/>
                         <a:ea typeface="ＭＳ Ｐゴシック" charset="-128"/>
                       </a:rPr>
                       <m:t>,</m:t>
@@ -5337,7 +5418,7 @@
                             <a:lumOff val="25000"/>
                           </a:schemeClr>
                         </a:solidFill>
-                        <a:latin typeface="+mn-lt"/>
+                        <a:latin typeface="Cambria Math" panose="02040503050406030204" pitchFamily="18" charset="0"/>
                         <a:ea typeface="ＭＳ Ｐゴシック" charset="-128"/>
                       </a:rPr>
                       <m:t> </m:t>
@@ -5373,7 +5454,7 @@
                             <a:lumOff val="25000"/>
                           </a:schemeClr>
                         </a:solidFill>
-                        <a:latin typeface="+mn-lt"/>
+                        <a:latin typeface="Cambria Math" panose="02040503050406030204" pitchFamily="18" charset="0"/>
                         <a:ea typeface="ＭＳ Ｐゴシック" charset="-128"/>
                       </a:rPr>
                       <m:t>𝛿</m:t>
@@ -5388,7 +5469,7 @@
                                 <a:lumOff val="25000"/>
                               </a:schemeClr>
                             </a:solidFill>
-                            <a:latin typeface="+mn-lt"/>
+                            <a:latin typeface="Cambria Math" panose="02040503050406030204" pitchFamily="18" charset="0"/>
                             <a:ea typeface="ＭＳ Ｐゴシック" charset="-128"/>
                           </a:rPr>
                         </m:ctrlPr>
@@ -5402,7 +5483,7 @@
                                 <a:lumOff val="25000"/>
                               </a:schemeClr>
                             </a:solidFill>
-                            <a:latin typeface="+mn-lt"/>
+                            <a:latin typeface="Cambria Math" panose="02040503050406030204" pitchFamily="18" charset="0"/>
                             <a:ea typeface="ＭＳ Ｐゴシック" charset="-128"/>
                           </a:rPr>
                           <m:t>𝐵</m:t>
@@ -5417,7 +5498,7 @@
                                 <a:lumOff val="25000"/>
                               </a:schemeClr>
                             </a:solidFill>
-                            <a:latin typeface="+mn-lt"/>
+                            <a:latin typeface="Cambria Math" panose="02040503050406030204" pitchFamily="18" charset="0"/>
                             <a:ea typeface="ＭＳ Ｐゴシック" charset="-128"/>
                           </a:rPr>
                           <m:t>𝑍</m:t>
@@ -5432,7 +5513,7 @@
                                 <a:lumOff val="25000"/>
                               </a:schemeClr>
                             </a:solidFill>
-                            <a:latin typeface="+mn-lt"/>
+                            <a:latin typeface="Cambria Math" panose="02040503050406030204" pitchFamily="18" charset="0"/>
                             <a:ea typeface="ＭＳ Ｐゴシック" charset="-128"/>
                           </a:rPr>
                           <m:t>𝑟𝑖𝑝𝑝𝑙𝑒</m:t>
@@ -5447,7 +5528,7 @@
                             <a:lumOff val="25000"/>
                           </a:schemeClr>
                         </a:solidFill>
-                        <a:latin typeface="+mn-lt"/>
+                        <a:latin typeface="Cambria Math" panose="02040503050406030204" pitchFamily="18" charset="0"/>
                         <a:ea typeface="ＭＳ Ｐゴシック" charset="-128"/>
                       </a:rPr>
                       <m:t>=0, </m:t>
@@ -5520,7 +5601,7 @@
                                 <a:lumOff val="25000"/>
                               </a:schemeClr>
                             </a:solidFill>
-                            <a:latin typeface="+mn-lt"/>
+                            <a:latin typeface="Cambria Math" panose="02040503050406030204" pitchFamily="18" charset="0"/>
                             <a:ea typeface="ＭＳ Ｐゴシック" charset="-128"/>
                           </a:rPr>
                         </m:ctrlPr>
@@ -5534,7 +5615,7 @@
                                 <a:lumOff val="25000"/>
                               </a:schemeClr>
                             </a:solidFill>
-                            <a:latin typeface="+mn-lt"/>
+                            <a:latin typeface="Cambria Math" panose="02040503050406030204" pitchFamily="18" charset="0"/>
                             <a:ea typeface="ＭＳ Ｐゴシック" charset="-128"/>
                           </a:rPr>
                           <m:t>𝑁</m:t>
@@ -5549,7 +5630,7 @@
                                 <a:lumOff val="25000"/>
                               </a:schemeClr>
                             </a:solidFill>
-                            <a:latin typeface="+mn-lt"/>
+                            <a:latin typeface="Cambria Math" panose="02040503050406030204" pitchFamily="18" charset="0"/>
                             <a:ea typeface="ＭＳ Ｐゴシック" charset="-128"/>
                           </a:rPr>
                           <m:t>𝑐𝑜𝑖𝑙</m:t>
@@ -5564,7 +5645,7 @@
                             <a:lumOff val="25000"/>
                           </a:schemeClr>
                         </a:solidFill>
-                        <a:latin typeface="+mn-lt"/>
+                        <a:latin typeface="Cambria Math" panose="02040503050406030204" pitchFamily="18" charset="0"/>
                         <a:ea typeface="ＭＳ Ｐゴシック" charset="-128"/>
                       </a:rPr>
                       <m:t>= </m:t>
@@ -5762,7 +5843,7 @@
                                 <a:lumOff val="25000"/>
                               </a:schemeClr>
                             </a:solidFill>
-                            <a:latin typeface="+mn-lt"/>
+                            <a:latin typeface="Cambria Math" panose="02040503050406030204" pitchFamily="18" charset="0"/>
                             <a:ea typeface="ＭＳ Ｐゴシック" charset="-128"/>
                           </a:rPr>
                         </m:ctrlPr>
@@ -5776,7 +5857,7 @@
                                 <a:lumOff val="25000"/>
                               </a:schemeClr>
                             </a:solidFill>
-                            <a:latin typeface="+mn-lt"/>
+                            <a:latin typeface="Cambria Math" panose="02040503050406030204" pitchFamily="18" charset="0"/>
                             <a:ea typeface="ＭＳ Ｐゴシック" charset="-128"/>
                           </a:rPr>
                           <m:t>𝑅</m:t>
@@ -5791,7 +5872,7 @@
                                 <a:lumOff val="25000"/>
                               </a:schemeClr>
                             </a:solidFill>
-                            <a:latin typeface="+mn-lt"/>
+                            <a:latin typeface="Cambria Math" panose="02040503050406030204" pitchFamily="18" charset="0"/>
                             <a:ea typeface="ＭＳ Ｐゴシック" charset="-128"/>
                           </a:rPr>
                           <m:t>𝑐𝑜𝑖𝑙</m:t>
@@ -5806,7 +5887,7 @@
                             <a:lumOff val="25000"/>
                           </a:schemeClr>
                         </a:solidFill>
-                        <a:latin typeface="+mn-lt"/>
+                        <a:latin typeface="Cambria Math" panose="02040503050406030204" pitchFamily="18" charset="0"/>
                         <a:ea typeface="ＭＳ Ｐゴシック" charset="-128"/>
                       </a:rPr>
                       <m:t>=</m:t>
@@ -6199,7 +6280,7 @@
                                 <a:lumOff val="25000"/>
                               </a:schemeClr>
                             </a:solidFill>
-                            <a:latin typeface="+mn-lt"/>
+                            <a:latin typeface="Cambria Math" panose="02040503050406030204" pitchFamily="18" charset="0"/>
                             <a:ea typeface="ＭＳ Ｐゴシック" charset="-128"/>
                           </a:rPr>
                         </m:ctrlPr>
@@ -6213,7 +6294,7 @@
                                 <a:lumOff val="25000"/>
                               </a:schemeClr>
                             </a:solidFill>
-                            <a:latin typeface="+mn-lt"/>
+                            <a:latin typeface="Cambria Math" panose="02040503050406030204" pitchFamily="18" charset="0"/>
                             <a:ea typeface="ＭＳ Ｐゴシック" charset="-128"/>
                           </a:rPr>
                           <m:t>𝑁</m:t>
@@ -6228,7 +6309,7 @@
                                 <a:lumOff val="25000"/>
                               </a:schemeClr>
                             </a:solidFill>
-                            <a:latin typeface="+mn-lt"/>
+                            <a:latin typeface="Cambria Math" panose="02040503050406030204" pitchFamily="18" charset="0"/>
                             <a:ea typeface="ＭＳ Ｐゴシック" charset="-128"/>
                           </a:rPr>
                           <m:t>𝑐𝑜𝑖𝑙</m:t>
@@ -6262,7 +6343,7 @@
                                 <a:lumOff val="25000"/>
                               </a:schemeClr>
                             </a:solidFill>
-                            <a:latin typeface="+mn-lt"/>
+                            <a:latin typeface="Cambria Math" panose="02040503050406030204" pitchFamily="18" charset="0"/>
                             <a:ea typeface="ＭＳ Ｐゴシック" charset="-128"/>
                           </a:rPr>
                         </m:ctrlPr>
@@ -6276,7 +6357,7 @@
                                 <a:lumOff val="25000"/>
                               </a:schemeClr>
                             </a:solidFill>
-                            <a:latin typeface="+mn-lt"/>
+                            <a:latin typeface="Cambria Math" panose="02040503050406030204" pitchFamily="18" charset="0"/>
                             <a:ea typeface="ＭＳ Ｐゴシック" charset="-128"/>
                           </a:rPr>
                           <m:t>𝑅</m:t>
@@ -6291,7 +6372,7 @@
                                 <a:lumOff val="25000"/>
                               </a:schemeClr>
                             </a:solidFill>
-                            <a:latin typeface="+mn-lt"/>
+                            <a:latin typeface="Cambria Math" panose="02040503050406030204" pitchFamily="18" charset="0"/>
                             <a:ea typeface="ＭＳ Ｐゴシック" charset="-128"/>
                           </a:rPr>
                           <m:t>𝑐𝑜𝑖𝑙</m:t>
@@ -6430,7 +6511,7 @@
                                 <a:lumOff val="25000"/>
                               </a:schemeClr>
                             </a:solidFill>
-                            <a:latin typeface="+mn-lt"/>
+                            <a:latin typeface="Cambria Math" panose="02040503050406030204" pitchFamily="18" charset="0"/>
                             <a:ea typeface="ＭＳ Ｐゴシック" charset="-128"/>
                           </a:rPr>
                         </m:ctrlPr>
@@ -6444,7 +6525,7 @@
                                 <a:lumOff val="25000"/>
                               </a:schemeClr>
                             </a:solidFill>
-                            <a:latin typeface="+mn-lt"/>
+                            <a:latin typeface="Cambria Math" panose="02040503050406030204" pitchFamily="18" charset="0"/>
                             <a:ea typeface="ＭＳ Ｐゴシック" charset="-128"/>
                           </a:rPr>
                           <m:t>𝐼</m:t>
@@ -6459,7 +6540,7 @@
                                 <a:lumOff val="25000"/>
                               </a:schemeClr>
                             </a:solidFill>
-                            <a:latin typeface="+mn-lt"/>
+                            <a:latin typeface="Cambria Math" panose="02040503050406030204" pitchFamily="18" charset="0"/>
                             <a:ea typeface="ＭＳ Ｐゴシック" charset="-128"/>
                           </a:rPr>
                           <m:t>𝑘</m:t>
@@ -6474,7 +6555,7 @@
                                 <a:lumOff val="25000"/>
                               </a:schemeClr>
                             </a:solidFill>
-                            <a:latin typeface="+mn-lt"/>
+                            <a:latin typeface="Cambria Math" panose="02040503050406030204" pitchFamily="18" charset="0"/>
                             <a:ea typeface="ＭＳ Ｐゴシック" charset="-128"/>
                           </a:rPr>
                           <m:t>𝑢𝑝𝑝𝑒𝑟</m:t>
@@ -6489,7 +6570,7 @@
                             <a:lumOff val="25000"/>
                           </a:schemeClr>
                         </a:solidFill>
-                        <a:latin typeface="+mn-lt"/>
+                        <a:latin typeface="Cambria Math" panose="02040503050406030204" pitchFamily="18" charset="0"/>
                         <a:ea typeface="ＭＳ Ｐゴシック" charset="-128"/>
                       </a:rPr>
                       <m:t>=</m:t>
@@ -6504,7 +6585,7 @@
                                 <a:lumOff val="25000"/>
                               </a:schemeClr>
                             </a:solidFill>
-                            <a:latin typeface="+mn-lt"/>
+                            <a:latin typeface="Cambria Math" panose="02040503050406030204" pitchFamily="18" charset="0"/>
                             <a:ea typeface="ＭＳ Ｐゴシック" charset="-128"/>
                           </a:rPr>
                         </m:ctrlPr>
@@ -6518,7 +6599,7 @@
                                 <a:lumOff val="25000"/>
                               </a:schemeClr>
                             </a:solidFill>
-                            <a:latin typeface="+mn-lt"/>
+                            <a:latin typeface="Cambria Math" panose="02040503050406030204" pitchFamily="18" charset="0"/>
                             <a:ea typeface="ＭＳ Ｐゴシック" charset="-128"/>
                           </a:rPr>
                           <m:t>𝐼</m:t>
@@ -6533,7 +6614,7 @@
                                 <a:lumOff val="25000"/>
                               </a:schemeClr>
                             </a:solidFill>
-                            <a:latin typeface="+mn-lt"/>
+                            <a:latin typeface="Cambria Math" panose="02040503050406030204" pitchFamily="18" charset="0"/>
                             <a:ea typeface="ＭＳ Ｐゴシック" charset="-128"/>
                           </a:rPr>
                           <m:t>0</m:t>
@@ -6550,7 +6631,7 @@
                                 <a:lumOff val="25000"/>
                               </a:schemeClr>
                             </a:solidFill>
-                            <a:latin typeface="+mn-lt"/>
+                            <a:latin typeface="Cambria Math" panose="02040503050406030204" pitchFamily="18" charset="0"/>
                             <a:ea typeface="ＭＳ Ｐゴシック" charset="-128"/>
                           </a:rPr>
                         </m:ctrlPr>
@@ -6567,7 +6648,7 @@
                                 <a:lumOff val="25000"/>
                               </a:schemeClr>
                             </a:solidFill>
-                            <a:latin typeface="+mn-lt"/>
+                            <a:latin typeface="Cambria Math" panose="02040503050406030204" pitchFamily="18" charset="0"/>
                             <a:ea typeface="ＭＳ Ｐゴシック" charset="-128"/>
                           </a:rPr>
                           <m:t>cos</m:t>
@@ -6582,7 +6663,7 @@
                                 <a:lumOff val="25000"/>
                               </a:schemeClr>
                             </a:solidFill>
-                            <a:latin typeface="+mn-lt"/>
+                            <a:latin typeface="Cambria Math" panose="02040503050406030204" pitchFamily="18" charset="0"/>
                             <a:ea typeface="ＭＳ Ｐゴシック" charset="-128"/>
                           </a:rPr>
                           <m:t>(</m:t>
@@ -6595,7 +6676,7 @@
                                 <a:lumOff val="25000"/>
                               </a:schemeClr>
                             </a:solidFill>
-                            <a:latin typeface="+mn-lt"/>
+                            <a:latin typeface="Cambria Math" panose="02040503050406030204" pitchFamily="18" charset="0"/>
                             <a:ea typeface="ＭＳ Ｐゴシック" charset="-128"/>
                           </a:rPr>
                           <m:t>𝑛</m:t>
@@ -6610,7 +6691,7 @@
                                     <a:lumOff val="25000"/>
                                   </a:schemeClr>
                                 </a:solidFill>
-                                <a:latin typeface="+mn-lt"/>
+                                <a:latin typeface="Cambria Math" panose="02040503050406030204" pitchFamily="18" charset="0"/>
                                 <a:ea typeface="ＭＳ Ｐゴシック" charset="-128"/>
                               </a:rPr>
                             </m:ctrlPr>
@@ -6624,7 +6705,7 @@
                                     <a:lumOff val="25000"/>
                                   </a:schemeClr>
                                 </a:solidFill>
-                                <a:latin typeface="+mn-lt"/>
+                                <a:latin typeface="Cambria Math" panose="02040503050406030204" pitchFamily="18" charset="0"/>
                                 <a:ea typeface="ＭＳ Ｐゴシック" charset="-128"/>
                               </a:rPr>
                               <m:t>𝜙</m:t>
@@ -6639,7 +6720,7 @@
                                     <a:lumOff val="25000"/>
                                   </a:schemeClr>
                                 </a:solidFill>
-                                <a:latin typeface="+mn-lt"/>
+                                <a:latin typeface="Cambria Math" panose="02040503050406030204" pitchFamily="18" charset="0"/>
                                 <a:ea typeface="ＭＳ Ｐゴシック" charset="-128"/>
                               </a:rPr>
                               <m:t>𝑘</m:t>
@@ -6654,7 +6735,7 @@
                                 <a:lumOff val="25000"/>
                               </a:schemeClr>
                             </a:solidFill>
-                            <a:latin typeface="+mn-lt"/>
+                            <a:latin typeface="Cambria Math" panose="02040503050406030204" pitchFamily="18" charset="0"/>
                             <a:ea typeface="ＭＳ Ｐゴシック" charset="-128"/>
                           </a:rPr>
                           <m:t>+</m:t>
@@ -6670,7 +6751,7 @@
                                 <a:lumOff val="25000"/>
                               </a:schemeClr>
                             </a:solidFill>
-                            <a:latin typeface="+mn-lt"/>
+                            <a:latin typeface="Cambria Math" panose="02040503050406030204" pitchFamily="18" charset="0"/>
                             <a:ea typeface="ＭＳ Ｐゴシック" charset="-128"/>
                           </a:rPr>
                           <m:t>Δ</m:t>
@@ -6683,7 +6764,7 @@
                                 <a:lumOff val="25000"/>
                               </a:schemeClr>
                             </a:solidFill>
-                            <a:latin typeface="+mn-lt"/>
+                            <a:latin typeface="Cambria Math" panose="02040503050406030204" pitchFamily="18" charset="0"/>
                             <a:ea typeface="ＭＳ Ｐゴシック" charset="-128"/>
                           </a:rPr>
                           <m:t>𝜙</m:t>
@@ -6696,7 +6777,7 @@
                                 <a:lumOff val="25000"/>
                               </a:schemeClr>
                             </a:solidFill>
-                            <a:latin typeface="+mn-lt"/>
+                            <a:latin typeface="Cambria Math" panose="02040503050406030204" pitchFamily="18" charset="0"/>
                             <a:ea typeface="ＭＳ Ｐゴシック" charset="-128"/>
                           </a:rPr>
                           <m:t>)</m:t>
@@ -6711,7 +6792,7 @@
                             <a:lumOff val="25000"/>
                           </a:schemeClr>
                         </a:solidFill>
-                        <a:latin typeface="+mn-lt"/>
+                        <a:latin typeface="Cambria Math" panose="02040503050406030204" pitchFamily="18" charset="0"/>
                         <a:ea typeface="ＭＳ Ｐゴシック" charset="-128"/>
                       </a:rPr>
                       <m:t>, </m:t>
@@ -6749,7 +6830,7 @@
                                 <a:lumOff val="25000"/>
                               </a:schemeClr>
                             </a:solidFill>
-                            <a:latin typeface="+mn-lt"/>
+                            <a:latin typeface="Cambria Math" panose="02040503050406030204" pitchFamily="18" charset="0"/>
                             <a:ea typeface="ＭＳ Ｐゴシック" charset="-128"/>
                           </a:rPr>
                         </m:ctrlPr>
@@ -6763,7 +6844,7 @@
                                 <a:lumOff val="25000"/>
                               </a:schemeClr>
                             </a:solidFill>
-                            <a:latin typeface="+mn-lt"/>
+                            <a:latin typeface="Cambria Math" panose="02040503050406030204" pitchFamily="18" charset="0"/>
                             <a:ea typeface="ＭＳ Ｐゴシック" charset="-128"/>
                           </a:rPr>
                           <m:t>𝐼</m:t>
@@ -6778,7 +6859,7 @@
                                 <a:lumOff val="25000"/>
                               </a:schemeClr>
                             </a:solidFill>
-                            <a:latin typeface="+mn-lt"/>
+                            <a:latin typeface="Cambria Math" panose="02040503050406030204" pitchFamily="18" charset="0"/>
                             <a:ea typeface="ＭＳ Ｐゴシック" charset="-128"/>
                           </a:rPr>
                           <m:t>𝑘</m:t>
@@ -6793,7 +6874,7 @@
                                 <a:lumOff val="25000"/>
                               </a:schemeClr>
                             </a:solidFill>
-                            <a:latin typeface="+mn-lt"/>
+                            <a:latin typeface="Cambria Math" panose="02040503050406030204" pitchFamily="18" charset="0"/>
                             <a:ea typeface="ＭＳ Ｐゴシック" charset="-128"/>
                           </a:rPr>
                           <m:t>𝑙𝑜𝑤𝑒𝑟</m:t>
@@ -6808,7 +6889,7 @@
                             <a:lumOff val="25000"/>
                           </a:schemeClr>
                         </a:solidFill>
-                        <a:latin typeface="+mn-lt"/>
+                        <a:latin typeface="Cambria Math" panose="02040503050406030204" pitchFamily="18" charset="0"/>
                         <a:ea typeface="ＭＳ Ｐゴシック" charset="-128"/>
                       </a:rPr>
                       <m:t>=</m:t>
@@ -6823,7 +6904,7 @@
                                 <a:lumOff val="25000"/>
                               </a:schemeClr>
                             </a:solidFill>
-                            <a:latin typeface="+mn-lt"/>
+                            <a:latin typeface="Cambria Math" panose="02040503050406030204" pitchFamily="18" charset="0"/>
                             <a:ea typeface="ＭＳ Ｐゴシック" charset="-128"/>
                           </a:rPr>
                         </m:ctrlPr>
@@ -6837,7 +6918,7 @@
                                 <a:lumOff val="25000"/>
                               </a:schemeClr>
                             </a:solidFill>
-                            <a:latin typeface="+mn-lt"/>
+                            <a:latin typeface="Cambria Math" panose="02040503050406030204" pitchFamily="18" charset="0"/>
                             <a:ea typeface="ＭＳ Ｐゴシック" charset="-128"/>
                           </a:rPr>
                           <m:t>𝐼</m:t>
@@ -6852,7 +6933,7 @@
                                 <a:lumOff val="25000"/>
                               </a:schemeClr>
                             </a:solidFill>
-                            <a:latin typeface="+mn-lt"/>
+                            <a:latin typeface="Cambria Math" panose="02040503050406030204" pitchFamily="18" charset="0"/>
                             <a:ea typeface="ＭＳ Ｐゴシック" charset="-128"/>
                           </a:rPr>
                           <m:t>0</m:t>
@@ -6869,7 +6950,7 @@
                                 <a:lumOff val="25000"/>
                               </a:schemeClr>
                             </a:solidFill>
-                            <a:latin typeface="+mn-lt"/>
+                            <a:latin typeface="Cambria Math" panose="02040503050406030204" pitchFamily="18" charset="0"/>
                             <a:ea typeface="ＭＳ Ｐゴシック" charset="-128"/>
                           </a:rPr>
                         </m:ctrlPr>
@@ -6886,7 +6967,7 @@
                                 <a:lumOff val="25000"/>
                               </a:schemeClr>
                             </a:solidFill>
-                            <a:latin typeface="+mn-lt"/>
+                            <a:latin typeface="Cambria Math" panose="02040503050406030204" pitchFamily="18" charset="0"/>
                             <a:ea typeface="ＭＳ Ｐゴシック" charset="-128"/>
                           </a:rPr>
                           <m:t>cos</m:t>
@@ -6901,7 +6982,7 @@
                                 <a:lumOff val="25000"/>
                               </a:schemeClr>
                             </a:solidFill>
-                            <a:latin typeface="+mn-lt"/>
+                            <a:latin typeface="Cambria Math" panose="02040503050406030204" pitchFamily="18" charset="0"/>
                             <a:ea typeface="ＭＳ Ｐゴシック" charset="-128"/>
                           </a:rPr>
                           <m:t>(</m:t>
@@ -6914,7 +6995,7 @@
                                 <a:lumOff val="25000"/>
                               </a:schemeClr>
                             </a:solidFill>
-                            <a:latin typeface="+mn-lt"/>
+                            <a:latin typeface="Cambria Math" panose="02040503050406030204" pitchFamily="18" charset="0"/>
                             <a:ea typeface="ＭＳ Ｐゴシック" charset="-128"/>
                           </a:rPr>
                           <m:t>𝑛</m:t>
@@ -6929,7 +7010,7 @@
                                     <a:lumOff val="25000"/>
                                   </a:schemeClr>
                                 </a:solidFill>
-                                <a:latin typeface="+mn-lt"/>
+                                <a:latin typeface="Cambria Math" panose="02040503050406030204" pitchFamily="18" charset="0"/>
                                 <a:ea typeface="ＭＳ Ｐゴシック" charset="-128"/>
                               </a:rPr>
                             </m:ctrlPr>
@@ -6943,7 +7024,7 @@
                                     <a:lumOff val="25000"/>
                                   </a:schemeClr>
                                 </a:solidFill>
-                                <a:latin typeface="+mn-lt"/>
+                                <a:latin typeface="Cambria Math" panose="02040503050406030204" pitchFamily="18" charset="0"/>
                                 <a:ea typeface="ＭＳ Ｐゴシック" charset="-128"/>
                               </a:rPr>
                               <m:t>𝜙</m:t>
@@ -6958,7 +7039,7 @@
                                     <a:lumOff val="25000"/>
                                   </a:schemeClr>
                                 </a:solidFill>
-                                <a:latin typeface="+mn-lt"/>
+                                <a:latin typeface="Cambria Math" panose="02040503050406030204" pitchFamily="18" charset="0"/>
                                 <a:ea typeface="ＭＳ Ｐゴシック" charset="-128"/>
                               </a:rPr>
                               <m:t>𝑘</m:t>
@@ -6973,7 +7054,7 @@
                                 <a:lumOff val="25000"/>
                               </a:schemeClr>
                             </a:solidFill>
-                            <a:latin typeface="+mn-lt"/>
+                            <a:latin typeface="Cambria Math" panose="02040503050406030204" pitchFamily="18" charset="0"/>
                             <a:ea typeface="ＭＳ Ｐゴシック" charset="-128"/>
                           </a:rPr>
                           <m:t>)</m:t>
@@ -6988,7 +7069,7 @@
                             <a:lumOff val="25000"/>
                           </a:schemeClr>
                         </a:solidFill>
-                        <a:latin typeface="+mn-lt"/>
+                        <a:latin typeface="Cambria Math" panose="02040503050406030204" pitchFamily="18" charset="0"/>
                         <a:ea typeface="ＭＳ Ｐゴシック" charset="-128"/>
                       </a:rPr>
                       <m:t>,</m:t>
@@ -7048,7 +7129,7 @@
                                 <a:lumOff val="25000"/>
                               </a:schemeClr>
                             </a:solidFill>
-                            <a:latin typeface="+mn-lt"/>
+                            <a:latin typeface="Cambria Math" panose="02040503050406030204" pitchFamily="18" charset="0"/>
                             <a:ea typeface="ＭＳ Ｐゴシック" charset="-128"/>
                           </a:rPr>
                         </m:ctrlPr>
@@ -7062,7 +7143,7 @@
                                 <a:lumOff val="25000"/>
                               </a:schemeClr>
                             </a:solidFill>
-                            <a:latin typeface="+mn-lt"/>
+                            <a:latin typeface="Cambria Math" panose="02040503050406030204" pitchFamily="18" charset="0"/>
                             <a:ea typeface="ＭＳ Ｐゴシック" charset="-128"/>
                           </a:rPr>
                           <m:t>𝜙</m:t>
@@ -7077,7 +7158,7 @@
                                 <a:lumOff val="25000"/>
                               </a:schemeClr>
                             </a:solidFill>
-                            <a:latin typeface="+mn-lt"/>
+                            <a:latin typeface="Cambria Math" panose="02040503050406030204" pitchFamily="18" charset="0"/>
                             <a:ea typeface="ＭＳ Ｐゴシック" charset="-128"/>
                           </a:rPr>
                           <m:t>𝑘</m:t>
@@ -7146,7 +7227,7 @@
                                 <a:lumOff val="25000"/>
                               </a:schemeClr>
                             </a:solidFill>
-                            <a:latin typeface="+mn-lt"/>
+                            <a:latin typeface="Cambria Math" panose="02040503050406030204" pitchFamily="18" charset="0"/>
                             <a:ea typeface="ＭＳ Ｐゴシック" charset="-128"/>
                           </a:rPr>
                         </m:ctrlPr>
@@ -7160,7 +7241,7 @@
                                 <a:lumOff val="25000"/>
                               </a:schemeClr>
                             </a:solidFill>
-                            <a:latin typeface="+mn-lt"/>
+                            <a:latin typeface="Cambria Math" panose="02040503050406030204" pitchFamily="18" charset="0"/>
                             <a:ea typeface="ＭＳ Ｐゴシック" charset="-128"/>
                           </a:rPr>
                           <m:t>𝐼</m:t>
@@ -7175,7 +7256,7 @@
                                 <a:lumOff val="25000"/>
                               </a:schemeClr>
                             </a:solidFill>
-                            <a:latin typeface="+mn-lt"/>
+                            <a:latin typeface="Cambria Math" panose="02040503050406030204" pitchFamily="18" charset="0"/>
                             <a:ea typeface="ＭＳ Ｐゴシック" charset="-128"/>
                           </a:rPr>
                           <m:t>0</m:t>
@@ -7190,7 +7271,7 @@
                             <a:lumOff val="25000"/>
                           </a:schemeClr>
                         </a:solidFill>
-                        <a:latin typeface="+mn-lt"/>
+                        <a:latin typeface="Cambria Math" panose="02040503050406030204" pitchFamily="18" charset="0"/>
                         <a:ea typeface="ＭＳ Ｐゴシック" charset="-128"/>
                       </a:rPr>
                       <m:t>, </m:t>
@@ -7203,7 +7284,7 @@
                             <a:lumOff val="25000"/>
                           </a:schemeClr>
                         </a:solidFill>
-                        <a:latin typeface="+mn-lt"/>
+                        <a:latin typeface="Cambria Math" panose="02040503050406030204" pitchFamily="18" charset="0"/>
                         <a:ea typeface="ＭＳ Ｐゴシック" charset="-128"/>
                       </a:rPr>
                       <m:t>𝑛</m:t>
@@ -7236,7 +7317,7 @@
                             <a:lumOff val="25000"/>
                           </a:schemeClr>
                         </a:solidFill>
-                        <a:latin typeface="+mn-lt"/>
+                        <a:latin typeface="Cambria Math" panose="02040503050406030204" pitchFamily="18" charset="0"/>
                         <a:ea typeface="ＭＳ Ｐゴシック" charset="-128"/>
                       </a:rPr>
                       <m:t>Δ</m:t>
@@ -7249,7 +7330,7 @@
                             <a:lumOff val="25000"/>
                           </a:schemeClr>
                         </a:solidFill>
-                        <a:latin typeface="+mn-lt"/>
+                        <a:latin typeface="Cambria Math" panose="02040503050406030204" pitchFamily="18" charset="0"/>
                         <a:ea typeface="ＭＳ Ｐゴシック" charset="-128"/>
                       </a:rPr>
                       <m:t>𝜙</m:t>
@@ -7305,7 +7386,7 @@
             </p:txBody>
           </p:sp>
         </mc:Choice>
-        <mc:Fallback>
+        <mc:Fallback xmlns="">
           <p:sp>
             <p:nvSpPr>
               <p:cNvPr id="28" name="Text Box 242"/>
@@ -7520,8 +7601,8 @@
             <a:chExt cx="14401445" cy="5480859"/>
           </a:xfrm>
         </p:grpSpPr>
-        <mc:AlternateContent xmlns:mc="http://schemas.openxmlformats.org/markup-compatibility/2006">
-          <mc:Choice xmlns:a14="http://schemas.microsoft.com/office/drawing/2010/main" Requires="a14">
+        <mc:AlternateContent xmlns:mc="http://schemas.openxmlformats.org/markup-compatibility/2006" xmlns:a14="http://schemas.microsoft.com/office/drawing/2010/main">
+          <mc:Choice Requires="a14">
             <p:sp>
               <p:nvSpPr>
                 <p:cNvPr id="34" name="Text Box 242"/>
@@ -7709,7 +7790,7 @@
                               <a:lumOff val="25000"/>
                             </a:schemeClr>
                           </a:solidFill>
-                          <a:latin typeface="+mn-lt"/>
+                          <a:latin typeface="Cambria Math" panose="02040503050406030204" pitchFamily="18" charset="0"/>
                           <a:ea typeface="ＭＳ Ｐゴシック" charset="-128"/>
                         </a:rPr>
                         <m:t>Δ</m:t>
@@ -7722,7 +7803,7 @@
                               <a:lumOff val="25000"/>
                             </a:schemeClr>
                           </a:solidFill>
-                          <a:latin typeface="+mn-lt"/>
+                          <a:latin typeface="Cambria Math" panose="02040503050406030204" pitchFamily="18" charset="0"/>
                           <a:ea typeface="ＭＳ Ｐゴシック" charset="-128"/>
                         </a:rPr>
                         <m:t>𝜙</m:t>
@@ -7790,7 +7871,7 @@
               </p:txBody>
             </p:sp>
           </mc:Choice>
-          <mc:Fallback>
+          <mc:Fallback xmlns="">
             <p:sp>
               <p:nvSpPr>
                 <p:cNvPr id="34" name="Text Box 242"/>
@@ -9033,8 +9114,8 @@
           </mc:Fallback>
         </mc:AlternateContent>
       </p:grpSp>
-      <mc:AlternateContent xmlns:mc="http://schemas.openxmlformats.org/markup-compatibility/2006">
-        <mc:Choice xmlns:a14="http://schemas.microsoft.com/office/drawing/2010/main" Requires="a14">
+      <mc:AlternateContent xmlns:mc="http://schemas.openxmlformats.org/markup-compatibility/2006" xmlns:a14="http://schemas.microsoft.com/office/drawing/2010/main">
+        <mc:Choice Requires="a14">
           <p:sp>
             <p:nvSpPr>
               <p:cNvPr id="1524" name="Text Box 242">
@@ -9201,7 +9282,7 @@
                             <a:lumOff val="25000"/>
                           </a:schemeClr>
                         </a:solidFill>
-                        <a:latin typeface="+mn-lt"/>
+                        <a:latin typeface="Cambria Math" panose="02040503050406030204" pitchFamily="18" charset="0"/>
                         <a:ea typeface="ＭＳ Ｐゴシック" charset="-128"/>
                       </a:rPr>
                       <m:t>𝑛</m:t>
@@ -9214,7 +9295,7 @@
                             <a:lumOff val="25000"/>
                           </a:schemeClr>
                         </a:solidFill>
-                        <a:latin typeface="+mn-lt"/>
+                        <a:latin typeface="Cambria Math" panose="02040503050406030204" pitchFamily="18" charset="0"/>
                         <a:ea typeface="ＭＳ Ｐゴシック" charset="-128"/>
                       </a:rPr>
                       <m:t>=3</m:t>
@@ -9244,7 +9325,7 @@
                             <a:lumOff val="25000"/>
                           </a:schemeClr>
                         </a:solidFill>
-                        <a:latin typeface="+mn-lt"/>
+                        <a:latin typeface="Cambria Math" panose="02040503050406030204" pitchFamily="18" charset="0"/>
                         <a:ea typeface="ＭＳ Ｐゴシック" charset="-128"/>
                       </a:rPr>
                       <m:t>𝑛</m:t>
@@ -9274,7 +9355,7 @@
                             <a:lumOff val="25000"/>
                           </a:schemeClr>
                         </a:solidFill>
-                        <a:latin typeface="+mn-lt"/>
+                        <a:latin typeface="Cambria Math" panose="02040503050406030204" pitchFamily="18" charset="0"/>
                         <a:ea typeface="ＭＳ Ｐゴシック" charset="-128"/>
                       </a:rPr>
                       <m:t>𝑛</m:t>
@@ -9326,7 +9407,7 @@
                             <a:lumOff val="25000"/>
                           </a:schemeClr>
                         </a:solidFill>
-                        <a:latin typeface="+mn-lt"/>
+                        <a:latin typeface="Cambria Math" panose="02040503050406030204" pitchFamily="18" charset="0"/>
                         <a:ea typeface="ＭＳ Ｐゴシック" charset="-128"/>
                       </a:rPr>
                       <m:t>𝑛</m:t>
@@ -9356,7 +9437,7 @@
                             <a:lumOff val="25000"/>
                           </a:schemeClr>
                         </a:solidFill>
-                        <a:latin typeface="+mn-lt"/>
+                        <a:latin typeface="Cambria Math" panose="02040503050406030204" pitchFamily="18" charset="0"/>
                         <a:ea typeface="ＭＳ Ｐゴシック" charset="-128"/>
                       </a:rPr>
                       <m:t>𝑛</m:t>
@@ -9369,7 +9450,7 @@
                             <a:lumOff val="25000"/>
                           </a:schemeClr>
                         </a:solidFill>
-                        <a:latin typeface="+mn-lt"/>
+                        <a:latin typeface="Cambria Math" panose="02040503050406030204" pitchFamily="18" charset="0"/>
                         <a:ea typeface="ＭＳ Ｐゴシック" charset="-128"/>
                       </a:rPr>
                       <m:t>=2</m:t>
@@ -9399,7 +9480,7 @@
                             <a:lumOff val="25000"/>
                           </a:schemeClr>
                         </a:solidFill>
-                        <a:latin typeface="+mn-lt"/>
+                        <a:latin typeface="Cambria Math" panose="02040503050406030204" pitchFamily="18" charset="0"/>
                         <a:ea typeface="ＭＳ Ｐゴシック" charset="-128"/>
                       </a:rPr>
                       <m:t>𝑛</m:t>
@@ -9412,7 +9493,7 @@
                             <a:lumOff val="25000"/>
                           </a:schemeClr>
                         </a:solidFill>
-                        <a:latin typeface="+mn-lt"/>
+                        <a:latin typeface="Cambria Math" panose="02040503050406030204" pitchFamily="18" charset="0"/>
                         <a:ea typeface="ＭＳ Ｐゴシック" charset="-128"/>
                       </a:rPr>
                       <m:t>=4</m:t>
@@ -9466,7 +9547,7 @@
                                 <a:lumOff val="25000"/>
                               </a:schemeClr>
                             </a:solidFill>
-                            <a:latin typeface="+mn-lt"/>
+                            <a:latin typeface="Cambria Math" panose="02040503050406030204" pitchFamily="18" charset="0"/>
                             <a:ea typeface="ＭＳ Ｐゴシック" charset="-128"/>
                           </a:rPr>
                         </m:ctrlPr>
@@ -9480,7 +9561,7 @@
                                 <a:lumOff val="25000"/>
                               </a:schemeClr>
                             </a:solidFill>
-                            <a:latin typeface="+mn-lt"/>
+                            <a:latin typeface="Cambria Math" panose="02040503050406030204" pitchFamily="18" charset="0"/>
                             <a:ea typeface="ＭＳ Ｐゴシック" charset="-128"/>
                           </a:rPr>
                           <m:t>𝐼</m:t>
@@ -9495,7 +9576,7 @@
                                 <a:lumOff val="25000"/>
                               </a:schemeClr>
                             </a:solidFill>
-                            <a:latin typeface="+mn-lt"/>
+                            <a:latin typeface="Cambria Math" panose="02040503050406030204" pitchFamily="18" charset="0"/>
                             <a:ea typeface="ＭＳ Ｐゴシック" charset="-128"/>
                           </a:rPr>
                           <m:t>0</m:t>
@@ -9527,7 +9608,7 @@
                             <a:lumOff val="25000"/>
                           </a:schemeClr>
                         </a:solidFill>
-                        <a:latin typeface="+mn-lt"/>
+                        <a:latin typeface="Cambria Math" panose="02040503050406030204" pitchFamily="18" charset="0"/>
                         <a:ea typeface="ＭＳ Ｐゴシック" charset="-128"/>
                       </a:rPr>
                       <m:t>𝛼</m:t>
@@ -9551,7 +9632,7 @@
             </p:txBody>
           </p:sp>
         </mc:Choice>
-        <mc:Fallback>
+        <mc:Fallback xmlns="">
           <p:sp>
             <p:nvSpPr>
               <p:cNvPr id="1524" name="Text Box 242">
@@ -9600,8 +9681,8 @@
           </p:sp>
         </mc:Fallback>
       </mc:AlternateContent>
-      <mc:AlternateContent xmlns:mc="http://schemas.openxmlformats.org/markup-compatibility/2006">
-        <mc:Choice xmlns:a14="http://schemas.microsoft.com/office/drawing/2010/main" Requires="a14">
+      <mc:AlternateContent xmlns:mc="http://schemas.openxmlformats.org/markup-compatibility/2006" xmlns:a14="http://schemas.microsoft.com/office/drawing/2010/main">
+        <mc:Choice Requires="a14">
           <p:sp>
             <p:nvSpPr>
               <p:cNvPr id="1527" name="Text Box 242">
@@ -9768,7 +9849,7 @@
                             <a:lumOff val="25000"/>
                           </a:schemeClr>
                         </a:solidFill>
-                        <a:latin typeface="+mn-lt"/>
+                        <a:latin typeface="Cambria Math" panose="02040503050406030204" pitchFamily="18" charset="0"/>
                         <a:ea typeface="ＭＳ Ｐゴシック" charset="-128"/>
                       </a:rPr>
                       <m:t>𝑛</m:t>
@@ -9781,7 +9862,7 @@
                             <a:lumOff val="25000"/>
                           </a:schemeClr>
                         </a:solidFill>
-                        <a:latin typeface="+mn-lt"/>
+                        <a:latin typeface="Cambria Math" panose="02040503050406030204" pitchFamily="18" charset="0"/>
                         <a:ea typeface="ＭＳ Ｐゴシック" charset="-128"/>
                       </a:rPr>
                       <m:t>=2</m:t>
@@ -9813,7 +9894,7 @@
                                 <a:lumOff val="25000"/>
                               </a:schemeClr>
                             </a:solidFill>
-                            <a:latin typeface="+mn-lt"/>
+                            <a:latin typeface="Cambria Math" panose="02040503050406030204" pitchFamily="18" charset="0"/>
                             <a:ea typeface="ＭＳ Ｐゴシック" charset="-128"/>
                           </a:rPr>
                         </m:ctrlPr>
@@ -9827,7 +9908,7 @@
                                 <a:lumOff val="25000"/>
                               </a:schemeClr>
                             </a:solidFill>
-                            <a:latin typeface="+mn-lt"/>
+                            <a:latin typeface="Cambria Math" panose="02040503050406030204" pitchFamily="18" charset="0"/>
                             <a:ea typeface="ＭＳ Ｐゴシック" charset="-128"/>
                           </a:rPr>
                           <m:t>𝐼</m:t>
@@ -9842,7 +9923,7 @@
                                 <a:lumOff val="25000"/>
                               </a:schemeClr>
                             </a:solidFill>
-                            <a:latin typeface="+mn-lt"/>
+                            <a:latin typeface="Cambria Math" panose="02040503050406030204" pitchFamily="18" charset="0"/>
                             <a:ea typeface="ＭＳ Ｐゴシック" charset="-128"/>
                           </a:rPr>
                           <m:t>0 </m:t>
@@ -9857,7 +9938,7 @@
                             <a:lumOff val="25000"/>
                           </a:schemeClr>
                         </a:solidFill>
-                        <a:latin typeface="+mn-lt"/>
+                        <a:latin typeface="Cambria Math" panose="02040503050406030204" pitchFamily="18" charset="0"/>
                         <a:ea typeface="ＭＳ Ｐゴシック" charset="-128"/>
                       </a:rPr>
                       <m:t>=50</m:t>
@@ -9913,7 +9994,7 @@
                             <a:lumOff val="25000"/>
                           </a:schemeClr>
                         </a:solidFill>
-                        <a:latin typeface="+mn-lt"/>
+                        <a:latin typeface="Cambria Math" panose="02040503050406030204" pitchFamily="18" charset="0"/>
                         <a:ea typeface="ＭＳ Ｐゴシック" charset="-128"/>
                       </a:rPr>
                       <m:t>𝑛</m:t>
@@ -9926,7 +10007,7 @@
                             <a:lumOff val="25000"/>
                           </a:schemeClr>
                         </a:solidFill>
-                        <a:latin typeface="+mn-lt"/>
+                        <a:latin typeface="Cambria Math" panose="02040503050406030204" pitchFamily="18" charset="0"/>
                         <a:ea typeface="ＭＳ Ｐゴシック" charset="-128"/>
                       </a:rPr>
                       <m:t>=3</m:t>
@@ -9958,7 +10039,7 @@
                                 <a:lumOff val="25000"/>
                               </a:schemeClr>
                             </a:solidFill>
-                            <a:latin typeface="+mn-lt"/>
+                            <a:latin typeface="Cambria Math" panose="02040503050406030204" pitchFamily="18" charset="0"/>
                             <a:ea typeface="ＭＳ Ｐゴシック" charset="-128"/>
                           </a:rPr>
                         </m:ctrlPr>
@@ -9972,7 +10053,7 @@
                                 <a:lumOff val="25000"/>
                               </a:schemeClr>
                             </a:solidFill>
-                            <a:latin typeface="+mn-lt"/>
+                            <a:latin typeface="Cambria Math" panose="02040503050406030204" pitchFamily="18" charset="0"/>
                             <a:ea typeface="ＭＳ Ｐゴシック" charset="-128"/>
                           </a:rPr>
                           <m:t>𝐼</m:t>
@@ -9987,7 +10068,7 @@
                                 <a:lumOff val="25000"/>
                               </a:schemeClr>
                             </a:solidFill>
-                            <a:latin typeface="+mn-lt"/>
+                            <a:latin typeface="Cambria Math" panose="02040503050406030204" pitchFamily="18" charset="0"/>
                             <a:ea typeface="ＭＳ Ｐゴシック" charset="-128"/>
                           </a:rPr>
                           <m:t>0</m:t>
@@ -10045,7 +10126,7 @@
                             <a:lumOff val="25000"/>
                           </a:schemeClr>
                         </a:solidFill>
-                        <a:latin typeface="+mn-lt"/>
+                        <a:latin typeface="Cambria Math" panose="02040503050406030204" pitchFamily="18" charset="0"/>
                         <a:ea typeface="ＭＳ Ｐゴシック" charset="-128"/>
                       </a:rPr>
                       <m:t>𝑛</m:t>
@@ -10058,7 +10139,7 @@
                             <a:lumOff val="25000"/>
                           </a:schemeClr>
                         </a:solidFill>
-                        <a:latin typeface="+mn-lt"/>
+                        <a:latin typeface="Cambria Math" panose="02040503050406030204" pitchFamily="18" charset="0"/>
                         <a:ea typeface="ＭＳ Ｐゴシック" charset="-128"/>
                       </a:rPr>
                       <m:t>=4</m:t>
@@ -10140,7 +10221,7 @@
             </p:txBody>
           </p:sp>
         </mc:Choice>
-        <mc:Fallback>
+        <mc:Fallback xmlns="">
           <p:sp>
             <p:nvSpPr>
               <p:cNvPr id="1527" name="Text Box 242">
@@ -10189,6 +10270,53 @@
           </p:sp>
         </mc:Fallback>
       </mc:AlternateContent>
+      <p:pic>
+        <p:nvPicPr>
+          <p:cNvPr id="10" name="Picture 4">
+            <a:extLst>
+              <a:ext uri="{FF2B5EF4-FFF2-40B4-BE49-F238E27FC236}">
+                <a16:creationId xmlns:a16="http://schemas.microsoft.com/office/drawing/2014/main" id="{799C8AE4-D3D3-D8F6-07CE-571BA578C9E9}"/>
+              </a:ext>
+            </a:extLst>
+          </p:cNvPr>
+          <p:cNvPicPr>
+            <a:picLocks noChangeAspect="1" noChangeArrowheads="1"/>
+          </p:cNvPicPr>
+          <p:nvPr/>
+        </p:nvPicPr>
+        <p:blipFill>
+          <a:blip r:embed="rId16">
+            <a:extLst>
+              <a:ext uri="{28A0092B-C50C-407E-A947-70E740481C1C}">
+                <a14:useLocalDpi xmlns:a14="http://schemas.microsoft.com/office/drawing/2010/main" val="0"/>
+              </a:ext>
+            </a:extLst>
+          </a:blip>
+          <a:srcRect/>
+          <a:stretch>
+            <a:fillRect/>
+          </a:stretch>
+        </p:blipFill>
+        <p:spPr bwMode="auto">
+          <a:xfrm>
+            <a:off x="25908001" y="809770"/>
+            <a:ext cx="4150644" cy="4142614"/>
+          </a:xfrm>
+          <a:prstGeom prst="rect">
+            <a:avLst/>
+          </a:prstGeom>
+          <a:noFill/>
+          <a:extLst>
+            <a:ext uri="{909E8E84-426E-40DD-AFC4-6F175D3DCCD1}">
+              <a14:hiddenFill xmlns:a14="http://schemas.microsoft.com/office/drawing/2010/main">
+                <a:solidFill>
+                  <a:srgbClr val="FFFFFF"/>
+                </a:solidFill>
+              </a14:hiddenFill>
+            </a:ext>
+          </a:extLst>
+        </p:spPr>
+      </p:pic>
     </p:spTree>
     <p:extLst>
       <p:ext uri="{BB962C8B-B14F-4D97-AF65-F5344CB8AC3E}">
@@ -14628,14 +14756,6 @@
 </file>
 
 <file path=customXml/item1.xml><?xml version="1.0" encoding="utf-8"?>
-<p:properties xmlns:p="http://schemas.microsoft.com/office/2006/metadata/properties" xmlns:xsi="http://www.w3.org/2001/XMLSchema-instance" xmlns:pc="http://schemas.microsoft.com/office/infopath/2007/PartnerControls">
-  <documentManagement>
-    <_activity xmlns="841e8680-4293-4076-bfcf-f9a2b2231bdd" xsi:nil="true"/>
-  </documentManagement>
-</p:properties>
-</file>
-
-<file path=customXml/item2.xml><?xml version="1.0" encoding="utf-8"?>
 <ct:contentTypeSchema xmlns:ct="http://schemas.microsoft.com/office/2006/metadata/contentType" xmlns:ma="http://schemas.microsoft.com/office/2006/metadata/properties/metaAttributes" ct:_="" ma:_="" ma:contentTypeName="Document" ma:contentTypeID="0x010100D8558321CBD14A40ADC97F4E1EC88580" ma:contentTypeVersion="16" ma:contentTypeDescription="Create a new document." ma:contentTypeScope="" ma:versionID="7f10ada2703ab5a87e36b2d3130c569b">
   <xsd:schema xmlns:xsd="http://www.w3.org/2001/XMLSchema" xmlns:xs="http://www.w3.org/2001/XMLSchema" xmlns:p="http://schemas.microsoft.com/office/2006/metadata/properties" xmlns:ns3="e1e2823e-0627-4f7b-8512-977cf2b75da5" xmlns:ns4="841e8680-4293-4076-bfcf-f9a2b2231bdd" targetNamespace="http://schemas.microsoft.com/office/2006/metadata/properties" ma:root="true" ma:fieldsID="88152dd14bd4b30630478ce455527e6b" ns3:_="" ns4:_="">
     <xsd:import namespace="e1e2823e-0627-4f7b-8512-977cf2b75da5"/>
@@ -14876,6 +14996,14 @@
 </ct:contentTypeSchema>
 </file>
 
+<file path=customXml/item2.xml><?xml version="1.0" encoding="utf-8"?>
+<p:properties xmlns:p="http://schemas.microsoft.com/office/2006/metadata/properties" xmlns:xsi="http://www.w3.org/2001/XMLSchema-instance" xmlns:pc="http://schemas.microsoft.com/office/infopath/2007/PartnerControls">
+  <documentManagement>
+    <_activity xmlns="841e8680-4293-4076-bfcf-f9a2b2231bdd" xsi:nil="true"/>
+  </documentManagement>
+</p:properties>
+</file>
+
 <file path=customXml/item3.xml><?xml version="1.0" encoding="utf-8"?>
 <?mso-contentType ?>
 <FormTemplates xmlns="http://schemas.microsoft.com/sharepoint/v3/contenttype/forms">
@@ -14886,23 +15014,6 @@
 </file>
 
 <file path=customXml/itemProps1.xml><?xml version="1.0" encoding="utf-8"?>
-<ds:datastoreItem xmlns:ds="http://schemas.openxmlformats.org/officeDocument/2006/customXml" ds:itemID="{C3FEF923-5265-4CF9-82A3-3E5F50E7A64D}">
-  <ds:schemaRefs>
-    <ds:schemaRef ds:uri="e1e2823e-0627-4f7b-8512-977cf2b75da5"/>
-    <ds:schemaRef ds:uri="http://www.w3.org/XML/1998/namespace"/>
-    <ds:schemaRef ds:uri="http://schemas.openxmlformats.org/package/2006/metadata/core-properties"/>
-    <ds:schemaRef ds:uri="http://purl.org/dc/dcmitype/"/>
-    <ds:schemaRef ds:uri="http://schemas.microsoft.com/office/2006/documentManagement/types"/>
-    <ds:schemaRef ds:uri="http://schemas.microsoft.com/office/2006/metadata/properties"/>
-    <ds:schemaRef ds:uri="841e8680-4293-4076-bfcf-f9a2b2231bdd"/>
-    <ds:schemaRef ds:uri="http://purl.org/dc/terms/"/>
-    <ds:schemaRef ds:uri="http://schemas.microsoft.com/office/infopath/2007/PartnerControls"/>
-    <ds:schemaRef ds:uri="http://purl.org/dc/elements/1.1/"/>
-  </ds:schemaRefs>
-</ds:datastoreItem>
-</file>
-
-<file path=customXml/itemProps2.xml><?xml version="1.0" encoding="utf-8"?>
 <ds:datastoreItem xmlns:ds="http://schemas.openxmlformats.org/officeDocument/2006/customXml" ds:itemID="{DF826009-A018-4ABA-BD27-B3B4148E8553}">
   <ds:schemaRefs>
     <ds:schemaRef ds:uri="http://schemas.microsoft.com/office/2006/metadata/contentType"/>
@@ -14921,6 +15032,23 @@
 </ds:datastoreItem>
 </file>
 
+<file path=customXml/itemProps2.xml><?xml version="1.0" encoding="utf-8"?>
+<ds:datastoreItem xmlns:ds="http://schemas.openxmlformats.org/officeDocument/2006/customXml" ds:itemID="{C3FEF923-5265-4CF9-82A3-3E5F50E7A64D}">
+  <ds:schemaRefs>
+    <ds:schemaRef ds:uri="e1e2823e-0627-4f7b-8512-977cf2b75da5"/>
+    <ds:schemaRef ds:uri="http://www.w3.org/XML/1998/namespace"/>
+    <ds:schemaRef ds:uri="http://schemas.openxmlformats.org/package/2006/metadata/core-properties"/>
+    <ds:schemaRef ds:uri="http://purl.org/dc/dcmitype/"/>
+    <ds:schemaRef ds:uri="http://schemas.microsoft.com/office/2006/documentManagement/types"/>
+    <ds:schemaRef ds:uri="http://schemas.microsoft.com/office/2006/metadata/properties"/>
+    <ds:schemaRef ds:uri="841e8680-4293-4076-bfcf-f9a2b2231bdd"/>
+    <ds:schemaRef ds:uri="http://purl.org/dc/terms/"/>
+    <ds:schemaRef ds:uri="http://schemas.microsoft.com/office/infopath/2007/PartnerControls"/>
+    <ds:schemaRef ds:uri="http://purl.org/dc/elements/1.1/"/>
+  </ds:schemaRefs>
+</ds:datastoreItem>
+</file>
+
 <file path=customXml/itemProps3.xml><?xml version="1.0" encoding="utf-8"?>
 <ds:datastoreItem xmlns:ds="http://schemas.openxmlformats.org/officeDocument/2006/customXml" ds:itemID="{76DA871C-37EA-4583-ADDD-341591657930}">
   <ds:schemaRefs>
